--- a/PPT PRESENTATION.pptx
+++ b/PPT PRESENTATION.pptx
@@ -1,40 +1,472 @@
 
 <file path=ppt/presentation.xml><?xml version="1.0" encoding="utf-8"?>
-<p:presentation xmlns:a="http://schemas.openxmlformats.org/drawingml/2006/main" xmlns:p="http://schemas.openxmlformats.org/presentationml/2006/main" xmlns:r="http://schemas.openxmlformats.org/officeDocument/2006/relationships" xmlns:p14="http://schemas.microsoft.com/office/powerpoint/2010/main" xmlns:p15="http://schemas.microsoft.com/office/powerpoint/2012/main" xmlns:mc="http://schemas.openxmlformats.org/markup-compatibility/2006">
+<p:presentation xmlns:a="http://schemas.openxmlformats.org/drawingml/2006/main" xmlns:r="http://schemas.openxmlformats.org/officeDocument/2006/relationships" xmlns:p="http://schemas.openxmlformats.org/presentationml/2006/main">
   <p:sldMasterIdLst>
-    <p:sldMasterId id="2147483648" r:id="rId2"/>
-    <p:sldMasterId id="2147483661" r:id="rId3"/>
+    <p:sldMasterId id="2147483648" r:id="rId1"/>
+    <p:sldMasterId id="2147483661" r:id="rId2"/>
   </p:sldMasterIdLst>
   <p:notesMasterIdLst>
-    <p:notesMasterId r:id="rId4"/>
+    <p:notesMasterId r:id="rId21"/>
   </p:notesMasterIdLst>
   <p:sldIdLst>
-    <p:sldId id="256" r:id="rId5"/>
-    <p:sldId id="257" r:id="rId6"/>
-    <p:sldId id="258" r:id="rId7"/>
-    <p:sldId id="259" r:id="rId8"/>
-    <p:sldId id="260" r:id="rId9"/>
-    <p:sldId id="261" r:id="rId10"/>
-    <p:sldId id="262" r:id="rId11"/>
-    <p:sldId id="263" r:id="rId12"/>
-    <p:sldId id="264" r:id="rId13"/>
-    <p:sldId id="265" r:id="rId14"/>
-    <p:sldId id="266" r:id="rId15"/>
-    <p:sldId id="267" r:id="rId16"/>
-    <p:sldId id="268" r:id="rId17"/>
-    <p:sldId id="269" r:id="rId18"/>
-    <p:sldId id="270" r:id="rId19"/>
-    <p:sldId id="271" r:id="rId20"/>
-    <p:sldId id="272" r:id="rId21"/>
-    <p:sldId id="273" r:id="rId22"/>
+    <p:sldId id="256" r:id="rId3"/>
+    <p:sldId id="257" r:id="rId4"/>
+    <p:sldId id="258" r:id="rId5"/>
+    <p:sldId id="259" r:id="rId6"/>
+    <p:sldId id="260" r:id="rId7"/>
+    <p:sldId id="261" r:id="rId8"/>
+    <p:sldId id="262" r:id="rId9"/>
+    <p:sldId id="263" r:id="rId10"/>
+    <p:sldId id="264" r:id="rId11"/>
+    <p:sldId id="265" r:id="rId12"/>
+    <p:sldId id="266" r:id="rId13"/>
+    <p:sldId id="267" r:id="rId14"/>
+    <p:sldId id="268" r:id="rId15"/>
+    <p:sldId id="269" r:id="rId16"/>
+    <p:sldId id="270" r:id="rId17"/>
+    <p:sldId id="271" r:id="rId18"/>
+    <p:sldId id="272" r:id="rId19"/>
+    <p:sldId id="273" r:id="rId20"/>
   </p:sldIdLst>
   <p:sldSz cx="12192000" cy="6858000"/>
   <p:notesSz cx="6858000" cy="9144000"/>
+  <p:defaultTextStyle>
+    <a:defPPr>
+      <a:defRPr lang="en-US"/>
+    </a:defPPr>
+    <a:lvl1pPr marL="0" algn="l" defTabSz="914400" rtl="0" eaLnBrk="1" latinLnBrk="0" hangingPunct="1">
+      <a:defRPr sz="1800" kern="1200">
+        <a:solidFill>
+          <a:schemeClr val="tx1"/>
+        </a:solidFill>
+        <a:latin typeface="+mn-lt"/>
+        <a:ea typeface="+mn-ea"/>
+        <a:cs typeface="+mn-cs"/>
+      </a:defRPr>
+    </a:lvl1pPr>
+    <a:lvl2pPr marL="457200" algn="l" defTabSz="914400" rtl="0" eaLnBrk="1" latinLnBrk="0" hangingPunct="1">
+      <a:defRPr sz="1800" kern="1200">
+        <a:solidFill>
+          <a:schemeClr val="tx1"/>
+        </a:solidFill>
+        <a:latin typeface="+mn-lt"/>
+        <a:ea typeface="+mn-ea"/>
+        <a:cs typeface="+mn-cs"/>
+      </a:defRPr>
+    </a:lvl2pPr>
+    <a:lvl3pPr marL="914400" algn="l" defTabSz="914400" rtl="0" eaLnBrk="1" latinLnBrk="0" hangingPunct="1">
+      <a:defRPr sz="1800" kern="1200">
+        <a:solidFill>
+          <a:schemeClr val="tx1"/>
+        </a:solidFill>
+        <a:latin typeface="+mn-lt"/>
+        <a:ea typeface="+mn-ea"/>
+        <a:cs typeface="+mn-cs"/>
+      </a:defRPr>
+    </a:lvl3pPr>
+    <a:lvl4pPr marL="1371600" algn="l" defTabSz="914400" rtl="0" eaLnBrk="1" latinLnBrk="0" hangingPunct="1">
+      <a:defRPr sz="1800" kern="1200">
+        <a:solidFill>
+          <a:schemeClr val="tx1"/>
+        </a:solidFill>
+        <a:latin typeface="+mn-lt"/>
+        <a:ea typeface="+mn-ea"/>
+        <a:cs typeface="+mn-cs"/>
+      </a:defRPr>
+    </a:lvl4pPr>
+    <a:lvl5pPr marL="1828800" algn="l" defTabSz="914400" rtl="0" eaLnBrk="1" latinLnBrk="0" hangingPunct="1">
+      <a:defRPr sz="1800" kern="1200">
+        <a:solidFill>
+          <a:schemeClr val="tx1"/>
+        </a:solidFill>
+        <a:latin typeface="+mn-lt"/>
+        <a:ea typeface="+mn-ea"/>
+        <a:cs typeface="+mn-cs"/>
+      </a:defRPr>
+    </a:lvl5pPr>
+    <a:lvl6pPr marL="2286000" algn="l" defTabSz="914400" rtl="0" eaLnBrk="1" latinLnBrk="0" hangingPunct="1">
+      <a:defRPr sz="1800" kern="1200">
+        <a:solidFill>
+          <a:schemeClr val="tx1"/>
+        </a:solidFill>
+        <a:latin typeface="+mn-lt"/>
+        <a:ea typeface="+mn-ea"/>
+        <a:cs typeface="+mn-cs"/>
+      </a:defRPr>
+    </a:lvl6pPr>
+    <a:lvl7pPr marL="2743200" algn="l" defTabSz="914400" rtl="0" eaLnBrk="1" latinLnBrk="0" hangingPunct="1">
+      <a:defRPr sz="1800" kern="1200">
+        <a:solidFill>
+          <a:schemeClr val="tx1"/>
+        </a:solidFill>
+        <a:latin typeface="+mn-lt"/>
+        <a:ea typeface="+mn-ea"/>
+        <a:cs typeface="+mn-cs"/>
+      </a:defRPr>
+    </a:lvl7pPr>
+    <a:lvl8pPr marL="3200400" algn="l" defTabSz="914400" rtl="0" eaLnBrk="1" latinLnBrk="0" hangingPunct="1">
+      <a:defRPr sz="1800" kern="1200">
+        <a:solidFill>
+          <a:schemeClr val="tx1"/>
+        </a:solidFill>
+        <a:latin typeface="+mn-lt"/>
+        <a:ea typeface="+mn-ea"/>
+        <a:cs typeface="+mn-cs"/>
+      </a:defRPr>
+    </a:lvl8pPr>
+    <a:lvl9pPr marL="3657600" algn="l" defTabSz="914400" rtl="0" eaLnBrk="1" latinLnBrk="0" hangingPunct="1">
+      <a:defRPr sz="1800" kern="1200">
+        <a:solidFill>
+          <a:schemeClr val="tx1"/>
+        </a:solidFill>
+        <a:latin typeface="+mn-lt"/>
+        <a:ea typeface="+mn-ea"/>
+        <a:cs typeface="+mn-cs"/>
+      </a:defRPr>
+    </a:lvl9pPr>
+  </p:defaultTextStyle>
 </p:presentation>
 </file>
 
 <file path=ppt/notesMasters/notesMaster1.xml><?xml version="1.0" encoding="utf-8"?>
-<p:notesMaster xmlns:a="http://schemas.openxmlformats.org/drawingml/2006/main" xmlns:p="http://schemas.openxmlformats.org/presentationml/2006/main" xmlns:r="http://schemas.openxmlformats.org/officeDocument/2006/relationships" xmlns:p14="http://schemas.microsoft.com/office/powerpoint/2010/main" xmlns:p15="http://schemas.microsoft.com/office/powerpoint/2012/main" xmlns:mc="http://schemas.openxmlformats.org/markup-compatibility/2006">
+<p:notesMaster xmlns:a="http://schemas.openxmlformats.org/drawingml/2006/main" xmlns:r="http://schemas.openxmlformats.org/officeDocument/2006/relationships" xmlns:p="http://schemas.openxmlformats.org/presentationml/2006/main">
+  <p:cSld>
+    <p:bg>
+      <p:bgRef idx="1001">
+        <a:schemeClr val="bg1"/>
+      </p:bgRef>
+    </p:bg>
+    <p:spTree>
+      <p:nvGrpSpPr>
+        <p:cNvPr id="1" name=""/>
+        <p:cNvGrpSpPr/>
+        <p:nvPr/>
+      </p:nvGrpSpPr>
+      <p:grpSpPr>
+        <a:xfrm>
+          <a:off x="0" y="0"/>
+          <a:ext cx="0" cy="0"/>
+          <a:chOff x="0" y="0"/>
+          <a:chExt cx="0" cy="0"/>
+        </a:xfrm>
+      </p:grpSpPr>
+      <p:sp>
+        <p:nvSpPr>
+          <p:cNvPr id="86" name="PlaceHolder 1"/>
+          <p:cNvSpPr>
+            <a:spLocks noGrp="1" noRot="1" noChangeAspect="1"/>
+          </p:cNvSpPr>
+          <p:nvPr>
+            <p:ph type="sldImg"/>
+          </p:nvPr>
+        </p:nvSpPr>
+        <p:spPr>
+          <a:xfrm>
+            <a:off x="216000" y="812520"/>
+            <a:ext cx="7127280" cy="4008960"/>
+          </a:xfrm>
+          <a:prstGeom prst="rect">
+            <a:avLst/>
+          </a:prstGeom>
+        </p:spPr>
+        <p:txBody>
+          <a:bodyPr lIns="0" tIns="0" rIns="0" bIns="0" anchor="ctr">
+            <a:noAutofit/>
+          </a:bodyPr>
+          <a:lstStyle/>
+          <a:p>
+            <a:r>
+              <a:rPr lang="en-US" sz="1800" b="0" strike="noStrike" spc="-1">
+                <a:solidFill>
+                  <a:srgbClr val="000000"/>
+                </a:solidFill>
+                <a:latin typeface="Calibri"/>
+              </a:rPr>
+              <a:t>Click to move the slide</a:t>
+            </a:r>
+          </a:p>
+        </p:txBody>
+      </p:sp>
+      <p:sp>
+        <p:nvSpPr>
+          <p:cNvPr id="87" name="PlaceHolder 2"/>
+          <p:cNvSpPr>
+            <a:spLocks noGrp="1"/>
+          </p:cNvSpPr>
+          <p:nvPr>
+            <p:ph type="body"/>
+          </p:nvPr>
+        </p:nvSpPr>
+        <p:spPr>
+          <a:xfrm>
+            <a:off x="756000" y="5078520"/>
+            <a:ext cx="6047640" cy="4811040"/>
+          </a:xfrm>
+          <a:prstGeom prst="rect">
+            <a:avLst/>
+          </a:prstGeom>
+        </p:spPr>
+        <p:txBody>
+          <a:bodyPr lIns="0" tIns="0" rIns="0" bIns="0">
+            <a:noAutofit/>
+          </a:bodyPr>
+          <a:lstStyle/>
+          <a:p>
+            <a:r>
+              <a:rPr lang="en-IN" sz="2000" b="0" strike="noStrike" spc="-1">
+                <a:latin typeface="Arial"/>
+              </a:rPr>
+              <a:t>Click to edit the notes format</a:t>
+            </a:r>
+          </a:p>
+        </p:txBody>
+      </p:sp>
+      <p:sp>
+        <p:nvSpPr>
+          <p:cNvPr id="88" name="PlaceHolder 3"/>
+          <p:cNvSpPr>
+            <a:spLocks noGrp="1"/>
+          </p:cNvSpPr>
+          <p:nvPr>
+            <p:ph type="hdr"/>
+          </p:nvPr>
+        </p:nvSpPr>
+        <p:spPr>
+          <a:xfrm>
+            <a:off x="0" y="0"/>
+            <a:ext cx="3280680" cy="534240"/>
+          </a:xfrm>
+          <a:prstGeom prst="rect">
+            <a:avLst/>
+          </a:prstGeom>
+        </p:spPr>
+        <p:txBody>
+          <a:bodyPr lIns="0" tIns="0" rIns="0" bIns="0">
+            <a:noAutofit/>
+          </a:bodyPr>
+          <a:lstStyle/>
+          <a:p>
+            <a:r>
+              <a:rPr lang="en-IN" sz="1400" b="0" strike="noStrike" spc="-1">
+                <a:latin typeface="Times New Roman"/>
+              </a:rPr>
+              <a:t> </a:t>
+            </a:r>
+          </a:p>
+        </p:txBody>
+      </p:sp>
+      <p:sp>
+        <p:nvSpPr>
+          <p:cNvPr id="89" name="PlaceHolder 4"/>
+          <p:cNvSpPr>
+            <a:spLocks noGrp="1"/>
+          </p:cNvSpPr>
+          <p:nvPr>
+            <p:ph type="dt"/>
+          </p:nvPr>
+        </p:nvSpPr>
+        <p:spPr>
+          <a:xfrm>
+            <a:off x="4278960" y="0"/>
+            <a:ext cx="3280680" cy="534240"/>
+          </a:xfrm>
+          <a:prstGeom prst="rect">
+            <a:avLst/>
+          </a:prstGeom>
+        </p:spPr>
+        <p:txBody>
+          <a:bodyPr lIns="0" tIns="0" rIns="0" bIns="0">
+            <a:noAutofit/>
+          </a:bodyPr>
+          <a:lstStyle/>
+          <a:p>
+            <a:pPr algn="r"/>
+            <a:r>
+              <a:rPr lang="en-IN" sz="1400" b="0" strike="noStrike" spc="-1">
+                <a:latin typeface="Times New Roman"/>
+              </a:rPr>
+              <a:t> </a:t>
+            </a:r>
+          </a:p>
+        </p:txBody>
+      </p:sp>
+      <p:sp>
+        <p:nvSpPr>
+          <p:cNvPr id="90" name="PlaceHolder 5"/>
+          <p:cNvSpPr>
+            <a:spLocks noGrp="1"/>
+          </p:cNvSpPr>
+          <p:nvPr>
+            <p:ph type="ftr"/>
+          </p:nvPr>
+        </p:nvSpPr>
+        <p:spPr>
+          <a:xfrm>
+            <a:off x="0" y="10157400"/>
+            <a:ext cx="3280680" cy="534240"/>
+          </a:xfrm>
+          <a:prstGeom prst="rect">
+            <a:avLst/>
+          </a:prstGeom>
+        </p:spPr>
+        <p:txBody>
+          <a:bodyPr lIns="0" tIns="0" rIns="0" bIns="0" anchor="b">
+            <a:noAutofit/>
+          </a:bodyPr>
+          <a:lstStyle/>
+          <a:p>
+            <a:r>
+              <a:rPr lang="en-IN" sz="1400" b="0" strike="noStrike" spc="-1">
+                <a:latin typeface="Times New Roman"/>
+              </a:rPr>
+              <a:t> </a:t>
+            </a:r>
+          </a:p>
+        </p:txBody>
+      </p:sp>
+      <p:sp>
+        <p:nvSpPr>
+          <p:cNvPr id="91" name="PlaceHolder 6"/>
+          <p:cNvSpPr>
+            <a:spLocks noGrp="1"/>
+          </p:cNvSpPr>
+          <p:nvPr>
+            <p:ph type="sldNum"/>
+          </p:nvPr>
+        </p:nvSpPr>
+        <p:spPr>
+          <a:xfrm>
+            <a:off x="4278960" y="10157400"/>
+            <a:ext cx="3280680" cy="534240"/>
+          </a:xfrm>
+          <a:prstGeom prst="rect">
+            <a:avLst/>
+          </a:prstGeom>
+        </p:spPr>
+        <p:txBody>
+          <a:bodyPr lIns="0" tIns="0" rIns="0" bIns="0" anchor="b">
+            <a:noAutofit/>
+          </a:bodyPr>
+          <a:lstStyle/>
+          <a:p>
+            <a:pPr algn="r"/>
+            <a:fld id="{2F905501-086B-40BA-9D3E-EF1A7282A75C}" type="slidenum">
+              <a:rPr lang="en-IN" sz="1400" b="0" strike="noStrike" spc="-1">
+                <a:latin typeface="Times New Roman"/>
+              </a:rPr>
+              <a:t>‹#›</a:t>
+            </a:fld>
+            <a:endParaRPr lang="en-IN" sz="1400" b="0" strike="noStrike" spc="-1">
+              <a:latin typeface="Times New Roman"/>
+            </a:endParaRPr>
+          </a:p>
+        </p:txBody>
+      </p:sp>
+    </p:spTree>
+    <p:extLst>
+      <p:ext uri="{BB962C8B-B14F-4D97-AF65-F5344CB8AC3E}">
+        <p14:creationId xmlns:p14="http://schemas.microsoft.com/office/powerpoint/2010/main" val="1581697880"/>
+      </p:ext>
+    </p:extLst>
+  </p:cSld>
+  <p:clrMap bg1="lt1" tx1="dk1" bg2="lt2" tx2="dk2" accent1="accent1" accent2="accent2" accent3="accent3" accent4="accent4" accent5="accent5" accent6="accent6" hlink="hlink" folHlink="folHlink"/>
+  <p:notesStyle>
+    <a:lvl1pPr marL="0" algn="l" defTabSz="914400" rtl="0" eaLnBrk="1" latinLnBrk="0" hangingPunct="1">
+      <a:defRPr sz="1200" kern="1200">
+        <a:solidFill>
+          <a:schemeClr val="tx1"/>
+        </a:solidFill>
+        <a:latin typeface="+mn-lt"/>
+        <a:ea typeface="+mn-ea"/>
+        <a:cs typeface="+mn-cs"/>
+      </a:defRPr>
+    </a:lvl1pPr>
+    <a:lvl2pPr marL="457200" algn="l" defTabSz="914400" rtl="0" eaLnBrk="1" latinLnBrk="0" hangingPunct="1">
+      <a:defRPr sz="1200" kern="1200">
+        <a:solidFill>
+          <a:schemeClr val="tx1"/>
+        </a:solidFill>
+        <a:latin typeface="+mn-lt"/>
+        <a:ea typeface="+mn-ea"/>
+        <a:cs typeface="+mn-cs"/>
+      </a:defRPr>
+    </a:lvl2pPr>
+    <a:lvl3pPr marL="914400" algn="l" defTabSz="914400" rtl="0" eaLnBrk="1" latinLnBrk="0" hangingPunct="1">
+      <a:defRPr sz="1200" kern="1200">
+        <a:solidFill>
+          <a:schemeClr val="tx1"/>
+        </a:solidFill>
+        <a:latin typeface="+mn-lt"/>
+        <a:ea typeface="+mn-ea"/>
+        <a:cs typeface="+mn-cs"/>
+      </a:defRPr>
+    </a:lvl3pPr>
+    <a:lvl4pPr marL="1371600" algn="l" defTabSz="914400" rtl="0" eaLnBrk="1" latinLnBrk="0" hangingPunct="1">
+      <a:defRPr sz="1200" kern="1200">
+        <a:solidFill>
+          <a:schemeClr val="tx1"/>
+        </a:solidFill>
+        <a:latin typeface="+mn-lt"/>
+        <a:ea typeface="+mn-ea"/>
+        <a:cs typeface="+mn-cs"/>
+      </a:defRPr>
+    </a:lvl4pPr>
+    <a:lvl5pPr marL="1828800" algn="l" defTabSz="914400" rtl="0" eaLnBrk="1" latinLnBrk="0" hangingPunct="1">
+      <a:defRPr sz="1200" kern="1200">
+        <a:solidFill>
+          <a:schemeClr val="tx1"/>
+        </a:solidFill>
+        <a:latin typeface="+mn-lt"/>
+        <a:ea typeface="+mn-ea"/>
+        <a:cs typeface="+mn-cs"/>
+      </a:defRPr>
+    </a:lvl5pPr>
+    <a:lvl6pPr marL="2286000" algn="l" defTabSz="914400" rtl="0" eaLnBrk="1" latinLnBrk="0" hangingPunct="1">
+      <a:defRPr sz="1200" kern="1200">
+        <a:solidFill>
+          <a:schemeClr val="tx1"/>
+        </a:solidFill>
+        <a:latin typeface="+mn-lt"/>
+        <a:ea typeface="+mn-ea"/>
+        <a:cs typeface="+mn-cs"/>
+      </a:defRPr>
+    </a:lvl6pPr>
+    <a:lvl7pPr marL="2743200" algn="l" defTabSz="914400" rtl="0" eaLnBrk="1" latinLnBrk="0" hangingPunct="1">
+      <a:defRPr sz="1200" kern="1200">
+        <a:solidFill>
+          <a:schemeClr val="tx1"/>
+        </a:solidFill>
+        <a:latin typeface="+mn-lt"/>
+        <a:ea typeface="+mn-ea"/>
+        <a:cs typeface="+mn-cs"/>
+      </a:defRPr>
+    </a:lvl7pPr>
+    <a:lvl8pPr marL="3200400" algn="l" defTabSz="914400" rtl="0" eaLnBrk="1" latinLnBrk="0" hangingPunct="1">
+      <a:defRPr sz="1200" kern="1200">
+        <a:solidFill>
+          <a:schemeClr val="tx1"/>
+        </a:solidFill>
+        <a:latin typeface="+mn-lt"/>
+        <a:ea typeface="+mn-ea"/>
+        <a:cs typeface="+mn-cs"/>
+      </a:defRPr>
+    </a:lvl8pPr>
+    <a:lvl9pPr marL="3657600" algn="l" defTabSz="914400" rtl="0" eaLnBrk="1" latinLnBrk="0" hangingPunct="1">
+      <a:defRPr sz="1200" kern="1200">
+        <a:solidFill>
+          <a:schemeClr val="tx1"/>
+        </a:solidFill>
+        <a:latin typeface="+mn-lt"/>
+        <a:ea typeface="+mn-ea"/>
+        <a:cs typeface="+mn-cs"/>
+      </a:defRPr>
+    </a:lvl9pPr>
+  </p:notesStyle>
+</p:notesMaster>
+</file>
+
+<file path=ppt/notesSlides/notesSlide1.xml><?xml version="1.0" encoding="utf-8"?>
+<p:notes xmlns:a="http://schemas.openxmlformats.org/drawingml/2006/main" xmlns:r="http://schemas.openxmlformats.org/officeDocument/2006/relationships" xmlns:p="http://schemas.openxmlformats.org/presentationml/2006/main">
   <p:cSld>
     <p:spTree>
       <p:nvGrpSpPr>
@@ -52,9 +484,9 @@
       </p:grpSpPr>
       <p:sp>
         <p:nvSpPr>
-          <p:cNvPr id="86" name="PlaceHolder 1"/>
+          <p:cNvPr id="196" name="PlaceHolder 1"/>
           <p:cNvSpPr>
-            <a:spLocks noGrp="1"/>
+            <a:spLocks noGrp="1" noRot="1" noChangeAspect="1"/>
           </p:cNvSpPr>
           <p:nvPr>
             <p:ph type="sldImg"/>
@@ -62,39 +494,17 @@
         </p:nvSpPr>
         <p:spPr>
           <a:xfrm>
-            <a:off x="216000" y="812520"/>
-            <a:ext cx="7127280" cy="4008960"/>
-          </a:xfrm>
-          <a:prstGeom prst="rect">
-            <a:avLst/>
-          </a:prstGeom>
-        </p:spPr>
-        <p:txBody>
-          <a:bodyPr lIns="0" rIns="0" tIns="0" bIns="0" anchor="ctr">
-            <a:noAutofit/>
-          </a:bodyPr>
-          <a:p>
-            <a:r>
-              <a:rPr b="0" lang="en-US" sz="1800" spc="-1" strike="noStrike">
-                <a:solidFill>
-                  <a:srgbClr val="000000"/>
-                </a:solidFill>
-                <a:latin typeface="Calibri"/>
-              </a:rPr>
-              <a:t>Click to move the slide</a:t>
-            </a:r>
-            <a:endParaRPr b="0" lang="en-US" sz="1800" spc="-1" strike="noStrike">
-              <a:solidFill>
-                <a:srgbClr val="000000"/>
-              </a:solidFill>
-              <a:latin typeface="Calibri"/>
-            </a:endParaRPr>
-          </a:p>
-        </p:txBody>
-      </p:sp>
-      <p:sp>
-        <p:nvSpPr>
-          <p:cNvPr id="87" name="PlaceHolder 2"/>
+            <a:off x="381000" y="685800"/>
+            <a:ext cx="6096000" cy="3429000"/>
+          </a:xfrm>
+          <a:prstGeom prst="rect">
+            <a:avLst/>
+          </a:prstGeom>
+        </p:spPr>
+      </p:sp>
+      <p:sp>
+        <p:nvSpPr>
+          <p:cNvPr id="197" name="PlaceHolder 2"/>
           <p:cNvSpPr>
             <a:spLocks noGrp="1"/>
           </p:cNvSpPr>
@@ -104,184 +514,86 @@
         </p:nvSpPr>
         <p:spPr>
           <a:xfrm>
-            <a:off x="756000" y="5078520"/>
-            <a:ext cx="6047640" cy="4811040"/>
-          </a:xfrm>
-          <a:prstGeom prst="rect">
-            <a:avLst/>
-          </a:prstGeom>
-        </p:spPr>
-        <p:txBody>
-          <a:bodyPr lIns="0" rIns="0" tIns="0" bIns="0">
+            <a:off x="685800" y="4343400"/>
+            <a:ext cx="5486040" cy="4114440"/>
+          </a:xfrm>
+          <a:prstGeom prst="rect">
+            <a:avLst/>
+          </a:prstGeom>
+        </p:spPr>
+        <p:txBody>
+          <a:bodyPr>
+            <a:normAutofit/>
+          </a:bodyPr>
+          <a:lstStyle/>
+          <a:p>
+            <a:endParaRPr lang="en-IN" sz="2000" b="0" strike="noStrike" spc="-1">
+              <a:latin typeface="Arial"/>
+            </a:endParaRPr>
+          </a:p>
+        </p:txBody>
+      </p:sp>
+      <p:sp>
+        <p:nvSpPr>
+          <p:cNvPr id="198" name="TextShape 3"/>
+          <p:cNvSpPr txBox="1"/>
+          <p:nvPr/>
+        </p:nvSpPr>
+        <p:spPr>
+          <a:xfrm>
+            <a:off x="3884760" y="8685360"/>
+            <a:ext cx="2971440" cy="456840"/>
+          </a:xfrm>
+          <a:prstGeom prst="rect">
+            <a:avLst/>
+          </a:prstGeom>
+          <a:noFill/>
+          <a:ln>
+            <a:noFill/>
+          </a:ln>
+        </p:spPr>
+        <p:txBody>
+          <a:bodyPr anchor="b">
             <a:noAutofit/>
           </a:bodyPr>
-          <a:p>
-            <a:r>
-              <a:rPr b="0" lang="en-IN" sz="2000" spc="-1" strike="noStrike">
-                <a:latin typeface="Arial"/>
-              </a:rPr>
-              <a:t>Click to edit the notes format</a:t>
-            </a:r>
-            <a:endParaRPr b="0" lang="en-IN" sz="2000" spc="-1" strike="noStrike">
-              <a:latin typeface="Arial"/>
-            </a:endParaRPr>
-          </a:p>
-        </p:txBody>
-      </p:sp>
-      <p:sp>
-        <p:nvSpPr>
-          <p:cNvPr id="88" name="PlaceHolder 3"/>
-          <p:cNvSpPr>
-            <a:spLocks noGrp="1"/>
-          </p:cNvSpPr>
-          <p:nvPr>
-            <p:ph type="hdr"/>
-          </p:nvPr>
-        </p:nvSpPr>
-        <p:spPr>
-          <a:xfrm>
-            <a:off x="0" y="0"/>
-            <a:ext cx="3280680" cy="534240"/>
-          </a:xfrm>
-          <a:prstGeom prst="rect">
-            <a:avLst/>
-          </a:prstGeom>
-        </p:spPr>
-        <p:txBody>
-          <a:bodyPr lIns="0" rIns="0" tIns="0" bIns="0">
-            <a:noAutofit/>
-          </a:bodyPr>
-          <a:p>
-            <a:r>
-              <a:rPr b="0" lang="en-IN" sz="1400" spc="-1" strike="noStrike">
-                <a:latin typeface="Times New Roman"/>
-              </a:rPr>
-              <a:t> </a:t>
-            </a:r>
-            <a:endParaRPr b="0" lang="en-IN" sz="1400" spc="-1" strike="noStrike">
-              <a:latin typeface="Times New Roman"/>
-            </a:endParaRPr>
-          </a:p>
-        </p:txBody>
-      </p:sp>
-      <p:sp>
-        <p:nvSpPr>
-          <p:cNvPr id="89" name="PlaceHolder 4"/>
-          <p:cNvSpPr>
-            <a:spLocks noGrp="1"/>
-          </p:cNvSpPr>
-          <p:nvPr>
-            <p:ph type="dt"/>
-          </p:nvPr>
-        </p:nvSpPr>
-        <p:spPr>
-          <a:xfrm>
-            <a:off x="4278960" y="0"/>
-            <a:ext cx="3280680" cy="534240"/>
-          </a:xfrm>
-          <a:prstGeom prst="rect">
-            <a:avLst/>
-          </a:prstGeom>
-        </p:spPr>
-        <p:txBody>
-          <a:bodyPr lIns="0" rIns="0" tIns="0" bIns="0">
-            <a:noAutofit/>
-          </a:bodyPr>
-          <a:p>
-            <a:pPr algn="r"/>
-            <a:r>
-              <a:rPr b="0" lang="en-IN" sz="1400" spc="-1" strike="noStrike">
-                <a:latin typeface="Times New Roman"/>
-              </a:rPr>
-              <a:t> </a:t>
-            </a:r>
-            <a:endParaRPr b="0" lang="en-IN" sz="1400" spc="-1" strike="noStrike">
-              <a:latin typeface="Times New Roman"/>
-            </a:endParaRPr>
-          </a:p>
-        </p:txBody>
-      </p:sp>
-      <p:sp>
-        <p:nvSpPr>
-          <p:cNvPr id="90" name="PlaceHolder 5"/>
-          <p:cNvSpPr>
-            <a:spLocks noGrp="1"/>
-          </p:cNvSpPr>
-          <p:nvPr>
-            <p:ph type="ftr"/>
-          </p:nvPr>
-        </p:nvSpPr>
-        <p:spPr>
-          <a:xfrm>
-            <a:off x="0" y="10157400"/>
-            <a:ext cx="3280680" cy="534240"/>
-          </a:xfrm>
-          <a:prstGeom prst="rect">
-            <a:avLst/>
-          </a:prstGeom>
-        </p:spPr>
-        <p:txBody>
-          <a:bodyPr lIns="0" rIns="0" tIns="0" bIns="0" anchor="b">
-            <a:noAutofit/>
-          </a:bodyPr>
-          <a:p>
-            <a:r>
-              <a:rPr b="0" lang="en-IN" sz="1400" spc="-1" strike="noStrike">
-                <a:latin typeface="Times New Roman"/>
-              </a:rPr>
-              <a:t> </a:t>
-            </a:r>
-            <a:endParaRPr b="0" lang="en-IN" sz="1400" spc="-1" strike="noStrike">
-              <a:latin typeface="Times New Roman"/>
-            </a:endParaRPr>
-          </a:p>
-        </p:txBody>
-      </p:sp>
-      <p:sp>
-        <p:nvSpPr>
-          <p:cNvPr id="91" name="PlaceHolder 6"/>
-          <p:cNvSpPr>
-            <a:spLocks noGrp="1"/>
-          </p:cNvSpPr>
-          <p:nvPr>
-            <p:ph type="sldNum"/>
-          </p:nvPr>
-        </p:nvSpPr>
-        <p:spPr>
-          <a:xfrm>
-            <a:off x="4278960" y="10157400"/>
-            <a:ext cx="3280680" cy="534240"/>
-          </a:xfrm>
-          <a:prstGeom prst="rect">
-            <a:avLst/>
-          </a:prstGeom>
-        </p:spPr>
-        <p:txBody>
-          <a:bodyPr lIns="0" rIns="0" tIns="0" bIns="0" anchor="b">
-            <a:noAutofit/>
-          </a:bodyPr>
-          <a:p>
-            <a:pPr algn="r"/>
-            <a:fld id="{2F905501-086B-40BA-9D3E-EF1A7282A75C}" type="slidenum">
-              <a:rPr b="0" lang="en-IN" sz="1400" spc="-1" strike="noStrike">
-                <a:latin typeface="Times New Roman"/>
+          <a:lstStyle/>
+          <a:p>
+            <a:pPr algn="r">
+              <a:lnSpc>
+                <a:spcPct val="100000"/>
+              </a:lnSpc>
+            </a:pPr>
+            <a:fld id="{3E231D07-FC4F-4CCD-A0AD-60F2CE6CCC02}" type="slidenum">
+              <a:rPr lang="en-IN" sz="1200" b="0" strike="noStrike" spc="-1">
+                <a:solidFill>
+                  <a:srgbClr val="000000"/>
+                </a:solidFill>
+                <a:latin typeface="+mn-lt"/>
+                <a:ea typeface="+mn-ea"/>
               </a:rPr>
               <a:t>1</a:t>
             </a:fld>
-            <a:endParaRPr b="0" lang="en-IN" sz="1400" spc="-1" strike="noStrike">
+            <a:endParaRPr lang="en-IN" sz="1200" b="0" strike="noStrike" spc="-1">
               <a:latin typeface="Times New Roman"/>
             </a:endParaRPr>
           </a:p>
         </p:txBody>
       </p:sp>
     </p:spTree>
+    <p:extLst>
+      <p:ext uri="{BB962C8B-B14F-4D97-AF65-F5344CB8AC3E}">
+        <p14:creationId xmlns:p14="http://schemas.microsoft.com/office/powerpoint/2010/main" val="1020965019"/>
+      </p:ext>
+    </p:extLst>
   </p:cSld>
-  <p:clrMap bg1="lt1" bg2="lt2" tx1="dk1" tx2="dk2" accent1="accent1" accent2="accent2" accent3="accent3" accent4="accent4" accent5="accent5" accent6="accent6" hlink="hlink" folHlink="folHlink"/>
-</p:notesMaster>
+  <p:clrMapOvr>
+    <a:masterClrMapping/>
+  </p:clrMapOvr>
+</p:notes>
 </file>
 
-<file path=ppt/notesSlides/notesSlide1.xml><?xml version="1.0" encoding="utf-8"?>
-<p:notes xmlns:a="http://schemas.openxmlformats.org/drawingml/2006/main" xmlns:p="http://schemas.openxmlformats.org/presentationml/2006/main" xmlns:r="http://schemas.openxmlformats.org/officeDocument/2006/relationships" xmlns:p14="http://schemas.microsoft.com/office/powerpoint/2010/main" xmlns:p15="http://schemas.microsoft.com/office/powerpoint/2012/main" xmlns:mc="http://schemas.openxmlformats.org/markup-compatibility/2006">
+<file path=ppt/notesSlides/notesSlide10.xml><?xml version="1.0" encoding="utf-8"?>
+<p:notes xmlns:a="http://schemas.openxmlformats.org/drawingml/2006/main" xmlns:r="http://schemas.openxmlformats.org/officeDocument/2006/relationships" xmlns:p="http://schemas.openxmlformats.org/presentationml/2006/main">
   <p:cSld>
     <p:spTree>
       <p:nvGrpSpPr>
@@ -299,9 +611,9 @@
       </p:grpSpPr>
       <p:sp>
         <p:nvSpPr>
-          <p:cNvPr id="196" name="PlaceHolder 1"/>
+          <p:cNvPr id="223" name="PlaceHolder 1"/>
           <p:cNvSpPr>
-            <a:spLocks noGrp="1"/>
+            <a:spLocks noGrp="1" noRot="1" noChangeAspect="1"/>
           </p:cNvSpPr>
           <p:nvPr>
             <p:ph type="sldImg"/>
@@ -319,7 +631,7 @@
       </p:sp>
       <p:sp>
         <p:nvSpPr>
-          <p:cNvPr id="197" name="PlaceHolder 2"/>
+          <p:cNvPr id="224" name="PlaceHolder 2"/>
           <p:cNvSpPr>
             <a:spLocks noGrp="1"/>
           </p:cNvSpPr>
@@ -340,8 +652,9 @@
           <a:bodyPr>
             <a:normAutofit/>
           </a:bodyPr>
-          <a:p>
-            <a:endParaRPr b="0" lang="en-IN" sz="2000" spc="-1" strike="noStrike">
+          <a:lstStyle/>
+          <a:p>
+            <a:endParaRPr lang="en-IN" sz="2000" b="0" strike="noStrike" spc="-1">
               <a:latin typeface="Arial"/>
             </a:endParaRPr>
           </a:p>
@@ -349,7 +662,7 @@
       </p:sp>
       <p:sp>
         <p:nvSpPr>
-          <p:cNvPr id="198" name="TextShape 3"/>
+          <p:cNvPr id="225" name="TextShape 3"/>
           <p:cNvSpPr txBox="1"/>
           <p:nvPr/>
         </p:nvSpPr>
@@ -370,35 +683,44 @@
           <a:bodyPr anchor="b">
             <a:noAutofit/>
           </a:bodyPr>
+          <a:lstStyle/>
           <a:p>
             <a:pPr algn="r">
               <a:lnSpc>
                 <a:spcPct val="100000"/>
               </a:lnSpc>
             </a:pPr>
-            <a:fld id="{3E231D07-FC4F-4CCD-A0AD-60F2CE6CCC02}" type="slidenum">
-              <a:rPr b="0" lang="en-IN" sz="1200" spc="-1" strike="noStrike">
+            <a:fld id="{7D499222-2218-4FE4-A400-79F56757106C}" type="slidenum">
+              <a:rPr lang="en-IN" sz="1200" b="0" strike="noStrike" spc="-1">
                 <a:solidFill>
                   <a:srgbClr val="000000"/>
                 </a:solidFill>
                 <a:latin typeface="+mn-lt"/>
                 <a:ea typeface="+mn-ea"/>
               </a:rPr>
-              <a:t>1</a:t>
+              <a:t>15</a:t>
             </a:fld>
-            <a:endParaRPr b="0" lang="en-IN" sz="1200" spc="-1" strike="noStrike">
+            <a:endParaRPr lang="en-IN" sz="1200" b="0" strike="noStrike" spc="-1">
               <a:latin typeface="Times New Roman"/>
             </a:endParaRPr>
           </a:p>
         </p:txBody>
       </p:sp>
     </p:spTree>
+    <p:extLst>
+      <p:ext uri="{BB962C8B-B14F-4D97-AF65-F5344CB8AC3E}">
+        <p14:creationId xmlns:p14="http://schemas.microsoft.com/office/powerpoint/2010/main" val="3038608194"/>
+      </p:ext>
+    </p:extLst>
   </p:cSld>
+  <p:clrMapOvr>
+    <a:masterClrMapping/>
+  </p:clrMapOvr>
 </p:notes>
 </file>
 
-<file path=ppt/notesSlides/notesSlide10.xml><?xml version="1.0" encoding="utf-8"?>
-<p:notes xmlns:a="http://schemas.openxmlformats.org/drawingml/2006/main" xmlns:p="http://schemas.openxmlformats.org/presentationml/2006/main" xmlns:r="http://schemas.openxmlformats.org/officeDocument/2006/relationships" xmlns:p14="http://schemas.microsoft.com/office/powerpoint/2010/main" xmlns:p15="http://schemas.microsoft.com/office/powerpoint/2012/main" xmlns:mc="http://schemas.openxmlformats.org/markup-compatibility/2006">
+<file path=ppt/notesSlides/notesSlide2.xml><?xml version="1.0" encoding="utf-8"?>
+<p:notes xmlns:a="http://schemas.openxmlformats.org/drawingml/2006/main" xmlns:r="http://schemas.openxmlformats.org/officeDocument/2006/relationships" xmlns:p="http://schemas.openxmlformats.org/presentationml/2006/main">
   <p:cSld>
     <p:spTree>
       <p:nvGrpSpPr>
@@ -416,9 +738,9 @@
       </p:grpSpPr>
       <p:sp>
         <p:nvSpPr>
-          <p:cNvPr id="208" name="PlaceHolder 1"/>
+          <p:cNvPr id="199" name="PlaceHolder 1"/>
           <p:cNvSpPr>
-            <a:spLocks noGrp="1"/>
+            <a:spLocks noGrp="1" noRot="1" noChangeAspect="1"/>
           </p:cNvSpPr>
           <p:nvPr>
             <p:ph type="sldImg"/>
@@ -436,7 +758,7 @@
       </p:sp>
       <p:sp>
         <p:nvSpPr>
-          <p:cNvPr id="209" name="PlaceHolder 2"/>
+          <p:cNvPr id="200" name="PlaceHolder 2"/>
           <p:cNvSpPr>
             <a:spLocks noGrp="1"/>
           </p:cNvSpPr>
@@ -457,8 +779,9 @@
           <a:bodyPr>
             <a:normAutofit/>
           </a:bodyPr>
-          <a:p>
-            <a:endParaRPr b="0" lang="en-IN" sz="2000" spc="-1" strike="noStrike">
+          <a:lstStyle/>
+          <a:p>
+            <a:endParaRPr lang="en-IN" sz="2000" b="0" strike="noStrike" spc="-1">
               <a:latin typeface="Arial"/>
             </a:endParaRPr>
           </a:p>
@@ -466,7 +789,7 @@
       </p:sp>
       <p:sp>
         <p:nvSpPr>
-          <p:cNvPr id="210" name="TextShape 3"/>
+          <p:cNvPr id="201" name="TextShape 3"/>
           <p:cNvSpPr txBox="1"/>
           <p:nvPr/>
         </p:nvSpPr>
@@ -487,35 +810,44 @@
           <a:bodyPr anchor="b">
             <a:noAutofit/>
           </a:bodyPr>
+          <a:lstStyle/>
           <a:p>
             <a:pPr algn="r">
               <a:lnSpc>
                 <a:spcPct val="100000"/>
               </a:lnSpc>
             </a:pPr>
-            <a:fld id="{4922550B-2372-4006-B193-4B9FA6C21FAA}" type="slidenum">
-              <a:rPr b="0" lang="en-IN" sz="1200" spc="-1" strike="noStrike">
+            <a:fld id="{240807DF-1860-4156-91C3-5CA39B3BE75E}" type="slidenum">
+              <a:rPr lang="en-IN" sz="1200" b="0" strike="noStrike" spc="-1">
                 <a:solidFill>
                   <a:srgbClr val="000000"/>
                 </a:solidFill>
                 <a:latin typeface="+mn-lt"/>
                 <a:ea typeface="+mn-ea"/>
               </a:rPr>
-              <a:t>10</a:t>
+              <a:t>7</a:t>
             </a:fld>
-            <a:endParaRPr b="0" lang="en-IN" sz="1200" spc="-1" strike="noStrike">
+            <a:endParaRPr lang="en-IN" sz="1200" b="0" strike="noStrike" spc="-1">
               <a:latin typeface="Times New Roman"/>
             </a:endParaRPr>
           </a:p>
         </p:txBody>
       </p:sp>
     </p:spTree>
+    <p:extLst>
+      <p:ext uri="{BB962C8B-B14F-4D97-AF65-F5344CB8AC3E}">
+        <p14:creationId xmlns:p14="http://schemas.microsoft.com/office/powerpoint/2010/main" val="3694312651"/>
+      </p:ext>
+    </p:extLst>
   </p:cSld>
+  <p:clrMapOvr>
+    <a:masterClrMapping/>
+  </p:clrMapOvr>
 </p:notes>
 </file>
 
-<file path=ppt/notesSlides/notesSlide11.xml><?xml version="1.0" encoding="utf-8"?>
-<p:notes xmlns:a="http://schemas.openxmlformats.org/drawingml/2006/main" xmlns:p="http://schemas.openxmlformats.org/presentationml/2006/main" xmlns:r="http://schemas.openxmlformats.org/officeDocument/2006/relationships" xmlns:p14="http://schemas.microsoft.com/office/powerpoint/2010/main" xmlns:p15="http://schemas.microsoft.com/office/powerpoint/2012/main" xmlns:mc="http://schemas.openxmlformats.org/markup-compatibility/2006">
+<file path=ppt/notesSlides/notesSlide3.xml><?xml version="1.0" encoding="utf-8"?>
+<p:notes xmlns:a="http://schemas.openxmlformats.org/drawingml/2006/main" xmlns:r="http://schemas.openxmlformats.org/officeDocument/2006/relationships" xmlns:p="http://schemas.openxmlformats.org/presentationml/2006/main">
   <p:cSld>
     <p:spTree>
       <p:nvGrpSpPr>
@@ -533,9 +865,9 @@
       </p:grpSpPr>
       <p:sp>
         <p:nvSpPr>
-          <p:cNvPr id="211" name="PlaceHolder 1"/>
+          <p:cNvPr id="202" name="PlaceHolder 1"/>
           <p:cNvSpPr>
-            <a:spLocks noGrp="1"/>
+            <a:spLocks noGrp="1" noRot="1" noChangeAspect="1"/>
           </p:cNvSpPr>
           <p:nvPr>
             <p:ph type="sldImg"/>
@@ -553,7 +885,7 @@
       </p:sp>
       <p:sp>
         <p:nvSpPr>
-          <p:cNvPr id="212" name="PlaceHolder 2"/>
+          <p:cNvPr id="203" name="PlaceHolder 2"/>
           <p:cNvSpPr>
             <a:spLocks noGrp="1"/>
           </p:cNvSpPr>
@@ -574,8 +906,9 @@
           <a:bodyPr>
             <a:normAutofit/>
           </a:bodyPr>
-          <a:p>
-            <a:endParaRPr b="0" lang="en-IN" sz="2000" spc="-1" strike="noStrike">
+          <a:lstStyle/>
+          <a:p>
+            <a:endParaRPr lang="en-IN" sz="2000" b="0" strike="noStrike" spc="-1">
               <a:latin typeface="Arial"/>
             </a:endParaRPr>
           </a:p>
@@ -583,7 +916,7 @@
       </p:sp>
       <p:sp>
         <p:nvSpPr>
-          <p:cNvPr id="213" name="TextShape 3"/>
+          <p:cNvPr id="204" name="TextShape 3"/>
           <p:cNvSpPr txBox="1"/>
           <p:nvPr/>
         </p:nvSpPr>
@@ -604,35 +937,44 @@
           <a:bodyPr anchor="b">
             <a:noAutofit/>
           </a:bodyPr>
+          <a:lstStyle/>
           <a:p>
             <a:pPr algn="r">
               <a:lnSpc>
                 <a:spcPct val="100000"/>
               </a:lnSpc>
             </a:pPr>
-            <a:fld id="{B1DD4650-3E67-4ECC-A14B-73C403980661}" type="slidenum">
-              <a:rPr b="0" lang="en-IN" sz="1200" spc="-1" strike="noStrike">
+            <a:fld id="{6D6CB900-7165-46A8-ADD9-C846BB0BD139}" type="slidenum">
+              <a:rPr lang="en-IN" sz="1200" b="0" strike="noStrike" spc="-1">
                 <a:solidFill>
                   <a:srgbClr val="000000"/>
                 </a:solidFill>
                 <a:latin typeface="+mn-lt"/>
                 <a:ea typeface="+mn-ea"/>
               </a:rPr>
-              <a:t>11</a:t>
+              <a:t>8</a:t>
             </a:fld>
-            <a:endParaRPr b="0" lang="en-IN" sz="1200" spc="-1" strike="noStrike">
+            <a:endParaRPr lang="en-IN" sz="1200" b="0" strike="noStrike" spc="-1">
               <a:latin typeface="Times New Roman"/>
             </a:endParaRPr>
           </a:p>
         </p:txBody>
       </p:sp>
     </p:spTree>
+    <p:extLst>
+      <p:ext uri="{BB962C8B-B14F-4D97-AF65-F5344CB8AC3E}">
+        <p14:creationId xmlns:p14="http://schemas.microsoft.com/office/powerpoint/2010/main" val="3553706212"/>
+      </p:ext>
+    </p:extLst>
   </p:cSld>
+  <p:clrMapOvr>
+    <a:masterClrMapping/>
+  </p:clrMapOvr>
 </p:notes>
 </file>
 
-<file path=ppt/notesSlides/notesSlide12.xml><?xml version="1.0" encoding="utf-8"?>
-<p:notes xmlns:a="http://schemas.openxmlformats.org/drawingml/2006/main" xmlns:p="http://schemas.openxmlformats.org/presentationml/2006/main" xmlns:r="http://schemas.openxmlformats.org/officeDocument/2006/relationships" xmlns:p14="http://schemas.microsoft.com/office/powerpoint/2010/main" xmlns:p15="http://schemas.microsoft.com/office/powerpoint/2012/main" xmlns:mc="http://schemas.openxmlformats.org/markup-compatibility/2006">
+<file path=ppt/notesSlides/notesSlide4.xml><?xml version="1.0" encoding="utf-8"?>
+<p:notes xmlns:a="http://schemas.openxmlformats.org/drawingml/2006/main" xmlns:r="http://schemas.openxmlformats.org/officeDocument/2006/relationships" xmlns:p="http://schemas.openxmlformats.org/presentationml/2006/main">
   <p:cSld>
     <p:spTree>
       <p:nvGrpSpPr>
@@ -650,9 +992,9 @@
       </p:grpSpPr>
       <p:sp>
         <p:nvSpPr>
-          <p:cNvPr id="214" name="PlaceHolder 1"/>
+          <p:cNvPr id="205" name="PlaceHolder 1"/>
           <p:cNvSpPr>
-            <a:spLocks noGrp="1"/>
+            <a:spLocks noGrp="1" noRot="1" noChangeAspect="1"/>
           </p:cNvSpPr>
           <p:nvPr>
             <p:ph type="sldImg"/>
@@ -670,7 +1012,7 @@
       </p:sp>
       <p:sp>
         <p:nvSpPr>
-          <p:cNvPr id="215" name="PlaceHolder 2"/>
+          <p:cNvPr id="206" name="PlaceHolder 2"/>
           <p:cNvSpPr>
             <a:spLocks noGrp="1"/>
           </p:cNvSpPr>
@@ -691,8 +1033,9 @@
           <a:bodyPr>
             <a:normAutofit/>
           </a:bodyPr>
-          <a:p>
-            <a:endParaRPr b="0" lang="en-IN" sz="2000" spc="-1" strike="noStrike">
+          <a:lstStyle/>
+          <a:p>
+            <a:endParaRPr lang="en-IN" sz="2000" b="0" strike="noStrike" spc="-1">
               <a:latin typeface="Arial"/>
             </a:endParaRPr>
           </a:p>
@@ -700,7 +1043,7 @@
       </p:sp>
       <p:sp>
         <p:nvSpPr>
-          <p:cNvPr id="216" name="TextShape 3"/>
+          <p:cNvPr id="207" name="TextShape 3"/>
           <p:cNvSpPr txBox="1"/>
           <p:nvPr/>
         </p:nvSpPr>
@@ -721,35 +1064,44 @@
           <a:bodyPr anchor="b">
             <a:noAutofit/>
           </a:bodyPr>
+          <a:lstStyle/>
           <a:p>
             <a:pPr algn="r">
               <a:lnSpc>
                 <a:spcPct val="100000"/>
               </a:lnSpc>
             </a:pPr>
-            <a:fld id="{A39AC7A1-1592-46A5-B6EF-09217B280093}" type="slidenum">
-              <a:rPr b="0" lang="en-IN" sz="1200" spc="-1" strike="noStrike">
+            <a:fld id="{E69DCEF4-1B75-459D-B37A-87AEB5ACE163}" type="slidenum">
+              <a:rPr lang="en-IN" sz="1200" b="0" strike="noStrike" spc="-1">
                 <a:solidFill>
                   <a:srgbClr val="000000"/>
                 </a:solidFill>
                 <a:latin typeface="+mn-lt"/>
                 <a:ea typeface="+mn-ea"/>
               </a:rPr>
-              <a:t>12</a:t>
+              <a:t>9</a:t>
             </a:fld>
-            <a:endParaRPr b="0" lang="en-IN" sz="1200" spc="-1" strike="noStrike">
+            <a:endParaRPr lang="en-IN" sz="1200" b="0" strike="noStrike" spc="-1">
               <a:latin typeface="Times New Roman"/>
             </a:endParaRPr>
           </a:p>
         </p:txBody>
       </p:sp>
     </p:spTree>
+    <p:extLst>
+      <p:ext uri="{BB962C8B-B14F-4D97-AF65-F5344CB8AC3E}">
+        <p14:creationId xmlns:p14="http://schemas.microsoft.com/office/powerpoint/2010/main" val="1036312332"/>
+      </p:ext>
+    </p:extLst>
   </p:cSld>
+  <p:clrMapOvr>
+    <a:masterClrMapping/>
+  </p:clrMapOvr>
 </p:notes>
 </file>
 
-<file path=ppt/notesSlides/notesSlide13.xml><?xml version="1.0" encoding="utf-8"?>
-<p:notes xmlns:a="http://schemas.openxmlformats.org/drawingml/2006/main" xmlns:p="http://schemas.openxmlformats.org/presentationml/2006/main" xmlns:r="http://schemas.openxmlformats.org/officeDocument/2006/relationships" xmlns:p14="http://schemas.microsoft.com/office/powerpoint/2010/main" xmlns:p15="http://schemas.microsoft.com/office/powerpoint/2012/main" xmlns:mc="http://schemas.openxmlformats.org/markup-compatibility/2006">
+<file path=ppt/notesSlides/notesSlide5.xml><?xml version="1.0" encoding="utf-8"?>
+<p:notes xmlns:a="http://schemas.openxmlformats.org/drawingml/2006/main" xmlns:r="http://schemas.openxmlformats.org/officeDocument/2006/relationships" xmlns:p="http://schemas.openxmlformats.org/presentationml/2006/main">
   <p:cSld>
     <p:spTree>
       <p:nvGrpSpPr>
@@ -767,9 +1119,9 @@
       </p:grpSpPr>
       <p:sp>
         <p:nvSpPr>
-          <p:cNvPr id="217" name="PlaceHolder 1"/>
+          <p:cNvPr id="208" name="PlaceHolder 1"/>
           <p:cNvSpPr>
-            <a:spLocks noGrp="1"/>
+            <a:spLocks noGrp="1" noRot="1" noChangeAspect="1"/>
           </p:cNvSpPr>
           <p:nvPr>
             <p:ph type="sldImg"/>
@@ -787,7 +1139,7 @@
       </p:sp>
       <p:sp>
         <p:nvSpPr>
-          <p:cNvPr id="218" name="PlaceHolder 2"/>
+          <p:cNvPr id="209" name="PlaceHolder 2"/>
           <p:cNvSpPr>
             <a:spLocks noGrp="1"/>
           </p:cNvSpPr>
@@ -808,8 +1160,9 @@
           <a:bodyPr>
             <a:normAutofit/>
           </a:bodyPr>
-          <a:p>
-            <a:endParaRPr b="0" lang="en-IN" sz="2000" spc="-1" strike="noStrike">
+          <a:lstStyle/>
+          <a:p>
+            <a:endParaRPr lang="en-IN" sz="2000" b="0" strike="noStrike" spc="-1">
               <a:latin typeface="Arial"/>
             </a:endParaRPr>
           </a:p>
@@ -817,7 +1170,7 @@
       </p:sp>
       <p:sp>
         <p:nvSpPr>
-          <p:cNvPr id="219" name="TextShape 3"/>
+          <p:cNvPr id="210" name="TextShape 3"/>
           <p:cNvSpPr txBox="1"/>
           <p:nvPr/>
         </p:nvSpPr>
@@ -838,35 +1191,44 @@
           <a:bodyPr anchor="b">
             <a:noAutofit/>
           </a:bodyPr>
+          <a:lstStyle/>
           <a:p>
             <a:pPr algn="r">
               <a:lnSpc>
                 <a:spcPct val="100000"/>
               </a:lnSpc>
             </a:pPr>
-            <a:fld id="{A92222F5-9890-47FF-B059-094AA61184F3}" type="slidenum">
-              <a:rPr b="0" lang="en-IN" sz="1200" spc="-1" strike="noStrike">
+            <a:fld id="{4922550B-2372-4006-B193-4B9FA6C21FAA}" type="slidenum">
+              <a:rPr lang="en-IN" sz="1200" b="0" strike="noStrike" spc="-1">
                 <a:solidFill>
                   <a:srgbClr val="000000"/>
                 </a:solidFill>
                 <a:latin typeface="+mn-lt"/>
                 <a:ea typeface="+mn-ea"/>
               </a:rPr>
-              <a:t>13</a:t>
+              <a:t>10</a:t>
             </a:fld>
-            <a:endParaRPr b="0" lang="en-IN" sz="1200" spc="-1" strike="noStrike">
+            <a:endParaRPr lang="en-IN" sz="1200" b="0" strike="noStrike" spc="-1">
               <a:latin typeface="Times New Roman"/>
             </a:endParaRPr>
           </a:p>
         </p:txBody>
       </p:sp>
     </p:spTree>
+    <p:extLst>
+      <p:ext uri="{BB962C8B-B14F-4D97-AF65-F5344CB8AC3E}">
+        <p14:creationId xmlns:p14="http://schemas.microsoft.com/office/powerpoint/2010/main" val="3652473860"/>
+      </p:ext>
+    </p:extLst>
   </p:cSld>
+  <p:clrMapOvr>
+    <a:masterClrMapping/>
+  </p:clrMapOvr>
 </p:notes>
 </file>
 
-<file path=ppt/notesSlides/notesSlide14.xml><?xml version="1.0" encoding="utf-8"?>
-<p:notes xmlns:a="http://schemas.openxmlformats.org/drawingml/2006/main" xmlns:p="http://schemas.openxmlformats.org/presentationml/2006/main" xmlns:r="http://schemas.openxmlformats.org/officeDocument/2006/relationships" xmlns:p14="http://schemas.microsoft.com/office/powerpoint/2010/main" xmlns:p15="http://schemas.microsoft.com/office/powerpoint/2012/main" xmlns:mc="http://schemas.openxmlformats.org/markup-compatibility/2006">
+<file path=ppt/notesSlides/notesSlide6.xml><?xml version="1.0" encoding="utf-8"?>
+<p:notes xmlns:a="http://schemas.openxmlformats.org/drawingml/2006/main" xmlns:r="http://schemas.openxmlformats.org/officeDocument/2006/relationships" xmlns:p="http://schemas.openxmlformats.org/presentationml/2006/main">
   <p:cSld>
     <p:spTree>
       <p:nvGrpSpPr>
@@ -884,9 +1246,9 @@
       </p:grpSpPr>
       <p:sp>
         <p:nvSpPr>
-          <p:cNvPr id="220" name="PlaceHolder 1"/>
+          <p:cNvPr id="211" name="PlaceHolder 1"/>
           <p:cNvSpPr>
-            <a:spLocks noGrp="1"/>
+            <a:spLocks noGrp="1" noRot="1" noChangeAspect="1"/>
           </p:cNvSpPr>
           <p:nvPr>
             <p:ph type="sldImg"/>
@@ -904,7 +1266,7 @@
       </p:sp>
       <p:sp>
         <p:nvSpPr>
-          <p:cNvPr id="221" name="PlaceHolder 2"/>
+          <p:cNvPr id="212" name="PlaceHolder 2"/>
           <p:cNvSpPr>
             <a:spLocks noGrp="1"/>
           </p:cNvSpPr>
@@ -925,8 +1287,9 @@
           <a:bodyPr>
             <a:normAutofit/>
           </a:bodyPr>
-          <a:p>
-            <a:endParaRPr b="0" lang="en-IN" sz="2000" spc="-1" strike="noStrike">
+          <a:lstStyle/>
+          <a:p>
+            <a:endParaRPr lang="en-IN" sz="2000" b="0" strike="noStrike" spc="-1">
               <a:latin typeface="Arial"/>
             </a:endParaRPr>
           </a:p>
@@ -934,7 +1297,7 @@
       </p:sp>
       <p:sp>
         <p:nvSpPr>
-          <p:cNvPr id="222" name="TextShape 3"/>
+          <p:cNvPr id="213" name="TextShape 3"/>
           <p:cNvSpPr txBox="1"/>
           <p:nvPr/>
         </p:nvSpPr>
@@ -955,35 +1318,44 @@
           <a:bodyPr anchor="b">
             <a:noAutofit/>
           </a:bodyPr>
+          <a:lstStyle/>
           <a:p>
             <a:pPr algn="r">
               <a:lnSpc>
                 <a:spcPct val="100000"/>
               </a:lnSpc>
             </a:pPr>
-            <a:fld id="{49DBC2AA-3194-4015-AE55-42DB4EBFCCD8}" type="slidenum">
-              <a:rPr b="0" lang="en-IN" sz="1200" spc="-1" strike="noStrike">
+            <a:fld id="{B1DD4650-3E67-4ECC-A14B-73C403980661}" type="slidenum">
+              <a:rPr lang="en-IN" sz="1200" b="0" strike="noStrike" spc="-1">
                 <a:solidFill>
                   <a:srgbClr val="000000"/>
                 </a:solidFill>
                 <a:latin typeface="+mn-lt"/>
                 <a:ea typeface="+mn-ea"/>
               </a:rPr>
-              <a:t>14</a:t>
+              <a:t>11</a:t>
             </a:fld>
-            <a:endParaRPr b="0" lang="en-IN" sz="1200" spc="-1" strike="noStrike">
+            <a:endParaRPr lang="en-IN" sz="1200" b="0" strike="noStrike" spc="-1">
               <a:latin typeface="Times New Roman"/>
             </a:endParaRPr>
           </a:p>
         </p:txBody>
       </p:sp>
     </p:spTree>
+    <p:extLst>
+      <p:ext uri="{BB962C8B-B14F-4D97-AF65-F5344CB8AC3E}">
+        <p14:creationId xmlns:p14="http://schemas.microsoft.com/office/powerpoint/2010/main" val="504216944"/>
+      </p:ext>
+    </p:extLst>
   </p:cSld>
+  <p:clrMapOvr>
+    <a:masterClrMapping/>
+  </p:clrMapOvr>
 </p:notes>
 </file>
 
-<file path=ppt/notesSlides/notesSlide15.xml><?xml version="1.0" encoding="utf-8"?>
-<p:notes xmlns:a="http://schemas.openxmlformats.org/drawingml/2006/main" xmlns:p="http://schemas.openxmlformats.org/presentationml/2006/main" xmlns:r="http://schemas.openxmlformats.org/officeDocument/2006/relationships" xmlns:p14="http://schemas.microsoft.com/office/powerpoint/2010/main" xmlns:p15="http://schemas.microsoft.com/office/powerpoint/2012/main" xmlns:mc="http://schemas.openxmlformats.org/markup-compatibility/2006">
+<file path=ppt/notesSlides/notesSlide7.xml><?xml version="1.0" encoding="utf-8"?>
+<p:notes xmlns:a="http://schemas.openxmlformats.org/drawingml/2006/main" xmlns:r="http://schemas.openxmlformats.org/officeDocument/2006/relationships" xmlns:p="http://schemas.openxmlformats.org/presentationml/2006/main">
   <p:cSld>
     <p:spTree>
       <p:nvGrpSpPr>
@@ -1001,9 +1373,9 @@
       </p:grpSpPr>
       <p:sp>
         <p:nvSpPr>
-          <p:cNvPr id="223" name="PlaceHolder 1"/>
+          <p:cNvPr id="214" name="PlaceHolder 1"/>
           <p:cNvSpPr>
-            <a:spLocks noGrp="1"/>
+            <a:spLocks noGrp="1" noRot="1" noChangeAspect="1"/>
           </p:cNvSpPr>
           <p:nvPr>
             <p:ph type="sldImg"/>
@@ -1021,7 +1393,7 @@
       </p:sp>
       <p:sp>
         <p:nvSpPr>
-          <p:cNvPr id="224" name="PlaceHolder 2"/>
+          <p:cNvPr id="215" name="PlaceHolder 2"/>
           <p:cNvSpPr>
             <a:spLocks noGrp="1"/>
           </p:cNvSpPr>
@@ -1042,8 +1414,9 @@
           <a:bodyPr>
             <a:normAutofit/>
           </a:bodyPr>
-          <a:p>
-            <a:endParaRPr b="0" lang="en-IN" sz="2000" spc="-1" strike="noStrike">
+          <a:lstStyle/>
+          <a:p>
+            <a:endParaRPr lang="en-IN" sz="2000" b="0" strike="noStrike" spc="-1">
               <a:latin typeface="Arial"/>
             </a:endParaRPr>
           </a:p>
@@ -1051,7 +1424,7 @@
       </p:sp>
       <p:sp>
         <p:nvSpPr>
-          <p:cNvPr id="225" name="TextShape 3"/>
+          <p:cNvPr id="216" name="TextShape 3"/>
           <p:cNvSpPr txBox="1"/>
           <p:nvPr/>
         </p:nvSpPr>
@@ -1072,35 +1445,44 @@
           <a:bodyPr anchor="b">
             <a:noAutofit/>
           </a:bodyPr>
+          <a:lstStyle/>
           <a:p>
             <a:pPr algn="r">
               <a:lnSpc>
                 <a:spcPct val="100000"/>
               </a:lnSpc>
             </a:pPr>
-            <a:fld id="{7D499222-2218-4FE4-A400-79F56757106C}" type="slidenum">
-              <a:rPr b="0" lang="en-IN" sz="1200" spc="-1" strike="noStrike">
+            <a:fld id="{A39AC7A1-1592-46A5-B6EF-09217B280093}" type="slidenum">
+              <a:rPr lang="en-IN" sz="1200" b="0" strike="noStrike" spc="-1">
                 <a:solidFill>
                   <a:srgbClr val="000000"/>
                 </a:solidFill>
                 <a:latin typeface="+mn-lt"/>
                 <a:ea typeface="+mn-ea"/>
               </a:rPr>
-              <a:t>15</a:t>
+              <a:t>12</a:t>
             </a:fld>
-            <a:endParaRPr b="0" lang="en-IN" sz="1200" spc="-1" strike="noStrike">
+            <a:endParaRPr lang="en-IN" sz="1200" b="0" strike="noStrike" spc="-1">
               <a:latin typeface="Times New Roman"/>
             </a:endParaRPr>
           </a:p>
         </p:txBody>
       </p:sp>
     </p:spTree>
+    <p:extLst>
+      <p:ext uri="{BB962C8B-B14F-4D97-AF65-F5344CB8AC3E}">
+        <p14:creationId xmlns:p14="http://schemas.microsoft.com/office/powerpoint/2010/main" val="2246841977"/>
+      </p:ext>
+    </p:extLst>
   </p:cSld>
+  <p:clrMapOvr>
+    <a:masterClrMapping/>
+  </p:clrMapOvr>
 </p:notes>
 </file>
 
-<file path=ppt/notesSlides/notesSlide7.xml><?xml version="1.0" encoding="utf-8"?>
-<p:notes xmlns:a="http://schemas.openxmlformats.org/drawingml/2006/main" xmlns:p="http://schemas.openxmlformats.org/presentationml/2006/main" xmlns:r="http://schemas.openxmlformats.org/officeDocument/2006/relationships" xmlns:p14="http://schemas.microsoft.com/office/powerpoint/2010/main" xmlns:p15="http://schemas.microsoft.com/office/powerpoint/2012/main" xmlns:mc="http://schemas.openxmlformats.org/markup-compatibility/2006">
+<file path=ppt/notesSlides/notesSlide8.xml><?xml version="1.0" encoding="utf-8"?>
+<p:notes xmlns:a="http://schemas.openxmlformats.org/drawingml/2006/main" xmlns:r="http://schemas.openxmlformats.org/officeDocument/2006/relationships" xmlns:p="http://schemas.openxmlformats.org/presentationml/2006/main">
   <p:cSld>
     <p:spTree>
       <p:nvGrpSpPr>
@@ -1118,9 +1500,9 @@
       </p:grpSpPr>
       <p:sp>
         <p:nvSpPr>
-          <p:cNvPr id="199" name="PlaceHolder 1"/>
+          <p:cNvPr id="217" name="PlaceHolder 1"/>
           <p:cNvSpPr>
-            <a:spLocks noGrp="1"/>
+            <a:spLocks noGrp="1" noRot="1" noChangeAspect="1"/>
           </p:cNvSpPr>
           <p:nvPr>
             <p:ph type="sldImg"/>
@@ -1138,7 +1520,7 @@
       </p:sp>
       <p:sp>
         <p:nvSpPr>
-          <p:cNvPr id="200" name="PlaceHolder 2"/>
+          <p:cNvPr id="218" name="PlaceHolder 2"/>
           <p:cNvSpPr>
             <a:spLocks noGrp="1"/>
           </p:cNvSpPr>
@@ -1159,8 +1541,9 @@
           <a:bodyPr>
             <a:normAutofit/>
           </a:bodyPr>
-          <a:p>
-            <a:endParaRPr b="0" lang="en-IN" sz="2000" spc="-1" strike="noStrike">
+          <a:lstStyle/>
+          <a:p>
+            <a:endParaRPr lang="en-IN" sz="2000" b="0" strike="noStrike" spc="-1">
               <a:latin typeface="Arial"/>
             </a:endParaRPr>
           </a:p>
@@ -1168,7 +1551,7 @@
       </p:sp>
       <p:sp>
         <p:nvSpPr>
-          <p:cNvPr id="201" name="TextShape 3"/>
+          <p:cNvPr id="219" name="TextShape 3"/>
           <p:cNvSpPr txBox="1"/>
           <p:nvPr/>
         </p:nvSpPr>
@@ -1189,35 +1572,44 @@
           <a:bodyPr anchor="b">
             <a:noAutofit/>
           </a:bodyPr>
+          <a:lstStyle/>
           <a:p>
             <a:pPr algn="r">
               <a:lnSpc>
                 <a:spcPct val="100000"/>
               </a:lnSpc>
             </a:pPr>
-            <a:fld id="{240807DF-1860-4156-91C3-5CA39B3BE75E}" type="slidenum">
-              <a:rPr b="0" lang="en-IN" sz="1200" spc="-1" strike="noStrike">
+            <a:fld id="{A92222F5-9890-47FF-B059-094AA61184F3}" type="slidenum">
+              <a:rPr lang="en-IN" sz="1200" b="0" strike="noStrike" spc="-1">
                 <a:solidFill>
                   <a:srgbClr val="000000"/>
                 </a:solidFill>
                 <a:latin typeface="+mn-lt"/>
                 <a:ea typeface="+mn-ea"/>
               </a:rPr>
-              <a:t>7</a:t>
+              <a:t>13</a:t>
             </a:fld>
-            <a:endParaRPr b="0" lang="en-IN" sz="1200" spc="-1" strike="noStrike">
+            <a:endParaRPr lang="en-IN" sz="1200" b="0" strike="noStrike" spc="-1">
               <a:latin typeface="Times New Roman"/>
             </a:endParaRPr>
           </a:p>
         </p:txBody>
       </p:sp>
     </p:spTree>
+    <p:extLst>
+      <p:ext uri="{BB962C8B-B14F-4D97-AF65-F5344CB8AC3E}">
+        <p14:creationId xmlns:p14="http://schemas.microsoft.com/office/powerpoint/2010/main" val="1685018112"/>
+      </p:ext>
+    </p:extLst>
   </p:cSld>
+  <p:clrMapOvr>
+    <a:masterClrMapping/>
+  </p:clrMapOvr>
 </p:notes>
 </file>
 
-<file path=ppt/notesSlides/notesSlide8.xml><?xml version="1.0" encoding="utf-8"?>
-<p:notes xmlns:a="http://schemas.openxmlformats.org/drawingml/2006/main" xmlns:p="http://schemas.openxmlformats.org/presentationml/2006/main" xmlns:r="http://schemas.openxmlformats.org/officeDocument/2006/relationships" xmlns:p14="http://schemas.microsoft.com/office/powerpoint/2010/main" xmlns:p15="http://schemas.microsoft.com/office/powerpoint/2012/main" xmlns:mc="http://schemas.openxmlformats.org/markup-compatibility/2006">
+<file path=ppt/notesSlides/notesSlide9.xml><?xml version="1.0" encoding="utf-8"?>
+<p:notes xmlns:a="http://schemas.openxmlformats.org/drawingml/2006/main" xmlns:r="http://schemas.openxmlformats.org/officeDocument/2006/relationships" xmlns:p="http://schemas.openxmlformats.org/presentationml/2006/main">
   <p:cSld>
     <p:spTree>
       <p:nvGrpSpPr>
@@ -1235,9 +1627,9 @@
       </p:grpSpPr>
       <p:sp>
         <p:nvSpPr>
-          <p:cNvPr id="202" name="PlaceHolder 1"/>
+          <p:cNvPr id="220" name="PlaceHolder 1"/>
           <p:cNvSpPr>
-            <a:spLocks noGrp="1"/>
+            <a:spLocks noGrp="1" noRot="1" noChangeAspect="1"/>
           </p:cNvSpPr>
           <p:nvPr>
             <p:ph type="sldImg"/>
@@ -1245,17 +1637,17 @@
         </p:nvSpPr>
         <p:spPr>
           <a:xfrm>
-            <a:off x="380880" y="685800"/>
-            <a:ext cx="6095520" cy="3428640"/>
-          </a:xfrm>
-          <a:prstGeom prst="rect">
-            <a:avLst/>
-          </a:prstGeom>
-        </p:spPr>
-      </p:sp>
-      <p:sp>
-        <p:nvSpPr>
-          <p:cNvPr id="203" name="PlaceHolder 2"/>
+            <a:off x="381000" y="685800"/>
+            <a:ext cx="6096000" cy="3429000"/>
+          </a:xfrm>
+          <a:prstGeom prst="rect">
+            <a:avLst/>
+          </a:prstGeom>
+        </p:spPr>
+      </p:sp>
+      <p:sp>
+        <p:nvSpPr>
+          <p:cNvPr id="221" name="PlaceHolder 2"/>
           <p:cNvSpPr>
             <a:spLocks noGrp="1"/>
           </p:cNvSpPr>
@@ -1276,8 +1668,9 @@
           <a:bodyPr>
             <a:normAutofit/>
           </a:bodyPr>
-          <a:p>
-            <a:endParaRPr b="0" lang="en-IN" sz="2000" spc="-1" strike="noStrike">
+          <a:lstStyle/>
+          <a:p>
+            <a:endParaRPr lang="en-IN" sz="2000" b="0" strike="noStrike" spc="-1">
               <a:latin typeface="Arial"/>
             </a:endParaRPr>
           </a:p>
@@ -1285,7 +1678,7 @@
       </p:sp>
       <p:sp>
         <p:nvSpPr>
-          <p:cNvPr id="204" name="TextShape 3"/>
+          <p:cNvPr id="222" name="TextShape 3"/>
           <p:cNvSpPr txBox="1"/>
           <p:nvPr/>
         </p:nvSpPr>
@@ -1306,152 +1699,44 @@
           <a:bodyPr anchor="b">
             <a:noAutofit/>
           </a:bodyPr>
+          <a:lstStyle/>
           <a:p>
             <a:pPr algn="r">
               <a:lnSpc>
                 <a:spcPct val="100000"/>
               </a:lnSpc>
             </a:pPr>
-            <a:fld id="{6D6CB900-7165-46A8-ADD9-C846BB0BD139}" type="slidenum">
-              <a:rPr b="0" lang="en-IN" sz="1200" spc="-1" strike="noStrike">
+            <a:fld id="{49DBC2AA-3194-4015-AE55-42DB4EBFCCD8}" type="slidenum">
+              <a:rPr lang="en-IN" sz="1200" b="0" strike="noStrike" spc="-1">
                 <a:solidFill>
                   <a:srgbClr val="000000"/>
                 </a:solidFill>
                 <a:latin typeface="+mn-lt"/>
                 <a:ea typeface="+mn-ea"/>
               </a:rPr>
-              <a:t>8</a:t>
+              <a:t>14</a:t>
             </a:fld>
-            <a:endParaRPr b="0" lang="en-IN" sz="1200" spc="-1" strike="noStrike">
+            <a:endParaRPr lang="en-IN" sz="1200" b="0" strike="noStrike" spc="-1">
               <a:latin typeface="Times New Roman"/>
             </a:endParaRPr>
           </a:p>
         </p:txBody>
       </p:sp>
     </p:spTree>
+    <p:extLst>
+      <p:ext uri="{BB962C8B-B14F-4D97-AF65-F5344CB8AC3E}">
+        <p14:creationId xmlns:p14="http://schemas.microsoft.com/office/powerpoint/2010/main" val="910335995"/>
+      </p:ext>
+    </p:extLst>
   </p:cSld>
-</p:notes>
-</file>
-
-<file path=ppt/notesSlides/notesSlide9.xml><?xml version="1.0" encoding="utf-8"?>
-<p:notes xmlns:a="http://schemas.openxmlformats.org/drawingml/2006/main" xmlns:p="http://schemas.openxmlformats.org/presentationml/2006/main" xmlns:r="http://schemas.openxmlformats.org/officeDocument/2006/relationships" xmlns:p14="http://schemas.microsoft.com/office/powerpoint/2010/main" xmlns:p15="http://schemas.microsoft.com/office/powerpoint/2012/main" xmlns:mc="http://schemas.openxmlformats.org/markup-compatibility/2006">
-  <p:cSld>
-    <p:spTree>
-      <p:nvGrpSpPr>
-        <p:cNvPr id="1" name=""/>
-        <p:cNvGrpSpPr/>
-        <p:nvPr/>
-      </p:nvGrpSpPr>
-      <p:grpSpPr>
-        <a:xfrm>
-          <a:off x="0" y="0"/>
-          <a:ext cx="0" cy="0"/>
-          <a:chOff x="0" y="0"/>
-          <a:chExt cx="0" cy="0"/>
-        </a:xfrm>
-      </p:grpSpPr>
-      <p:sp>
-        <p:nvSpPr>
-          <p:cNvPr id="205" name="PlaceHolder 1"/>
-          <p:cNvSpPr>
-            <a:spLocks noGrp="1"/>
-          </p:cNvSpPr>
-          <p:nvPr>
-            <p:ph type="sldImg"/>
-          </p:nvPr>
-        </p:nvSpPr>
-        <p:spPr>
-          <a:xfrm>
-            <a:off x="380880" y="685800"/>
-            <a:ext cx="6095520" cy="3428640"/>
-          </a:xfrm>
-          <a:prstGeom prst="rect">
-            <a:avLst/>
-          </a:prstGeom>
-        </p:spPr>
-      </p:sp>
-      <p:sp>
-        <p:nvSpPr>
-          <p:cNvPr id="206" name="PlaceHolder 2"/>
-          <p:cNvSpPr>
-            <a:spLocks noGrp="1"/>
-          </p:cNvSpPr>
-          <p:nvPr>
-            <p:ph type="body"/>
-          </p:nvPr>
-        </p:nvSpPr>
-        <p:spPr>
-          <a:xfrm>
-            <a:off x="685800" y="4343400"/>
-            <a:ext cx="5486040" cy="4114440"/>
-          </a:xfrm>
-          <a:prstGeom prst="rect">
-            <a:avLst/>
-          </a:prstGeom>
-        </p:spPr>
-        <p:txBody>
-          <a:bodyPr>
-            <a:normAutofit/>
-          </a:bodyPr>
-          <a:p>
-            <a:endParaRPr b="0" lang="en-IN" sz="2000" spc="-1" strike="noStrike">
-              <a:latin typeface="Arial"/>
-            </a:endParaRPr>
-          </a:p>
-        </p:txBody>
-      </p:sp>
-      <p:sp>
-        <p:nvSpPr>
-          <p:cNvPr id="207" name="TextShape 3"/>
-          <p:cNvSpPr txBox="1"/>
-          <p:nvPr/>
-        </p:nvSpPr>
-        <p:spPr>
-          <a:xfrm>
-            <a:off x="3884760" y="8685360"/>
-            <a:ext cx="2971440" cy="456840"/>
-          </a:xfrm>
-          <a:prstGeom prst="rect">
-            <a:avLst/>
-          </a:prstGeom>
-          <a:noFill/>
-          <a:ln>
-            <a:noFill/>
-          </a:ln>
-        </p:spPr>
-        <p:txBody>
-          <a:bodyPr anchor="b">
-            <a:noAutofit/>
-          </a:bodyPr>
-          <a:p>
-            <a:pPr algn="r">
-              <a:lnSpc>
-                <a:spcPct val="100000"/>
-              </a:lnSpc>
-            </a:pPr>
-            <a:fld id="{E69DCEF4-1B75-459D-B37A-87AEB5ACE163}" type="slidenum">
-              <a:rPr b="0" lang="en-IN" sz="1200" spc="-1" strike="noStrike">
-                <a:solidFill>
-                  <a:srgbClr val="000000"/>
-                </a:solidFill>
-                <a:latin typeface="+mn-lt"/>
-                <a:ea typeface="+mn-ea"/>
-              </a:rPr>
-              <a:t>9</a:t>
-            </a:fld>
-            <a:endParaRPr b="0" lang="en-IN" sz="1200" spc="-1" strike="noStrike">
-              <a:latin typeface="Times New Roman"/>
-            </a:endParaRPr>
-          </a:p>
-        </p:txBody>
-      </p:sp>
-    </p:spTree>
-  </p:cSld>
+  <p:clrMapOvr>
+    <a:masterClrMapping/>
+  </p:clrMapOvr>
 </p:notes>
 </file>
 
 <file path=ppt/slideLayouts/slideLayout1.xml><?xml version="1.0" encoding="utf-8"?>
-<p:sldLayout xmlns:a="http://schemas.openxmlformats.org/drawingml/2006/main" xmlns:p="http://schemas.openxmlformats.org/presentationml/2006/main" xmlns:r="http://schemas.openxmlformats.org/officeDocument/2006/relationships" xmlns:p14="http://schemas.microsoft.com/office/powerpoint/2010/main" xmlns:p15="http://schemas.microsoft.com/office/powerpoint/2012/main" xmlns:mc="http://schemas.openxmlformats.org/markup-compatibility/2006" type="blank" preserve="1">
+<p:sldLayout xmlns:a="http://schemas.openxmlformats.org/drawingml/2006/main" xmlns:r="http://schemas.openxmlformats.org/officeDocument/2006/relationships" xmlns:p="http://schemas.openxmlformats.org/presentationml/2006/main" type="blank" preserve="1">
   <p:cSld name="Blank Slide">
     <p:spTree>
       <p:nvGrpSpPr>
@@ -1469,11 +1754,14 @@
       </p:grpSpPr>
     </p:spTree>
   </p:cSld>
+  <p:clrMapOvr>
+    <a:masterClrMapping/>
+  </p:clrMapOvr>
 </p:sldLayout>
 </file>
 
 <file path=ppt/slideLayouts/slideLayout10.xml><?xml version="1.0" encoding="utf-8"?>
-<p:sldLayout xmlns:a="http://schemas.openxmlformats.org/drawingml/2006/main" xmlns:p="http://schemas.openxmlformats.org/presentationml/2006/main" xmlns:r="http://schemas.openxmlformats.org/officeDocument/2006/relationships" xmlns:p14="http://schemas.microsoft.com/office/powerpoint/2010/main" xmlns:p15="http://schemas.microsoft.com/office/powerpoint/2012/main" xmlns:mc="http://schemas.openxmlformats.org/markup-compatibility/2006" type="objOverTx" preserve="1">
+<p:sldLayout xmlns:a="http://schemas.openxmlformats.org/drawingml/2006/main" xmlns:r="http://schemas.openxmlformats.org/officeDocument/2006/relationships" xmlns:p="http://schemas.openxmlformats.org/presentationml/2006/main" type="objOverTx" preserve="1">
   <p:cSld name="Title, Content over Content">
     <p:spTree>
       <p:nvGrpSpPr>
@@ -1509,11 +1797,12 @@
           </a:prstGeom>
         </p:spPr>
         <p:txBody>
-          <a:bodyPr lIns="0" rIns="0" tIns="0" bIns="0" anchor="ctr">
+          <a:bodyPr lIns="0" tIns="0" rIns="0" bIns="0" anchor="ctr">
             <a:spAutoFit/>
           </a:bodyPr>
-          <a:p>
-            <a:endParaRPr b="0" lang="en-US" sz="1800" spc="-1" strike="noStrike">
+          <a:lstStyle/>
+          <a:p>
+            <a:endParaRPr lang="en-US" sz="1800" b="0" strike="noStrike" spc="-1">
               <a:solidFill>
                 <a:srgbClr val="000000"/>
               </a:solidFill>
@@ -1542,11 +1831,12 @@
           </a:prstGeom>
         </p:spPr>
         <p:txBody>
-          <a:bodyPr lIns="0" rIns="0" tIns="0" bIns="0">
+          <a:bodyPr lIns="0" tIns="0" rIns="0" bIns="0">
             <a:normAutofit/>
           </a:bodyPr>
-          <a:p>
-            <a:endParaRPr b="0" lang="en-US" sz="2800" spc="-1" strike="noStrike">
+          <a:lstStyle/>
+          <a:p>
+            <a:endParaRPr lang="en-US" sz="2800" b="0" strike="noStrike" spc="-1">
               <a:solidFill>
                 <a:srgbClr val="000000"/>
               </a:solidFill>
@@ -1575,11 +1865,12 @@
           </a:prstGeom>
         </p:spPr>
         <p:txBody>
-          <a:bodyPr lIns="0" rIns="0" tIns="0" bIns="0">
+          <a:bodyPr lIns="0" tIns="0" rIns="0" bIns="0">
             <a:normAutofit/>
           </a:bodyPr>
-          <a:p>
-            <a:endParaRPr b="0" lang="en-US" sz="2800" spc="-1" strike="noStrike">
+          <a:lstStyle/>
+          <a:p>
+            <a:endParaRPr lang="en-US" sz="2800" b="0" strike="noStrike" spc="-1">
               <a:solidFill>
                 <a:srgbClr val="000000"/>
               </a:solidFill>
@@ -1590,11 +1881,14 @@
       </p:sp>
     </p:spTree>
   </p:cSld>
+  <p:clrMapOvr>
+    <a:masterClrMapping/>
+  </p:clrMapOvr>
 </p:sldLayout>
 </file>
 
 <file path=ppt/slideLayouts/slideLayout11.xml><?xml version="1.0" encoding="utf-8"?>
-<p:sldLayout xmlns:a="http://schemas.openxmlformats.org/drawingml/2006/main" xmlns:p="http://schemas.openxmlformats.org/presentationml/2006/main" xmlns:r="http://schemas.openxmlformats.org/officeDocument/2006/relationships" xmlns:p14="http://schemas.microsoft.com/office/powerpoint/2010/main" xmlns:p15="http://schemas.microsoft.com/office/powerpoint/2012/main" xmlns:mc="http://schemas.openxmlformats.org/markup-compatibility/2006" type="fourObj" preserve="1">
+<p:sldLayout xmlns:a="http://schemas.openxmlformats.org/drawingml/2006/main" xmlns:r="http://schemas.openxmlformats.org/officeDocument/2006/relationships" xmlns:p="http://schemas.openxmlformats.org/presentationml/2006/main" type="fourObj" preserve="1">
   <p:cSld name="Title, 4 Content">
     <p:spTree>
       <p:nvGrpSpPr>
@@ -1630,11 +1924,12 @@
           </a:prstGeom>
         </p:spPr>
         <p:txBody>
-          <a:bodyPr lIns="0" rIns="0" tIns="0" bIns="0" anchor="ctr">
+          <a:bodyPr lIns="0" tIns="0" rIns="0" bIns="0" anchor="ctr">
             <a:spAutoFit/>
           </a:bodyPr>
-          <a:p>
-            <a:endParaRPr b="0" lang="en-US" sz="1800" spc="-1" strike="noStrike">
+          <a:lstStyle/>
+          <a:p>
+            <a:endParaRPr lang="en-US" sz="1800" b="0" strike="noStrike" spc="-1">
               <a:solidFill>
                 <a:srgbClr val="000000"/>
               </a:solidFill>
@@ -1663,11 +1958,12 @@
           </a:prstGeom>
         </p:spPr>
         <p:txBody>
-          <a:bodyPr lIns="0" rIns="0" tIns="0" bIns="0">
+          <a:bodyPr lIns="0" tIns="0" rIns="0" bIns="0">
             <a:normAutofit/>
           </a:bodyPr>
-          <a:p>
-            <a:endParaRPr b="0" lang="en-US" sz="2800" spc="-1" strike="noStrike">
+          <a:lstStyle/>
+          <a:p>
+            <a:endParaRPr lang="en-US" sz="2800" b="0" strike="noStrike" spc="-1">
               <a:solidFill>
                 <a:srgbClr val="000000"/>
               </a:solidFill>
@@ -1696,11 +1992,12 @@
           </a:prstGeom>
         </p:spPr>
         <p:txBody>
-          <a:bodyPr lIns="0" rIns="0" tIns="0" bIns="0">
+          <a:bodyPr lIns="0" tIns="0" rIns="0" bIns="0">
             <a:normAutofit/>
           </a:bodyPr>
-          <a:p>
-            <a:endParaRPr b="0" lang="en-US" sz="2800" spc="-1" strike="noStrike">
+          <a:lstStyle/>
+          <a:p>
+            <a:endParaRPr lang="en-US" sz="2800" b="0" strike="noStrike" spc="-1">
               <a:solidFill>
                 <a:srgbClr val="000000"/>
               </a:solidFill>
@@ -1729,11 +2026,12 @@
           </a:prstGeom>
         </p:spPr>
         <p:txBody>
-          <a:bodyPr lIns="0" rIns="0" tIns="0" bIns="0">
+          <a:bodyPr lIns="0" tIns="0" rIns="0" bIns="0">
             <a:normAutofit/>
           </a:bodyPr>
-          <a:p>
-            <a:endParaRPr b="0" lang="en-US" sz="2800" spc="-1" strike="noStrike">
+          <a:lstStyle/>
+          <a:p>
+            <a:endParaRPr lang="en-US" sz="2800" b="0" strike="noStrike" spc="-1">
               <a:solidFill>
                 <a:srgbClr val="000000"/>
               </a:solidFill>
@@ -1762,11 +2060,12 @@
           </a:prstGeom>
         </p:spPr>
         <p:txBody>
-          <a:bodyPr lIns="0" rIns="0" tIns="0" bIns="0">
+          <a:bodyPr lIns="0" tIns="0" rIns="0" bIns="0">
             <a:normAutofit/>
           </a:bodyPr>
-          <a:p>
-            <a:endParaRPr b="0" lang="en-US" sz="2800" spc="-1" strike="noStrike">
+          <a:lstStyle/>
+          <a:p>
+            <a:endParaRPr lang="en-US" sz="2800" b="0" strike="noStrike" spc="-1">
               <a:solidFill>
                 <a:srgbClr val="000000"/>
               </a:solidFill>
@@ -1777,11 +2076,14 @@
       </p:sp>
     </p:spTree>
   </p:cSld>
+  <p:clrMapOvr>
+    <a:masterClrMapping/>
+  </p:clrMapOvr>
 </p:sldLayout>
 </file>
 
 <file path=ppt/slideLayouts/slideLayout12.xml><?xml version="1.0" encoding="utf-8"?>
-<p:sldLayout xmlns:a="http://schemas.openxmlformats.org/drawingml/2006/main" xmlns:p="http://schemas.openxmlformats.org/presentationml/2006/main" xmlns:r="http://schemas.openxmlformats.org/officeDocument/2006/relationships" xmlns:p14="http://schemas.microsoft.com/office/powerpoint/2010/main" xmlns:p15="http://schemas.microsoft.com/office/powerpoint/2012/main" xmlns:mc="http://schemas.openxmlformats.org/markup-compatibility/2006" type="blank" preserve="1">
+<p:sldLayout xmlns:a="http://schemas.openxmlformats.org/drawingml/2006/main" xmlns:r="http://schemas.openxmlformats.org/officeDocument/2006/relationships" xmlns:p="http://schemas.openxmlformats.org/presentationml/2006/main" type="blank" preserve="1">
   <p:cSld name="Title, 6 Content">
     <p:spTree>
       <p:nvGrpSpPr>
@@ -1817,11 +2119,12 @@
           </a:prstGeom>
         </p:spPr>
         <p:txBody>
-          <a:bodyPr lIns="0" rIns="0" tIns="0" bIns="0" anchor="ctr">
+          <a:bodyPr lIns="0" tIns="0" rIns="0" bIns="0" anchor="ctr">
             <a:spAutoFit/>
           </a:bodyPr>
-          <a:p>
-            <a:endParaRPr b="0" lang="en-US" sz="1800" spc="-1" strike="noStrike">
+          <a:lstStyle/>
+          <a:p>
+            <a:endParaRPr lang="en-US" sz="1800" b="0" strike="noStrike" spc="-1">
               <a:solidFill>
                 <a:srgbClr val="000000"/>
               </a:solidFill>
@@ -1850,11 +2153,12 @@
           </a:prstGeom>
         </p:spPr>
         <p:txBody>
-          <a:bodyPr lIns="0" rIns="0" tIns="0" bIns="0">
+          <a:bodyPr lIns="0" tIns="0" rIns="0" bIns="0">
             <a:normAutofit/>
           </a:bodyPr>
-          <a:p>
-            <a:endParaRPr b="0" lang="en-US" sz="2800" spc="-1" strike="noStrike">
+          <a:lstStyle/>
+          <a:p>
+            <a:endParaRPr lang="en-US" sz="2800" b="0" strike="noStrike" spc="-1">
               <a:solidFill>
                 <a:srgbClr val="000000"/>
               </a:solidFill>
@@ -1883,11 +2187,12 @@
           </a:prstGeom>
         </p:spPr>
         <p:txBody>
-          <a:bodyPr lIns="0" rIns="0" tIns="0" bIns="0">
+          <a:bodyPr lIns="0" tIns="0" rIns="0" bIns="0">
             <a:normAutofit/>
           </a:bodyPr>
-          <a:p>
-            <a:endParaRPr b="0" lang="en-US" sz="2800" spc="-1" strike="noStrike">
+          <a:lstStyle/>
+          <a:p>
+            <a:endParaRPr lang="en-US" sz="2800" b="0" strike="noStrike" spc="-1">
               <a:solidFill>
                 <a:srgbClr val="000000"/>
               </a:solidFill>
@@ -1916,11 +2221,12 @@
           </a:prstGeom>
         </p:spPr>
         <p:txBody>
-          <a:bodyPr lIns="0" rIns="0" tIns="0" bIns="0">
+          <a:bodyPr lIns="0" tIns="0" rIns="0" bIns="0">
             <a:normAutofit/>
           </a:bodyPr>
-          <a:p>
-            <a:endParaRPr b="0" lang="en-US" sz="2800" spc="-1" strike="noStrike">
+          <a:lstStyle/>
+          <a:p>
+            <a:endParaRPr lang="en-US" sz="2800" b="0" strike="noStrike" spc="-1">
               <a:solidFill>
                 <a:srgbClr val="000000"/>
               </a:solidFill>
@@ -1949,11 +2255,12 @@
           </a:prstGeom>
         </p:spPr>
         <p:txBody>
-          <a:bodyPr lIns="0" rIns="0" tIns="0" bIns="0">
+          <a:bodyPr lIns="0" tIns="0" rIns="0" bIns="0">
             <a:normAutofit/>
           </a:bodyPr>
-          <a:p>
-            <a:endParaRPr b="0" lang="en-US" sz="2800" spc="-1" strike="noStrike">
+          <a:lstStyle/>
+          <a:p>
+            <a:endParaRPr lang="en-US" sz="2800" b="0" strike="noStrike" spc="-1">
               <a:solidFill>
                 <a:srgbClr val="000000"/>
               </a:solidFill>
@@ -1982,11 +2289,12 @@
           </a:prstGeom>
         </p:spPr>
         <p:txBody>
-          <a:bodyPr lIns="0" rIns="0" tIns="0" bIns="0">
+          <a:bodyPr lIns="0" tIns="0" rIns="0" bIns="0">
             <a:normAutofit/>
           </a:bodyPr>
-          <a:p>
-            <a:endParaRPr b="0" lang="en-US" sz="2800" spc="-1" strike="noStrike">
+          <a:lstStyle/>
+          <a:p>
+            <a:endParaRPr lang="en-US" sz="2800" b="0" strike="noStrike" spc="-1">
               <a:solidFill>
                 <a:srgbClr val="000000"/>
               </a:solidFill>
@@ -2015,11 +2323,12 @@
           </a:prstGeom>
         </p:spPr>
         <p:txBody>
-          <a:bodyPr lIns="0" rIns="0" tIns="0" bIns="0">
+          <a:bodyPr lIns="0" tIns="0" rIns="0" bIns="0">
             <a:normAutofit/>
           </a:bodyPr>
-          <a:p>
-            <a:endParaRPr b="0" lang="en-US" sz="2800" spc="-1" strike="noStrike">
+          <a:lstStyle/>
+          <a:p>
+            <a:endParaRPr lang="en-US" sz="2800" b="0" strike="noStrike" spc="-1">
               <a:solidFill>
                 <a:srgbClr val="000000"/>
               </a:solidFill>
@@ -2030,11 +2339,14 @@
       </p:sp>
     </p:spTree>
   </p:cSld>
+  <p:clrMapOvr>
+    <a:masterClrMapping/>
+  </p:clrMapOvr>
 </p:sldLayout>
 </file>
 
 <file path=ppt/slideLayouts/slideLayout13.xml><?xml version="1.0" encoding="utf-8"?>
-<p:sldLayout xmlns:a="http://schemas.openxmlformats.org/drawingml/2006/main" xmlns:p="http://schemas.openxmlformats.org/presentationml/2006/main" xmlns:r="http://schemas.openxmlformats.org/officeDocument/2006/relationships" xmlns:p14="http://schemas.microsoft.com/office/powerpoint/2010/main" xmlns:p15="http://schemas.microsoft.com/office/powerpoint/2012/main" xmlns:mc="http://schemas.openxmlformats.org/markup-compatibility/2006" type="blank" preserve="1">
+<p:sldLayout xmlns:a="http://schemas.openxmlformats.org/drawingml/2006/main" xmlns:r="http://schemas.openxmlformats.org/officeDocument/2006/relationships" xmlns:p="http://schemas.openxmlformats.org/presentationml/2006/main" type="blank" preserve="1">
   <p:cSld name="Blank Slide">
     <p:spTree>
       <p:nvGrpSpPr>
@@ -2052,11 +2364,14 @@
       </p:grpSpPr>
     </p:spTree>
   </p:cSld>
+  <p:clrMapOvr>
+    <a:masterClrMapping/>
+  </p:clrMapOvr>
 </p:sldLayout>
 </file>
 
 <file path=ppt/slideLayouts/slideLayout14.xml><?xml version="1.0" encoding="utf-8"?>
-<p:sldLayout xmlns:a="http://schemas.openxmlformats.org/drawingml/2006/main" xmlns:p="http://schemas.openxmlformats.org/presentationml/2006/main" xmlns:r="http://schemas.openxmlformats.org/officeDocument/2006/relationships" xmlns:p14="http://schemas.microsoft.com/office/powerpoint/2010/main" xmlns:p15="http://schemas.microsoft.com/office/powerpoint/2012/main" xmlns:mc="http://schemas.openxmlformats.org/markup-compatibility/2006" type="tx" preserve="1">
+<p:sldLayout xmlns:a="http://schemas.openxmlformats.org/drawingml/2006/main" xmlns:r="http://schemas.openxmlformats.org/officeDocument/2006/relationships" xmlns:p="http://schemas.openxmlformats.org/presentationml/2006/main" type="tx" preserve="1">
   <p:cSld name="Title Slide">
     <p:spTree>
       <p:nvGrpSpPr>
@@ -2092,11 +2407,12 @@
           </a:prstGeom>
         </p:spPr>
         <p:txBody>
-          <a:bodyPr lIns="0" rIns="0" tIns="0" bIns="0" anchor="ctr">
+          <a:bodyPr lIns="0" tIns="0" rIns="0" bIns="0" anchor="ctr">
             <a:spAutoFit/>
           </a:bodyPr>
-          <a:p>
-            <a:endParaRPr b="0" lang="en-US" sz="1800" spc="-1" strike="noStrike">
+          <a:lstStyle/>
+          <a:p>
+            <a:endParaRPr lang="en-US" sz="1800" b="0" strike="noStrike" spc="-1">
               <a:solidFill>
                 <a:srgbClr val="000000"/>
               </a:solidFill>
@@ -2125,12 +2441,13 @@
           </a:prstGeom>
         </p:spPr>
         <p:txBody>
-          <a:bodyPr lIns="0" rIns="0" tIns="0" bIns="0" anchor="ctr">
+          <a:bodyPr lIns="0" tIns="0" rIns="0" bIns="0" anchor="ctr">
             <a:spAutoFit/>
           </a:bodyPr>
+          <a:lstStyle/>
           <a:p>
             <a:pPr algn="ctr"/>
-            <a:endParaRPr b="0" lang="en-IN" sz="3200" spc="-1" strike="noStrike">
+            <a:endParaRPr lang="en-IN" sz="3200" b="0" strike="noStrike" spc="-1">
               <a:latin typeface="Arial"/>
             </a:endParaRPr>
           </a:p>
@@ -2138,11 +2455,14 @@
       </p:sp>
     </p:spTree>
   </p:cSld>
+  <p:clrMapOvr>
+    <a:masterClrMapping/>
+  </p:clrMapOvr>
 </p:sldLayout>
 </file>
 
 <file path=ppt/slideLayouts/slideLayout15.xml><?xml version="1.0" encoding="utf-8"?>
-<p:sldLayout xmlns:a="http://schemas.openxmlformats.org/drawingml/2006/main" xmlns:p="http://schemas.openxmlformats.org/presentationml/2006/main" xmlns:r="http://schemas.openxmlformats.org/officeDocument/2006/relationships" xmlns:p14="http://schemas.microsoft.com/office/powerpoint/2010/main" xmlns:p15="http://schemas.microsoft.com/office/powerpoint/2012/main" xmlns:mc="http://schemas.openxmlformats.org/markup-compatibility/2006" type="obj" preserve="1">
+<p:sldLayout xmlns:a="http://schemas.openxmlformats.org/drawingml/2006/main" xmlns:r="http://schemas.openxmlformats.org/officeDocument/2006/relationships" xmlns:p="http://schemas.openxmlformats.org/presentationml/2006/main" type="obj" preserve="1">
   <p:cSld name="Title, Content">
     <p:spTree>
       <p:nvGrpSpPr>
@@ -2178,11 +2498,12 @@
           </a:prstGeom>
         </p:spPr>
         <p:txBody>
-          <a:bodyPr lIns="0" rIns="0" tIns="0" bIns="0" anchor="ctr">
+          <a:bodyPr lIns="0" tIns="0" rIns="0" bIns="0" anchor="ctr">
             <a:spAutoFit/>
           </a:bodyPr>
-          <a:p>
-            <a:endParaRPr b="0" lang="en-US" sz="1800" spc="-1" strike="noStrike">
+          <a:lstStyle/>
+          <a:p>
+            <a:endParaRPr lang="en-US" sz="1800" b="0" strike="noStrike" spc="-1">
               <a:solidFill>
                 <a:srgbClr val="000000"/>
               </a:solidFill>
@@ -2211,11 +2532,12 @@
           </a:prstGeom>
         </p:spPr>
         <p:txBody>
-          <a:bodyPr lIns="0" rIns="0" tIns="0" bIns="0">
+          <a:bodyPr lIns="0" tIns="0" rIns="0" bIns="0">
             <a:normAutofit/>
           </a:bodyPr>
-          <a:p>
-            <a:endParaRPr b="0" lang="en-US" sz="2800" spc="-1" strike="noStrike">
+          <a:lstStyle/>
+          <a:p>
+            <a:endParaRPr lang="en-US" sz="2800" b="0" strike="noStrike" spc="-1">
               <a:solidFill>
                 <a:srgbClr val="000000"/>
               </a:solidFill>
@@ -2226,11 +2548,14 @@
       </p:sp>
     </p:spTree>
   </p:cSld>
+  <p:clrMapOvr>
+    <a:masterClrMapping/>
+  </p:clrMapOvr>
 </p:sldLayout>
 </file>
 
 <file path=ppt/slideLayouts/slideLayout16.xml><?xml version="1.0" encoding="utf-8"?>
-<p:sldLayout xmlns:a="http://schemas.openxmlformats.org/drawingml/2006/main" xmlns:p="http://schemas.openxmlformats.org/presentationml/2006/main" xmlns:r="http://schemas.openxmlformats.org/officeDocument/2006/relationships" xmlns:p14="http://schemas.microsoft.com/office/powerpoint/2010/main" xmlns:p15="http://schemas.microsoft.com/office/powerpoint/2012/main" xmlns:mc="http://schemas.openxmlformats.org/markup-compatibility/2006" type="twoObj" preserve="1">
+<p:sldLayout xmlns:a="http://schemas.openxmlformats.org/drawingml/2006/main" xmlns:r="http://schemas.openxmlformats.org/officeDocument/2006/relationships" xmlns:p="http://schemas.openxmlformats.org/presentationml/2006/main" type="twoObj" preserve="1">
   <p:cSld name="Title, 2 Content">
     <p:spTree>
       <p:nvGrpSpPr>
@@ -2266,11 +2591,12 @@
           </a:prstGeom>
         </p:spPr>
         <p:txBody>
-          <a:bodyPr lIns="0" rIns="0" tIns="0" bIns="0" anchor="ctr">
+          <a:bodyPr lIns="0" tIns="0" rIns="0" bIns="0" anchor="ctr">
             <a:spAutoFit/>
           </a:bodyPr>
-          <a:p>
-            <a:endParaRPr b="0" lang="en-US" sz="1800" spc="-1" strike="noStrike">
+          <a:lstStyle/>
+          <a:p>
+            <a:endParaRPr lang="en-US" sz="1800" b="0" strike="noStrike" spc="-1">
               <a:solidFill>
                 <a:srgbClr val="000000"/>
               </a:solidFill>
@@ -2299,11 +2625,12 @@
           </a:prstGeom>
         </p:spPr>
         <p:txBody>
-          <a:bodyPr lIns="0" rIns="0" tIns="0" bIns="0">
+          <a:bodyPr lIns="0" tIns="0" rIns="0" bIns="0">
             <a:normAutofit/>
           </a:bodyPr>
-          <a:p>
-            <a:endParaRPr b="0" lang="en-US" sz="2800" spc="-1" strike="noStrike">
+          <a:lstStyle/>
+          <a:p>
+            <a:endParaRPr lang="en-US" sz="2800" b="0" strike="noStrike" spc="-1">
               <a:solidFill>
                 <a:srgbClr val="000000"/>
               </a:solidFill>
@@ -2332,11 +2659,12 @@
           </a:prstGeom>
         </p:spPr>
         <p:txBody>
-          <a:bodyPr lIns="0" rIns="0" tIns="0" bIns="0">
+          <a:bodyPr lIns="0" tIns="0" rIns="0" bIns="0">
             <a:normAutofit/>
           </a:bodyPr>
-          <a:p>
-            <a:endParaRPr b="0" lang="en-US" sz="2800" spc="-1" strike="noStrike">
+          <a:lstStyle/>
+          <a:p>
+            <a:endParaRPr lang="en-US" sz="2800" b="0" strike="noStrike" spc="-1">
               <a:solidFill>
                 <a:srgbClr val="000000"/>
               </a:solidFill>
@@ -2347,11 +2675,14 @@
       </p:sp>
     </p:spTree>
   </p:cSld>
+  <p:clrMapOvr>
+    <a:masterClrMapping/>
+  </p:clrMapOvr>
 </p:sldLayout>
 </file>
 
 <file path=ppt/slideLayouts/slideLayout17.xml><?xml version="1.0" encoding="utf-8"?>
-<p:sldLayout xmlns:a="http://schemas.openxmlformats.org/drawingml/2006/main" xmlns:p="http://schemas.openxmlformats.org/presentationml/2006/main" xmlns:r="http://schemas.openxmlformats.org/officeDocument/2006/relationships" xmlns:p14="http://schemas.microsoft.com/office/powerpoint/2010/main" xmlns:p15="http://schemas.microsoft.com/office/powerpoint/2012/main" xmlns:mc="http://schemas.openxmlformats.org/markup-compatibility/2006" type="titleOnly" preserve="1">
+<p:sldLayout xmlns:a="http://schemas.openxmlformats.org/drawingml/2006/main" xmlns:r="http://schemas.openxmlformats.org/officeDocument/2006/relationships" xmlns:p="http://schemas.openxmlformats.org/presentationml/2006/main" type="titleOnly" preserve="1">
   <p:cSld name="Title Only">
     <p:spTree>
       <p:nvGrpSpPr>
@@ -2387,11 +2718,12 @@
           </a:prstGeom>
         </p:spPr>
         <p:txBody>
-          <a:bodyPr lIns="0" rIns="0" tIns="0" bIns="0" anchor="ctr">
+          <a:bodyPr lIns="0" tIns="0" rIns="0" bIns="0" anchor="ctr">
             <a:spAutoFit/>
           </a:bodyPr>
-          <a:p>
-            <a:endParaRPr b="0" lang="en-US" sz="1800" spc="-1" strike="noStrike">
+          <a:lstStyle/>
+          <a:p>
+            <a:endParaRPr lang="en-US" sz="1800" b="0" strike="noStrike" spc="-1">
               <a:solidFill>
                 <a:srgbClr val="000000"/>
               </a:solidFill>
@@ -2402,11 +2734,14 @@
       </p:sp>
     </p:spTree>
   </p:cSld>
+  <p:clrMapOvr>
+    <a:masterClrMapping/>
+  </p:clrMapOvr>
 </p:sldLayout>
 </file>
 
 <file path=ppt/slideLayouts/slideLayout18.xml><?xml version="1.0" encoding="utf-8"?>
-<p:sldLayout xmlns:a="http://schemas.openxmlformats.org/drawingml/2006/main" xmlns:p="http://schemas.openxmlformats.org/presentationml/2006/main" xmlns:r="http://schemas.openxmlformats.org/officeDocument/2006/relationships" xmlns:p14="http://schemas.microsoft.com/office/powerpoint/2010/main" xmlns:p15="http://schemas.microsoft.com/office/powerpoint/2012/main" xmlns:mc="http://schemas.openxmlformats.org/markup-compatibility/2006" type="objOnly" preserve="1">
+<p:sldLayout xmlns:a="http://schemas.openxmlformats.org/drawingml/2006/main" xmlns:r="http://schemas.openxmlformats.org/officeDocument/2006/relationships" xmlns:p="http://schemas.openxmlformats.org/presentationml/2006/main" type="objOnly" preserve="1">
   <p:cSld name="Centered Text">
     <p:spTree>
       <p:nvGrpSpPr>
@@ -2442,12 +2777,13 @@
           </a:prstGeom>
         </p:spPr>
         <p:txBody>
-          <a:bodyPr lIns="0" rIns="0" tIns="0" bIns="0" anchor="ctr">
+          <a:bodyPr lIns="0" tIns="0" rIns="0" bIns="0" anchor="ctr">
             <a:spAutoFit/>
           </a:bodyPr>
+          <a:lstStyle/>
           <a:p>
             <a:pPr algn="ctr"/>
-            <a:endParaRPr b="0" lang="en-IN" sz="3200" spc="-1" strike="noStrike">
+            <a:endParaRPr lang="en-IN" sz="3200" b="0" strike="noStrike" spc="-1">
               <a:latin typeface="Arial"/>
             </a:endParaRPr>
           </a:p>
@@ -2455,11 +2791,14 @@
       </p:sp>
     </p:spTree>
   </p:cSld>
+  <p:clrMapOvr>
+    <a:masterClrMapping/>
+  </p:clrMapOvr>
 </p:sldLayout>
 </file>
 
 <file path=ppt/slideLayouts/slideLayout19.xml><?xml version="1.0" encoding="utf-8"?>
-<p:sldLayout xmlns:a="http://schemas.openxmlformats.org/drawingml/2006/main" xmlns:p="http://schemas.openxmlformats.org/presentationml/2006/main" xmlns:r="http://schemas.openxmlformats.org/officeDocument/2006/relationships" xmlns:p14="http://schemas.microsoft.com/office/powerpoint/2010/main" xmlns:p15="http://schemas.microsoft.com/office/powerpoint/2012/main" xmlns:mc="http://schemas.openxmlformats.org/markup-compatibility/2006" type="twoObjAndObj" preserve="1">
+<p:sldLayout xmlns:a="http://schemas.openxmlformats.org/drawingml/2006/main" xmlns:r="http://schemas.openxmlformats.org/officeDocument/2006/relationships" xmlns:p="http://schemas.openxmlformats.org/presentationml/2006/main" type="twoObjAndObj" preserve="1">
   <p:cSld name="Title, 2 Content and Content">
     <p:spTree>
       <p:nvGrpSpPr>
@@ -2495,11 +2834,12 @@
           </a:prstGeom>
         </p:spPr>
         <p:txBody>
-          <a:bodyPr lIns="0" rIns="0" tIns="0" bIns="0" anchor="ctr">
+          <a:bodyPr lIns="0" tIns="0" rIns="0" bIns="0" anchor="ctr">
             <a:spAutoFit/>
           </a:bodyPr>
-          <a:p>
-            <a:endParaRPr b="0" lang="en-US" sz="1800" spc="-1" strike="noStrike">
+          <a:lstStyle/>
+          <a:p>
+            <a:endParaRPr lang="en-US" sz="1800" b="0" strike="noStrike" spc="-1">
               <a:solidFill>
                 <a:srgbClr val="000000"/>
               </a:solidFill>
@@ -2528,11 +2868,12 @@
           </a:prstGeom>
         </p:spPr>
         <p:txBody>
-          <a:bodyPr lIns="0" rIns="0" tIns="0" bIns="0">
+          <a:bodyPr lIns="0" tIns="0" rIns="0" bIns="0">
             <a:normAutofit/>
           </a:bodyPr>
-          <a:p>
-            <a:endParaRPr b="0" lang="en-US" sz="2800" spc="-1" strike="noStrike">
+          <a:lstStyle/>
+          <a:p>
+            <a:endParaRPr lang="en-US" sz="2800" b="0" strike="noStrike" spc="-1">
               <a:solidFill>
                 <a:srgbClr val="000000"/>
               </a:solidFill>
@@ -2561,11 +2902,12 @@
           </a:prstGeom>
         </p:spPr>
         <p:txBody>
-          <a:bodyPr lIns="0" rIns="0" tIns="0" bIns="0">
+          <a:bodyPr lIns="0" tIns="0" rIns="0" bIns="0">
             <a:normAutofit/>
           </a:bodyPr>
-          <a:p>
-            <a:endParaRPr b="0" lang="en-US" sz="2800" spc="-1" strike="noStrike">
+          <a:lstStyle/>
+          <a:p>
+            <a:endParaRPr lang="en-US" sz="2800" b="0" strike="noStrike" spc="-1">
               <a:solidFill>
                 <a:srgbClr val="000000"/>
               </a:solidFill>
@@ -2594,11 +2936,12 @@
           </a:prstGeom>
         </p:spPr>
         <p:txBody>
-          <a:bodyPr lIns="0" rIns="0" tIns="0" bIns="0">
+          <a:bodyPr lIns="0" tIns="0" rIns="0" bIns="0">
             <a:normAutofit/>
           </a:bodyPr>
-          <a:p>
-            <a:endParaRPr b="0" lang="en-US" sz="2800" spc="-1" strike="noStrike">
+          <a:lstStyle/>
+          <a:p>
+            <a:endParaRPr lang="en-US" sz="2800" b="0" strike="noStrike" spc="-1">
               <a:solidFill>
                 <a:srgbClr val="000000"/>
               </a:solidFill>
@@ -2609,11 +2952,14 @@
       </p:sp>
     </p:spTree>
   </p:cSld>
+  <p:clrMapOvr>
+    <a:masterClrMapping/>
+  </p:clrMapOvr>
 </p:sldLayout>
 </file>
 
 <file path=ppt/slideLayouts/slideLayout2.xml><?xml version="1.0" encoding="utf-8"?>
-<p:sldLayout xmlns:a="http://schemas.openxmlformats.org/drawingml/2006/main" xmlns:p="http://schemas.openxmlformats.org/presentationml/2006/main" xmlns:r="http://schemas.openxmlformats.org/officeDocument/2006/relationships" xmlns:p14="http://schemas.microsoft.com/office/powerpoint/2010/main" xmlns:p15="http://schemas.microsoft.com/office/powerpoint/2012/main" xmlns:mc="http://schemas.openxmlformats.org/markup-compatibility/2006" type="tx" preserve="1">
+<p:sldLayout xmlns:a="http://schemas.openxmlformats.org/drawingml/2006/main" xmlns:r="http://schemas.openxmlformats.org/officeDocument/2006/relationships" xmlns:p="http://schemas.openxmlformats.org/presentationml/2006/main" type="tx" preserve="1">
   <p:cSld name="Title Slide">
     <p:spTree>
       <p:nvGrpSpPr>
@@ -2649,11 +2995,12 @@
           </a:prstGeom>
         </p:spPr>
         <p:txBody>
-          <a:bodyPr lIns="0" rIns="0" tIns="0" bIns="0" anchor="ctr">
+          <a:bodyPr lIns="0" tIns="0" rIns="0" bIns="0" anchor="ctr">
             <a:spAutoFit/>
           </a:bodyPr>
-          <a:p>
-            <a:endParaRPr b="0" lang="en-US" sz="1800" spc="-1" strike="noStrike">
+          <a:lstStyle/>
+          <a:p>
+            <a:endParaRPr lang="en-US" sz="1800" b="0" strike="noStrike" spc="-1">
               <a:solidFill>
                 <a:srgbClr val="000000"/>
               </a:solidFill>
@@ -2682,12 +3029,13 @@
           </a:prstGeom>
         </p:spPr>
         <p:txBody>
-          <a:bodyPr lIns="0" rIns="0" tIns="0" bIns="0" anchor="ctr">
+          <a:bodyPr lIns="0" tIns="0" rIns="0" bIns="0" anchor="ctr">
             <a:spAutoFit/>
           </a:bodyPr>
+          <a:lstStyle/>
           <a:p>
             <a:pPr algn="ctr"/>
-            <a:endParaRPr b="0" lang="en-IN" sz="3200" spc="-1" strike="noStrike">
+            <a:endParaRPr lang="en-IN" sz="3200" b="0" strike="noStrike" spc="-1">
               <a:latin typeface="Arial"/>
             </a:endParaRPr>
           </a:p>
@@ -2695,11 +3043,14 @@
       </p:sp>
     </p:spTree>
   </p:cSld>
+  <p:clrMapOvr>
+    <a:masterClrMapping/>
+  </p:clrMapOvr>
 </p:sldLayout>
 </file>
 
 <file path=ppt/slideLayouts/slideLayout20.xml><?xml version="1.0" encoding="utf-8"?>
-<p:sldLayout xmlns:a="http://schemas.openxmlformats.org/drawingml/2006/main" xmlns:p="http://schemas.openxmlformats.org/presentationml/2006/main" xmlns:r="http://schemas.openxmlformats.org/officeDocument/2006/relationships" xmlns:p14="http://schemas.microsoft.com/office/powerpoint/2010/main" xmlns:p15="http://schemas.microsoft.com/office/powerpoint/2012/main" xmlns:mc="http://schemas.openxmlformats.org/markup-compatibility/2006" type="objAndTwoObj" preserve="1">
+<p:sldLayout xmlns:a="http://schemas.openxmlformats.org/drawingml/2006/main" xmlns:r="http://schemas.openxmlformats.org/officeDocument/2006/relationships" xmlns:p="http://schemas.openxmlformats.org/presentationml/2006/main" type="objAndTwoObj" preserve="1">
   <p:cSld name="Title Content and 2 Content">
     <p:spTree>
       <p:nvGrpSpPr>
@@ -2735,11 +3086,12 @@
           </a:prstGeom>
         </p:spPr>
         <p:txBody>
-          <a:bodyPr lIns="0" rIns="0" tIns="0" bIns="0" anchor="ctr">
+          <a:bodyPr lIns="0" tIns="0" rIns="0" bIns="0" anchor="ctr">
             <a:spAutoFit/>
           </a:bodyPr>
-          <a:p>
-            <a:endParaRPr b="0" lang="en-US" sz="1800" spc="-1" strike="noStrike">
+          <a:lstStyle/>
+          <a:p>
+            <a:endParaRPr lang="en-US" sz="1800" b="0" strike="noStrike" spc="-1">
               <a:solidFill>
                 <a:srgbClr val="000000"/>
               </a:solidFill>
@@ -2768,11 +3120,12 @@
           </a:prstGeom>
         </p:spPr>
         <p:txBody>
-          <a:bodyPr lIns="0" rIns="0" tIns="0" bIns="0">
+          <a:bodyPr lIns="0" tIns="0" rIns="0" bIns="0">
             <a:normAutofit/>
           </a:bodyPr>
-          <a:p>
-            <a:endParaRPr b="0" lang="en-US" sz="2800" spc="-1" strike="noStrike">
+          <a:lstStyle/>
+          <a:p>
+            <a:endParaRPr lang="en-US" sz="2800" b="0" strike="noStrike" spc="-1">
               <a:solidFill>
                 <a:srgbClr val="000000"/>
               </a:solidFill>
@@ -2801,11 +3154,12 @@
           </a:prstGeom>
         </p:spPr>
         <p:txBody>
-          <a:bodyPr lIns="0" rIns="0" tIns="0" bIns="0">
+          <a:bodyPr lIns="0" tIns="0" rIns="0" bIns="0">
             <a:normAutofit/>
           </a:bodyPr>
-          <a:p>
-            <a:endParaRPr b="0" lang="en-US" sz="2800" spc="-1" strike="noStrike">
+          <a:lstStyle/>
+          <a:p>
+            <a:endParaRPr lang="en-US" sz="2800" b="0" strike="noStrike" spc="-1">
               <a:solidFill>
                 <a:srgbClr val="000000"/>
               </a:solidFill>
@@ -2834,11 +3188,12 @@
           </a:prstGeom>
         </p:spPr>
         <p:txBody>
-          <a:bodyPr lIns="0" rIns="0" tIns="0" bIns="0">
+          <a:bodyPr lIns="0" tIns="0" rIns="0" bIns="0">
             <a:normAutofit/>
           </a:bodyPr>
-          <a:p>
-            <a:endParaRPr b="0" lang="en-US" sz="2800" spc="-1" strike="noStrike">
+          <a:lstStyle/>
+          <a:p>
+            <a:endParaRPr lang="en-US" sz="2800" b="0" strike="noStrike" spc="-1">
               <a:solidFill>
                 <a:srgbClr val="000000"/>
               </a:solidFill>
@@ -2849,11 +3204,14 @@
       </p:sp>
     </p:spTree>
   </p:cSld>
+  <p:clrMapOvr>
+    <a:masterClrMapping/>
+  </p:clrMapOvr>
 </p:sldLayout>
 </file>
 
 <file path=ppt/slideLayouts/slideLayout21.xml><?xml version="1.0" encoding="utf-8"?>
-<p:sldLayout xmlns:a="http://schemas.openxmlformats.org/drawingml/2006/main" xmlns:p="http://schemas.openxmlformats.org/presentationml/2006/main" xmlns:r="http://schemas.openxmlformats.org/officeDocument/2006/relationships" xmlns:p14="http://schemas.microsoft.com/office/powerpoint/2010/main" xmlns:p15="http://schemas.microsoft.com/office/powerpoint/2012/main" xmlns:mc="http://schemas.openxmlformats.org/markup-compatibility/2006" type="twoObjOverTx" preserve="1">
+<p:sldLayout xmlns:a="http://schemas.openxmlformats.org/drawingml/2006/main" xmlns:r="http://schemas.openxmlformats.org/officeDocument/2006/relationships" xmlns:p="http://schemas.openxmlformats.org/presentationml/2006/main" type="twoObjOverTx" preserve="1">
   <p:cSld name="Title, 2 Content over Content">
     <p:spTree>
       <p:nvGrpSpPr>
@@ -2889,11 +3247,12 @@
           </a:prstGeom>
         </p:spPr>
         <p:txBody>
-          <a:bodyPr lIns="0" rIns="0" tIns="0" bIns="0" anchor="ctr">
+          <a:bodyPr lIns="0" tIns="0" rIns="0" bIns="0" anchor="ctr">
             <a:spAutoFit/>
           </a:bodyPr>
-          <a:p>
-            <a:endParaRPr b="0" lang="en-US" sz="1800" spc="-1" strike="noStrike">
+          <a:lstStyle/>
+          <a:p>
+            <a:endParaRPr lang="en-US" sz="1800" b="0" strike="noStrike" spc="-1">
               <a:solidFill>
                 <a:srgbClr val="000000"/>
               </a:solidFill>
@@ -2922,11 +3281,12 @@
           </a:prstGeom>
         </p:spPr>
         <p:txBody>
-          <a:bodyPr lIns="0" rIns="0" tIns="0" bIns="0">
+          <a:bodyPr lIns="0" tIns="0" rIns="0" bIns="0">
             <a:normAutofit/>
           </a:bodyPr>
-          <a:p>
-            <a:endParaRPr b="0" lang="en-US" sz="2800" spc="-1" strike="noStrike">
+          <a:lstStyle/>
+          <a:p>
+            <a:endParaRPr lang="en-US" sz="2800" b="0" strike="noStrike" spc="-1">
               <a:solidFill>
                 <a:srgbClr val="000000"/>
               </a:solidFill>
@@ -2955,11 +3315,12 @@
           </a:prstGeom>
         </p:spPr>
         <p:txBody>
-          <a:bodyPr lIns="0" rIns="0" tIns="0" bIns="0">
+          <a:bodyPr lIns="0" tIns="0" rIns="0" bIns="0">
             <a:normAutofit/>
           </a:bodyPr>
-          <a:p>
-            <a:endParaRPr b="0" lang="en-US" sz="2800" spc="-1" strike="noStrike">
+          <a:lstStyle/>
+          <a:p>
+            <a:endParaRPr lang="en-US" sz="2800" b="0" strike="noStrike" spc="-1">
               <a:solidFill>
                 <a:srgbClr val="000000"/>
               </a:solidFill>
@@ -2988,11 +3349,12 @@
           </a:prstGeom>
         </p:spPr>
         <p:txBody>
-          <a:bodyPr lIns="0" rIns="0" tIns="0" bIns="0">
+          <a:bodyPr lIns="0" tIns="0" rIns="0" bIns="0">
             <a:normAutofit/>
           </a:bodyPr>
-          <a:p>
-            <a:endParaRPr b="0" lang="en-US" sz="2800" spc="-1" strike="noStrike">
+          <a:lstStyle/>
+          <a:p>
+            <a:endParaRPr lang="en-US" sz="2800" b="0" strike="noStrike" spc="-1">
               <a:solidFill>
                 <a:srgbClr val="000000"/>
               </a:solidFill>
@@ -3003,11 +3365,14 @@
       </p:sp>
     </p:spTree>
   </p:cSld>
+  <p:clrMapOvr>
+    <a:masterClrMapping/>
+  </p:clrMapOvr>
 </p:sldLayout>
 </file>
 
 <file path=ppt/slideLayouts/slideLayout22.xml><?xml version="1.0" encoding="utf-8"?>
-<p:sldLayout xmlns:a="http://schemas.openxmlformats.org/drawingml/2006/main" xmlns:p="http://schemas.openxmlformats.org/presentationml/2006/main" xmlns:r="http://schemas.openxmlformats.org/officeDocument/2006/relationships" xmlns:p14="http://schemas.microsoft.com/office/powerpoint/2010/main" xmlns:p15="http://schemas.microsoft.com/office/powerpoint/2012/main" xmlns:mc="http://schemas.openxmlformats.org/markup-compatibility/2006" type="objOverTx" preserve="1">
+<p:sldLayout xmlns:a="http://schemas.openxmlformats.org/drawingml/2006/main" xmlns:r="http://schemas.openxmlformats.org/officeDocument/2006/relationships" xmlns:p="http://schemas.openxmlformats.org/presentationml/2006/main" type="objOverTx" preserve="1">
   <p:cSld name="Title, Content over Content">
     <p:spTree>
       <p:nvGrpSpPr>
@@ -3043,11 +3408,12 @@
           </a:prstGeom>
         </p:spPr>
         <p:txBody>
-          <a:bodyPr lIns="0" rIns="0" tIns="0" bIns="0" anchor="ctr">
+          <a:bodyPr lIns="0" tIns="0" rIns="0" bIns="0" anchor="ctr">
             <a:spAutoFit/>
           </a:bodyPr>
-          <a:p>
-            <a:endParaRPr b="0" lang="en-US" sz="1800" spc="-1" strike="noStrike">
+          <a:lstStyle/>
+          <a:p>
+            <a:endParaRPr lang="en-US" sz="1800" b="0" strike="noStrike" spc="-1">
               <a:solidFill>
                 <a:srgbClr val="000000"/>
               </a:solidFill>
@@ -3076,11 +3442,12 @@
           </a:prstGeom>
         </p:spPr>
         <p:txBody>
-          <a:bodyPr lIns="0" rIns="0" tIns="0" bIns="0">
+          <a:bodyPr lIns="0" tIns="0" rIns="0" bIns="0">
             <a:normAutofit/>
           </a:bodyPr>
-          <a:p>
-            <a:endParaRPr b="0" lang="en-US" sz="2800" spc="-1" strike="noStrike">
+          <a:lstStyle/>
+          <a:p>
+            <a:endParaRPr lang="en-US" sz="2800" b="0" strike="noStrike" spc="-1">
               <a:solidFill>
                 <a:srgbClr val="000000"/>
               </a:solidFill>
@@ -3109,11 +3476,12 @@
           </a:prstGeom>
         </p:spPr>
         <p:txBody>
-          <a:bodyPr lIns="0" rIns="0" tIns="0" bIns="0">
+          <a:bodyPr lIns="0" tIns="0" rIns="0" bIns="0">
             <a:normAutofit/>
           </a:bodyPr>
-          <a:p>
-            <a:endParaRPr b="0" lang="en-US" sz="2800" spc="-1" strike="noStrike">
+          <a:lstStyle/>
+          <a:p>
+            <a:endParaRPr lang="en-US" sz="2800" b="0" strike="noStrike" spc="-1">
               <a:solidFill>
                 <a:srgbClr val="000000"/>
               </a:solidFill>
@@ -3124,11 +3492,14 @@
       </p:sp>
     </p:spTree>
   </p:cSld>
+  <p:clrMapOvr>
+    <a:masterClrMapping/>
+  </p:clrMapOvr>
 </p:sldLayout>
 </file>
 
 <file path=ppt/slideLayouts/slideLayout23.xml><?xml version="1.0" encoding="utf-8"?>
-<p:sldLayout xmlns:a="http://schemas.openxmlformats.org/drawingml/2006/main" xmlns:p="http://schemas.openxmlformats.org/presentationml/2006/main" xmlns:r="http://schemas.openxmlformats.org/officeDocument/2006/relationships" xmlns:p14="http://schemas.microsoft.com/office/powerpoint/2010/main" xmlns:p15="http://schemas.microsoft.com/office/powerpoint/2012/main" xmlns:mc="http://schemas.openxmlformats.org/markup-compatibility/2006" type="fourObj" preserve="1">
+<p:sldLayout xmlns:a="http://schemas.openxmlformats.org/drawingml/2006/main" xmlns:r="http://schemas.openxmlformats.org/officeDocument/2006/relationships" xmlns:p="http://schemas.openxmlformats.org/presentationml/2006/main" type="fourObj" preserve="1">
   <p:cSld name="Title, 4 Content">
     <p:spTree>
       <p:nvGrpSpPr>
@@ -3164,11 +3535,12 @@
           </a:prstGeom>
         </p:spPr>
         <p:txBody>
-          <a:bodyPr lIns="0" rIns="0" tIns="0" bIns="0" anchor="ctr">
+          <a:bodyPr lIns="0" tIns="0" rIns="0" bIns="0" anchor="ctr">
             <a:spAutoFit/>
           </a:bodyPr>
-          <a:p>
-            <a:endParaRPr b="0" lang="en-US" sz="1800" spc="-1" strike="noStrike">
+          <a:lstStyle/>
+          <a:p>
+            <a:endParaRPr lang="en-US" sz="1800" b="0" strike="noStrike" spc="-1">
               <a:solidFill>
                 <a:srgbClr val="000000"/>
               </a:solidFill>
@@ -3197,11 +3569,12 @@
           </a:prstGeom>
         </p:spPr>
         <p:txBody>
-          <a:bodyPr lIns="0" rIns="0" tIns="0" bIns="0">
+          <a:bodyPr lIns="0" tIns="0" rIns="0" bIns="0">
             <a:normAutofit/>
           </a:bodyPr>
-          <a:p>
-            <a:endParaRPr b="0" lang="en-US" sz="2800" spc="-1" strike="noStrike">
+          <a:lstStyle/>
+          <a:p>
+            <a:endParaRPr lang="en-US" sz="2800" b="0" strike="noStrike" spc="-1">
               <a:solidFill>
                 <a:srgbClr val="000000"/>
               </a:solidFill>
@@ -3230,11 +3603,12 @@
           </a:prstGeom>
         </p:spPr>
         <p:txBody>
-          <a:bodyPr lIns="0" rIns="0" tIns="0" bIns="0">
+          <a:bodyPr lIns="0" tIns="0" rIns="0" bIns="0">
             <a:normAutofit/>
           </a:bodyPr>
-          <a:p>
-            <a:endParaRPr b="0" lang="en-US" sz="2800" spc="-1" strike="noStrike">
+          <a:lstStyle/>
+          <a:p>
+            <a:endParaRPr lang="en-US" sz="2800" b="0" strike="noStrike" spc="-1">
               <a:solidFill>
                 <a:srgbClr val="000000"/>
               </a:solidFill>
@@ -3263,11 +3637,12 @@
           </a:prstGeom>
         </p:spPr>
         <p:txBody>
-          <a:bodyPr lIns="0" rIns="0" tIns="0" bIns="0">
+          <a:bodyPr lIns="0" tIns="0" rIns="0" bIns="0">
             <a:normAutofit/>
           </a:bodyPr>
-          <a:p>
-            <a:endParaRPr b="0" lang="en-US" sz="2800" spc="-1" strike="noStrike">
+          <a:lstStyle/>
+          <a:p>
+            <a:endParaRPr lang="en-US" sz="2800" b="0" strike="noStrike" spc="-1">
               <a:solidFill>
                 <a:srgbClr val="000000"/>
               </a:solidFill>
@@ -3296,11 +3671,12 @@
           </a:prstGeom>
         </p:spPr>
         <p:txBody>
-          <a:bodyPr lIns="0" rIns="0" tIns="0" bIns="0">
+          <a:bodyPr lIns="0" tIns="0" rIns="0" bIns="0">
             <a:normAutofit/>
           </a:bodyPr>
-          <a:p>
-            <a:endParaRPr b="0" lang="en-US" sz="2800" spc="-1" strike="noStrike">
+          <a:lstStyle/>
+          <a:p>
+            <a:endParaRPr lang="en-US" sz="2800" b="0" strike="noStrike" spc="-1">
               <a:solidFill>
                 <a:srgbClr val="000000"/>
               </a:solidFill>
@@ -3311,11 +3687,14 @@
       </p:sp>
     </p:spTree>
   </p:cSld>
+  <p:clrMapOvr>
+    <a:masterClrMapping/>
+  </p:clrMapOvr>
 </p:sldLayout>
 </file>
 
 <file path=ppt/slideLayouts/slideLayout24.xml><?xml version="1.0" encoding="utf-8"?>
-<p:sldLayout xmlns:a="http://schemas.openxmlformats.org/drawingml/2006/main" xmlns:p="http://schemas.openxmlformats.org/presentationml/2006/main" xmlns:r="http://schemas.openxmlformats.org/officeDocument/2006/relationships" xmlns:p14="http://schemas.microsoft.com/office/powerpoint/2010/main" xmlns:p15="http://schemas.microsoft.com/office/powerpoint/2012/main" xmlns:mc="http://schemas.openxmlformats.org/markup-compatibility/2006" type="blank" preserve="1">
+<p:sldLayout xmlns:a="http://schemas.openxmlformats.org/drawingml/2006/main" xmlns:r="http://schemas.openxmlformats.org/officeDocument/2006/relationships" xmlns:p="http://schemas.openxmlformats.org/presentationml/2006/main" type="blank" preserve="1">
   <p:cSld name="Title, 6 Content">
     <p:spTree>
       <p:nvGrpSpPr>
@@ -3351,11 +3730,12 @@
           </a:prstGeom>
         </p:spPr>
         <p:txBody>
-          <a:bodyPr lIns="0" rIns="0" tIns="0" bIns="0" anchor="ctr">
+          <a:bodyPr lIns="0" tIns="0" rIns="0" bIns="0" anchor="ctr">
             <a:spAutoFit/>
           </a:bodyPr>
-          <a:p>
-            <a:endParaRPr b="0" lang="en-US" sz="1800" spc="-1" strike="noStrike">
+          <a:lstStyle/>
+          <a:p>
+            <a:endParaRPr lang="en-US" sz="1800" b="0" strike="noStrike" spc="-1">
               <a:solidFill>
                 <a:srgbClr val="000000"/>
               </a:solidFill>
@@ -3384,11 +3764,12 @@
           </a:prstGeom>
         </p:spPr>
         <p:txBody>
-          <a:bodyPr lIns="0" rIns="0" tIns="0" bIns="0">
+          <a:bodyPr lIns="0" tIns="0" rIns="0" bIns="0">
             <a:normAutofit/>
           </a:bodyPr>
-          <a:p>
-            <a:endParaRPr b="0" lang="en-US" sz="2800" spc="-1" strike="noStrike">
+          <a:lstStyle/>
+          <a:p>
+            <a:endParaRPr lang="en-US" sz="2800" b="0" strike="noStrike" spc="-1">
               <a:solidFill>
                 <a:srgbClr val="000000"/>
               </a:solidFill>
@@ -3417,11 +3798,12 @@
           </a:prstGeom>
         </p:spPr>
         <p:txBody>
-          <a:bodyPr lIns="0" rIns="0" tIns="0" bIns="0">
+          <a:bodyPr lIns="0" tIns="0" rIns="0" bIns="0">
             <a:normAutofit/>
           </a:bodyPr>
-          <a:p>
-            <a:endParaRPr b="0" lang="en-US" sz="2800" spc="-1" strike="noStrike">
+          <a:lstStyle/>
+          <a:p>
+            <a:endParaRPr lang="en-US" sz="2800" b="0" strike="noStrike" spc="-1">
               <a:solidFill>
                 <a:srgbClr val="000000"/>
               </a:solidFill>
@@ -3450,11 +3832,12 @@
           </a:prstGeom>
         </p:spPr>
         <p:txBody>
-          <a:bodyPr lIns="0" rIns="0" tIns="0" bIns="0">
+          <a:bodyPr lIns="0" tIns="0" rIns="0" bIns="0">
             <a:normAutofit/>
           </a:bodyPr>
-          <a:p>
-            <a:endParaRPr b="0" lang="en-US" sz="2800" spc="-1" strike="noStrike">
+          <a:lstStyle/>
+          <a:p>
+            <a:endParaRPr lang="en-US" sz="2800" b="0" strike="noStrike" spc="-1">
               <a:solidFill>
                 <a:srgbClr val="000000"/>
               </a:solidFill>
@@ -3483,11 +3866,12 @@
           </a:prstGeom>
         </p:spPr>
         <p:txBody>
-          <a:bodyPr lIns="0" rIns="0" tIns="0" bIns="0">
+          <a:bodyPr lIns="0" tIns="0" rIns="0" bIns="0">
             <a:normAutofit/>
           </a:bodyPr>
-          <a:p>
-            <a:endParaRPr b="0" lang="en-US" sz="2800" spc="-1" strike="noStrike">
+          <a:lstStyle/>
+          <a:p>
+            <a:endParaRPr lang="en-US" sz="2800" b="0" strike="noStrike" spc="-1">
               <a:solidFill>
                 <a:srgbClr val="000000"/>
               </a:solidFill>
@@ -3516,11 +3900,12 @@
           </a:prstGeom>
         </p:spPr>
         <p:txBody>
-          <a:bodyPr lIns="0" rIns="0" tIns="0" bIns="0">
+          <a:bodyPr lIns="0" tIns="0" rIns="0" bIns="0">
             <a:normAutofit/>
           </a:bodyPr>
-          <a:p>
-            <a:endParaRPr b="0" lang="en-US" sz="2800" spc="-1" strike="noStrike">
+          <a:lstStyle/>
+          <a:p>
+            <a:endParaRPr lang="en-US" sz="2800" b="0" strike="noStrike" spc="-1">
               <a:solidFill>
                 <a:srgbClr val="000000"/>
               </a:solidFill>
@@ -3549,11 +3934,12 @@
           </a:prstGeom>
         </p:spPr>
         <p:txBody>
-          <a:bodyPr lIns="0" rIns="0" tIns="0" bIns="0">
+          <a:bodyPr lIns="0" tIns="0" rIns="0" bIns="0">
             <a:normAutofit/>
           </a:bodyPr>
-          <a:p>
-            <a:endParaRPr b="0" lang="en-US" sz="2800" spc="-1" strike="noStrike">
+          <a:lstStyle/>
+          <a:p>
+            <a:endParaRPr lang="en-US" sz="2800" b="0" strike="noStrike" spc="-1">
               <a:solidFill>
                 <a:srgbClr val="000000"/>
               </a:solidFill>
@@ -3564,11 +3950,14 @@
       </p:sp>
     </p:spTree>
   </p:cSld>
+  <p:clrMapOvr>
+    <a:masterClrMapping/>
+  </p:clrMapOvr>
 </p:sldLayout>
 </file>
 
 <file path=ppt/slideLayouts/slideLayout3.xml><?xml version="1.0" encoding="utf-8"?>
-<p:sldLayout xmlns:a="http://schemas.openxmlformats.org/drawingml/2006/main" xmlns:p="http://schemas.openxmlformats.org/presentationml/2006/main" xmlns:r="http://schemas.openxmlformats.org/officeDocument/2006/relationships" xmlns:p14="http://schemas.microsoft.com/office/powerpoint/2010/main" xmlns:p15="http://schemas.microsoft.com/office/powerpoint/2012/main" xmlns:mc="http://schemas.openxmlformats.org/markup-compatibility/2006" type="obj" preserve="1">
+<p:sldLayout xmlns:a="http://schemas.openxmlformats.org/drawingml/2006/main" xmlns:r="http://schemas.openxmlformats.org/officeDocument/2006/relationships" xmlns:p="http://schemas.openxmlformats.org/presentationml/2006/main" type="obj" preserve="1">
   <p:cSld name="Title, Content">
     <p:spTree>
       <p:nvGrpSpPr>
@@ -3604,11 +3993,12 @@
           </a:prstGeom>
         </p:spPr>
         <p:txBody>
-          <a:bodyPr lIns="0" rIns="0" tIns="0" bIns="0" anchor="ctr">
+          <a:bodyPr lIns="0" tIns="0" rIns="0" bIns="0" anchor="ctr">
             <a:spAutoFit/>
           </a:bodyPr>
-          <a:p>
-            <a:endParaRPr b="0" lang="en-US" sz="1800" spc="-1" strike="noStrike">
+          <a:lstStyle/>
+          <a:p>
+            <a:endParaRPr lang="en-US" sz="1800" b="0" strike="noStrike" spc="-1">
               <a:solidFill>
                 <a:srgbClr val="000000"/>
               </a:solidFill>
@@ -3637,11 +4027,12 @@
           </a:prstGeom>
         </p:spPr>
         <p:txBody>
-          <a:bodyPr lIns="0" rIns="0" tIns="0" bIns="0">
+          <a:bodyPr lIns="0" tIns="0" rIns="0" bIns="0">
             <a:normAutofit/>
           </a:bodyPr>
-          <a:p>
-            <a:endParaRPr b="0" lang="en-US" sz="2800" spc="-1" strike="noStrike">
+          <a:lstStyle/>
+          <a:p>
+            <a:endParaRPr lang="en-US" sz="2800" b="0" strike="noStrike" spc="-1">
               <a:solidFill>
                 <a:srgbClr val="000000"/>
               </a:solidFill>
@@ -3652,11 +4043,14 @@
       </p:sp>
     </p:spTree>
   </p:cSld>
+  <p:clrMapOvr>
+    <a:masterClrMapping/>
+  </p:clrMapOvr>
 </p:sldLayout>
 </file>
 
 <file path=ppt/slideLayouts/slideLayout4.xml><?xml version="1.0" encoding="utf-8"?>
-<p:sldLayout xmlns:a="http://schemas.openxmlformats.org/drawingml/2006/main" xmlns:p="http://schemas.openxmlformats.org/presentationml/2006/main" xmlns:r="http://schemas.openxmlformats.org/officeDocument/2006/relationships" xmlns:p14="http://schemas.microsoft.com/office/powerpoint/2010/main" xmlns:p15="http://schemas.microsoft.com/office/powerpoint/2012/main" xmlns:mc="http://schemas.openxmlformats.org/markup-compatibility/2006" type="twoObj" preserve="1">
+<p:sldLayout xmlns:a="http://schemas.openxmlformats.org/drawingml/2006/main" xmlns:r="http://schemas.openxmlformats.org/officeDocument/2006/relationships" xmlns:p="http://schemas.openxmlformats.org/presentationml/2006/main" type="twoObj" preserve="1">
   <p:cSld name="Title, 2 Content">
     <p:spTree>
       <p:nvGrpSpPr>
@@ -3692,11 +4086,12 @@
           </a:prstGeom>
         </p:spPr>
         <p:txBody>
-          <a:bodyPr lIns="0" rIns="0" tIns="0" bIns="0" anchor="ctr">
+          <a:bodyPr lIns="0" tIns="0" rIns="0" bIns="0" anchor="ctr">
             <a:spAutoFit/>
           </a:bodyPr>
-          <a:p>
-            <a:endParaRPr b="0" lang="en-US" sz="1800" spc="-1" strike="noStrike">
+          <a:lstStyle/>
+          <a:p>
+            <a:endParaRPr lang="en-US" sz="1800" b="0" strike="noStrike" spc="-1">
               <a:solidFill>
                 <a:srgbClr val="000000"/>
               </a:solidFill>
@@ -3725,11 +4120,12 @@
           </a:prstGeom>
         </p:spPr>
         <p:txBody>
-          <a:bodyPr lIns="0" rIns="0" tIns="0" bIns="0">
+          <a:bodyPr lIns="0" tIns="0" rIns="0" bIns="0">
             <a:normAutofit/>
           </a:bodyPr>
-          <a:p>
-            <a:endParaRPr b="0" lang="en-US" sz="2800" spc="-1" strike="noStrike">
+          <a:lstStyle/>
+          <a:p>
+            <a:endParaRPr lang="en-US" sz="2800" b="0" strike="noStrike" spc="-1">
               <a:solidFill>
                 <a:srgbClr val="000000"/>
               </a:solidFill>
@@ -3758,11 +4154,12 @@
           </a:prstGeom>
         </p:spPr>
         <p:txBody>
-          <a:bodyPr lIns="0" rIns="0" tIns="0" bIns="0">
+          <a:bodyPr lIns="0" tIns="0" rIns="0" bIns="0">
             <a:normAutofit/>
           </a:bodyPr>
-          <a:p>
-            <a:endParaRPr b="0" lang="en-US" sz="2800" spc="-1" strike="noStrike">
+          <a:lstStyle/>
+          <a:p>
+            <a:endParaRPr lang="en-US" sz="2800" b="0" strike="noStrike" spc="-1">
               <a:solidFill>
                 <a:srgbClr val="000000"/>
               </a:solidFill>
@@ -3773,11 +4170,14 @@
       </p:sp>
     </p:spTree>
   </p:cSld>
+  <p:clrMapOvr>
+    <a:masterClrMapping/>
+  </p:clrMapOvr>
 </p:sldLayout>
 </file>
 
 <file path=ppt/slideLayouts/slideLayout5.xml><?xml version="1.0" encoding="utf-8"?>
-<p:sldLayout xmlns:a="http://schemas.openxmlformats.org/drawingml/2006/main" xmlns:p="http://schemas.openxmlformats.org/presentationml/2006/main" xmlns:r="http://schemas.openxmlformats.org/officeDocument/2006/relationships" xmlns:p14="http://schemas.microsoft.com/office/powerpoint/2010/main" xmlns:p15="http://schemas.microsoft.com/office/powerpoint/2012/main" xmlns:mc="http://schemas.openxmlformats.org/markup-compatibility/2006" type="titleOnly" preserve="1">
+<p:sldLayout xmlns:a="http://schemas.openxmlformats.org/drawingml/2006/main" xmlns:r="http://schemas.openxmlformats.org/officeDocument/2006/relationships" xmlns:p="http://schemas.openxmlformats.org/presentationml/2006/main" type="titleOnly" preserve="1">
   <p:cSld name="Title Only">
     <p:spTree>
       <p:nvGrpSpPr>
@@ -3813,11 +4213,12 @@
           </a:prstGeom>
         </p:spPr>
         <p:txBody>
-          <a:bodyPr lIns="0" rIns="0" tIns="0" bIns="0" anchor="ctr">
+          <a:bodyPr lIns="0" tIns="0" rIns="0" bIns="0" anchor="ctr">
             <a:spAutoFit/>
           </a:bodyPr>
-          <a:p>
-            <a:endParaRPr b="0" lang="en-US" sz="1800" spc="-1" strike="noStrike">
+          <a:lstStyle/>
+          <a:p>
+            <a:endParaRPr lang="en-US" sz="1800" b="0" strike="noStrike" spc="-1">
               <a:solidFill>
                 <a:srgbClr val="000000"/>
               </a:solidFill>
@@ -3828,11 +4229,14 @@
       </p:sp>
     </p:spTree>
   </p:cSld>
+  <p:clrMapOvr>
+    <a:masterClrMapping/>
+  </p:clrMapOvr>
 </p:sldLayout>
 </file>
 
 <file path=ppt/slideLayouts/slideLayout6.xml><?xml version="1.0" encoding="utf-8"?>
-<p:sldLayout xmlns:a="http://schemas.openxmlformats.org/drawingml/2006/main" xmlns:p="http://schemas.openxmlformats.org/presentationml/2006/main" xmlns:r="http://schemas.openxmlformats.org/officeDocument/2006/relationships" xmlns:p14="http://schemas.microsoft.com/office/powerpoint/2010/main" xmlns:p15="http://schemas.microsoft.com/office/powerpoint/2012/main" xmlns:mc="http://schemas.openxmlformats.org/markup-compatibility/2006" type="objOnly" preserve="1">
+<p:sldLayout xmlns:a="http://schemas.openxmlformats.org/drawingml/2006/main" xmlns:r="http://schemas.openxmlformats.org/officeDocument/2006/relationships" xmlns:p="http://schemas.openxmlformats.org/presentationml/2006/main" type="objOnly" preserve="1">
   <p:cSld name="Centered Text">
     <p:spTree>
       <p:nvGrpSpPr>
@@ -3868,12 +4272,13 @@
           </a:prstGeom>
         </p:spPr>
         <p:txBody>
-          <a:bodyPr lIns="0" rIns="0" tIns="0" bIns="0" anchor="ctr">
+          <a:bodyPr lIns="0" tIns="0" rIns="0" bIns="0" anchor="ctr">
             <a:spAutoFit/>
           </a:bodyPr>
+          <a:lstStyle/>
           <a:p>
             <a:pPr algn="ctr"/>
-            <a:endParaRPr b="0" lang="en-IN" sz="3200" spc="-1" strike="noStrike">
+            <a:endParaRPr lang="en-IN" sz="3200" b="0" strike="noStrike" spc="-1">
               <a:latin typeface="Arial"/>
             </a:endParaRPr>
           </a:p>
@@ -3881,11 +4286,14 @@
       </p:sp>
     </p:spTree>
   </p:cSld>
+  <p:clrMapOvr>
+    <a:masterClrMapping/>
+  </p:clrMapOvr>
 </p:sldLayout>
 </file>
 
 <file path=ppt/slideLayouts/slideLayout7.xml><?xml version="1.0" encoding="utf-8"?>
-<p:sldLayout xmlns:a="http://schemas.openxmlformats.org/drawingml/2006/main" xmlns:p="http://schemas.openxmlformats.org/presentationml/2006/main" xmlns:r="http://schemas.openxmlformats.org/officeDocument/2006/relationships" xmlns:p14="http://schemas.microsoft.com/office/powerpoint/2010/main" xmlns:p15="http://schemas.microsoft.com/office/powerpoint/2012/main" xmlns:mc="http://schemas.openxmlformats.org/markup-compatibility/2006" type="twoObjAndObj" preserve="1">
+<p:sldLayout xmlns:a="http://schemas.openxmlformats.org/drawingml/2006/main" xmlns:r="http://schemas.openxmlformats.org/officeDocument/2006/relationships" xmlns:p="http://schemas.openxmlformats.org/presentationml/2006/main" type="twoObjAndObj" preserve="1">
   <p:cSld name="Title, 2 Content and Content">
     <p:spTree>
       <p:nvGrpSpPr>
@@ -3921,11 +4329,12 @@
           </a:prstGeom>
         </p:spPr>
         <p:txBody>
-          <a:bodyPr lIns="0" rIns="0" tIns="0" bIns="0" anchor="ctr">
+          <a:bodyPr lIns="0" tIns="0" rIns="0" bIns="0" anchor="ctr">
             <a:spAutoFit/>
           </a:bodyPr>
-          <a:p>
-            <a:endParaRPr b="0" lang="en-US" sz="1800" spc="-1" strike="noStrike">
+          <a:lstStyle/>
+          <a:p>
+            <a:endParaRPr lang="en-US" sz="1800" b="0" strike="noStrike" spc="-1">
               <a:solidFill>
                 <a:srgbClr val="000000"/>
               </a:solidFill>
@@ -3954,11 +4363,12 @@
           </a:prstGeom>
         </p:spPr>
         <p:txBody>
-          <a:bodyPr lIns="0" rIns="0" tIns="0" bIns="0">
+          <a:bodyPr lIns="0" tIns="0" rIns="0" bIns="0">
             <a:normAutofit/>
           </a:bodyPr>
-          <a:p>
-            <a:endParaRPr b="0" lang="en-US" sz="2800" spc="-1" strike="noStrike">
+          <a:lstStyle/>
+          <a:p>
+            <a:endParaRPr lang="en-US" sz="2800" b="0" strike="noStrike" spc="-1">
               <a:solidFill>
                 <a:srgbClr val="000000"/>
               </a:solidFill>
@@ -3987,11 +4397,12 @@
           </a:prstGeom>
         </p:spPr>
         <p:txBody>
-          <a:bodyPr lIns="0" rIns="0" tIns="0" bIns="0">
+          <a:bodyPr lIns="0" tIns="0" rIns="0" bIns="0">
             <a:normAutofit/>
           </a:bodyPr>
-          <a:p>
-            <a:endParaRPr b="0" lang="en-US" sz="2800" spc="-1" strike="noStrike">
+          <a:lstStyle/>
+          <a:p>
+            <a:endParaRPr lang="en-US" sz="2800" b="0" strike="noStrike" spc="-1">
               <a:solidFill>
                 <a:srgbClr val="000000"/>
               </a:solidFill>
@@ -4020,11 +4431,12 @@
           </a:prstGeom>
         </p:spPr>
         <p:txBody>
-          <a:bodyPr lIns="0" rIns="0" tIns="0" bIns="0">
+          <a:bodyPr lIns="0" tIns="0" rIns="0" bIns="0">
             <a:normAutofit/>
           </a:bodyPr>
-          <a:p>
-            <a:endParaRPr b="0" lang="en-US" sz="2800" spc="-1" strike="noStrike">
+          <a:lstStyle/>
+          <a:p>
+            <a:endParaRPr lang="en-US" sz="2800" b="0" strike="noStrike" spc="-1">
               <a:solidFill>
                 <a:srgbClr val="000000"/>
               </a:solidFill>
@@ -4035,11 +4447,14 @@
       </p:sp>
     </p:spTree>
   </p:cSld>
+  <p:clrMapOvr>
+    <a:masterClrMapping/>
+  </p:clrMapOvr>
 </p:sldLayout>
 </file>
 
 <file path=ppt/slideLayouts/slideLayout8.xml><?xml version="1.0" encoding="utf-8"?>
-<p:sldLayout xmlns:a="http://schemas.openxmlformats.org/drawingml/2006/main" xmlns:p="http://schemas.openxmlformats.org/presentationml/2006/main" xmlns:r="http://schemas.openxmlformats.org/officeDocument/2006/relationships" xmlns:p14="http://schemas.microsoft.com/office/powerpoint/2010/main" xmlns:p15="http://schemas.microsoft.com/office/powerpoint/2012/main" xmlns:mc="http://schemas.openxmlformats.org/markup-compatibility/2006" type="objAndTwoObj" preserve="1">
+<p:sldLayout xmlns:a="http://schemas.openxmlformats.org/drawingml/2006/main" xmlns:r="http://schemas.openxmlformats.org/officeDocument/2006/relationships" xmlns:p="http://schemas.openxmlformats.org/presentationml/2006/main" type="objAndTwoObj" preserve="1">
   <p:cSld name="Title Content and 2 Content">
     <p:spTree>
       <p:nvGrpSpPr>
@@ -4075,11 +4490,12 @@
           </a:prstGeom>
         </p:spPr>
         <p:txBody>
-          <a:bodyPr lIns="0" rIns="0" tIns="0" bIns="0" anchor="ctr">
+          <a:bodyPr lIns="0" tIns="0" rIns="0" bIns="0" anchor="ctr">
             <a:spAutoFit/>
           </a:bodyPr>
-          <a:p>
-            <a:endParaRPr b="0" lang="en-US" sz="1800" spc="-1" strike="noStrike">
+          <a:lstStyle/>
+          <a:p>
+            <a:endParaRPr lang="en-US" sz="1800" b="0" strike="noStrike" spc="-1">
               <a:solidFill>
                 <a:srgbClr val="000000"/>
               </a:solidFill>
@@ -4108,11 +4524,12 @@
           </a:prstGeom>
         </p:spPr>
         <p:txBody>
-          <a:bodyPr lIns="0" rIns="0" tIns="0" bIns="0">
+          <a:bodyPr lIns="0" tIns="0" rIns="0" bIns="0">
             <a:normAutofit/>
           </a:bodyPr>
-          <a:p>
-            <a:endParaRPr b="0" lang="en-US" sz="2800" spc="-1" strike="noStrike">
+          <a:lstStyle/>
+          <a:p>
+            <a:endParaRPr lang="en-US" sz="2800" b="0" strike="noStrike" spc="-1">
               <a:solidFill>
                 <a:srgbClr val="000000"/>
               </a:solidFill>
@@ -4141,11 +4558,12 @@
           </a:prstGeom>
         </p:spPr>
         <p:txBody>
-          <a:bodyPr lIns="0" rIns="0" tIns="0" bIns="0">
+          <a:bodyPr lIns="0" tIns="0" rIns="0" bIns="0">
             <a:normAutofit/>
           </a:bodyPr>
-          <a:p>
-            <a:endParaRPr b="0" lang="en-US" sz="2800" spc="-1" strike="noStrike">
+          <a:lstStyle/>
+          <a:p>
+            <a:endParaRPr lang="en-US" sz="2800" b="0" strike="noStrike" spc="-1">
               <a:solidFill>
                 <a:srgbClr val="000000"/>
               </a:solidFill>
@@ -4174,11 +4592,12 @@
           </a:prstGeom>
         </p:spPr>
         <p:txBody>
-          <a:bodyPr lIns="0" rIns="0" tIns="0" bIns="0">
+          <a:bodyPr lIns="0" tIns="0" rIns="0" bIns="0">
             <a:normAutofit/>
           </a:bodyPr>
-          <a:p>
-            <a:endParaRPr b="0" lang="en-US" sz="2800" spc="-1" strike="noStrike">
+          <a:lstStyle/>
+          <a:p>
+            <a:endParaRPr lang="en-US" sz="2800" b="0" strike="noStrike" spc="-1">
               <a:solidFill>
                 <a:srgbClr val="000000"/>
               </a:solidFill>
@@ -4189,11 +4608,14 @@
       </p:sp>
     </p:spTree>
   </p:cSld>
+  <p:clrMapOvr>
+    <a:masterClrMapping/>
+  </p:clrMapOvr>
 </p:sldLayout>
 </file>
 
 <file path=ppt/slideLayouts/slideLayout9.xml><?xml version="1.0" encoding="utf-8"?>
-<p:sldLayout xmlns:a="http://schemas.openxmlformats.org/drawingml/2006/main" xmlns:p="http://schemas.openxmlformats.org/presentationml/2006/main" xmlns:r="http://schemas.openxmlformats.org/officeDocument/2006/relationships" xmlns:p14="http://schemas.microsoft.com/office/powerpoint/2010/main" xmlns:p15="http://schemas.microsoft.com/office/powerpoint/2012/main" xmlns:mc="http://schemas.openxmlformats.org/markup-compatibility/2006" type="twoObjOverTx" preserve="1">
+<p:sldLayout xmlns:a="http://schemas.openxmlformats.org/drawingml/2006/main" xmlns:r="http://schemas.openxmlformats.org/officeDocument/2006/relationships" xmlns:p="http://schemas.openxmlformats.org/presentationml/2006/main" type="twoObjOverTx" preserve="1">
   <p:cSld name="Title, 2 Content over Content">
     <p:spTree>
       <p:nvGrpSpPr>
@@ -4229,11 +4651,12 @@
           </a:prstGeom>
         </p:spPr>
         <p:txBody>
-          <a:bodyPr lIns="0" rIns="0" tIns="0" bIns="0" anchor="ctr">
+          <a:bodyPr lIns="0" tIns="0" rIns="0" bIns="0" anchor="ctr">
             <a:spAutoFit/>
           </a:bodyPr>
-          <a:p>
-            <a:endParaRPr b="0" lang="en-US" sz="1800" spc="-1" strike="noStrike">
+          <a:lstStyle/>
+          <a:p>
+            <a:endParaRPr lang="en-US" sz="1800" b="0" strike="noStrike" spc="-1">
               <a:solidFill>
                 <a:srgbClr val="000000"/>
               </a:solidFill>
@@ -4262,11 +4685,12 @@
           </a:prstGeom>
         </p:spPr>
         <p:txBody>
-          <a:bodyPr lIns="0" rIns="0" tIns="0" bIns="0">
+          <a:bodyPr lIns="0" tIns="0" rIns="0" bIns="0">
             <a:normAutofit/>
           </a:bodyPr>
-          <a:p>
-            <a:endParaRPr b="0" lang="en-US" sz="2800" spc="-1" strike="noStrike">
+          <a:lstStyle/>
+          <a:p>
+            <a:endParaRPr lang="en-US" sz="2800" b="0" strike="noStrike" spc="-1">
               <a:solidFill>
                 <a:srgbClr val="000000"/>
               </a:solidFill>
@@ -4295,11 +4719,12 @@
           </a:prstGeom>
         </p:spPr>
         <p:txBody>
-          <a:bodyPr lIns="0" rIns="0" tIns="0" bIns="0">
+          <a:bodyPr lIns="0" tIns="0" rIns="0" bIns="0">
             <a:normAutofit/>
           </a:bodyPr>
-          <a:p>
-            <a:endParaRPr b="0" lang="en-US" sz="2800" spc="-1" strike="noStrike">
+          <a:lstStyle/>
+          <a:p>
+            <a:endParaRPr lang="en-US" sz="2800" b="0" strike="noStrike" spc="-1">
               <a:solidFill>
                 <a:srgbClr val="000000"/>
               </a:solidFill>
@@ -4328,11 +4753,12 @@
           </a:prstGeom>
         </p:spPr>
         <p:txBody>
-          <a:bodyPr lIns="0" rIns="0" tIns="0" bIns="0">
+          <a:bodyPr lIns="0" tIns="0" rIns="0" bIns="0">
             <a:normAutofit/>
           </a:bodyPr>
-          <a:p>
-            <a:endParaRPr b="0" lang="en-US" sz="2800" spc="-1" strike="noStrike">
+          <a:lstStyle/>
+          <a:p>
+            <a:endParaRPr lang="en-US" sz="2800" b="0" strike="noStrike" spc="-1">
               <a:solidFill>
                 <a:srgbClr val="000000"/>
               </a:solidFill>
@@ -4343,17 +4769,21 @@
       </p:sp>
     </p:spTree>
   </p:cSld>
+  <p:clrMapOvr>
+    <a:masterClrMapping/>
+  </p:clrMapOvr>
 </p:sldLayout>
 </file>
 
 <file path=ppt/slideMasters/slideMaster1.xml><?xml version="1.0" encoding="utf-8"?>
-<p:sldMaster xmlns:a="http://schemas.openxmlformats.org/drawingml/2006/main" xmlns:p="http://schemas.openxmlformats.org/presentationml/2006/main" xmlns:r="http://schemas.openxmlformats.org/officeDocument/2006/relationships" xmlns:p14="http://schemas.microsoft.com/office/powerpoint/2010/main" xmlns:p15="http://schemas.microsoft.com/office/powerpoint/2012/main" xmlns:mc="http://schemas.openxmlformats.org/markup-compatibility/2006">
+<p:sldMaster xmlns:a="http://schemas.openxmlformats.org/drawingml/2006/main" xmlns:r="http://schemas.openxmlformats.org/officeDocument/2006/relationships" xmlns:p="http://schemas.openxmlformats.org/presentationml/2006/main">
   <p:cSld>
     <p:bg>
       <p:bgPr>
         <a:solidFill>
-          <a:srgbClr val="ffffff"/>
+          <a:srgbClr val="FFFFFF"/>
         </a:solidFill>
+        <a:effectLst/>
       </p:bgPr>
     </p:bg>
     <p:spTree>
@@ -4372,12 +4802,12 @@
       </p:grpSpPr>
       <p:pic>
         <p:nvPicPr>
-          <p:cNvPr id="0" name="Picture 6" descr=""/>
+          <p:cNvPr id="7" name="Picture 6"/>
           <p:cNvPicPr/>
           <p:nvPr/>
         </p:nvPicPr>
         <p:blipFill>
-          <a:blip r:embed="rId2"/>
+          <a:blip r:embed="rId14"/>
           <a:stretch/>
         </p:blipFill>
         <p:spPr>
@@ -4395,12 +4825,12 @@
       </p:pic>
       <p:pic>
         <p:nvPicPr>
-          <p:cNvPr id="1" name="Picture 7" descr=""/>
+          <p:cNvPr id="8" name="Picture 7"/>
           <p:cNvPicPr/>
           <p:nvPr/>
         </p:nvPicPr>
         <p:blipFill>
-          <a:blip r:embed="rId3"/>
+          <a:blip r:embed="rId15"/>
           <a:stretch/>
         </p:blipFill>
         <p:spPr>
@@ -4439,6 +4869,7 @@
           <a:bodyPr anchor="b">
             <a:noAutofit/>
           </a:bodyPr>
+          <a:lstStyle/>
           <a:p>
             <a:pPr algn="ctr">
               <a:lnSpc>
@@ -4446,7 +4877,7 @@
               </a:lnSpc>
             </a:pPr>
             <a:r>
-              <a:rPr b="1" lang="en-US" sz="6000" spc="-1" strike="noStrike">
+              <a:rPr lang="en-US" sz="6000" b="1" strike="noStrike" spc="-1">
                 <a:solidFill>
                   <a:srgbClr val="002060"/>
                 </a:solidFill>
@@ -4454,7 +4885,7 @@
               </a:rPr>
               <a:t>Click to edit Master title style</a:t>
             </a:r>
-            <a:endParaRPr b="0" lang="en-US" sz="6000" spc="-1" strike="noStrike">
+            <a:endParaRPr lang="en-US" sz="6000" b="0" strike="noStrike" spc="-1">
               <a:solidFill>
                 <a:srgbClr val="000000"/>
               </a:solidFill>
@@ -4486,6 +4917,7 @@
           <a:bodyPr anchor="ctr">
             <a:noAutofit/>
           </a:bodyPr>
+          <a:lstStyle/>
           <a:p>
             <a:pPr>
               <a:lnSpc>
@@ -4493,15 +4925,15 @@
               </a:lnSpc>
             </a:pPr>
             <a:r>
-              <a:rPr b="1" lang="en-IN" sz="1200" spc="-1" strike="noStrike">
-                <a:solidFill>
-                  <a:srgbClr val="2b5ff3"/>
+              <a:rPr lang="en-IN" sz="1200" b="1" strike="noStrike" spc="-1">
+                <a:solidFill>
+                  <a:srgbClr val="2B5FF3"/>
                 </a:solidFill>
                 <a:latin typeface="Calibri"/>
               </a:rPr>
               <a:t>VIII Semester, Department of ISE, RNSIT</a:t>
             </a:r>
-            <a:endParaRPr b="0" lang="en-IN" sz="1200" spc="-1" strike="noStrike">
+            <a:endParaRPr lang="en-IN" sz="1200" b="0" strike="noStrike" spc="-1">
               <a:latin typeface="Times New Roman"/>
             </a:endParaRPr>
           </a:p>
@@ -4530,6 +4962,7 @@
           <a:bodyPr anchor="ctr">
             <a:noAutofit/>
           </a:bodyPr>
+          <a:lstStyle/>
           <a:p>
             <a:pPr algn="ctr">
               <a:lnSpc>
@@ -4537,15 +4970,15 @@
               </a:lnSpc>
             </a:pPr>
             <a:r>
-              <a:rPr b="1" lang="en-IN" sz="1200" spc="-1" strike="noStrike">
-                <a:solidFill>
-                  <a:srgbClr val="2b5ff3"/>
+              <a:rPr lang="en-IN" sz="1200" b="1" strike="noStrike" spc="-1">
+                <a:solidFill>
+                  <a:srgbClr val="2B5FF3"/>
                 </a:solidFill>
                 <a:latin typeface="Calibri"/>
               </a:rPr>
               <a:t>2021 - 2022</a:t>
             </a:r>
-            <a:endParaRPr b="0" lang="en-IN" sz="1200" spc="-1" strike="noStrike">
+            <a:endParaRPr lang="en-IN" sz="1200" b="0" strike="noStrike" spc="-1">
               <a:latin typeface="Times New Roman"/>
             </a:endParaRPr>
           </a:p>
@@ -4574,6 +5007,7 @@
           <a:bodyPr anchor="ctr">
             <a:noAutofit/>
           </a:bodyPr>
+          <a:lstStyle/>
           <a:p>
             <a:pPr algn="r">
               <a:lnSpc>
@@ -4581,15 +5015,15 @@
               </a:lnSpc>
             </a:pPr>
             <a:fld id="{5BE0EAFF-0055-42FF-8E68-572EC694D82A}" type="slidenum">
-              <a:rPr b="1" lang="en-IN" sz="1200" spc="-1" strike="noStrike">
-                <a:solidFill>
-                  <a:srgbClr val="2b5ff3"/>
+              <a:rPr lang="en-IN" sz="1200" b="1" strike="noStrike" spc="-1">
+                <a:solidFill>
+                  <a:srgbClr val="2B5FF3"/>
                 </a:solidFill>
                 <a:latin typeface="Calibri"/>
               </a:rPr>
-              <a:t>1</a:t>
+              <a:t>‹#›</a:t>
             </a:fld>
-            <a:endParaRPr b="0" lang="en-IN" sz="1200" spc="-1" strike="noStrike">
+            <a:endParaRPr lang="en-IN" sz="1200" b="0" strike="noStrike" spc="-1">
               <a:latin typeface="Times New Roman"/>
             </a:endParaRPr>
           </a:p>
@@ -4615,9 +5049,10 @@
           </a:prstGeom>
         </p:spPr>
         <p:txBody>
-          <a:bodyPr lIns="0" rIns="0" tIns="0" bIns="0">
+          <a:bodyPr lIns="0" tIns="0" rIns="0" bIns="0">
             <a:normAutofit/>
           </a:bodyPr>
+          <a:lstStyle/>
           <a:p>
             <a:pPr marL="432000" indent="-324000">
               <a:spcBef>
@@ -4631,7 +5066,7 @@
               <a:buChar char=""/>
             </a:pPr>
             <a:r>
-              <a:rPr b="0" lang="en-US" sz="2800" spc="-1" strike="noStrike">
+              <a:rPr lang="en-US" sz="2800" b="0" strike="noStrike" spc="-1">
                 <a:solidFill>
                   <a:srgbClr val="000000"/>
                 </a:solidFill>
@@ -4639,15 +5074,9 @@
               </a:rPr>
               <a:t>Click to edit the outline text format</a:t>
             </a:r>
-            <a:endParaRPr b="0" lang="en-US" sz="2800" spc="-1" strike="noStrike">
-              <a:solidFill>
-                <a:srgbClr val="000000"/>
-              </a:solidFill>
-              <a:latin typeface="Calibri"/>
-            </a:endParaRPr>
-          </a:p>
-          <a:p>
-            <a:pPr lvl="1" marL="864000" indent="-324000">
+          </a:p>
+          <a:p>
+            <a:pPr marL="864000" lvl="1" indent="-324000">
               <a:spcBef>
                 <a:spcPts val="1134"/>
               </a:spcBef>
@@ -4659,7 +5088,7 @@
               <a:buChar char=""/>
             </a:pPr>
             <a:r>
-              <a:rPr b="0" lang="en-US" sz="2000" spc="-1" strike="noStrike">
+              <a:rPr lang="en-US" sz="2000" b="0" strike="noStrike" spc="-1">
                 <a:solidFill>
                   <a:srgbClr val="000000"/>
                 </a:solidFill>
@@ -4667,15 +5096,9 @@
               </a:rPr>
               <a:t>Second Outline Level</a:t>
             </a:r>
-            <a:endParaRPr b="0" lang="en-US" sz="2000" spc="-1" strike="noStrike">
-              <a:solidFill>
-                <a:srgbClr val="000000"/>
-              </a:solidFill>
-              <a:latin typeface="Calibri"/>
-            </a:endParaRPr>
-          </a:p>
-          <a:p>
-            <a:pPr lvl="2" marL="1296000" indent="-288000">
+          </a:p>
+          <a:p>
+            <a:pPr marL="1296000" lvl="2" indent="-288000">
               <a:spcBef>
                 <a:spcPts val="850"/>
               </a:spcBef>
@@ -4687,7 +5110,7 @@
               <a:buChar char=""/>
             </a:pPr>
             <a:r>
-              <a:rPr b="0" lang="en-US" sz="1800" spc="-1" strike="noStrike">
+              <a:rPr lang="en-US" sz="1800" b="0" strike="noStrike" spc="-1">
                 <a:solidFill>
                   <a:srgbClr val="000000"/>
                 </a:solidFill>
@@ -4695,15 +5118,9 @@
               </a:rPr>
               <a:t>Third Outline Level</a:t>
             </a:r>
-            <a:endParaRPr b="0" lang="en-US" sz="1800" spc="-1" strike="noStrike">
-              <a:solidFill>
-                <a:srgbClr val="000000"/>
-              </a:solidFill>
-              <a:latin typeface="Calibri"/>
-            </a:endParaRPr>
-          </a:p>
-          <a:p>
-            <a:pPr lvl="3" marL="1728000" indent="-216000">
+          </a:p>
+          <a:p>
+            <a:pPr marL="1728000" lvl="3" indent="-216000">
               <a:spcBef>
                 <a:spcPts val="567"/>
               </a:spcBef>
@@ -4715,7 +5132,7 @@
               <a:buChar char=""/>
             </a:pPr>
             <a:r>
-              <a:rPr b="0" lang="en-US" sz="1800" spc="-1" strike="noStrike">
+              <a:rPr lang="en-US" sz="1800" b="0" strike="noStrike" spc="-1">
                 <a:solidFill>
                   <a:srgbClr val="000000"/>
                 </a:solidFill>
@@ -4723,15 +5140,9 @@
               </a:rPr>
               <a:t>Fourth Outline Level</a:t>
             </a:r>
-            <a:endParaRPr b="0" lang="en-US" sz="1800" spc="-1" strike="noStrike">
-              <a:solidFill>
-                <a:srgbClr val="000000"/>
-              </a:solidFill>
-              <a:latin typeface="Calibri"/>
-            </a:endParaRPr>
-          </a:p>
-          <a:p>
-            <a:pPr lvl="4" marL="2160000" indent="-216000">
+          </a:p>
+          <a:p>
+            <a:pPr marL="2160000" lvl="4" indent="-216000">
               <a:spcBef>
                 <a:spcPts val="283"/>
               </a:spcBef>
@@ -4743,7 +5154,7 @@
               <a:buChar char=""/>
             </a:pPr>
             <a:r>
-              <a:rPr b="0" lang="en-US" sz="2000" spc="-1" strike="noStrike">
+              <a:rPr lang="en-US" sz="2000" b="0" strike="noStrike" spc="-1">
                 <a:solidFill>
                   <a:srgbClr val="000000"/>
                 </a:solidFill>
@@ -4751,15 +5162,9 @@
               </a:rPr>
               <a:t>Fifth Outline Level</a:t>
             </a:r>
-            <a:endParaRPr b="0" lang="en-US" sz="2000" spc="-1" strike="noStrike">
-              <a:solidFill>
-                <a:srgbClr val="000000"/>
-              </a:solidFill>
-              <a:latin typeface="Calibri"/>
-            </a:endParaRPr>
-          </a:p>
-          <a:p>
-            <a:pPr lvl="5" marL="2592000" indent="-216000">
+          </a:p>
+          <a:p>
+            <a:pPr marL="2592000" lvl="5" indent="-216000">
               <a:spcBef>
                 <a:spcPts val="283"/>
               </a:spcBef>
@@ -4771,7 +5176,7 @@
               <a:buChar char=""/>
             </a:pPr>
             <a:r>
-              <a:rPr b="0" lang="en-US" sz="2000" spc="-1" strike="noStrike">
+              <a:rPr lang="en-US" sz="2000" b="0" strike="noStrike" spc="-1">
                 <a:solidFill>
                   <a:srgbClr val="000000"/>
                 </a:solidFill>
@@ -4779,15 +5184,9 @@
               </a:rPr>
               <a:t>Sixth Outline Level</a:t>
             </a:r>
-            <a:endParaRPr b="0" lang="en-US" sz="2000" spc="-1" strike="noStrike">
-              <a:solidFill>
-                <a:srgbClr val="000000"/>
-              </a:solidFill>
-              <a:latin typeface="Calibri"/>
-            </a:endParaRPr>
-          </a:p>
-          <a:p>
-            <a:pPr lvl="6" marL="3024000" indent="-216000">
+          </a:p>
+          <a:p>
+            <a:pPr marL="3024000" lvl="6" indent="-216000">
               <a:spcBef>
                 <a:spcPts val="283"/>
               </a:spcBef>
@@ -4799,7 +5198,7 @@
               <a:buChar char=""/>
             </a:pPr>
             <a:r>
-              <a:rPr b="0" lang="en-US" sz="2000" spc="-1" strike="noStrike">
+              <a:rPr lang="en-US" sz="2000" b="0" strike="noStrike" spc="-1">
                 <a:solidFill>
                   <a:srgbClr val="000000"/>
                 </a:solidFill>
@@ -4807,43 +5206,318 @@
               </a:rPr>
               <a:t>Seventh Outline Level</a:t>
             </a:r>
-            <a:endParaRPr b="0" lang="en-US" sz="2000" spc="-1" strike="noStrike">
-              <a:solidFill>
-                <a:srgbClr val="000000"/>
-              </a:solidFill>
-              <a:latin typeface="Calibri"/>
-            </a:endParaRPr>
           </a:p>
         </p:txBody>
       </p:sp>
     </p:spTree>
   </p:cSld>
-  <p:clrMap bg1="lt1" bg2="lt2" tx1="dk1" tx2="dk2" accent1="accent1" accent2="accent2" accent3="accent3" accent4="accent4" accent5="accent5" accent6="accent6" hlink="hlink" folHlink="folHlink"/>
+  <p:clrMap bg1="lt1" tx1="dk1" bg2="lt2" tx2="dk2" accent1="accent1" accent2="accent2" accent3="accent3" accent4="accent4" accent5="accent5" accent6="accent6" hlink="hlink" folHlink="folHlink"/>
   <p:sldLayoutIdLst>
-    <p:sldLayoutId id="2147483649" r:id="rId4"/>
-    <p:sldLayoutId id="2147483650" r:id="rId5"/>
-    <p:sldLayoutId id="2147483651" r:id="rId6"/>
-    <p:sldLayoutId id="2147483652" r:id="rId7"/>
-    <p:sldLayoutId id="2147483653" r:id="rId8"/>
-    <p:sldLayoutId id="2147483654" r:id="rId9"/>
-    <p:sldLayoutId id="2147483655" r:id="rId10"/>
-    <p:sldLayoutId id="2147483656" r:id="rId11"/>
-    <p:sldLayoutId id="2147483657" r:id="rId12"/>
-    <p:sldLayoutId id="2147483658" r:id="rId13"/>
-    <p:sldLayoutId id="2147483659" r:id="rId14"/>
-    <p:sldLayoutId id="2147483660" r:id="rId15"/>
+    <p:sldLayoutId id="2147483649" r:id="rId1"/>
+    <p:sldLayoutId id="2147483650" r:id="rId2"/>
+    <p:sldLayoutId id="2147483651" r:id="rId3"/>
+    <p:sldLayoutId id="2147483652" r:id="rId4"/>
+    <p:sldLayoutId id="2147483653" r:id="rId5"/>
+    <p:sldLayoutId id="2147483654" r:id="rId6"/>
+    <p:sldLayoutId id="2147483655" r:id="rId7"/>
+    <p:sldLayoutId id="2147483656" r:id="rId8"/>
+    <p:sldLayoutId id="2147483657" r:id="rId9"/>
+    <p:sldLayoutId id="2147483658" r:id="rId10"/>
+    <p:sldLayoutId id="2147483659" r:id="rId11"/>
+    <p:sldLayoutId id="2147483660" r:id="rId12"/>
   </p:sldLayoutIdLst>
+  <p:txStyles>
+    <p:titleStyle>
+      <a:lvl1pPr algn="l" defTabSz="914400" rtl="0" eaLnBrk="1" latinLnBrk="0" hangingPunct="1">
+        <a:lnSpc>
+          <a:spcPct val="90000"/>
+        </a:lnSpc>
+        <a:spcBef>
+          <a:spcPct val="0"/>
+        </a:spcBef>
+        <a:buNone/>
+        <a:defRPr sz="4400" kern="1200">
+          <a:solidFill>
+            <a:schemeClr val="tx1"/>
+          </a:solidFill>
+          <a:latin typeface="+mj-lt"/>
+          <a:ea typeface="+mj-ea"/>
+          <a:cs typeface="+mj-cs"/>
+        </a:defRPr>
+      </a:lvl1pPr>
+    </p:titleStyle>
+    <p:bodyStyle>
+      <a:lvl1pPr marL="228600" indent="-228600" algn="l" defTabSz="914400" rtl="0" eaLnBrk="1" latinLnBrk="0" hangingPunct="1">
+        <a:lnSpc>
+          <a:spcPct val="90000"/>
+        </a:lnSpc>
+        <a:spcBef>
+          <a:spcPts val="1000"/>
+        </a:spcBef>
+        <a:buFont typeface="Arial" panose="020B0604020202020204" pitchFamily="34" charset="0"/>
+        <a:buChar char="•"/>
+        <a:defRPr sz="2800" kern="1200">
+          <a:solidFill>
+            <a:schemeClr val="tx1"/>
+          </a:solidFill>
+          <a:latin typeface="+mn-lt"/>
+          <a:ea typeface="+mn-ea"/>
+          <a:cs typeface="+mn-cs"/>
+        </a:defRPr>
+      </a:lvl1pPr>
+      <a:lvl2pPr marL="685800" indent="-228600" algn="l" defTabSz="914400" rtl="0" eaLnBrk="1" latinLnBrk="0" hangingPunct="1">
+        <a:lnSpc>
+          <a:spcPct val="90000"/>
+        </a:lnSpc>
+        <a:spcBef>
+          <a:spcPts val="500"/>
+        </a:spcBef>
+        <a:buFont typeface="Arial" panose="020B0604020202020204" pitchFamily="34" charset="0"/>
+        <a:buChar char="•"/>
+        <a:defRPr sz="2400" kern="1200">
+          <a:solidFill>
+            <a:schemeClr val="tx1"/>
+          </a:solidFill>
+          <a:latin typeface="+mn-lt"/>
+          <a:ea typeface="+mn-ea"/>
+          <a:cs typeface="+mn-cs"/>
+        </a:defRPr>
+      </a:lvl2pPr>
+      <a:lvl3pPr marL="1143000" indent="-228600" algn="l" defTabSz="914400" rtl="0" eaLnBrk="1" latinLnBrk="0" hangingPunct="1">
+        <a:lnSpc>
+          <a:spcPct val="90000"/>
+        </a:lnSpc>
+        <a:spcBef>
+          <a:spcPts val="500"/>
+        </a:spcBef>
+        <a:buFont typeface="Arial" panose="020B0604020202020204" pitchFamily="34" charset="0"/>
+        <a:buChar char="•"/>
+        <a:defRPr sz="2000" kern="1200">
+          <a:solidFill>
+            <a:schemeClr val="tx1"/>
+          </a:solidFill>
+          <a:latin typeface="+mn-lt"/>
+          <a:ea typeface="+mn-ea"/>
+          <a:cs typeface="+mn-cs"/>
+        </a:defRPr>
+      </a:lvl3pPr>
+      <a:lvl4pPr marL="1600200" indent="-228600" algn="l" defTabSz="914400" rtl="0" eaLnBrk="1" latinLnBrk="0" hangingPunct="1">
+        <a:lnSpc>
+          <a:spcPct val="90000"/>
+        </a:lnSpc>
+        <a:spcBef>
+          <a:spcPts val="500"/>
+        </a:spcBef>
+        <a:buFont typeface="Arial" panose="020B0604020202020204" pitchFamily="34" charset="0"/>
+        <a:buChar char="•"/>
+        <a:defRPr sz="1800" kern="1200">
+          <a:solidFill>
+            <a:schemeClr val="tx1"/>
+          </a:solidFill>
+          <a:latin typeface="+mn-lt"/>
+          <a:ea typeface="+mn-ea"/>
+          <a:cs typeface="+mn-cs"/>
+        </a:defRPr>
+      </a:lvl4pPr>
+      <a:lvl5pPr marL="2057400" indent="-228600" algn="l" defTabSz="914400" rtl="0" eaLnBrk="1" latinLnBrk="0" hangingPunct="1">
+        <a:lnSpc>
+          <a:spcPct val="90000"/>
+        </a:lnSpc>
+        <a:spcBef>
+          <a:spcPts val="500"/>
+        </a:spcBef>
+        <a:buFont typeface="Arial" panose="020B0604020202020204" pitchFamily="34" charset="0"/>
+        <a:buChar char="•"/>
+        <a:defRPr sz="1800" kern="1200">
+          <a:solidFill>
+            <a:schemeClr val="tx1"/>
+          </a:solidFill>
+          <a:latin typeface="+mn-lt"/>
+          <a:ea typeface="+mn-ea"/>
+          <a:cs typeface="+mn-cs"/>
+        </a:defRPr>
+      </a:lvl5pPr>
+      <a:lvl6pPr marL="2514600" indent="-228600" algn="l" defTabSz="914400" rtl="0" eaLnBrk="1" latinLnBrk="0" hangingPunct="1">
+        <a:lnSpc>
+          <a:spcPct val="90000"/>
+        </a:lnSpc>
+        <a:spcBef>
+          <a:spcPts val="500"/>
+        </a:spcBef>
+        <a:buFont typeface="Arial" panose="020B0604020202020204" pitchFamily="34" charset="0"/>
+        <a:buChar char="•"/>
+        <a:defRPr sz="1800" kern="1200">
+          <a:solidFill>
+            <a:schemeClr val="tx1"/>
+          </a:solidFill>
+          <a:latin typeface="+mn-lt"/>
+          <a:ea typeface="+mn-ea"/>
+          <a:cs typeface="+mn-cs"/>
+        </a:defRPr>
+      </a:lvl6pPr>
+      <a:lvl7pPr marL="2971800" indent="-228600" algn="l" defTabSz="914400" rtl="0" eaLnBrk="1" latinLnBrk="0" hangingPunct="1">
+        <a:lnSpc>
+          <a:spcPct val="90000"/>
+        </a:lnSpc>
+        <a:spcBef>
+          <a:spcPts val="500"/>
+        </a:spcBef>
+        <a:buFont typeface="Arial" panose="020B0604020202020204" pitchFamily="34" charset="0"/>
+        <a:buChar char="•"/>
+        <a:defRPr sz="1800" kern="1200">
+          <a:solidFill>
+            <a:schemeClr val="tx1"/>
+          </a:solidFill>
+          <a:latin typeface="+mn-lt"/>
+          <a:ea typeface="+mn-ea"/>
+          <a:cs typeface="+mn-cs"/>
+        </a:defRPr>
+      </a:lvl7pPr>
+      <a:lvl8pPr marL="3429000" indent="-228600" algn="l" defTabSz="914400" rtl="0" eaLnBrk="1" latinLnBrk="0" hangingPunct="1">
+        <a:lnSpc>
+          <a:spcPct val="90000"/>
+        </a:lnSpc>
+        <a:spcBef>
+          <a:spcPts val="500"/>
+        </a:spcBef>
+        <a:buFont typeface="Arial" panose="020B0604020202020204" pitchFamily="34" charset="0"/>
+        <a:buChar char="•"/>
+        <a:defRPr sz="1800" kern="1200">
+          <a:solidFill>
+            <a:schemeClr val="tx1"/>
+          </a:solidFill>
+          <a:latin typeface="+mn-lt"/>
+          <a:ea typeface="+mn-ea"/>
+          <a:cs typeface="+mn-cs"/>
+        </a:defRPr>
+      </a:lvl8pPr>
+      <a:lvl9pPr marL="3886200" indent="-228600" algn="l" defTabSz="914400" rtl="0" eaLnBrk="1" latinLnBrk="0" hangingPunct="1">
+        <a:lnSpc>
+          <a:spcPct val="90000"/>
+        </a:lnSpc>
+        <a:spcBef>
+          <a:spcPts val="500"/>
+        </a:spcBef>
+        <a:buFont typeface="Arial" panose="020B0604020202020204" pitchFamily="34" charset="0"/>
+        <a:buChar char="•"/>
+        <a:defRPr sz="1800" kern="1200">
+          <a:solidFill>
+            <a:schemeClr val="tx1"/>
+          </a:solidFill>
+          <a:latin typeface="+mn-lt"/>
+          <a:ea typeface="+mn-ea"/>
+          <a:cs typeface="+mn-cs"/>
+        </a:defRPr>
+      </a:lvl9pPr>
+    </p:bodyStyle>
+    <p:otherStyle>
+      <a:defPPr>
+        <a:defRPr lang="en-US"/>
+      </a:defPPr>
+      <a:lvl1pPr marL="0" algn="l" defTabSz="914400" rtl="0" eaLnBrk="1" latinLnBrk="0" hangingPunct="1">
+        <a:defRPr sz="1800" kern="1200">
+          <a:solidFill>
+            <a:schemeClr val="tx1"/>
+          </a:solidFill>
+          <a:latin typeface="+mn-lt"/>
+          <a:ea typeface="+mn-ea"/>
+          <a:cs typeface="+mn-cs"/>
+        </a:defRPr>
+      </a:lvl1pPr>
+      <a:lvl2pPr marL="457200" algn="l" defTabSz="914400" rtl="0" eaLnBrk="1" latinLnBrk="0" hangingPunct="1">
+        <a:defRPr sz="1800" kern="1200">
+          <a:solidFill>
+            <a:schemeClr val="tx1"/>
+          </a:solidFill>
+          <a:latin typeface="+mn-lt"/>
+          <a:ea typeface="+mn-ea"/>
+          <a:cs typeface="+mn-cs"/>
+        </a:defRPr>
+      </a:lvl2pPr>
+      <a:lvl3pPr marL="914400" algn="l" defTabSz="914400" rtl="0" eaLnBrk="1" latinLnBrk="0" hangingPunct="1">
+        <a:defRPr sz="1800" kern="1200">
+          <a:solidFill>
+            <a:schemeClr val="tx1"/>
+          </a:solidFill>
+          <a:latin typeface="+mn-lt"/>
+          <a:ea typeface="+mn-ea"/>
+          <a:cs typeface="+mn-cs"/>
+        </a:defRPr>
+      </a:lvl3pPr>
+      <a:lvl4pPr marL="1371600" algn="l" defTabSz="914400" rtl="0" eaLnBrk="1" latinLnBrk="0" hangingPunct="1">
+        <a:defRPr sz="1800" kern="1200">
+          <a:solidFill>
+            <a:schemeClr val="tx1"/>
+          </a:solidFill>
+          <a:latin typeface="+mn-lt"/>
+          <a:ea typeface="+mn-ea"/>
+          <a:cs typeface="+mn-cs"/>
+        </a:defRPr>
+      </a:lvl4pPr>
+      <a:lvl5pPr marL="1828800" algn="l" defTabSz="914400" rtl="0" eaLnBrk="1" latinLnBrk="0" hangingPunct="1">
+        <a:defRPr sz="1800" kern="1200">
+          <a:solidFill>
+            <a:schemeClr val="tx1"/>
+          </a:solidFill>
+          <a:latin typeface="+mn-lt"/>
+          <a:ea typeface="+mn-ea"/>
+          <a:cs typeface="+mn-cs"/>
+        </a:defRPr>
+      </a:lvl5pPr>
+      <a:lvl6pPr marL="2286000" algn="l" defTabSz="914400" rtl="0" eaLnBrk="1" latinLnBrk="0" hangingPunct="1">
+        <a:defRPr sz="1800" kern="1200">
+          <a:solidFill>
+            <a:schemeClr val="tx1"/>
+          </a:solidFill>
+          <a:latin typeface="+mn-lt"/>
+          <a:ea typeface="+mn-ea"/>
+          <a:cs typeface="+mn-cs"/>
+        </a:defRPr>
+      </a:lvl6pPr>
+      <a:lvl7pPr marL="2743200" algn="l" defTabSz="914400" rtl="0" eaLnBrk="1" latinLnBrk="0" hangingPunct="1">
+        <a:defRPr sz="1800" kern="1200">
+          <a:solidFill>
+            <a:schemeClr val="tx1"/>
+          </a:solidFill>
+          <a:latin typeface="+mn-lt"/>
+          <a:ea typeface="+mn-ea"/>
+          <a:cs typeface="+mn-cs"/>
+        </a:defRPr>
+      </a:lvl7pPr>
+      <a:lvl8pPr marL="3200400" algn="l" defTabSz="914400" rtl="0" eaLnBrk="1" latinLnBrk="0" hangingPunct="1">
+        <a:defRPr sz="1800" kern="1200">
+          <a:solidFill>
+            <a:schemeClr val="tx1"/>
+          </a:solidFill>
+          <a:latin typeface="+mn-lt"/>
+          <a:ea typeface="+mn-ea"/>
+          <a:cs typeface="+mn-cs"/>
+        </a:defRPr>
+      </a:lvl8pPr>
+      <a:lvl9pPr marL="3657600" algn="l" defTabSz="914400" rtl="0" eaLnBrk="1" latinLnBrk="0" hangingPunct="1">
+        <a:defRPr sz="1800" kern="1200">
+          <a:solidFill>
+            <a:schemeClr val="tx1"/>
+          </a:solidFill>
+          <a:latin typeface="+mn-lt"/>
+          <a:ea typeface="+mn-ea"/>
+          <a:cs typeface="+mn-cs"/>
+        </a:defRPr>
+      </a:lvl9pPr>
+    </p:otherStyle>
+  </p:txStyles>
 </p:sldMaster>
 </file>
 
 <file path=ppt/slideMasters/slideMaster2.xml><?xml version="1.0" encoding="utf-8"?>
-<p:sldMaster xmlns:a="http://schemas.openxmlformats.org/drawingml/2006/main" xmlns:p="http://schemas.openxmlformats.org/presentationml/2006/main" xmlns:r="http://schemas.openxmlformats.org/officeDocument/2006/relationships" xmlns:p14="http://schemas.microsoft.com/office/powerpoint/2010/main" xmlns:p15="http://schemas.microsoft.com/office/powerpoint/2012/main" xmlns:mc="http://schemas.openxmlformats.org/markup-compatibility/2006">
+<p:sldMaster xmlns:a="http://schemas.openxmlformats.org/drawingml/2006/main" xmlns:r="http://schemas.openxmlformats.org/officeDocument/2006/relationships" xmlns:p="http://schemas.openxmlformats.org/presentationml/2006/main">
   <p:cSld>
     <p:bg>
       <p:bgPr>
         <a:solidFill>
-          <a:srgbClr val="ffffff"/>
+          <a:srgbClr val="FFFFFF"/>
         </a:solidFill>
+        <a:effectLst/>
       </p:bgPr>
     </p:bg>
     <p:spTree>
@@ -4862,12 +5536,12 @@
       </p:grpSpPr>
       <p:pic>
         <p:nvPicPr>
-          <p:cNvPr id="43" name="Picture 6" descr=""/>
+          <p:cNvPr id="43" name="Picture 6"/>
           <p:cNvPicPr/>
           <p:nvPr/>
         </p:nvPicPr>
         <p:blipFill>
-          <a:blip r:embed="rId2"/>
+          <a:blip r:embed="rId14"/>
           <a:stretch/>
         </p:blipFill>
         <p:spPr>
@@ -4885,12 +5559,12 @@
       </p:pic>
       <p:pic>
         <p:nvPicPr>
-          <p:cNvPr id="44" name="Picture 7" descr=""/>
+          <p:cNvPr id="44" name="Picture 7"/>
           <p:cNvPicPr/>
           <p:nvPr/>
         </p:nvPicPr>
         <p:blipFill>
-          <a:blip r:embed="rId3"/>
+          <a:blip r:embed="rId15"/>
           <a:stretch/>
         </p:blipFill>
         <p:spPr>
@@ -4929,6 +5603,7 @@
           <a:bodyPr>
             <a:noAutofit/>
           </a:bodyPr>
+          <a:lstStyle/>
           <a:p>
             <a:pPr>
               <a:lnSpc>
@@ -4936,7 +5611,7 @@
               </a:lnSpc>
             </a:pPr>
             <a:r>
-              <a:rPr b="1" lang="en-US" sz="4400" spc="-1" strike="noStrike">
+              <a:rPr lang="en-US" sz="4400" b="1" strike="noStrike" spc="-1">
                 <a:solidFill>
                   <a:srgbClr val="002060"/>
                 </a:solidFill>
@@ -4944,7 +5619,7 @@
               </a:rPr>
               <a:t>Click to edit Master title style</a:t>
             </a:r>
-            <a:endParaRPr b="0" lang="en-US" sz="4400" spc="-1" strike="noStrike">
+            <a:endParaRPr lang="en-US" sz="4400" b="0" strike="noStrike" spc="-1">
               <a:solidFill>
                 <a:srgbClr val="000000"/>
               </a:solidFill>
@@ -4976,6 +5651,7 @@
           <a:bodyPr>
             <a:noAutofit/>
           </a:bodyPr>
+          <a:lstStyle/>
           <a:p>
             <a:pPr marL="228600" indent="-228240">
               <a:lnSpc>
@@ -4991,7 +5667,7 @@
               <a:buChar char="•"/>
             </a:pPr>
             <a:r>
-              <a:rPr b="0" lang="en-US" sz="2800" spc="-1" strike="noStrike">
+              <a:rPr lang="en-US" sz="2800" b="0" strike="noStrike" spc="-1">
                 <a:solidFill>
                   <a:srgbClr val="000000"/>
                 </a:solidFill>
@@ -4999,15 +5675,9 @@
               </a:rPr>
               <a:t>Click to edit Master text styles</a:t>
             </a:r>
-            <a:endParaRPr b="0" lang="en-US" sz="2800" spc="-1" strike="noStrike">
-              <a:solidFill>
-                <a:srgbClr val="000000"/>
-              </a:solidFill>
-              <a:latin typeface="Calibri"/>
-            </a:endParaRPr>
-          </a:p>
-          <a:p>
-            <a:pPr lvl="1" marL="685800" indent="-228240">
+          </a:p>
+          <a:p>
+            <a:pPr marL="685800" lvl="1" indent="-228240">
               <a:lnSpc>
                 <a:spcPct val="90000"/>
               </a:lnSpc>
@@ -5021,7 +5691,7 @@
               <a:buChar char="•"/>
             </a:pPr>
             <a:r>
-              <a:rPr b="0" lang="en-US" sz="2400" spc="-1" strike="noStrike">
+              <a:rPr lang="en-US" sz="2400" b="0" strike="noStrike" spc="-1">
                 <a:solidFill>
                   <a:srgbClr val="000000"/>
                 </a:solidFill>
@@ -5029,15 +5699,9 @@
               </a:rPr>
               <a:t>Second level</a:t>
             </a:r>
-            <a:endParaRPr b="0" lang="en-US" sz="2400" spc="-1" strike="noStrike">
-              <a:solidFill>
-                <a:srgbClr val="000000"/>
-              </a:solidFill>
-              <a:latin typeface="Calibri"/>
-            </a:endParaRPr>
-          </a:p>
-          <a:p>
-            <a:pPr lvl="2" marL="1143000" indent="-228240">
+          </a:p>
+          <a:p>
+            <a:pPr marL="1143000" lvl="2" indent="-228240">
               <a:lnSpc>
                 <a:spcPct val="90000"/>
               </a:lnSpc>
@@ -5051,7 +5715,7 @@
               <a:buChar char="•"/>
             </a:pPr>
             <a:r>
-              <a:rPr b="0" lang="en-US" sz="2000" spc="-1" strike="noStrike">
+              <a:rPr lang="en-US" sz="2000" b="0" strike="noStrike" spc="-1">
                 <a:solidFill>
                   <a:srgbClr val="000000"/>
                 </a:solidFill>
@@ -5059,15 +5723,9 @@
               </a:rPr>
               <a:t>Third level</a:t>
             </a:r>
-            <a:endParaRPr b="0" lang="en-US" sz="2000" spc="-1" strike="noStrike">
-              <a:solidFill>
-                <a:srgbClr val="000000"/>
-              </a:solidFill>
-              <a:latin typeface="Calibri"/>
-            </a:endParaRPr>
-          </a:p>
-          <a:p>
-            <a:pPr lvl="3" marL="1600200" indent="-228240">
+          </a:p>
+          <a:p>
+            <a:pPr marL="1600200" lvl="3" indent="-228240">
               <a:lnSpc>
                 <a:spcPct val="90000"/>
               </a:lnSpc>
@@ -5081,7 +5739,7 @@
               <a:buChar char="•"/>
             </a:pPr>
             <a:r>
-              <a:rPr b="0" lang="en-US" sz="1800" spc="-1" strike="noStrike">
+              <a:rPr lang="en-US" sz="1800" b="0" strike="noStrike" spc="-1">
                 <a:solidFill>
                   <a:srgbClr val="000000"/>
                 </a:solidFill>
@@ -5089,15 +5747,9 @@
               </a:rPr>
               <a:t>Fourth level</a:t>
             </a:r>
-            <a:endParaRPr b="0" lang="en-US" sz="1800" spc="-1" strike="noStrike">
-              <a:solidFill>
-                <a:srgbClr val="000000"/>
-              </a:solidFill>
-              <a:latin typeface="Calibri"/>
-            </a:endParaRPr>
-          </a:p>
-          <a:p>
-            <a:pPr lvl="4" marL="2057400" indent="-228240">
+          </a:p>
+          <a:p>
+            <a:pPr marL="2057400" lvl="4" indent="-228240">
               <a:lnSpc>
                 <a:spcPct val="90000"/>
               </a:lnSpc>
@@ -5111,7 +5763,7 @@
               <a:buChar char="•"/>
             </a:pPr>
             <a:r>
-              <a:rPr b="0" lang="en-US" sz="1800" spc="-1" strike="noStrike">
+              <a:rPr lang="en-US" sz="1800" b="0" strike="noStrike" spc="-1">
                 <a:solidFill>
                   <a:srgbClr val="000000"/>
                 </a:solidFill>
@@ -5119,12 +5771,6 @@
               </a:rPr>
               <a:t>Fifth level</a:t>
             </a:r>
-            <a:endParaRPr b="0" lang="en-US" sz="1800" spc="-1" strike="noStrike">
-              <a:solidFill>
-                <a:srgbClr val="000000"/>
-              </a:solidFill>
-              <a:latin typeface="Calibri"/>
-            </a:endParaRPr>
           </a:p>
         </p:txBody>
       </p:sp>
@@ -5151,6 +5797,7 @@
           <a:bodyPr anchor="ctr">
             <a:noAutofit/>
           </a:bodyPr>
+          <a:lstStyle/>
           <a:p>
             <a:pPr>
               <a:lnSpc>
@@ -5158,15 +5805,15 @@
               </a:lnSpc>
             </a:pPr>
             <a:r>
-              <a:rPr b="1" lang="en-IN" sz="1200" spc="-1" strike="noStrike">
-                <a:solidFill>
-                  <a:srgbClr val="2b5ff3"/>
+              <a:rPr lang="en-IN" sz="1200" b="1" strike="noStrike" spc="-1">
+                <a:solidFill>
+                  <a:srgbClr val="2B5FF3"/>
                 </a:solidFill>
                 <a:latin typeface="Calibri"/>
               </a:rPr>
               <a:t>VIII Semester, Department of ISE, RNSIT</a:t>
             </a:r>
-            <a:endParaRPr b="0" lang="en-IN" sz="1200" spc="-1" strike="noStrike">
+            <a:endParaRPr lang="en-IN" sz="1200" b="0" strike="noStrike" spc="-1">
               <a:latin typeface="Times New Roman"/>
             </a:endParaRPr>
           </a:p>
@@ -5195,6 +5842,7 @@
           <a:bodyPr anchor="ctr">
             <a:noAutofit/>
           </a:bodyPr>
+          <a:lstStyle/>
           <a:p>
             <a:pPr algn="ctr">
               <a:lnSpc>
@@ -5202,15 +5850,15 @@
               </a:lnSpc>
             </a:pPr>
             <a:r>
-              <a:rPr b="1" lang="en-IN" sz="1200" spc="-1" strike="noStrike">
-                <a:solidFill>
-                  <a:srgbClr val="2b5ff3"/>
+              <a:rPr lang="en-IN" sz="1200" b="1" strike="noStrike" spc="-1">
+                <a:solidFill>
+                  <a:srgbClr val="2B5FF3"/>
                 </a:solidFill>
                 <a:latin typeface="Calibri"/>
               </a:rPr>
               <a:t>2021 - 2022</a:t>
             </a:r>
-            <a:endParaRPr b="0" lang="en-IN" sz="1200" spc="-1" strike="noStrike">
+            <a:endParaRPr lang="en-IN" sz="1200" b="0" strike="noStrike" spc="-1">
               <a:latin typeface="Times New Roman"/>
             </a:endParaRPr>
           </a:p>
@@ -5239,6 +5887,7 @@
           <a:bodyPr anchor="ctr">
             <a:noAutofit/>
           </a:bodyPr>
+          <a:lstStyle/>
           <a:p>
             <a:pPr algn="r">
               <a:lnSpc>
@@ -5246,15 +5895,15 @@
               </a:lnSpc>
             </a:pPr>
             <a:fld id="{7604DD9B-9B41-4492-949F-93F47DD1C22A}" type="slidenum">
-              <a:rPr b="1" lang="en-IN" sz="1200" spc="-1" strike="noStrike">
-                <a:solidFill>
-                  <a:srgbClr val="2b5ff3"/>
+              <a:rPr lang="en-IN" sz="1200" b="1" strike="noStrike" spc="-1">
+                <a:solidFill>
+                  <a:srgbClr val="2B5FF3"/>
                 </a:solidFill>
                 <a:latin typeface="Calibri"/>
               </a:rPr>
-              <a:t>1</a:t>
+              <a:t>‹#›</a:t>
             </a:fld>
-            <a:endParaRPr b="0" lang="en-IN" sz="1200" spc="-1" strike="noStrike">
+            <a:endParaRPr lang="en-IN" sz="1200" b="0" strike="noStrike" spc="-1">
               <a:latin typeface="Times New Roman"/>
             </a:endParaRPr>
           </a:p>
@@ -5262,32 +5911,313 @@
       </p:sp>
     </p:spTree>
   </p:cSld>
-  <p:clrMap bg1="lt1" bg2="lt2" tx1="dk1" tx2="dk2" accent1="accent1" accent2="accent2" accent3="accent3" accent4="accent4" accent5="accent5" accent6="accent6" hlink="hlink" folHlink="folHlink"/>
+  <p:clrMap bg1="lt1" tx1="dk1" bg2="lt2" tx2="dk2" accent1="accent1" accent2="accent2" accent3="accent3" accent4="accent4" accent5="accent5" accent6="accent6" hlink="hlink" folHlink="folHlink"/>
   <p:sldLayoutIdLst>
-    <p:sldLayoutId id="2147483662" r:id="rId4"/>
-    <p:sldLayoutId id="2147483663" r:id="rId5"/>
-    <p:sldLayoutId id="2147483664" r:id="rId6"/>
-    <p:sldLayoutId id="2147483665" r:id="rId7"/>
-    <p:sldLayoutId id="2147483666" r:id="rId8"/>
-    <p:sldLayoutId id="2147483667" r:id="rId9"/>
-    <p:sldLayoutId id="2147483668" r:id="rId10"/>
-    <p:sldLayoutId id="2147483669" r:id="rId11"/>
-    <p:sldLayoutId id="2147483670" r:id="rId12"/>
-    <p:sldLayoutId id="2147483671" r:id="rId13"/>
-    <p:sldLayoutId id="2147483672" r:id="rId14"/>
-    <p:sldLayoutId id="2147483673" r:id="rId15"/>
+    <p:sldLayoutId id="2147483662" r:id="rId1"/>
+    <p:sldLayoutId id="2147483663" r:id="rId2"/>
+    <p:sldLayoutId id="2147483664" r:id="rId3"/>
+    <p:sldLayoutId id="2147483665" r:id="rId4"/>
+    <p:sldLayoutId id="2147483666" r:id="rId5"/>
+    <p:sldLayoutId id="2147483667" r:id="rId6"/>
+    <p:sldLayoutId id="2147483668" r:id="rId7"/>
+    <p:sldLayoutId id="2147483669" r:id="rId8"/>
+    <p:sldLayoutId id="2147483670" r:id="rId9"/>
+    <p:sldLayoutId id="2147483671" r:id="rId10"/>
+    <p:sldLayoutId id="2147483672" r:id="rId11"/>
+    <p:sldLayoutId id="2147483673" r:id="rId12"/>
   </p:sldLayoutIdLst>
+  <p:txStyles>
+    <p:titleStyle>
+      <a:lvl1pPr algn="l" defTabSz="914400" rtl="0" eaLnBrk="1" latinLnBrk="0" hangingPunct="1">
+        <a:lnSpc>
+          <a:spcPct val="90000"/>
+        </a:lnSpc>
+        <a:spcBef>
+          <a:spcPct val="0"/>
+        </a:spcBef>
+        <a:buNone/>
+        <a:defRPr sz="4400" kern="1200">
+          <a:solidFill>
+            <a:schemeClr val="tx1"/>
+          </a:solidFill>
+          <a:latin typeface="+mj-lt"/>
+          <a:ea typeface="+mj-ea"/>
+          <a:cs typeface="+mj-cs"/>
+        </a:defRPr>
+      </a:lvl1pPr>
+    </p:titleStyle>
+    <p:bodyStyle>
+      <a:lvl1pPr marL="228600" indent="-228600" algn="l" defTabSz="914400" rtl="0" eaLnBrk="1" latinLnBrk="0" hangingPunct="1">
+        <a:lnSpc>
+          <a:spcPct val="90000"/>
+        </a:lnSpc>
+        <a:spcBef>
+          <a:spcPts val="1000"/>
+        </a:spcBef>
+        <a:buFont typeface="Arial" panose="020B0604020202020204" pitchFamily="34" charset="0"/>
+        <a:buChar char="•"/>
+        <a:defRPr sz="2800" kern="1200">
+          <a:solidFill>
+            <a:schemeClr val="tx1"/>
+          </a:solidFill>
+          <a:latin typeface="+mn-lt"/>
+          <a:ea typeface="+mn-ea"/>
+          <a:cs typeface="+mn-cs"/>
+        </a:defRPr>
+      </a:lvl1pPr>
+      <a:lvl2pPr marL="685800" indent="-228600" algn="l" defTabSz="914400" rtl="0" eaLnBrk="1" latinLnBrk="0" hangingPunct="1">
+        <a:lnSpc>
+          <a:spcPct val="90000"/>
+        </a:lnSpc>
+        <a:spcBef>
+          <a:spcPts val="500"/>
+        </a:spcBef>
+        <a:buFont typeface="Arial" panose="020B0604020202020204" pitchFamily="34" charset="0"/>
+        <a:buChar char="•"/>
+        <a:defRPr sz="2400" kern="1200">
+          <a:solidFill>
+            <a:schemeClr val="tx1"/>
+          </a:solidFill>
+          <a:latin typeface="+mn-lt"/>
+          <a:ea typeface="+mn-ea"/>
+          <a:cs typeface="+mn-cs"/>
+        </a:defRPr>
+      </a:lvl2pPr>
+      <a:lvl3pPr marL="1143000" indent="-228600" algn="l" defTabSz="914400" rtl="0" eaLnBrk="1" latinLnBrk="0" hangingPunct="1">
+        <a:lnSpc>
+          <a:spcPct val="90000"/>
+        </a:lnSpc>
+        <a:spcBef>
+          <a:spcPts val="500"/>
+        </a:spcBef>
+        <a:buFont typeface="Arial" panose="020B0604020202020204" pitchFamily="34" charset="0"/>
+        <a:buChar char="•"/>
+        <a:defRPr sz="2000" kern="1200">
+          <a:solidFill>
+            <a:schemeClr val="tx1"/>
+          </a:solidFill>
+          <a:latin typeface="+mn-lt"/>
+          <a:ea typeface="+mn-ea"/>
+          <a:cs typeface="+mn-cs"/>
+        </a:defRPr>
+      </a:lvl3pPr>
+      <a:lvl4pPr marL="1600200" indent="-228600" algn="l" defTabSz="914400" rtl="0" eaLnBrk="1" latinLnBrk="0" hangingPunct="1">
+        <a:lnSpc>
+          <a:spcPct val="90000"/>
+        </a:lnSpc>
+        <a:spcBef>
+          <a:spcPts val="500"/>
+        </a:spcBef>
+        <a:buFont typeface="Arial" panose="020B0604020202020204" pitchFamily="34" charset="0"/>
+        <a:buChar char="•"/>
+        <a:defRPr sz="1800" kern="1200">
+          <a:solidFill>
+            <a:schemeClr val="tx1"/>
+          </a:solidFill>
+          <a:latin typeface="+mn-lt"/>
+          <a:ea typeface="+mn-ea"/>
+          <a:cs typeface="+mn-cs"/>
+        </a:defRPr>
+      </a:lvl4pPr>
+      <a:lvl5pPr marL="2057400" indent="-228600" algn="l" defTabSz="914400" rtl="0" eaLnBrk="1" latinLnBrk="0" hangingPunct="1">
+        <a:lnSpc>
+          <a:spcPct val="90000"/>
+        </a:lnSpc>
+        <a:spcBef>
+          <a:spcPts val="500"/>
+        </a:spcBef>
+        <a:buFont typeface="Arial" panose="020B0604020202020204" pitchFamily="34" charset="0"/>
+        <a:buChar char="•"/>
+        <a:defRPr sz="1800" kern="1200">
+          <a:solidFill>
+            <a:schemeClr val="tx1"/>
+          </a:solidFill>
+          <a:latin typeface="+mn-lt"/>
+          <a:ea typeface="+mn-ea"/>
+          <a:cs typeface="+mn-cs"/>
+        </a:defRPr>
+      </a:lvl5pPr>
+      <a:lvl6pPr marL="2514600" indent="-228600" algn="l" defTabSz="914400" rtl="0" eaLnBrk="1" latinLnBrk="0" hangingPunct="1">
+        <a:lnSpc>
+          <a:spcPct val="90000"/>
+        </a:lnSpc>
+        <a:spcBef>
+          <a:spcPts val="500"/>
+        </a:spcBef>
+        <a:buFont typeface="Arial" panose="020B0604020202020204" pitchFamily="34" charset="0"/>
+        <a:buChar char="•"/>
+        <a:defRPr sz="1800" kern="1200">
+          <a:solidFill>
+            <a:schemeClr val="tx1"/>
+          </a:solidFill>
+          <a:latin typeface="+mn-lt"/>
+          <a:ea typeface="+mn-ea"/>
+          <a:cs typeface="+mn-cs"/>
+        </a:defRPr>
+      </a:lvl6pPr>
+      <a:lvl7pPr marL="2971800" indent="-228600" algn="l" defTabSz="914400" rtl="0" eaLnBrk="1" latinLnBrk="0" hangingPunct="1">
+        <a:lnSpc>
+          <a:spcPct val="90000"/>
+        </a:lnSpc>
+        <a:spcBef>
+          <a:spcPts val="500"/>
+        </a:spcBef>
+        <a:buFont typeface="Arial" panose="020B0604020202020204" pitchFamily="34" charset="0"/>
+        <a:buChar char="•"/>
+        <a:defRPr sz="1800" kern="1200">
+          <a:solidFill>
+            <a:schemeClr val="tx1"/>
+          </a:solidFill>
+          <a:latin typeface="+mn-lt"/>
+          <a:ea typeface="+mn-ea"/>
+          <a:cs typeface="+mn-cs"/>
+        </a:defRPr>
+      </a:lvl7pPr>
+      <a:lvl8pPr marL="3429000" indent="-228600" algn="l" defTabSz="914400" rtl="0" eaLnBrk="1" latinLnBrk="0" hangingPunct="1">
+        <a:lnSpc>
+          <a:spcPct val="90000"/>
+        </a:lnSpc>
+        <a:spcBef>
+          <a:spcPts val="500"/>
+        </a:spcBef>
+        <a:buFont typeface="Arial" panose="020B0604020202020204" pitchFamily="34" charset="0"/>
+        <a:buChar char="•"/>
+        <a:defRPr sz="1800" kern="1200">
+          <a:solidFill>
+            <a:schemeClr val="tx1"/>
+          </a:solidFill>
+          <a:latin typeface="+mn-lt"/>
+          <a:ea typeface="+mn-ea"/>
+          <a:cs typeface="+mn-cs"/>
+        </a:defRPr>
+      </a:lvl8pPr>
+      <a:lvl9pPr marL="3886200" indent="-228600" algn="l" defTabSz="914400" rtl="0" eaLnBrk="1" latinLnBrk="0" hangingPunct="1">
+        <a:lnSpc>
+          <a:spcPct val="90000"/>
+        </a:lnSpc>
+        <a:spcBef>
+          <a:spcPts val="500"/>
+        </a:spcBef>
+        <a:buFont typeface="Arial" panose="020B0604020202020204" pitchFamily="34" charset="0"/>
+        <a:buChar char="•"/>
+        <a:defRPr sz="1800" kern="1200">
+          <a:solidFill>
+            <a:schemeClr val="tx1"/>
+          </a:solidFill>
+          <a:latin typeface="+mn-lt"/>
+          <a:ea typeface="+mn-ea"/>
+          <a:cs typeface="+mn-cs"/>
+        </a:defRPr>
+      </a:lvl9pPr>
+    </p:bodyStyle>
+    <p:otherStyle>
+      <a:defPPr>
+        <a:defRPr lang="en-US"/>
+      </a:defPPr>
+      <a:lvl1pPr marL="0" algn="l" defTabSz="914400" rtl="0" eaLnBrk="1" latinLnBrk="0" hangingPunct="1">
+        <a:defRPr sz="1800" kern="1200">
+          <a:solidFill>
+            <a:schemeClr val="tx1"/>
+          </a:solidFill>
+          <a:latin typeface="+mn-lt"/>
+          <a:ea typeface="+mn-ea"/>
+          <a:cs typeface="+mn-cs"/>
+        </a:defRPr>
+      </a:lvl1pPr>
+      <a:lvl2pPr marL="457200" algn="l" defTabSz="914400" rtl="0" eaLnBrk="1" latinLnBrk="0" hangingPunct="1">
+        <a:defRPr sz="1800" kern="1200">
+          <a:solidFill>
+            <a:schemeClr val="tx1"/>
+          </a:solidFill>
+          <a:latin typeface="+mn-lt"/>
+          <a:ea typeface="+mn-ea"/>
+          <a:cs typeface="+mn-cs"/>
+        </a:defRPr>
+      </a:lvl2pPr>
+      <a:lvl3pPr marL="914400" algn="l" defTabSz="914400" rtl="0" eaLnBrk="1" latinLnBrk="0" hangingPunct="1">
+        <a:defRPr sz="1800" kern="1200">
+          <a:solidFill>
+            <a:schemeClr val="tx1"/>
+          </a:solidFill>
+          <a:latin typeface="+mn-lt"/>
+          <a:ea typeface="+mn-ea"/>
+          <a:cs typeface="+mn-cs"/>
+        </a:defRPr>
+      </a:lvl3pPr>
+      <a:lvl4pPr marL="1371600" algn="l" defTabSz="914400" rtl="0" eaLnBrk="1" latinLnBrk="0" hangingPunct="1">
+        <a:defRPr sz="1800" kern="1200">
+          <a:solidFill>
+            <a:schemeClr val="tx1"/>
+          </a:solidFill>
+          <a:latin typeface="+mn-lt"/>
+          <a:ea typeface="+mn-ea"/>
+          <a:cs typeface="+mn-cs"/>
+        </a:defRPr>
+      </a:lvl4pPr>
+      <a:lvl5pPr marL="1828800" algn="l" defTabSz="914400" rtl="0" eaLnBrk="1" latinLnBrk="0" hangingPunct="1">
+        <a:defRPr sz="1800" kern="1200">
+          <a:solidFill>
+            <a:schemeClr val="tx1"/>
+          </a:solidFill>
+          <a:latin typeface="+mn-lt"/>
+          <a:ea typeface="+mn-ea"/>
+          <a:cs typeface="+mn-cs"/>
+        </a:defRPr>
+      </a:lvl5pPr>
+      <a:lvl6pPr marL="2286000" algn="l" defTabSz="914400" rtl="0" eaLnBrk="1" latinLnBrk="0" hangingPunct="1">
+        <a:defRPr sz="1800" kern="1200">
+          <a:solidFill>
+            <a:schemeClr val="tx1"/>
+          </a:solidFill>
+          <a:latin typeface="+mn-lt"/>
+          <a:ea typeface="+mn-ea"/>
+          <a:cs typeface="+mn-cs"/>
+        </a:defRPr>
+      </a:lvl6pPr>
+      <a:lvl7pPr marL="2743200" algn="l" defTabSz="914400" rtl="0" eaLnBrk="1" latinLnBrk="0" hangingPunct="1">
+        <a:defRPr sz="1800" kern="1200">
+          <a:solidFill>
+            <a:schemeClr val="tx1"/>
+          </a:solidFill>
+          <a:latin typeface="+mn-lt"/>
+          <a:ea typeface="+mn-ea"/>
+          <a:cs typeface="+mn-cs"/>
+        </a:defRPr>
+      </a:lvl7pPr>
+      <a:lvl8pPr marL="3200400" algn="l" defTabSz="914400" rtl="0" eaLnBrk="1" latinLnBrk="0" hangingPunct="1">
+        <a:defRPr sz="1800" kern="1200">
+          <a:solidFill>
+            <a:schemeClr val="tx1"/>
+          </a:solidFill>
+          <a:latin typeface="+mn-lt"/>
+          <a:ea typeface="+mn-ea"/>
+          <a:cs typeface="+mn-cs"/>
+        </a:defRPr>
+      </a:lvl8pPr>
+      <a:lvl9pPr marL="3657600" algn="l" defTabSz="914400" rtl="0" eaLnBrk="1" latinLnBrk="0" hangingPunct="1">
+        <a:defRPr sz="1800" kern="1200">
+          <a:solidFill>
+            <a:schemeClr val="tx1"/>
+          </a:solidFill>
+          <a:latin typeface="+mn-lt"/>
+          <a:ea typeface="+mn-ea"/>
+          <a:cs typeface="+mn-cs"/>
+        </a:defRPr>
+      </a:lvl9pPr>
+    </p:otherStyle>
+  </p:txStyles>
 </p:sldMaster>
 </file>
 
 <file path=ppt/slides/slide1.xml><?xml version="1.0" encoding="utf-8"?>
-<p:sld xmlns:a="http://schemas.openxmlformats.org/drawingml/2006/main" xmlns:p="http://schemas.openxmlformats.org/presentationml/2006/main" xmlns:r="http://schemas.openxmlformats.org/officeDocument/2006/relationships" xmlns:p14="http://schemas.microsoft.com/office/powerpoint/2010/main" xmlns:p15="http://schemas.microsoft.com/office/powerpoint/2012/main" xmlns:mc="http://schemas.openxmlformats.org/markup-compatibility/2006">
+<p:sld xmlns:a="http://schemas.openxmlformats.org/drawingml/2006/main" xmlns:r="http://schemas.openxmlformats.org/officeDocument/2006/relationships" xmlns:p="http://schemas.openxmlformats.org/presentationml/2006/main">
   <p:cSld>
     <p:bg>
       <p:bgPr>
         <a:solidFill>
-          <a:srgbClr val="ffffff"/>
+          <a:srgbClr val="FFFFFF"/>
         </a:solidFill>
+        <a:effectLst/>
       </p:bgPr>
     </p:bg>
     <p:spTree>
@@ -5327,6 +6257,7 @@
           <a:bodyPr anchor="b">
             <a:normAutofit/>
           </a:bodyPr>
+          <a:lstStyle/>
           <a:p>
             <a:pPr algn="ctr">
               <a:lnSpc>
@@ -5334,25 +6265,28 @@
               </a:lnSpc>
             </a:pPr>
             <a:r>
-              <a:rPr b="1" i="1" lang="en-US" sz="3400" spc="-1" strike="noStrike">
-                <a:solidFill>
-                  <a:srgbClr val="ff0000"/>
+              <a:rPr lang="en-US" sz="3400" b="1" i="1" strike="noStrike" spc="-1">
+                <a:solidFill>
+                  <a:srgbClr val="FF0000"/>
                 </a:solidFill>
                 <a:latin typeface="Calibri Light"/>
               </a:rPr>
               <a:t>Depression Detection using Tweets  </a:t>
             </a:r>
             <a:r>
-              <a:rPr b="1" lang="en-US" sz="3400" spc="-1" strike="noStrike">
-                <a:solidFill>
-                  <a:srgbClr val="ff0000"/>
+              <a:rPr lang="en-US" sz="3400" b="1" strike="noStrike" spc="-1">
+                <a:solidFill>
+                  <a:srgbClr val="FF0000"/>
                 </a:solidFill>
                 <a:latin typeface="Calibri Light"/>
               </a:rPr>
               <a:t> </a:t>
             </a:r>
+            <a:r>
+              <a:t/>
+            </a:r>
             <a:br/>
-            <a:endParaRPr b="0" lang="en-US" sz="3400" spc="-1" strike="noStrike">
+            <a:endParaRPr lang="en-US" sz="3400" b="0" strike="noStrike" spc="-1">
               <a:solidFill>
                 <a:srgbClr val="000000"/>
               </a:solidFill>
@@ -5384,6 +6318,7 @@
           <a:bodyPr>
             <a:noAutofit/>
           </a:bodyPr>
+          <a:lstStyle/>
           <a:p>
             <a:pPr algn="ctr">
               <a:lnSpc>
@@ -5391,15 +6326,33 @@
               </a:lnSpc>
             </a:pPr>
             <a:r>
-              <a:rPr b="1" lang="en-IN" sz="2400" spc="-1" strike="noStrike">
-                <a:solidFill>
-                  <a:srgbClr val="c00000"/>
+              <a:rPr lang="en-IN" sz="2400" b="1" strike="noStrike" spc="-1" dirty="0" err="1">
+                <a:solidFill>
+                  <a:srgbClr val="C00000"/>
                 </a:solidFill>
                 <a:latin typeface="Times New Roman"/>
               </a:rPr>
-              <a:t>Aarshabh Agarwal</a:t>
-            </a:r>
-            <a:endParaRPr b="0" lang="en-IN" sz="2400" spc="-1" strike="noStrike">
+              <a:t>Aarshabh</a:t>
+            </a:r>
+            <a:r>
+              <a:rPr lang="en-IN" sz="2400" b="1" strike="noStrike" spc="-1" dirty="0">
+                <a:solidFill>
+                  <a:srgbClr val="C00000"/>
+                </a:solidFill>
+                <a:latin typeface="Times New Roman"/>
+              </a:rPr>
+              <a:t> </a:t>
+            </a:r>
+            <a:r>
+              <a:rPr lang="en-IN" sz="2400" b="1" strike="noStrike" spc="-1" dirty="0" smtClean="0">
+                <a:solidFill>
+                  <a:srgbClr val="C00000"/>
+                </a:solidFill>
+                <a:latin typeface="Times New Roman"/>
+              </a:rPr>
+              <a:t>Agrawal</a:t>
+            </a:r>
+            <a:endParaRPr lang="en-IN" sz="2400" b="0" strike="noStrike" spc="-1" dirty="0">
               <a:latin typeface="Arial"/>
             </a:endParaRPr>
           </a:p>
@@ -5410,7 +6363,7 @@
               </a:lnSpc>
             </a:pPr>
             <a:r>
-              <a:rPr b="1" lang="en-IN" sz="2400" spc="-1" strike="noStrike">
+              <a:rPr lang="en-IN" sz="2400" b="1" strike="noStrike" spc="-1" dirty="0">
                 <a:solidFill>
                   <a:srgbClr val="000066"/>
                 </a:solidFill>
@@ -5418,7 +6371,7 @@
               </a:rPr>
               <a:t>USN: 1RN18IS001</a:t>
             </a:r>
-            <a:endParaRPr b="0" lang="en-IN" sz="2400" spc="-1" strike="noStrike">
+            <a:endParaRPr lang="en-IN" sz="2400" b="0" strike="noStrike" spc="-1" dirty="0">
               <a:latin typeface="Arial"/>
             </a:endParaRPr>
           </a:p>
@@ -5444,15 +6397,22 @@
           </a:ln>
         </p:spPr>
         <p:style>
-          <a:lnRef idx="0"/>
-          <a:fillRef idx="0"/>
-          <a:effectRef idx="0"/>
+          <a:lnRef idx="0">
+            <a:scrgbClr r="0" g="0" b="0"/>
+          </a:lnRef>
+          <a:fillRef idx="0">
+            <a:scrgbClr r="0" g="0" b="0"/>
+          </a:fillRef>
+          <a:effectRef idx="0">
+            <a:scrgbClr r="0" g="0" b="0"/>
+          </a:effectRef>
           <a:fontRef idx="minor"/>
         </p:style>
         <p:txBody>
-          <a:bodyPr lIns="90000" rIns="90000" tIns="45000" bIns="45000">
+          <a:bodyPr lIns="90000" tIns="45000" rIns="90000" bIns="45000">
             <a:spAutoFit/>
           </a:bodyPr>
+          <a:lstStyle/>
           <a:p>
             <a:pPr algn="ctr">
               <a:lnSpc>
@@ -5460,7 +6420,7 @@
               </a:lnSpc>
             </a:pPr>
             <a:r>
-              <a:rPr b="1" lang="en-IN" sz="3600" spc="-1" strike="noStrike">
+              <a:rPr lang="en-IN" sz="3600" b="1" strike="noStrike" spc="-1">
                 <a:solidFill>
                   <a:srgbClr val="000066"/>
                 </a:solidFill>
@@ -5468,7 +6428,7 @@
               </a:rPr>
               <a:t>RNS INSTITUTE OF TECHNOLOGY</a:t>
             </a:r>
-            <a:endParaRPr b="0" lang="en-IN" sz="3600" spc="-1" strike="noStrike">
+            <a:endParaRPr lang="en-IN" sz="3600" b="0" strike="noStrike" spc="-1">
               <a:latin typeface="Arial"/>
             </a:endParaRPr>
           </a:p>
@@ -5479,7 +6439,7 @@
               </a:lnSpc>
             </a:pPr>
             <a:r>
-              <a:rPr b="1" lang="en-IN" sz="2400" spc="-1" strike="noStrike" cap="all">
+              <a:rPr lang="en-IN" sz="2400" b="1" strike="noStrike" cap="all" spc="-1">
                 <a:solidFill>
                   <a:srgbClr val="000066"/>
                 </a:solidFill>
@@ -5487,7 +6447,7 @@
               </a:rPr>
               <a:t>BENGALURU - 98</a:t>
             </a:r>
-            <a:endParaRPr b="0" lang="en-IN" sz="2400" spc="-1" strike="noStrike">
+            <a:endParaRPr lang="en-IN" sz="2400" b="0" strike="noStrike" spc="-1">
               <a:latin typeface="Arial"/>
             </a:endParaRPr>
           </a:p>
@@ -5513,15 +6473,22 @@
           </a:ln>
         </p:spPr>
         <p:style>
-          <a:lnRef idx="0"/>
-          <a:fillRef idx="0"/>
-          <a:effectRef idx="0"/>
+          <a:lnRef idx="0">
+            <a:scrgbClr r="0" g="0" b="0"/>
+          </a:lnRef>
+          <a:fillRef idx="0">
+            <a:scrgbClr r="0" g="0" b="0"/>
+          </a:fillRef>
+          <a:effectRef idx="0">
+            <a:scrgbClr r="0" g="0" b="0"/>
+          </a:effectRef>
           <a:fontRef idx="minor"/>
         </p:style>
         <p:txBody>
-          <a:bodyPr lIns="90000" rIns="90000" tIns="45000" bIns="45000">
+          <a:bodyPr lIns="90000" tIns="45000" rIns="90000" bIns="45000">
             <a:spAutoFit/>
           </a:bodyPr>
+          <a:lstStyle/>
           <a:p>
             <a:pPr algn="ctr">
               <a:lnSpc>
@@ -5529,15 +6496,15 @@
               </a:lnSpc>
             </a:pPr>
             <a:r>
-              <a:rPr b="1" lang="en-IN" sz="3200" spc="-1" strike="noStrike">
-                <a:solidFill>
-                  <a:srgbClr val="c00000"/>
+              <a:rPr lang="en-IN" sz="3200" b="1" strike="noStrike" spc="-1">
+                <a:solidFill>
+                  <a:srgbClr val="C00000"/>
                 </a:solidFill>
                 <a:latin typeface="Times New Roman"/>
               </a:rPr>
               <a:t>DEPARTMENT OF INFORMATION SCIENCE &amp; ENGINEERING</a:t>
             </a:r>
-            <a:endParaRPr b="0" lang="en-IN" sz="3200" spc="-1" strike="noStrike">
+            <a:endParaRPr lang="en-IN" sz="3200" b="0" strike="noStrike" spc="-1">
               <a:latin typeface="Arial"/>
             </a:endParaRPr>
           </a:p>
@@ -5563,15 +6530,22 @@
           </a:ln>
         </p:spPr>
         <p:style>
-          <a:lnRef idx="0"/>
-          <a:fillRef idx="0"/>
-          <a:effectRef idx="0"/>
+          <a:lnRef idx="0">
+            <a:scrgbClr r="0" g="0" b="0"/>
+          </a:lnRef>
+          <a:fillRef idx="0">
+            <a:scrgbClr r="0" g="0" b="0"/>
+          </a:fillRef>
+          <a:effectRef idx="0">
+            <a:scrgbClr r="0" g="0" b="0"/>
+          </a:effectRef>
           <a:fontRef idx="minor"/>
         </p:style>
         <p:txBody>
-          <a:bodyPr lIns="90000" rIns="90000" tIns="45000" bIns="45000">
+          <a:bodyPr lIns="90000" tIns="45000" rIns="90000" bIns="45000">
             <a:spAutoFit/>
           </a:bodyPr>
+          <a:lstStyle/>
           <a:p>
             <a:pPr algn="ctr">
               <a:lnSpc>
@@ -5579,7 +6553,7 @@
               </a:lnSpc>
             </a:pPr>
             <a:r>
-              <a:rPr b="1" lang="en-IN" sz="2400" spc="-1" strike="noStrike">
+              <a:rPr lang="en-IN" sz="2400" b="1" strike="noStrike" spc="-1">
                 <a:solidFill>
                   <a:srgbClr val="002060"/>
                 </a:solidFill>
@@ -5587,7 +6561,7 @@
               </a:rPr>
               <a:t>Presentation on Internship</a:t>
             </a:r>
-            <a:endParaRPr b="0" lang="en-IN" sz="2400" spc="-1" strike="noStrike">
+            <a:endParaRPr lang="en-IN" sz="2400" b="0" strike="noStrike" spc="-1">
               <a:latin typeface="Arial"/>
             </a:endParaRPr>
           </a:p>
@@ -5602,7 +6576,7 @@
         <p:spPr>
           <a:xfrm>
             <a:off x="35640" y="5269320"/>
-            <a:ext cx="5128560" cy="943200"/>
+            <a:ext cx="5128560" cy="952653"/>
           </a:xfrm>
           <a:prstGeom prst="rect">
             <a:avLst/>
@@ -5613,15 +6587,22 @@
           </a:ln>
         </p:spPr>
         <p:style>
-          <a:lnRef idx="0"/>
-          <a:fillRef idx="0"/>
-          <a:effectRef idx="0"/>
+          <a:lnRef idx="0">
+            <a:scrgbClr r="0" g="0" b="0"/>
+          </a:lnRef>
+          <a:fillRef idx="0">
+            <a:scrgbClr r="0" g="0" b="0"/>
+          </a:fillRef>
+          <a:effectRef idx="0">
+            <a:scrgbClr r="0" g="0" b="0"/>
+          </a:effectRef>
           <a:fontRef idx="minor"/>
         </p:style>
         <p:txBody>
-          <a:bodyPr lIns="90000" rIns="90000" tIns="45000" bIns="45000">
+          <a:bodyPr lIns="90000" tIns="45000" rIns="90000" bIns="45000">
             <a:spAutoFit/>
           </a:bodyPr>
+          <a:lstStyle/>
           <a:p>
             <a:pPr algn="ctr">
               <a:lnSpc>
@@ -5629,24 +6610,52 @@
               </a:lnSpc>
             </a:pPr>
             <a:r>
-              <a:rPr b="1" lang="en-IN" sz="1800" spc="-1" strike="noStrike">
+              <a:rPr lang="en-IN" sz="1800" b="1" strike="noStrike" spc="-1" dirty="0">
                 <a:solidFill>
                   <a:srgbClr val="262626"/>
                 </a:solidFill>
                 <a:latin typeface="Times New Roman"/>
               </a:rPr>
-              <a:t> </a:t>
-            </a:r>
-            <a:r>
-              <a:rPr b="1" lang="en-IN" sz="1800" spc="-1" strike="noStrike">
-                <a:solidFill>
-                  <a:srgbClr val="262626"/>
+              <a:t> Internal Guide</a:t>
+            </a:r>
+            <a:endParaRPr lang="en-IN" sz="1800" b="0" strike="noStrike" spc="-1" dirty="0">
+              <a:latin typeface="Arial"/>
+            </a:endParaRPr>
+          </a:p>
+          <a:p>
+            <a:pPr algn="ctr">
+              <a:lnSpc>
+                <a:spcPct val="100000"/>
+              </a:lnSpc>
+            </a:pPr>
+            <a:r>
+              <a:rPr lang="en-IN" sz="2000" b="1" strike="noStrike" spc="-1" dirty="0" err="1">
+                <a:solidFill>
+                  <a:srgbClr val="000066"/>
                 </a:solidFill>
                 <a:latin typeface="Times New Roman"/>
               </a:rPr>
-              <a:t>Internal Guide</a:t>
-            </a:r>
-            <a:endParaRPr b="0" lang="en-IN" sz="1800" spc="-1" strike="noStrike">
+              <a:t>Dr</a:t>
+            </a:r>
+            <a:r>
+              <a:rPr lang="en-IN" sz="2000" b="1" strike="noStrike" spc="-1" dirty="0" err="1" smtClean="0">
+                <a:solidFill>
+                  <a:srgbClr val="000066"/>
+                </a:solidFill>
+                <a:latin typeface="Times New Roman"/>
+              </a:rPr>
+              <a:t>.</a:t>
+            </a:r>
+            <a:r>
+              <a:rPr lang="en-IN" sz="2000" b="1" strike="noStrike" spc="-1" dirty="0" smtClean="0">
+                <a:solidFill>
+                  <a:srgbClr val="000066"/>
+                </a:solidFill>
+                <a:latin typeface="Times New Roman"/>
+              </a:rPr>
+              <a:t> Suresh L</a:t>
+            </a:r>
+            <a:endParaRPr lang="en-IN" sz="2000" b="0" strike="noStrike" spc="-1" dirty="0">
               <a:latin typeface="Arial"/>
             </a:endParaRPr>
           </a:p>
@@ -5657,35 +6666,36 @@
               </a:lnSpc>
             </a:pPr>
             <a:r>
-              <a:rPr b="1" lang="en-IN" sz="2000" spc="-1" strike="noStrike">
-                <a:solidFill>
-                  <a:srgbClr val="000066"/>
-                </a:solidFill>
-                <a:latin typeface="Times New Roman"/>
-              </a:rPr>
-              <a:t>Dr.Suresh Kumar L</a:t>
-            </a:r>
-            <a:endParaRPr b="0" lang="en-IN" sz="2000" spc="-1" strike="noStrike">
-              <a:latin typeface="Arial"/>
-            </a:endParaRPr>
-          </a:p>
-          <a:p>
-            <a:pPr algn="ctr">
-              <a:lnSpc>
-                <a:spcPct val="100000"/>
-              </a:lnSpc>
-            </a:pPr>
-            <a:r>
-              <a:rPr b="0" lang="en-IN" sz="1800" spc="-1" strike="noStrike">
+              <a:rPr lang="en-IN" sz="1800" b="0" strike="noStrike" spc="-1" dirty="0">
                 <a:solidFill>
                   <a:srgbClr val="262626"/>
                 </a:solidFill>
                 <a:latin typeface="Times New Roman"/>
                 <a:ea typeface="Times New Roman"/>
               </a:rPr>
-              <a:t>HOD, Dept of  ISE, RNSIT</a:t>
-            </a:r>
-            <a:endParaRPr b="0" lang="en-IN" sz="1800" spc="-1" strike="noStrike">
+              <a:t>HOD, </a:t>
+            </a:r>
+            <a:r>
+              <a:rPr lang="en-IN" sz="1800" b="0" strike="noStrike" spc="-1" dirty="0" err="1">
+                <a:solidFill>
+                  <a:srgbClr val="262626"/>
+                </a:solidFill>
+                <a:latin typeface="Times New Roman"/>
+                <a:ea typeface="Times New Roman"/>
+              </a:rPr>
+              <a:t>Dept</a:t>
+            </a:r>
+            <a:r>
+              <a:rPr lang="en-IN" sz="1800" b="0" strike="noStrike" spc="-1" dirty="0">
+                <a:solidFill>
+                  <a:srgbClr val="262626"/>
+                </a:solidFill>
+                <a:latin typeface="Times New Roman"/>
+                <a:ea typeface="Times New Roman"/>
+              </a:rPr>
+              <a:t> of  ISE, RNSIT</a:t>
+            </a:r>
+            <a:endParaRPr lang="en-IN" sz="1800" b="0" strike="noStrike" spc="-1" dirty="0">
               <a:latin typeface="Arial"/>
             </a:endParaRPr>
           </a:p>
@@ -5711,15 +6721,22 @@
           </a:ln>
         </p:spPr>
         <p:style>
-          <a:lnRef idx="0"/>
-          <a:fillRef idx="0"/>
-          <a:effectRef idx="0"/>
+          <a:lnRef idx="0">
+            <a:scrgbClr r="0" g="0" b="0"/>
+          </a:lnRef>
+          <a:fillRef idx="0">
+            <a:scrgbClr r="0" g="0" b="0"/>
+          </a:fillRef>
+          <a:effectRef idx="0">
+            <a:scrgbClr r="0" g="0" b="0"/>
+          </a:effectRef>
           <a:fontRef idx="minor"/>
         </p:style>
         <p:txBody>
-          <a:bodyPr lIns="90000" rIns="90000" tIns="45000" bIns="45000">
+          <a:bodyPr lIns="90000" tIns="45000" rIns="90000" bIns="45000">
             <a:spAutoFit/>
           </a:bodyPr>
+          <a:lstStyle/>
           <a:p>
             <a:pPr algn="ctr">
               <a:lnSpc>
@@ -5727,7 +6744,7 @@
               </a:lnSpc>
             </a:pPr>
             <a:r>
-              <a:rPr b="1" lang="en-IN" sz="1800" spc="-1" strike="noStrike">
+              <a:rPr lang="en-IN" sz="1800" b="1" strike="noStrike" spc="-1">
                 <a:solidFill>
                   <a:srgbClr val="262626"/>
                 </a:solidFill>
@@ -5735,7 +6752,7 @@
               </a:rPr>
               <a:t>External Guide</a:t>
             </a:r>
-            <a:endParaRPr b="0" lang="en-IN" sz="1800" spc="-1" strike="noStrike">
+            <a:endParaRPr lang="en-IN" sz="1800" b="0" strike="noStrike" spc="-1">
               <a:latin typeface="Arial"/>
             </a:endParaRPr>
           </a:p>
@@ -5746,7 +6763,7 @@
               </a:lnSpc>
             </a:pPr>
             <a:r>
-              <a:rPr b="1" lang="en-IN" sz="2000" spc="-1" strike="noStrike">
+              <a:rPr lang="en-IN" sz="2000" b="1" strike="noStrike" spc="-1">
                 <a:solidFill>
                   <a:srgbClr val="000066"/>
                 </a:solidFill>
@@ -5754,7 +6771,7 @@
               </a:rPr>
               <a:t>Mr. Aman Upadhyay</a:t>
             </a:r>
-            <a:endParaRPr b="0" lang="en-IN" sz="2000" spc="-1" strike="noStrike">
+            <a:endParaRPr lang="en-IN" sz="2000" b="0" strike="noStrike" spc="-1">
               <a:latin typeface="Arial"/>
             </a:endParaRPr>
           </a:p>
@@ -5765,7 +6782,7 @@
               </a:lnSpc>
             </a:pPr>
             <a:r>
-              <a:rPr b="0" lang="en-IN" sz="1800" spc="-1" strike="noStrike">
+              <a:rPr lang="en-IN" sz="1800" b="0" strike="noStrike" spc="-1">
                 <a:solidFill>
                   <a:srgbClr val="262626"/>
                 </a:solidFill>
@@ -5774,7 +6791,7 @@
               </a:rPr>
               <a:t>Prof, Company-Nastech</a:t>
             </a:r>
-            <a:endParaRPr b="0" lang="en-IN" sz="1800" spc="-1" strike="noStrike">
+            <a:endParaRPr lang="en-IN" sz="1800" b="0" strike="noStrike" spc="-1">
               <a:latin typeface="Arial"/>
             </a:endParaRPr>
           </a:p>
@@ -5800,15 +6817,22 @@
           </a:ln>
         </p:spPr>
         <p:style>
-          <a:lnRef idx="0"/>
-          <a:fillRef idx="0"/>
-          <a:effectRef idx="0"/>
+          <a:lnRef idx="0">
+            <a:scrgbClr r="0" g="0" b="0"/>
+          </a:lnRef>
+          <a:fillRef idx="0">
+            <a:scrgbClr r="0" g="0" b="0"/>
+          </a:fillRef>
+          <a:effectRef idx="0">
+            <a:scrgbClr r="0" g="0" b="0"/>
+          </a:effectRef>
           <a:fontRef idx="minor"/>
         </p:style>
         <p:txBody>
-          <a:bodyPr lIns="90000" rIns="90000" tIns="45000" bIns="45000">
+          <a:bodyPr lIns="90000" tIns="45000" rIns="90000" bIns="45000">
             <a:spAutoFit/>
           </a:bodyPr>
+          <a:lstStyle/>
           <a:p>
             <a:pPr algn="ctr">
               <a:lnSpc>
@@ -5816,15 +6840,15 @@
               </a:lnSpc>
             </a:pPr>
             <a:r>
-              <a:rPr b="1" lang="en-IN" sz="1800" spc="-1" strike="noStrike">
-                <a:solidFill>
-                  <a:srgbClr val="c00000"/>
+              <a:rPr lang="en-IN" sz="1800" b="1" strike="noStrike" spc="-1">
+                <a:solidFill>
+                  <a:srgbClr val="C00000"/>
                 </a:solidFill>
                 <a:latin typeface="Calibri"/>
               </a:rPr>
               <a:t>New Age Solutions Technologies</a:t>
             </a:r>
-            <a:endParaRPr b="0" lang="en-IN" sz="1800" spc="-1" strike="noStrike">
+            <a:endParaRPr lang="en-IN" sz="1800" b="0" strike="noStrike" spc="-1">
               <a:latin typeface="Arial"/>
             </a:endParaRPr>
           </a:p>
@@ -5832,12 +6856,12 @@
       </p:sp>
       <p:pic>
         <p:nvPicPr>
-          <p:cNvPr id="100" name="Picture 3" descr=""/>
+          <p:cNvPr id="100" name="Picture 3"/>
           <p:cNvPicPr/>
           <p:nvPr/>
         </p:nvPicPr>
         <p:blipFill>
-          <a:blip r:embed="rId1"/>
+          <a:blip r:embed="rId3"/>
           <a:stretch/>
         </p:blipFill>
         <p:spPr>
@@ -5855,19 +6879,29 @@
       </p:pic>
     </p:spTree>
   </p:cSld>
-  <mc:AlternateContent>
+  <p:clrMapOvr>
+    <a:masterClrMapping/>
+  </p:clrMapOvr>
+  <mc:AlternateContent xmlns:mc="http://schemas.openxmlformats.org/markup-compatibility/2006" xmlns:p14="http://schemas.microsoft.com/office/powerpoint/2010/main">
     <mc:Choice Requires="p14">
       <p:transition spd="slow" p14:dur="2000"/>
     </mc:Choice>
-    <mc:Fallback>
+    <mc:Fallback xmlns:p15="http://schemas.microsoft.com/office/powerpoint/2012/main" xmlns="">
       <p:transition spd="slow"/>
     </mc:Fallback>
   </mc:AlternateContent>
+  <p:timing>
+    <p:tnLst>
+      <p:par>
+        <p:cTn id="1" dur="indefinite" restart="never" nodeType="tmRoot"/>
+      </p:par>
+    </p:tnLst>
+  </p:timing>
 </p:sld>
 </file>
 
 <file path=ppt/slides/slide10.xml><?xml version="1.0" encoding="utf-8"?>
-<p:sld xmlns:a="http://schemas.openxmlformats.org/drawingml/2006/main" xmlns:p="http://schemas.openxmlformats.org/presentationml/2006/main" xmlns:r="http://schemas.openxmlformats.org/officeDocument/2006/relationships" xmlns:p14="http://schemas.microsoft.com/office/powerpoint/2010/main" xmlns:p15="http://schemas.microsoft.com/office/powerpoint/2012/main" xmlns:mc="http://schemas.openxmlformats.org/markup-compatibility/2006">
+<p:sld xmlns:a="http://schemas.openxmlformats.org/drawingml/2006/main" xmlns:r="http://schemas.openxmlformats.org/officeDocument/2006/relationships" xmlns:p="http://schemas.openxmlformats.org/presentationml/2006/main">
   <p:cSld>
     <p:spTree>
       <p:nvGrpSpPr>
@@ -5906,6 +6940,7 @@
           <a:bodyPr>
             <a:noAutofit/>
           </a:bodyPr>
+          <a:lstStyle/>
           <a:p>
             <a:pPr algn="ctr">
               <a:lnSpc>
@@ -5913,15 +6948,15 @@
               </a:lnSpc>
             </a:pPr>
             <a:r>
-              <a:rPr b="1" lang="en-US" sz="3200" spc="-1" strike="noStrike">
-                <a:solidFill>
-                  <a:srgbClr val="2f5597"/>
+              <a:rPr lang="en-US" sz="3200" b="1" strike="noStrike" spc="-1">
+                <a:solidFill>
+                  <a:srgbClr val="2F5597"/>
                 </a:solidFill>
                 <a:latin typeface="Times New Roman"/>
               </a:rPr>
               <a:t>Implementation / Coding</a:t>
             </a:r>
-            <a:endParaRPr b="0" lang="en-US" sz="3200" spc="-1" strike="noStrike">
+            <a:endParaRPr lang="en-US" sz="3200" b="0" strike="noStrike" spc="-1">
               <a:solidFill>
                 <a:srgbClr val="000000"/>
               </a:solidFill>
@@ -5953,6 +6988,7 @@
           <a:bodyPr anchor="ctr">
             <a:noAutofit/>
           </a:bodyPr>
+          <a:lstStyle/>
           <a:p>
             <a:pPr>
               <a:lnSpc>
@@ -5960,15 +6996,15 @@
               </a:lnSpc>
             </a:pPr>
             <a:r>
-              <a:rPr b="1" lang="en-IN" sz="1200" spc="-1" strike="noStrike">
-                <a:solidFill>
-                  <a:srgbClr val="2b5ff3"/>
+              <a:rPr lang="en-IN" sz="1200" b="1" strike="noStrike" spc="-1">
+                <a:solidFill>
+                  <a:srgbClr val="2B5FF3"/>
                 </a:solidFill>
                 <a:latin typeface="Calibri"/>
               </a:rPr>
               <a:t>VIII Semester, Department of ISE, RNSIT</a:t>
             </a:r>
-            <a:endParaRPr b="0" lang="en-IN" sz="1200" spc="-1" strike="noStrike">
+            <a:endParaRPr lang="en-IN" sz="1200" b="0" strike="noStrike" spc="-1">
               <a:latin typeface="Times New Roman"/>
             </a:endParaRPr>
           </a:p>
@@ -5997,6 +7033,7 @@
           <a:bodyPr anchor="ctr">
             <a:noAutofit/>
           </a:bodyPr>
+          <a:lstStyle/>
           <a:p>
             <a:pPr algn="ctr">
               <a:lnSpc>
@@ -6004,15 +7041,15 @@
               </a:lnSpc>
             </a:pPr>
             <a:r>
-              <a:rPr b="1" lang="en-IN" sz="1200" spc="-1" strike="noStrike">
-                <a:solidFill>
-                  <a:srgbClr val="2b5ff3"/>
+              <a:rPr lang="en-IN" sz="1200" b="1" strike="noStrike" spc="-1">
+                <a:solidFill>
+                  <a:srgbClr val="2B5FF3"/>
                 </a:solidFill>
                 <a:latin typeface="Calibri"/>
               </a:rPr>
               <a:t>2021 - 2022</a:t>
             </a:r>
-            <a:endParaRPr b="0" lang="en-IN" sz="1200" spc="-1" strike="noStrike">
+            <a:endParaRPr lang="en-IN" sz="1200" b="0" strike="noStrike" spc="-1">
               <a:latin typeface="Times New Roman"/>
             </a:endParaRPr>
           </a:p>
@@ -6038,9 +7075,15 @@
           </a:ln>
         </p:spPr>
         <p:style>
-          <a:lnRef idx="0"/>
-          <a:fillRef idx="0"/>
-          <a:effectRef idx="0"/>
+          <a:lnRef idx="0">
+            <a:scrgbClr r="0" g="0" b="0"/>
+          </a:lnRef>
+          <a:fillRef idx="0">
+            <a:scrgbClr r="0" g="0" b="0"/>
+          </a:fillRef>
+          <a:effectRef idx="0">
+            <a:scrgbClr r="0" g="0" b="0"/>
+          </a:effectRef>
           <a:fontRef idx="minor"/>
         </p:style>
       </p:sp>
@@ -6067,6 +7110,7 @@
           <a:bodyPr anchor="ctr">
             <a:noAutofit/>
           </a:bodyPr>
+          <a:lstStyle/>
           <a:p>
             <a:pPr algn="r">
               <a:lnSpc>
@@ -6074,15 +7118,15 @@
               </a:lnSpc>
             </a:pPr>
             <a:fld id="{A632485C-0081-4DDF-8AB7-56CA452FEAD7}" type="slidenum">
-              <a:rPr b="1" lang="en-IN" sz="1200" spc="-1" strike="noStrike">
-                <a:solidFill>
-                  <a:srgbClr val="2b5ff3"/>
+              <a:rPr lang="en-IN" sz="1200" b="1" strike="noStrike" spc="-1">
+                <a:solidFill>
+                  <a:srgbClr val="2B5FF3"/>
                 </a:solidFill>
                 <a:latin typeface="Calibri"/>
               </a:rPr>
-              <a:t>6</a:t>
+              <a:t>10</a:t>
             </a:fld>
-            <a:endParaRPr b="0" lang="en-IN" sz="1200" spc="-1" strike="noStrike">
+            <a:endParaRPr lang="en-IN" sz="1200" b="0" strike="noStrike" spc="-1">
               <a:latin typeface="Times New Roman"/>
             </a:endParaRPr>
           </a:p>
@@ -6090,12 +7134,12 @@
       </p:sp>
       <p:pic>
         <p:nvPicPr>
-          <p:cNvPr id="150" name="" descr=""/>
+          <p:cNvPr id="150" name="Picture 149"/>
           <p:cNvPicPr/>
           <p:nvPr/>
         </p:nvPicPr>
         <p:blipFill>
-          <a:blip r:embed="rId1"/>
+          <a:blip r:embed="rId3"/>
           <a:stretch/>
         </p:blipFill>
         <p:spPr>
@@ -6113,19 +7157,29 @@
       </p:pic>
     </p:spTree>
   </p:cSld>
-  <mc:AlternateContent>
+  <p:clrMapOvr>
+    <a:masterClrMapping/>
+  </p:clrMapOvr>
+  <mc:AlternateContent xmlns:mc="http://schemas.openxmlformats.org/markup-compatibility/2006" xmlns:p14="http://schemas.microsoft.com/office/powerpoint/2010/main">
     <mc:Choice Requires="p14">
       <p:transition spd="slow" p14:dur="2000"/>
     </mc:Choice>
-    <mc:Fallback>
+    <mc:Fallback xmlns:p15="http://schemas.microsoft.com/office/powerpoint/2012/main" xmlns="">
       <p:transition spd="slow"/>
     </mc:Fallback>
   </mc:AlternateContent>
+  <p:timing>
+    <p:tnLst>
+      <p:par>
+        <p:cTn id="1" dur="indefinite" restart="never" nodeType="tmRoot"/>
+      </p:par>
+    </p:tnLst>
+  </p:timing>
 </p:sld>
 </file>
 
 <file path=ppt/slides/slide11.xml><?xml version="1.0" encoding="utf-8"?>
-<p:sld xmlns:a="http://schemas.openxmlformats.org/drawingml/2006/main" xmlns:p="http://schemas.openxmlformats.org/presentationml/2006/main" xmlns:r="http://schemas.openxmlformats.org/officeDocument/2006/relationships" xmlns:p14="http://schemas.microsoft.com/office/powerpoint/2010/main" xmlns:p15="http://schemas.microsoft.com/office/powerpoint/2012/main" xmlns:mc="http://schemas.openxmlformats.org/markup-compatibility/2006">
+<p:sld xmlns:a="http://schemas.openxmlformats.org/drawingml/2006/main" xmlns:r="http://schemas.openxmlformats.org/officeDocument/2006/relationships" xmlns:p="http://schemas.openxmlformats.org/presentationml/2006/main">
   <p:cSld>
     <p:spTree>
       <p:nvGrpSpPr>
@@ -6164,6 +7218,7 @@
           <a:bodyPr>
             <a:noAutofit/>
           </a:bodyPr>
+          <a:lstStyle/>
           <a:p>
             <a:pPr algn="ctr">
               <a:lnSpc>
@@ -6171,16 +7226,19 @@
               </a:lnSpc>
             </a:pPr>
             <a:r>
-              <a:rPr b="1" lang="en-US" sz="3200" spc="-1" strike="noStrike">
-                <a:solidFill>
-                  <a:srgbClr val="2f5597"/>
+              <a:rPr lang="en-US" sz="3200" b="1" strike="noStrike" spc="-1">
+                <a:solidFill>
+                  <a:srgbClr val="2F5597"/>
                 </a:solidFill>
                 <a:latin typeface="Times New Roman"/>
               </a:rPr>
               <a:t>Implementation/Coding</a:t>
             </a:r>
+            <a:r>
+              <a:t/>
+            </a:r>
             <a:br/>
-            <a:endParaRPr b="0" lang="en-US" sz="3200" spc="-1" strike="noStrike">
+            <a:endParaRPr lang="en-US" sz="3200" b="0" strike="noStrike" spc="-1">
               <a:solidFill>
                 <a:srgbClr val="000000"/>
               </a:solidFill>
@@ -6212,6 +7270,7 @@
           <a:bodyPr>
             <a:normAutofit/>
           </a:bodyPr>
+          <a:lstStyle/>
           <a:p>
             <a:pPr>
               <a:lnSpc>
@@ -6221,7 +7280,7 @@
                 <a:spcPts val="1001"/>
               </a:spcBef>
             </a:pPr>
-            <a:endParaRPr b="0" lang="en-US" sz="2800" spc="-1" strike="noStrike">
+            <a:endParaRPr lang="en-US" sz="2800" b="0" strike="noStrike" spc="-1">
               <a:solidFill>
                 <a:srgbClr val="000000"/>
               </a:solidFill>
@@ -6237,7 +7296,7 @@
                 <a:spcPts val="1001"/>
               </a:spcBef>
             </a:pPr>
-            <a:endParaRPr b="0" lang="en-US" sz="2800" spc="-1" strike="noStrike">
+            <a:endParaRPr lang="en-US" sz="2800" b="0" strike="noStrike" spc="-1">
               <a:solidFill>
                 <a:srgbClr val="000000"/>
               </a:solidFill>
@@ -6253,7 +7312,7 @@
                 <a:spcPts val="1001"/>
               </a:spcBef>
             </a:pPr>
-            <a:endParaRPr b="0" lang="en-US" sz="2800" spc="-1" strike="noStrike">
+            <a:endParaRPr lang="en-US" sz="2800" b="0" strike="noStrike" spc="-1">
               <a:solidFill>
                 <a:srgbClr val="000000"/>
               </a:solidFill>
@@ -6269,7 +7328,7 @@
                 <a:spcPts val="1001"/>
               </a:spcBef>
             </a:pPr>
-            <a:endParaRPr b="0" lang="en-US" sz="2800" spc="-1" strike="noStrike">
+            <a:endParaRPr lang="en-US" sz="2800" b="0" strike="noStrike" spc="-1">
               <a:solidFill>
                 <a:srgbClr val="000000"/>
               </a:solidFill>
@@ -6285,7 +7344,7 @@
                 <a:spcPts val="1001"/>
               </a:spcBef>
             </a:pPr>
-            <a:endParaRPr b="0" lang="en-US" sz="2800" spc="-1" strike="noStrike">
+            <a:endParaRPr lang="en-US" sz="2800" b="0" strike="noStrike" spc="-1">
               <a:solidFill>
                 <a:srgbClr val="000000"/>
               </a:solidFill>
@@ -6301,7 +7360,7 @@
                 <a:spcPts val="1001"/>
               </a:spcBef>
             </a:pPr>
-            <a:endParaRPr b="0" lang="en-US" sz="2800" spc="-1" strike="noStrike">
+            <a:endParaRPr lang="en-US" sz="2800" b="0" strike="noStrike" spc="-1">
               <a:solidFill>
                 <a:srgbClr val="000000"/>
               </a:solidFill>
@@ -6317,7 +7376,7 @@
                 <a:spcPts val="1001"/>
               </a:spcBef>
             </a:pPr>
-            <a:endParaRPr b="0" lang="en-US" sz="2800" spc="-1" strike="noStrike">
+            <a:endParaRPr lang="en-US" sz="2800" b="0" strike="noStrike" spc="-1">
               <a:solidFill>
                 <a:srgbClr val="000000"/>
               </a:solidFill>
@@ -6333,7 +7392,7 @@
                 <a:spcPts val="1001"/>
               </a:spcBef>
             </a:pPr>
-            <a:endParaRPr b="0" lang="en-US" sz="2800" spc="-1" strike="noStrike">
+            <a:endParaRPr lang="en-US" sz="2800" b="0" strike="noStrike" spc="-1">
               <a:solidFill>
                 <a:srgbClr val="000000"/>
               </a:solidFill>
@@ -6349,7 +7408,7 @@
                 <a:spcPts val="1001"/>
               </a:spcBef>
             </a:pPr>
-            <a:endParaRPr b="0" lang="en-US" sz="2800" spc="-1" strike="noStrike">
+            <a:endParaRPr lang="en-US" sz="2800" b="0" strike="noStrike" spc="-1">
               <a:solidFill>
                 <a:srgbClr val="000000"/>
               </a:solidFill>
@@ -6365,7 +7424,7 @@
                 <a:spcPts val="1001"/>
               </a:spcBef>
             </a:pPr>
-            <a:endParaRPr b="0" lang="en-US" sz="2800" spc="-1" strike="noStrike">
+            <a:endParaRPr lang="en-US" sz="2800" b="0" strike="noStrike" spc="-1">
               <a:solidFill>
                 <a:srgbClr val="000000"/>
               </a:solidFill>
@@ -6381,7 +7440,7 @@
                 <a:spcPts val="1001"/>
               </a:spcBef>
             </a:pPr>
-            <a:endParaRPr b="0" lang="en-US" sz="2800" spc="-1" strike="noStrike">
+            <a:endParaRPr lang="en-US" sz="2800" b="0" strike="noStrike" spc="-1">
               <a:solidFill>
                 <a:srgbClr val="000000"/>
               </a:solidFill>
@@ -6413,6 +7472,7 @@
           <a:bodyPr anchor="ctr">
             <a:noAutofit/>
           </a:bodyPr>
+          <a:lstStyle/>
           <a:p>
             <a:pPr>
               <a:lnSpc>
@@ -6420,15 +7480,15 @@
               </a:lnSpc>
             </a:pPr>
             <a:r>
-              <a:rPr b="1" lang="en-IN" sz="1200" spc="-1" strike="noStrike">
-                <a:solidFill>
-                  <a:srgbClr val="2b5ff3"/>
+              <a:rPr lang="en-IN" sz="1200" b="1" strike="noStrike" spc="-1">
+                <a:solidFill>
+                  <a:srgbClr val="2B5FF3"/>
                 </a:solidFill>
                 <a:latin typeface="Calibri"/>
               </a:rPr>
               <a:t>VIII Semester, Department of ISE, RNSIT</a:t>
             </a:r>
-            <a:endParaRPr b="0" lang="en-IN" sz="1200" spc="-1" strike="noStrike">
+            <a:endParaRPr lang="en-IN" sz="1200" b="0" strike="noStrike" spc="-1">
               <a:latin typeface="Times New Roman"/>
             </a:endParaRPr>
           </a:p>
@@ -6457,6 +7517,7 @@
           <a:bodyPr anchor="ctr">
             <a:noAutofit/>
           </a:bodyPr>
+          <a:lstStyle/>
           <a:p>
             <a:pPr algn="ctr">
               <a:lnSpc>
@@ -6464,15 +7525,15 @@
               </a:lnSpc>
             </a:pPr>
             <a:r>
-              <a:rPr b="1" lang="en-IN" sz="1200" spc="-1" strike="noStrike">
-                <a:solidFill>
-                  <a:srgbClr val="2b5ff3"/>
+              <a:rPr lang="en-IN" sz="1200" b="1" strike="noStrike" spc="-1">
+                <a:solidFill>
+                  <a:srgbClr val="2B5FF3"/>
                 </a:solidFill>
                 <a:latin typeface="Calibri"/>
               </a:rPr>
               <a:t>2021 - 2022</a:t>
             </a:r>
-            <a:endParaRPr b="0" lang="en-IN" sz="1200" spc="-1" strike="noStrike">
+            <a:endParaRPr lang="en-IN" sz="1200" b="0" strike="noStrike" spc="-1">
               <a:latin typeface="Times New Roman"/>
             </a:endParaRPr>
           </a:p>
@@ -6498,15 +7559,22 @@
           </a:ln>
         </p:spPr>
         <p:style>
-          <a:lnRef idx="0"/>
-          <a:fillRef idx="0"/>
-          <a:effectRef idx="0"/>
+          <a:lnRef idx="0">
+            <a:scrgbClr r="0" g="0" b="0"/>
+          </a:lnRef>
+          <a:fillRef idx="0">
+            <a:scrgbClr r="0" g="0" b="0"/>
+          </a:fillRef>
+          <a:effectRef idx="0">
+            <a:scrgbClr r="0" g="0" b="0"/>
+          </a:effectRef>
           <a:fontRef idx="minor"/>
         </p:style>
         <p:txBody>
           <a:bodyPr>
             <a:normAutofit/>
           </a:bodyPr>
+          <a:lstStyle/>
           <a:p>
             <a:pPr marL="355680" indent="-355320">
               <a:lnSpc>
@@ -6522,7 +7590,7 @@
               <a:buChar char=""/>
             </a:pPr>
             <a:r>
-              <a:rPr b="1" lang="en-IN" sz="2100" spc="-1" strike="noStrike">
+              <a:rPr lang="en-IN" sz="2100" b="1" strike="noStrike" spc="-1">
                 <a:solidFill>
                   <a:srgbClr val="000000"/>
                 </a:solidFill>
@@ -6530,7 +7598,7 @@
               </a:rPr>
               <a:t>Model training</a:t>
             </a:r>
-            <a:endParaRPr b="0" lang="en-IN" sz="2100" spc="-1" strike="noStrike">
+            <a:endParaRPr lang="en-IN" sz="2100" b="0" strike="noStrike" spc="-1">
               <a:latin typeface="Arial"/>
             </a:endParaRPr>
           </a:p>
@@ -6559,6 +7627,7 @@
           <a:bodyPr anchor="ctr">
             <a:noAutofit/>
           </a:bodyPr>
+          <a:lstStyle/>
           <a:p>
             <a:pPr algn="r">
               <a:lnSpc>
@@ -6566,15 +7635,15 @@
               </a:lnSpc>
             </a:pPr>
             <a:fld id="{94CAE48C-3063-4020-BD43-6FD7D826C4A2}" type="slidenum">
-              <a:rPr b="1" lang="en-IN" sz="1200" spc="-1" strike="noStrike">
-                <a:solidFill>
-                  <a:srgbClr val="2b5ff3"/>
+              <a:rPr lang="en-IN" sz="1200" b="1" strike="noStrike" spc="-1">
+                <a:solidFill>
+                  <a:srgbClr val="2B5FF3"/>
                 </a:solidFill>
                 <a:latin typeface="Calibri"/>
               </a:rPr>
               <a:t>11</a:t>
             </a:fld>
-            <a:endParaRPr b="0" lang="en-IN" sz="1200" spc="-1" strike="noStrike">
+            <a:endParaRPr lang="en-IN" sz="1200" b="0" strike="noStrike" spc="-1">
               <a:latin typeface="Times New Roman"/>
             </a:endParaRPr>
           </a:p>
@@ -6582,12 +7651,12 @@
       </p:sp>
       <p:pic>
         <p:nvPicPr>
-          <p:cNvPr id="157" name="" descr=""/>
+          <p:cNvPr id="157" name="Picture 156"/>
           <p:cNvPicPr/>
           <p:nvPr/>
         </p:nvPicPr>
         <p:blipFill>
-          <a:blip r:embed="rId1"/>
+          <a:blip r:embed="rId3"/>
           <a:stretch/>
         </p:blipFill>
         <p:spPr>
@@ -6605,12 +7674,12 @@
       </p:pic>
       <p:pic>
         <p:nvPicPr>
-          <p:cNvPr id="158" name="" descr=""/>
+          <p:cNvPr id="158" name="Picture 157"/>
           <p:cNvPicPr/>
           <p:nvPr/>
         </p:nvPicPr>
         <p:blipFill>
-          <a:blip r:embed="rId2"/>
+          <a:blip r:embed="rId4"/>
           <a:stretch/>
         </p:blipFill>
         <p:spPr>
@@ -6628,19 +7697,29 @@
       </p:pic>
     </p:spTree>
   </p:cSld>
-  <mc:AlternateContent>
+  <p:clrMapOvr>
+    <a:masterClrMapping/>
+  </p:clrMapOvr>
+  <mc:AlternateContent xmlns:mc="http://schemas.openxmlformats.org/markup-compatibility/2006" xmlns:p14="http://schemas.microsoft.com/office/powerpoint/2010/main">
     <mc:Choice Requires="p14">
       <p:transition spd="slow" p14:dur="2000"/>
     </mc:Choice>
-    <mc:Fallback>
+    <mc:Fallback xmlns:p15="http://schemas.microsoft.com/office/powerpoint/2012/main" xmlns="">
       <p:transition spd="slow"/>
     </mc:Fallback>
   </mc:AlternateContent>
+  <p:timing>
+    <p:tnLst>
+      <p:par>
+        <p:cTn id="1" dur="indefinite" restart="never" nodeType="tmRoot"/>
+      </p:par>
+    </p:tnLst>
+  </p:timing>
 </p:sld>
 </file>
 
 <file path=ppt/slides/slide12.xml><?xml version="1.0" encoding="utf-8"?>
-<p:sld xmlns:a="http://schemas.openxmlformats.org/drawingml/2006/main" xmlns:p="http://schemas.openxmlformats.org/presentationml/2006/main" xmlns:r="http://schemas.openxmlformats.org/officeDocument/2006/relationships" xmlns:p14="http://schemas.microsoft.com/office/powerpoint/2010/main" xmlns:p15="http://schemas.microsoft.com/office/powerpoint/2012/main" xmlns:mc="http://schemas.openxmlformats.org/markup-compatibility/2006">
+<p:sld xmlns:a="http://schemas.openxmlformats.org/drawingml/2006/main" xmlns:r="http://schemas.openxmlformats.org/officeDocument/2006/relationships" xmlns:p="http://schemas.openxmlformats.org/presentationml/2006/main">
   <p:cSld>
     <p:spTree>
       <p:nvGrpSpPr>
@@ -6679,6 +7758,7 @@
           <a:bodyPr>
             <a:noAutofit/>
           </a:bodyPr>
+          <a:lstStyle/>
           <a:p>
             <a:pPr algn="ctr">
               <a:lnSpc>
@@ -6686,16 +7766,19 @@
               </a:lnSpc>
             </a:pPr>
             <a:r>
-              <a:rPr b="1" lang="en-US" sz="3200" spc="-1" strike="noStrike">
-                <a:solidFill>
-                  <a:srgbClr val="2f5597"/>
+              <a:rPr lang="en-US" sz="3200" b="1" strike="noStrike" spc="-1">
+                <a:solidFill>
+                  <a:srgbClr val="2F5597"/>
                 </a:solidFill>
                 <a:latin typeface="Times New Roman"/>
               </a:rPr>
               <a:t>Implementation/Coding</a:t>
             </a:r>
+            <a:r>
+              <a:t/>
+            </a:r>
             <a:br/>
-            <a:endParaRPr b="0" lang="en-US" sz="3200" spc="-1" strike="noStrike">
+            <a:endParaRPr lang="en-US" sz="3200" b="0" strike="noStrike" spc="-1">
               <a:solidFill>
                 <a:srgbClr val="000000"/>
               </a:solidFill>
@@ -6727,6 +7810,7 @@
           <a:bodyPr>
             <a:normAutofit/>
           </a:bodyPr>
+          <a:lstStyle/>
           <a:p>
             <a:pPr>
               <a:lnSpc>
@@ -6736,7 +7820,7 @@
                 <a:spcPts val="1001"/>
               </a:spcBef>
             </a:pPr>
-            <a:endParaRPr b="0" lang="en-US" sz="2800" spc="-1" strike="noStrike">
+            <a:endParaRPr lang="en-US" sz="2800" b="0" strike="noStrike" spc="-1">
               <a:solidFill>
                 <a:srgbClr val="000000"/>
               </a:solidFill>
@@ -6752,7 +7836,7 @@
                 <a:spcPts val="1001"/>
               </a:spcBef>
             </a:pPr>
-            <a:endParaRPr b="0" lang="en-US" sz="2800" spc="-1" strike="noStrike">
+            <a:endParaRPr lang="en-US" sz="2800" b="0" strike="noStrike" spc="-1">
               <a:solidFill>
                 <a:srgbClr val="000000"/>
               </a:solidFill>
@@ -6768,7 +7852,7 @@
                 <a:spcPts val="1001"/>
               </a:spcBef>
             </a:pPr>
-            <a:endParaRPr b="0" lang="en-US" sz="2800" spc="-1" strike="noStrike">
+            <a:endParaRPr lang="en-US" sz="2800" b="0" strike="noStrike" spc="-1">
               <a:solidFill>
                 <a:srgbClr val="000000"/>
               </a:solidFill>
@@ -6784,7 +7868,7 @@
                 <a:spcPts val="1001"/>
               </a:spcBef>
             </a:pPr>
-            <a:endParaRPr b="0" lang="en-US" sz="2800" spc="-1" strike="noStrike">
+            <a:endParaRPr lang="en-US" sz="2800" b="0" strike="noStrike" spc="-1">
               <a:solidFill>
                 <a:srgbClr val="000000"/>
               </a:solidFill>
@@ -6800,7 +7884,7 @@
                 <a:spcPts val="1001"/>
               </a:spcBef>
             </a:pPr>
-            <a:endParaRPr b="0" lang="en-US" sz="2800" spc="-1" strike="noStrike">
+            <a:endParaRPr lang="en-US" sz="2800" b="0" strike="noStrike" spc="-1">
               <a:solidFill>
                 <a:srgbClr val="000000"/>
               </a:solidFill>
@@ -6816,7 +7900,7 @@
                 <a:spcPts val="1001"/>
               </a:spcBef>
             </a:pPr>
-            <a:endParaRPr b="0" lang="en-US" sz="2800" spc="-1" strike="noStrike">
+            <a:endParaRPr lang="en-US" sz="2800" b="0" strike="noStrike" spc="-1">
               <a:solidFill>
                 <a:srgbClr val="000000"/>
               </a:solidFill>
@@ -6832,7 +7916,7 @@
                 <a:spcPts val="1001"/>
               </a:spcBef>
             </a:pPr>
-            <a:endParaRPr b="0" lang="en-US" sz="2800" spc="-1" strike="noStrike">
+            <a:endParaRPr lang="en-US" sz="2800" b="0" strike="noStrike" spc="-1">
               <a:solidFill>
                 <a:srgbClr val="000000"/>
               </a:solidFill>
@@ -6848,7 +7932,7 @@
                 <a:spcPts val="1001"/>
               </a:spcBef>
             </a:pPr>
-            <a:endParaRPr b="0" lang="en-US" sz="2800" spc="-1" strike="noStrike">
+            <a:endParaRPr lang="en-US" sz="2800" b="0" strike="noStrike" spc="-1">
               <a:solidFill>
                 <a:srgbClr val="000000"/>
               </a:solidFill>
@@ -6864,7 +7948,7 @@
                 <a:spcPts val="1001"/>
               </a:spcBef>
             </a:pPr>
-            <a:endParaRPr b="0" lang="en-US" sz="2800" spc="-1" strike="noStrike">
+            <a:endParaRPr lang="en-US" sz="2800" b="0" strike="noStrike" spc="-1">
               <a:solidFill>
                 <a:srgbClr val="000000"/>
               </a:solidFill>
@@ -6880,7 +7964,7 @@
                 <a:spcPts val="1001"/>
               </a:spcBef>
             </a:pPr>
-            <a:endParaRPr b="0" lang="en-US" sz="2800" spc="-1" strike="noStrike">
+            <a:endParaRPr lang="en-US" sz="2800" b="0" strike="noStrike" spc="-1">
               <a:solidFill>
                 <a:srgbClr val="000000"/>
               </a:solidFill>
@@ -6896,7 +7980,7 @@
                 <a:spcPts val="1001"/>
               </a:spcBef>
             </a:pPr>
-            <a:endParaRPr b="0" lang="en-US" sz="2800" spc="-1" strike="noStrike">
+            <a:endParaRPr lang="en-US" sz="2800" b="0" strike="noStrike" spc="-1">
               <a:solidFill>
                 <a:srgbClr val="000000"/>
               </a:solidFill>
@@ -6928,6 +8012,7 @@
           <a:bodyPr anchor="ctr">
             <a:noAutofit/>
           </a:bodyPr>
+          <a:lstStyle/>
           <a:p>
             <a:pPr>
               <a:lnSpc>
@@ -6935,15 +8020,15 @@
               </a:lnSpc>
             </a:pPr>
             <a:r>
-              <a:rPr b="1" lang="en-IN" sz="1200" spc="-1" strike="noStrike">
-                <a:solidFill>
-                  <a:srgbClr val="2b5ff3"/>
+              <a:rPr lang="en-IN" sz="1200" b="1" strike="noStrike" spc="-1">
+                <a:solidFill>
+                  <a:srgbClr val="2B5FF3"/>
                 </a:solidFill>
                 <a:latin typeface="Calibri"/>
               </a:rPr>
               <a:t>VIII Semester, Department of ISE, RNSIT</a:t>
             </a:r>
-            <a:endParaRPr b="0" lang="en-IN" sz="1200" spc="-1" strike="noStrike">
+            <a:endParaRPr lang="en-IN" sz="1200" b="0" strike="noStrike" spc="-1">
               <a:latin typeface="Times New Roman"/>
             </a:endParaRPr>
           </a:p>
@@ -6972,6 +8057,7 @@
           <a:bodyPr anchor="ctr">
             <a:noAutofit/>
           </a:bodyPr>
+          <a:lstStyle/>
           <a:p>
             <a:pPr algn="ctr">
               <a:lnSpc>
@@ -6979,15 +8065,15 @@
               </a:lnSpc>
             </a:pPr>
             <a:r>
-              <a:rPr b="1" lang="en-IN" sz="1200" spc="-1" strike="noStrike">
-                <a:solidFill>
-                  <a:srgbClr val="2b5ff3"/>
+              <a:rPr lang="en-IN" sz="1200" b="1" strike="noStrike" spc="-1">
+                <a:solidFill>
+                  <a:srgbClr val="2B5FF3"/>
                 </a:solidFill>
                 <a:latin typeface="Calibri"/>
               </a:rPr>
               <a:t>2021 - 2022</a:t>
             </a:r>
-            <a:endParaRPr b="0" lang="en-IN" sz="1200" spc="-1" strike="noStrike">
+            <a:endParaRPr lang="en-IN" sz="1200" b="0" strike="noStrike" spc="-1">
               <a:latin typeface="Times New Roman"/>
             </a:endParaRPr>
           </a:p>
@@ -7013,9 +8099,15 @@
           </a:ln>
         </p:spPr>
         <p:style>
-          <a:lnRef idx="0"/>
-          <a:fillRef idx="0"/>
-          <a:effectRef idx="0"/>
+          <a:lnRef idx="0">
+            <a:scrgbClr r="0" g="0" b="0"/>
+          </a:lnRef>
+          <a:fillRef idx="0">
+            <a:scrgbClr r="0" g="0" b="0"/>
+          </a:fillRef>
+          <a:effectRef idx="0">
+            <a:scrgbClr r="0" g="0" b="0"/>
+          </a:effectRef>
           <a:fontRef idx="minor"/>
         </p:style>
       </p:sp>
@@ -7042,6 +8134,7 @@
           <a:bodyPr anchor="ctr">
             <a:noAutofit/>
           </a:bodyPr>
+          <a:lstStyle/>
           <a:p>
             <a:pPr algn="r">
               <a:lnSpc>
@@ -7049,15 +8142,15 @@
               </a:lnSpc>
             </a:pPr>
             <a:fld id="{1968B860-F375-49EB-8707-83557525E133}" type="slidenum">
-              <a:rPr b="1" lang="en-IN" sz="1200" spc="-1" strike="noStrike">
-                <a:solidFill>
-                  <a:srgbClr val="2b5ff3"/>
+              <a:rPr lang="en-IN" sz="1200" b="1" strike="noStrike" spc="-1">
+                <a:solidFill>
+                  <a:srgbClr val="2B5FF3"/>
                 </a:solidFill>
                 <a:latin typeface="Calibri"/>
               </a:rPr>
               <a:t>12</a:t>
             </a:fld>
-            <a:endParaRPr b="0" lang="en-IN" sz="1200" spc="-1" strike="noStrike">
+            <a:endParaRPr lang="en-IN" sz="1200" b="0" strike="noStrike" spc="-1">
               <a:latin typeface="Times New Roman"/>
             </a:endParaRPr>
           </a:p>
@@ -7065,12 +8158,12 @@
       </p:sp>
       <p:pic>
         <p:nvPicPr>
-          <p:cNvPr id="165" name="" descr=""/>
+          <p:cNvPr id="165" name="Picture 164"/>
           <p:cNvPicPr/>
           <p:nvPr/>
         </p:nvPicPr>
         <p:blipFill>
-          <a:blip r:embed="rId1"/>
+          <a:blip r:embed="rId3"/>
           <a:stretch/>
         </p:blipFill>
         <p:spPr>
@@ -7088,19 +8181,29 @@
       </p:pic>
     </p:spTree>
   </p:cSld>
-  <mc:AlternateContent>
+  <p:clrMapOvr>
+    <a:masterClrMapping/>
+  </p:clrMapOvr>
+  <mc:AlternateContent xmlns:mc="http://schemas.openxmlformats.org/markup-compatibility/2006" xmlns:p14="http://schemas.microsoft.com/office/powerpoint/2010/main">
     <mc:Choice Requires="p14">
       <p:transition spd="slow" p14:dur="2000"/>
     </mc:Choice>
-    <mc:Fallback>
+    <mc:Fallback xmlns:p15="http://schemas.microsoft.com/office/powerpoint/2012/main" xmlns="">
       <p:transition spd="slow"/>
     </mc:Fallback>
   </mc:AlternateContent>
+  <p:timing>
+    <p:tnLst>
+      <p:par>
+        <p:cTn id="1" dur="indefinite" restart="never" nodeType="tmRoot"/>
+      </p:par>
+    </p:tnLst>
+  </p:timing>
 </p:sld>
 </file>
 
 <file path=ppt/slides/slide13.xml><?xml version="1.0" encoding="utf-8"?>
-<p:sld xmlns:a="http://schemas.openxmlformats.org/drawingml/2006/main" xmlns:p="http://schemas.openxmlformats.org/presentationml/2006/main" xmlns:r="http://schemas.openxmlformats.org/officeDocument/2006/relationships" xmlns:p14="http://schemas.microsoft.com/office/powerpoint/2010/main" xmlns:p15="http://schemas.microsoft.com/office/powerpoint/2012/main" xmlns:mc="http://schemas.openxmlformats.org/markup-compatibility/2006">
+<p:sld xmlns:a="http://schemas.openxmlformats.org/drawingml/2006/main" xmlns:r="http://schemas.openxmlformats.org/officeDocument/2006/relationships" xmlns:p="http://schemas.openxmlformats.org/presentationml/2006/main">
   <p:cSld>
     <p:spTree>
       <p:nvGrpSpPr>
@@ -7139,6 +8242,7 @@
           <a:bodyPr>
             <a:noAutofit/>
           </a:bodyPr>
+          <a:lstStyle/>
           <a:p>
             <a:pPr algn="ctr">
               <a:lnSpc>
@@ -7146,16 +8250,19 @@
               </a:lnSpc>
             </a:pPr>
             <a:r>
-              <a:rPr b="1" lang="en-US" sz="3200" spc="-1" strike="noStrike">
-                <a:solidFill>
-                  <a:srgbClr val="2f5597"/>
+              <a:rPr lang="en-US" sz="3200" b="1" strike="noStrike" spc="-1">
+                <a:solidFill>
+                  <a:srgbClr val="2F5597"/>
                 </a:solidFill>
                 <a:latin typeface="Times New Roman"/>
               </a:rPr>
               <a:t>Result</a:t>
             </a:r>
+            <a:r>
+              <a:t/>
+            </a:r>
             <a:br/>
-            <a:endParaRPr b="0" lang="en-US" sz="3200" spc="-1" strike="noStrike">
+            <a:endParaRPr lang="en-US" sz="3200" b="0" strike="noStrike" spc="-1">
               <a:solidFill>
                 <a:srgbClr val="000000"/>
               </a:solidFill>
@@ -7187,6 +8294,7 @@
           <a:bodyPr>
             <a:normAutofit/>
           </a:bodyPr>
+          <a:lstStyle/>
           <a:p>
             <a:pPr>
               <a:lnSpc>
@@ -7196,7 +8304,7 @@
                 <a:spcPts val="1001"/>
               </a:spcBef>
             </a:pPr>
-            <a:endParaRPr b="0" lang="en-US" sz="2800" spc="-1" strike="noStrike">
+            <a:endParaRPr lang="en-US" sz="2800" b="0" strike="noStrike" spc="-1">
               <a:solidFill>
                 <a:srgbClr val="000000"/>
               </a:solidFill>
@@ -7212,7 +8320,7 @@
                 <a:spcPts val="1001"/>
               </a:spcBef>
             </a:pPr>
-            <a:endParaRPr b="0" lang="en-US" sz="2800" spc="-1" strike="noStrike">
+            <a:endParaRPr lang="en-US" sz="2800" b="0" strike="noStrike" spc="-1">
               <a:solidFill>
                 <a:srgbClr val="000000"/>
               </a:solidFill>
@@ -7228,7 +8336,7 @@
                 <a:spcPts val="1001"/>
               </a:spcBef>
             </a:pPr>
-            <a:endParaRPr b="0" lang="en-US" sz="2800" spc="-1" strike="noStrike">
+            <a:endParaRPr lang="en-US" sz="2800" b="0" strike="noStrike" spc="-1">
               <a:solidFill>
                 <a:srgbClr val="000000"/>
               </a:solidFill>
@@ -7244,7 +8352,7 @@
                 <a:spcPts val="1001"/>
               </a:spcBef>
             </a:pPr>
-            <a:endParaRPr b="0" lang="en-US" sz="2800" spc="-1" strike="noStrike">
+            <a:endParaRPr lang="en-US" sz="2800" b="0" strike="noStrike" spc="-1">
               <a:solidFill>
                 <a:srgbClr val="000000"/>
               </a:solidFill>
@@ -7260,7 +8368,7 @@
                 <a:spcPts val="1001"/>
               </a:spcBef>
             </a:pPr>
-            <a:endParaRPr b="0" lang="en-US" sz="2800" spc="-1" strike="noStrike">
+            <a:endParaRPr lang="en-US" sz="2800" b="0" strike="noStrike" spc="-1">
               <a:solidFill>
                 <a:srgbClr val="000000"/>
               </a:solidFill>
@@ -7276,7 +8384,7 @@
                 <a:spcPts val="1001"/>
               </a:spcBef>
             </a:pPr>
-            <a:endParaRPr b="0" lang="en-US" sz="2800" spc="-1" strike="noStrike">
+            <a:endParaRPr lang="en-US" sz="2800" b="0" strike="noStrike" spc="-1">
               <a:solidFill>
                 <a:srgbClr val="000000"/>
               </a:solidFill>
@@ -7292,7 +8400,7 @@
                 <a:spcPts val="1001"/>
               </a:spcBef>
             </a:pPr>
-            <a:endParaRPr b="0" lang="en-US" sz="2800" spc="-1" strike="noStrike">
+            <a:endParaRPr lang="en-US" sz="2800" b="0" strike="noStrike" spc="-1">
               <a:solidFill>
                 <a:srgbClr val="000000"/>
               </a:solidFill>
@@ -7308,7 +8416,7 @@
                 <a:spcPts val="1001"/>
               </a:spcBef>
             </a:pPr>
-            <a:endParaRPr b="0" lang="en-US" sz="2800" spc="-1" strike="noStrike">
+            <a:endParaRPr lang="en-US" sz="2800" b="0" strike="noStrike" spc="-1">
               <a:solidFill>
                 <a:srgbClr val="000000"/>
               </a:solidFill>
@@ -7324,7 +8432,7 @@
                 <a:spcPts val="1001"/>
               </a:spcBef>
             </a:pPr>
-            <a:endParaRPr b="0" lang="en-US" sz="2800" spc="-1" strike="noStrike">
+            <a:endParaRPr lang="en-US" sz="2800" b="0" strike="noStrike" spc="-1">
               <a:solidFill>
                 <a:srgbClr val="000000"/>
               </a:solidFill>
@@ -7340,7 +8448,7 @@
                 <a:spcPts val="1001"/>
               </a:spcBef>
             </a:pPr>
-            <a:endParaRPr b="0" lang="en-US" sz="2800" spc="-1" strike="noStrike">
+            <a:endParaRPr lang="en-US" sz="2800" b="0" strike="noStrike" spc="-1">
               <a:solidFill>
                 <a:srgbClr val="000000"/>
               </a:solidFill>
@@ -7356,7 +8464,7 @@
                 <a:spcPts val="1001"/>
               </a:spcBef>
             </a:pPr>
-            <a:endParaRPr b="0" lang="en-US" sz="2800" spc="-1" strike="noStrike">
+            <a:endParaRPr lang="en-US" sz="2800" b="0" strike="noStrike" spc="-1">
               <a:solidFill>
                 <a:srgbClr val="000000"/>
               </a:solidFill>
@@ -7388,6 +8496,7 @@
           <a:bodyPr anchor="ctr">
             <a:noAutofit/>
           </a:bodyPr>
+          <a:lstStyle/>
           <a:p>
             <a:pPr>
               <a:lnSpc>
@@ -7395,15 +8504,15 @@
               </a:lnSpc>
             </a:pPr>
             <a:r>
-              <a:rPr b="1" lang="en-IN" sz="1200" spc="-1" strike="noStrike">
-                <a:solidFill>
-                  <a:srgbClr val="2b5ff3"/>
+              <a:rPr lang="en-IN" sz="1200" b="1" strike="noStrike" spc="-1">
+                <a:solidFill>
+                  <a:srgbClr val="2B5FF3"/>
                 </a:solidFill>
                 <a:latin typeface="Calibri"/>
               </a:rPr>
               <a:t>VIII Semester, Department of ISE, RNSIT</a:t>
             </a:r>
-            <a:endParaRPr b="0" lang="en-IN" sz="1200" spc="-1" strike="noStrike">
+            <a:endParaRPr lang="en-IN" sz="1200" b="0" strike="noStrike" spc="-1">
               <a:latin typeface="Times New Roman"/>
             </a:endParaRPr>
           </a:p>
@@ -7432,6 +8541,7 @@
           <a:bodyPr anchor="ctr">
             <a:noAutofit/>
           </a:bodyPr>
+          <a:lstStyle/>
           <a:p>
             <a:pPr algn="ctr">
               <a:lnSpc>
@@ -7439,15 +8549,15 @@
               </a:lnSpc>
             </a:pPr>
             <a:r>
-              <a:rPr b="1" lang="en-IN" sz="1200" spc="-1" strike="noStrike">
-                <a:solidFill>
-                  <a:srgbClr val="2b5ff3"/>
+              <a:rPr lang="en-IN" sz="1200" b="1" strike="noStrike" spc="-1">
+                <a:solidFill>
+                  <a:srgbClr val="2B5FF3"/>
                 </a:solidFill>
                 <a:latin typeface="Calibri"/>
               </a:rPr>
               <a:t>2021 - 2022</a:t>
             </a:r>
-            <a:endParaRPr b="0" lang="en-IN" sz="1200" spc="-1" strike="noStrike">
+            <a:endParaRPr lang="en-IN" sz="1200" b="0" strike="noStrike" spc="-1">
               <a:latin typeface="Times New Roman"/>
             </a:endParaRPr>
           </a:p>
@@ -7473,9 +8583,15 @@
           </a:ln>
         </p:spPr>
         <p:style>
-          <a:lnRef idx="0"/>
-          <a:fillRef idx="0"/>
-          <a:effectRef idx="0"/>
+          <a:lnRef idx="0">
+            <a:scrgbClr r="0" g="0" b="0"/>
+          </a:lnRef>
+          <a:fillRef idx="0">
+            <a:scrgbClr r="0" g="0" b="0"/>
+          </a:fillRef>
+          <a:effectRef idx="0">
+            <a:scrgbClr r="0" g="0" b="0"/>
+          </a:effectRef>
           <a:fontRef idx="minor"/>
         </p:style>
       </p:sp>
@@ -7502,6 +8618,7 @@
           <a:bodyPr anchor="ctr">
             <a:noAutofit/>
           </a:bodyPr>
+          <a:lstStyle/>
           <a:p>
             <a:pPr algn="r">
               <a:lnSpc>
@@ -7509,15 +8626,15 @@
               </a:lnSpc>
             </a:pPr>
             <a:fld id="{B65F2BED-1F7F-4FDF-9944-3ECAB5F099D4}" type="slidenum">
-              <a:rPr b="1" lang="en-IN" sz="1200" spc="-1" strike="noStrike">
-                <a:solidFill>
-                  <a:srgbClr val="2b5ff3"/>
+              <a:rPr lang="en-IN" sz="1200" b="1" strike="noStrike" spc="-1">
+                <a:solidFill>
+                  <a:srgbClr val="2B5FF3"/>
                 </a:solidFill>
                 <a:latin typeface="Calibri"/>
               </a:rPr>
               <a:t>13</a:t>
             </a:fld>
-            <a:endParaRPr b="0" lang="en-IN" sz="1200" spc="-1" strike="noStrike">
+            <a:endParaRPr lang="en-IN" sz="1200" b="0" strike="noStrike" spc="-1">
               <a:latin typeface="Times New Roman"/>
             </a:endParaRPr>
           </a:p>
@@ -7525,12 +8642,12 @@
       </p:sp>
       <p:pic>
         <p:nvPicPr>
-          <p:cNvPr id="172" name="" descr=""/>
+          <p:cNvPr id="172" name="Picture 171"/>
           <p:cNvPicPr/>
           <p:nvPr/>
         </p:nvPicPr>
         <p:blipFill>
-          <a:blip r:embed="rId1"/>
+          <a:blip r:embed="rId3"/>
           <a:stretch/>
         </p:blipFill>
         <p:spPr>
@@ -7548,12 +8665,12 @@
       </p:pic>
       <p:pic>
         <p:nvPicPr>
-          <p:cNvPr id="173" name="" descr=""/>
+          <p:cNvPr id="173" name="Picture 172"/>
           <p:cNvPicPr/>
           <p:nvPr/>
         </p:nvPicPr>
         <p:blipFill>
-          <a:blip r:embed="rId2"/>
+          <a:blip r:embed="rId4"/>
           <a:stretch/>
         </p:blipFill>
         <p:spPr>
@@ -7571,19 +8688,29 @@
       </p:pic>
     </p:spTree>
   </p:cSld>
-  <mc:AlternateContent>
+  <p:clrMapOvr>
+    <a:masterClrMapping/>
+  </p:clrMapOvr>
+  <mc:AlternateContent xmlns:mc="http://schemas.openxmlformats.org/markup-compatibility/2006" xmlns:p14="http://schemas.microsoft.com/office/powerpoint/2010/main">
     <mc:Choice Requires="p14">
       <p:transition spd="slow" p14:dur="2000"/>
     </mc:Choice>
-    <mc:Fallback>
+    <mc:Fallback xmlns:p15="http://schemas.microsoft.com/office/powerpoint/2012/main" xmlns="">
       <p:transition spd="slow"/>
     </mc:Fallback>
   </mc:AlternateContent>
+  <p:timing>
+    <p:tnLst>
+      <p:par>
+        <p:cTn id="1" dur="indefinite" restart="never" nodeType="tmRoot"/>
+      </p:par>
+    </p:tnLst>
+  </p:timing>
 </p:sld>
 </file>
 
 <file path=ppt/slides/slide14.xml><?xml version="1.0" encoding="utf-8"?>
-<p:sld xmlns:a="http://schemas.openxmlformats.org/drawingml/2006/main" xmlns:p="http://schemas.openxmlformats.org/presentationml/2006/main" xmlns:r="http://schemas.openxmlformats.org/officeDocument/2006/relationships" xmlns:p14="http://schemas.microsoft.com/office/powerpoint/2010/main" xmlns:p15="http://schemas.microsoft.com/office/powerpoint/2012/main" xmlns:mc="http://schemas.openxmlformats.org/markup-compatibility/2006">
+<p:sld xmlns:a="http://schemas.openxmlformats.org/drawingml/2006/main" xmlns:r="http://schemas.openxmlformats.org/officeDocument/2006/relationships" xmlns:p="http://schemas.openxmlformats.org/presentationml/2006/main">
   <p:cSld>
     <p:spTree>
       <p:nvGrpSpPr>
@@ -7622,6 +8749,7 @@
           <a:bodyPr>
             <a:normAutofit/>
           </a:bodyPr>
+          <a:lstStyle/>
           <a:p>
             <a:pPr algn="ctr">
               <a:lnSpc>
@@ -7629,15 +8757,15 @@
               </a:lnSpc>
             </a:pPr>
             <a:r>
-              <a:rPr b="1" lang="en-US" sz="3200" spc="-1" strike="noStrike">
-                <a:solidFill>
-                  <a:srgbClr val="2f5597"/>
+              <a:rPr lang="en-US" sz="3200" b="1" strike="noStrike" spc="-1">
+                <a:solidFill>
+                  <a:srgbClr val="2F5597"/>
                 </a:solidFill>
                 <a:latin typeface="Times New Roman"/>
               </a:rPr>
               <a:t>CONCLUSIONS</a:t>
             </a:r>
-            <a:endParaRPr b="0" lang="en-US" sz="3200" spc="-1" strike="noStrike">
+            <a:endParaRPr lang="en-US" sz="3200" b="0" strike="noStrike" spc="-1">
               <a:solidFill>
                 <a:srgbClr val="000000"/>
               </a:solidFill>
@@ -7669,53 +8797,57 @@
           <a:bodyPr>
             <a:normAutofit/>
           </a:bodyPr>
+          <a:lstStyle/>
           <a:p>
             <a:pPr algn="just">
               <a:lnSpc>
                 <a:spcPct val="150000"/>
               </a:lnSpc>
             </a:pPr>
-            <a:endParaRPr b="0" lang="en" sz="2200" spc="-1" strike="noStrike">
+            <a:endParaRPr lang="en" sz="2200" b="0" strike="noStrike" spc="-1" dirty="0">
               <a:latin typeface="Times New Roman"/>
               <a:ea typeface="Times New Roman"/>
             </a:endParaRPr>
           </a:p>
           <a:p>
-            <a:pPr algn="just">
+            <a:pPr marL="342900" indent="-342900" algn="just">
               <a:lnSpc>
                 <a:spcPct val="150000"/>
               </a:lnSpc>
-            </a:pPr>
-            <a:r>
-              <a:rPr b="0" lang="en" sz="2200" spc="-1" strike="noStrike">
+              <a:buFont typeface="Arial" panose="020B0604020202020204" pitchFamily="34" charset="0"/>
+              <a:buChar char="•"/>
+            </a:pPr>
+            <a:r>
+              <a:rPr lang="en" sz="2200" b="0" strike="noStrike" spc="-1" dirty="0">
                 <a:latin typeface="Times New Roman"/>
               </a:rPr>
               <a:t>We went through several steps, including Natural Language Processing for clustering and classification. The main point to highlight is that Deep Learning is an approach for when you have tons of data available, otherwise most of the times regular/classic ML models would perform better. </a:t>
             </a:r>
-            <a:endParaRPr b="0" lang="en" sz="2200" spc="-1" strike="noStrike">
+            <a:endParaRPr lang="en" sz="2200" spc="-1" dirty="0">
               <a:latin typeface="Times New Roman"/>
-              <a:ea typeface="Times New Roman"/>
-            </a:endParaRPr>
-          </a:p>
-          <a:p>
-            <a:pPr algn="just">
+            </a:endParaRPr>
+          </a:p>
+          <a:p>
+            <a:pPr marL="342900" indent="-342900" algn="just">
               <a:lnSpc>
                 <a:spcPct val="150000"/>
               </a:lnSpc>
-            </a:pPr>
-            <a:r>
-              <a:rPr b="0" lang="en" sz="2200" spc="-1" strike="noStrike">
+              <a:buFont typeface="Arial" panose="020B0604020202020204" pitchFamily="34" charset="0"/>
+              <a:buChar char="•"/>
+            </a:pPr>
+            <a:r>
+              <a:rPr lang="en" sz="2200" b="0" strike="noStrike" spc="-1" dirty="0" smtClean="0">
                 <a:latin typeface="Times New Roman"/>
               </a:rPr>
-              <a:t>      </a:t>
-            </a:r>
-            <a:r>
-              <a:rPr b="0" lang="en" sz="2200" spc="-1" strike="noStrike">
+              <a:t> </a:t>
+            </a:r>
+            <a:r>
+              <a:rPr lang="en" sz="2200" b="0" strike="noStrike" spc="-1" dirty="0">
                 <a:latin typeface="Times New Roman"/>
               </a:rPr>
               <a:t>As it is showcased from the project, Deep Learning this time delivered an acceptable score, but for any other task such as in medical field, definitely you will need to get more data to increase the recall score. </a:t>
             </a:r>
-            <a:endParaRPr b="0" lang="en" sz="2200" spc="-1" strike="noStrike">
+            <a:endParaRPr lang="en" sz="2200" b="0" strike="noStrike" spc="-1" dirty="0">
               <a:latin typeface="Times New Roman"/>
               <a:ea typeface="Times New Roman"/>
             </a:endParaRPr>
@@ -7745,6 +8877,7 @@
           <a:bodyPr anchor="ctr">
             <a:noAutofit/>
           </a:bodyPr>
+          <a:lstStyle/>
           <a:p>
             <a:pPr>
               <a:lnSpc>
@@ -7752,15 +8885,15 @@
               </a:lnSpc>
             </a:pPr>
             <a:r>
-              <a:rPr b="1" lang="en-IN" sz="1200" spc="-1" strike="noStrike">
-                <a:solidFill>
-                  <a:srgbClr val="2b5ff3"/>
+              <a:rPr lang="en-IN" sz="1200" b="1" strike="noStrike" spc="-1">
+                <a:solidFill>
+                  <a:srgbClr val="2B5FF3"/>
                 </a:solidFill>
                 <a:latin typeface="Calibri"/>
               </a:rPr>
               <a:t>VIII Semester, Department of ISE, RNSIT</a:t>
             </a:r>
-            <a:endParaRPr b="0" lang="en-IN" sz="1200" spc="-1" strike="noStrike">
+            <a:endParaRPr lang="en-IN" sz="1200" b="0" strike="noStrike" spc="-1">
               <a:latin typeface="Times New Roman"/>
             </a:endParaRPr>
           </a:p>
@@ -7789,6 +8922,7 @@
           <a:bodyPr anchor="ctr">
             <a:noAutofit/>
           </a:bodyPr>
+          <a:lstStyle/>
           <a:p>
             <a:pPr algn="ctr">
               <a:lnSpc>
@@ -7796,15 +8930,15 @@
               </a:lnSpc>
             </a:pPr>
             <a:r>
-              <a:rPr b="1" lang="en-IN" sz="1200" spc="-1" strike="noStrike">
-                <a:solidFill>
-                  <a:srgbClr val="2b5ff3"/>
+              <a:rPr lang="en-IN" sz="1200" b="1" strike="noStrike" spc="-1">
+                <a:solidFill>
+                  <a:srgbClr val="2B5FF3"/>
                 </a:solidFill>
                 <a:latin typeface="Calibri"/>
               </a:rPr>
               <a:t>2021 - 2022</a:t>
             </a:r>
-            <a:endParaRPr b="0" lang="en-IN" sz="1200" spc="-1" strike="noStrike">
+            <a:endParaRPr lang="en-IN" sz="1200" b="0" strike="noStrike" spc="-1">
               <a:latin typeface="Times New Roman"/>
             </a:endParaRPr>
           </a:p>
@@ -7833,6 +8967,7 @@
           <a:bodyPr anchor="ctr">
             <a:noAutofit/>
           </a:bodyPr>
+          <a:lstStyle/>
           <a:p>
             <a:pPr algn="r">
               <a:lnSpc>
@@ -7840,15 +8975,15 @@
               </a:lnSpc>
             </a:pPr>
             <a:fld id="{6ED5A64D-3356-4E2A-AFEC-BB16DED98232}" type="slidenum">
-              <a:rPr b="1" lang="en-IN" sz="1200" spc="-1" strike="noStrike">
-                <a:solidFill>
-                  <a:srgbClr val="2b5ff3"/>
+              <a:rPr lang="en-IN" sz="1200" b="1" strike="noStrike" spc="-1">
+                <a:solidFill>
+                  <a:srgbClr val="2B5FF3"/>
                 </a:solidFill>
                 <a:latin typeface="Calibri"/>
               </a:rPr>
               <a:t>14</a:t>
             </a:fld>
-            <a:endParaRPr b="0" lang="en-IN" sz="1200" spc="-1" strike="noStrike">
+            <a:endParaRPr lang="en-IN" sz="1200" b="0" strike="noStrike" spc="-1">
               <a:latin typeface="Times New Roman"/>
             </a:endParaRPr>
           </a:p>
@@ -7856,19 +8991,29 @@
       </p:sp>
     </p:spTree>
   </p:cSld>
-  <mc:AlternateContent>
+  <p:clrMapOvr>
+    <a:masterClrMapping/>
+  </p:clrMapOvr>
+  <mc:AlternateContent xmlns:mc="http://schemas.openxmlformats.org/markup-compatibility/2006" xmlns:p14="http://schemas.microsoft.com/office/powerpoint/2010/main">
     <mc:Choice Requires="p14">
       <p:transition spd="slow" p14:dur="2000"/>
     </mc:Choice>
-    <mc:Fallback>
+    <mc:Fallback xmlns:p15="http://schemas.microsoft.com/office/powerpoint/2012/main" xmlns="">
       <p:transition spd="slow"/>
     </mc:Fallback>
   </mc:AlternateContent>
+  <p:timing>
+    <p:tnLst>
+      <p:par>
+        <p:cTn id="1" dur="indefinite" restart="never" nodeType="tmRoot"/>
+      </p:par>
+    </p:tnLst>
+  </p:timing>
 </p:sld>
 </file>
 
 <file path=ppt/slides/slide15.xml><?xml version="1.0" encoding="utf-8"?>
-<p:sld xmlns:a="http://schemas.openxmlformats.org/drawingml/2006/main" xmlns:p="http://schemas.openxmlformats.org/presentationml/2006/main" xmlns:r="http://schemas.openxmlformats.org/officeDocument/2006/relationships" xmlns:p14="http://schemas.microsoft.com/office/powerpoint/2010/main" xmlns:p15="http://schemas.microsoft.com/office/powerpoint/2012/main" xmlns:mc="http://schemas.openxmlformats.org/markup-compatibility/2006">
+<p:sld xmlns:a="http://schemas.openxmlformats.org/drawingml/2006/main" xmlns:r="http://schemas.openxmlformats.org/officeDocument/2006/relationships" xmlns:p="http://schemas.openxmlformats.org/presentationml/2006/main">
   <p:cSld>
     <p:spTree>
       <p:nvGrpSpPr>
@@ -7907,6 +9052,7 @@
           <a:bodyPr>
             <a:normAutofit/>
           </a:bodyPr>
+          <a:lstStyle/>
           <a:p>
             <a:pPr algn="ctr">
               <a:lnSpc>
@@ -7914,15 +9060,15 @@
               </a:lnSpc>
             </a:pPr>
             <a:r>
-              <a:rPr b="1" lang="en-US" sz="3200" spc="-1" strike="noStrike">
-                <a:solidFill>
-                  <a:srgbClr val="2f5597"/>
+              <a:rPr lang="en-US" sz="3200" b="1" strike="noStrike" spc="-1">
+                <a:solidFill>
+                  <a:srgbClr val="2F5597"/>
                 </a:solidFill>
                 <a:latin typeface="Times New Roman"/>
               </a:rPr>
               <a:t>Future Enhancements</a:t>
             </a:r>
-            <a:endParaRPr b="0" lang="en-US" sz="3200" spc="-1" strike="noStrike">
+            <a:endParaRPr lang="en-US" sz="3200" b="0" strike="noStrike" spc="-1">
               <a:solidFill>
                 <a:srgbClr val="000000"/>
               </a:solidFill>
@@ -7954,6 +9100,7 @@
           <a:bodyPr>
             <a:normAutofit/>
           </a:bodyPr>
+          <a:lstStyle/>
           <a:p>
             <a:pPr marL="228600" indent="-228240" algn="just">
               <a:lnSpc>
@@ -7968,7 +9115,7 @@
               <a:buFont typeface="Arial"/>
               <a:buChar char="•"/>
             </a:pPr>
-            <a:endParaRPr b="0" lang="en-US" sz="2800" spc="-1" strike="noStrike">
+            <a:endParaRPr lang="en-US" sz="2800" b="0" strike="noStrike" spc="-1">
               <a:solidFill>
                 <a:srgbClr val="000000"/>
               </a:solidFill>
@@ -7990,7 +9137,7 @@
               <a:buChar char="•"/>
             </a:pPr>
             <a:r>
-              <a:rPr b="0" lang="en-US" sz="2800" spc="-1" strike="noStrike">
+              <a:rPr lang="en-US" sz="2800" b="0" strike="noStrike" spc="-1">
                 <a:solidFill>
                   <a:srgbClr val="000000"/>
                 </a:solidFill>
@@ -7998,12 +9145,6 @@
               </a:rPr>
               <a:t>Make use of Tweepy an open source tool used to scrap data from Twitter without using it’s API.</a:t>
             </a:r>
-            <a:endParaRPr b="0" lang="en-US" sz="2800" spc="-1" strike="noStrike">
-              <a:solidFill>
-                <a:srgbClr val="000000"/>
-              </a:solidFill>
-              <a:latin typeface="Times New Roman"/>
-            </a:endParaRPr>
           </a:p>
           <a:p>
             <a:pPr marL="228600" indent="-228240" algn="just">
@@ -8020,7 +9161,7 @@
               <a:buChar char="•"/>
             </a:pPr>
             <a:r>
-              <a:rPr b="0" lang="en-US" sz="2800" spc="-1" strike="noStrike">
+              <a:rPr lang="en-US" sz="2800" b="0" strike="noStrike" spc="-1">
                 <a:solidFill>
                   <a:srgbClr val="000000"/>
                 </a:solidFill>
@@ -8028,12 +9169,6 @@
               </a:rPr>
               <a:t>Make a Twitter Bot to autonomously reply to depressive tweets to find them get some helpline.</a:t>
             </a:r>
-            <a:endParaRPr b="0" lang="en-US" sz="2800" spc="-1" strike="noStrike">
-              <a:solidFill>
-                <a:srgbClr val="000000"/>
-              </a:solidFill>
-              <a:latin typeface="Times New Roman"/>
-            </a:endParaRPr>
           </a:p>
           <a:p>
             <a:pPr marL="228600" indent="-228240" algn="just">
@@ -8050,7 +9185,7 @@
               <a:buChar char="•"/>
             </a:pPr>
             <a:r>
-              <a:rPr b="0" lang="en-US" sz="2800" spc="-1" strike="noStrike">
+              <a:rPr lang="en-US" sz="2800" b="0" strike="noStrike" spc="-1">
                 <a:solidFill>
                   <a:srgbClr val="000000"/>
                 </a:solidFill>
@@ -8058,12 +9193,6 @@
               </a:rPr>
               <a:t>Make it applicable to variety of different social media apps in general such as facebook, instagram, reddit.</a:t>
             </a:r>
-            <a:endParaRPr b="0" lang="en-US" sz="2800" spc="-1" strike="noStrike">
-              <a:solidFill>
-                <a:srgbClr val="000000"/>
-              </a:solidFill>
-              <a:latin typeface="Times New Roman"/>
-            </a:endParaRPr>
           </a:p>
           <a:p>
             <a:pPr marL="228600" indent="-228240" algn="just">
@@ -8080,7 +9209,7 @@
               <a:buChar char="•"/>
             </a:pPr>
             <a:r>
-              <a:rPr b="0" lang="en" sz="2800" spc="-1" strike="noStrike">
+              <a:rPr lang="en" sz="2800" b="0" strike="noStrike" spc="-1">
                 <a:solidFill>
                   <a:srgbClr val="000000"/>
                 </a:solidFill>
@@ -8089,7 +9218,7 @@
               </a:rPr>
               <a:t>We can enhance this project which may take videos and images as the data-set.</a:t>
             </a:r>
-            <a:endParaRPr b="0" lang="en-US" sz="2800" spc="-1" strike="noStrike">
+            <a:endParaRPr lang="en-US" sz="2800" b="0" strike="noStrike" spc="-1">
               <a:solidFill>
                 <a:srgbClr val="000000"/>
               </a:solidFill>
@@ -8121,6 +9250,7 @@
           <a:bodyPr anchor="ctr">
             <a:noAutofit/>
           </a:bodyPr>
+          <a:lstStyle/>
           <a:p>
             <a:pPr>
               <a:lnSpc>
@@ -8128,15 +9258,15 @@
               </a:lnSpc>
             </a:pPr>
             <a:r>
-              <a:rPr b="1" lang="en-IN" sz="1200" spc="-1" strike="noStrike">
-                <a:solidFill>
-                  <a:srgbClr val="2b5ff3"/>
+              <a:rPr lang="en-IN" sz="1200" b="1" strike="noStrike" spc="-1">
+                <a:solidFill>
+                  <a:srgbClr val="2B5FF3"/>
                 </a:solidFill>
                 <a:latin typeface="Calibri"/>
               </a:rPr>
               <a:t>VIII Semester, Department of ISE, RNSIT</a:t>
             </a:r>
-            <a:endParaRPr b="0" lang="en-IN" sz="1200" spc="-1" strike="noStrike">
+            <a:endParaRPr lang="en-IN" sz="1200" b="0" strike="noStrike" spc="-1">
               <a:latin typeface="Times New Roman"/>
             </a:endParaRPr>
           </a:p>
@@ -8165,6 +9295,7 @@
           <a:bodyPr anchor="ctr">
             <a:noAutofit/>
           </a:bodyPr>
+          <a:lstStyle/>
           <a:p>
             <a:pPr algn="ctr">
               <a:lnSpc>
@@ -8172,15 +9303,15 @@
               </a:lnSpc>
             </a:pPr>
             <a:r>
-              <a:rPr b="1" lang="en-IN" sz="1200" spc="-1" strike="noStrike">
-                <a:solidFill>
-                  <a:srgbClr val="2b5ff3"/>
+              <a:rPr lang="en-IN" sz="1200" b="1" strike="noStrike" spc="-1">
+                <a:solidFill>
+                  <a:srgbClr val="2B5FF3"/>
                 </a:solidFill>
                 <a:latin typeface="Calibri"/>
               </a:rPr>
               <a:t>2021 - 2022</a:t>
             </a:r>
-            <a:endParaRPr b="0" lang="en-IN" sz="1200" spc="-1" strike="noStrike">
+            <a:endParaRPr lang="en-IN" sz="1200" b="0" strike="noStrike" spc="-1">
               <a:latin typeface="Times New Roman"/>
             </a:endParaRPr>
           </a:p>
@@ -8209,6 +9340,7 @@
           <a:bodyPr anchor="ctr">
             <a:noAutofit/>
           </a:bodyPr>
+          <a:lstStyle/>
           <a:p>
             <a:pPr algn="r">
               <a:lnSpc>
@@ -8216,15 +9348,15 @@
               </a:lnSpc>
             </a:pPr>
             <a:fld id="{FADF35E3-4176-4728-806B-3D15B71C193E}" type="slidenum">
-              <a:rPr b="1" lang="en-IN" sz="1200" spc="-1" strike="noStrike">
-                <a:solidFill>
-                  <a:srgbClr val="2b5ff3"/>
+              <a:rPr lang="en-IN" sz="1200" b="1" strike="noStrike" spc="-1">
+                <a:solidFill>
+                  <a:srgbClr val="2B5FF3"/>
                 </a:solidFill>
                 <a:latin typeface="Calibri"/>
               </a:rPr>
               <a:t>15</a:t>
             </a:fld>
-            <a:endParaRPr b="0" lang="en-IN" sz="1200" spc="-1" strike="noStrike">
+            <a:endParaRPr lang="en-IN" sz="1200" b="0" strike="noStrike" spc="-1">
               <a:latin typeface="Times New Roman"/>
             </a:endParaRPr>
           </a:p>
@@ -8232,19 +9364,29 @@
       </p:sp>
     </p:spTree>
   </p:cSld>
-  <mc:AlternateContent>
+  <p:clrMapOvr>
+    <a:masterClrMapping/>
+  </p:clrMapOvr>
+  <mc:AlternateContent xmlns:mc="http://schemas.openxmlformats.org/markup-compatibility/2006" xmlns:p14="http://schemas.microsoft.com/office/powerpoint/2010/main">
     <mc:Choice Requires="p14">
       <p:transition spd="slow" p14:dur="2000"/>
     </mc:Choice>
-    <mc:Fallback>
+    <mc:Fallback xmlns:p15="http://schemas.microsoft.com/office/powerpoint/2012/main" xmlns="">
       <p:transition spd="slow"/>
     </mc:Fallback>
   </mc:AlternateContent>
+  <p:timing>
+    <p:tnLst>
+      <p:par>
+        <p:cTn id="1" dur="indefinite" restart="never" nodeType="tmRoot"/>
+      </p:par>
+    </p:tnLst>
+  </p:timing>
 </p:sld>
 </file>
 
 <file path=ppt/slides/slide16.xml><?xml version="1.0" encoding="utf-8"?>
-<p:sld xmlns:a="http://schemas.openxmlformats.org/drawingml/2006/main" xmlns:p="http://schemas.openxmlformats.org/presentationml/2006/main" xmlns:r="http://schemas.openxmlformats.org/officeDocument/2006/relationships" xmlns:p14="http://schemas.microsoft.com/office/powerpoint/2010/main" xmlns:p15="http://schemas.microsoft.com/office/powerpoint/2012/main" xmlns:mc="http://schemas.openxmlformats.org/markup-compatibility/2006">
+<p:sld xmlns:a="http://schemas.openxmlformats.org/drawingml/2006/main" xmlns:r="http://schemas.openxmlformats.org/officeDocument/2006/relationships" xmlns:p="http://schemas.openxmlformats.org/presentationml/2006/main">
   <p:cSld>
     <p:spTree>
       <p:nvGrpSpPr>
@@ -8283,6 +9425,7 @@
           <a:bodyPr>
             <a:normAutofit/>
           </a:bodyPr>
+          <a:lstStyle/>
           <a:p>
             <a:pPr marL="228600" indent="-228240" algn="ctr">
               <a:lnSpc>
@@ -8293,15 +9436,15 @@
               </a:spcBef>
             </a:pPr>
             <a:r>
-              <a:rPr b="1" lang="en-US" sz="3200" spc="-1" strike="noStrike">
-                <a:solidFill>
-                  <a:srgbClr val="2f5597"/>
+              <a:rPr lang="en-US" sz="3200" b="1" strike="noStrike" spc="-1">
+                <a:solidFill>
+                  <a:srgbClr val="2F5597"/>
                 </a:solidFill>
                 <a:latin typeface="Times New Roman"/>
               </a:rPr>
               <a:t>REFERENCES</a:t>
             </a:r>
-            <a:endParaRPr b="0" lang="en-US" sz="3200" spc="-1" strike="noStrike">
+            <a:endParaRPr lang="en-US" sz="3200" b="0" strike="noStrike" spc="-1">
               <a:solidFill>
                 <a:srgbClr val="000000"/>
               </a:solidFill>
@@ -8318,7 +9461,7 @@
               </a:spcBef>
             </a:pPr>
             <a:r>
-              <a:rPr b="0" lang="en-US" sz="1800" spc="-1" strike="noStrike">
+              <a:rPr lang="en-US" sz="1800" b="0" strike="noStrike" spc="-1">
                 <a:solidFill>
                   <a:srgbClr val="404040"/>
                 </a:solidFill>
@@ -8326,7 +9469,7 @@
               </a:rPr>
               <a:t> </a:t>
             </a:r>
-            <a:endParaRPr b="0" lang="en-US" sz="1800" spc="-1" strike="noStrike">
+            <a:endParaRPr lang="en-US" sz="1800" b="0" strike="noStrike" spc="-1">
               <a:solidFill>
                 <a:srgbClr val="000000"/>
               </a:solidFill>
@@ -8343,7 +9486,7 @@
               </a:spcBef>
             </a:pPr>
             <a:r>
-              <a:rPr b="0" lang="en-US" sz="2000" spc="-1" strike="noStrike">
+              <a:rPr lang="en-US" sz="2000" b="0" strike="noStrike" spc="-1">
                 <a:solidFill>
                   <a:srgbClr val="000000"/>
                 </a:solidFill>
@@ -8353,7 +9496,7 @@
               <a:t>L</a:t>
             </a:r>
             <a:r>
-              <a:rPr b="0" lang="en-US" sz="1600" spc="-1" strike="noStrike">
+              <a:rPr lang="en-US" sz="1600" b="0" strike="noStrike" spc="-1">
                 <a:solidFill>
                   <a:srgbClr val="000000"/>
                 </a:solidFill>
@@ -8362,7 +9505,7 @@
               </a:rPr>
               <a:t>inks:</a:t>
             </a:r>
-            <a:endParaRPr b="0" lang="en-US" sz="1600" spc="-1" strike="noStrike">
+            <a:endParaRPr lang="en-US" sz="1600" b="0" strike="noStrike" spc="-1">
               <a:solidFill>
                 <a:srgbClr val="000000"/>
               </a:solidFill>
@@ -8379,42 +9522,24 @@
               </a:spcBef>
             </a:pPr>
             <a:r>
-              <a:rPr b="0" lang="en-US" sz="2000" spc="-1" strike="noStrike">
+              <a:rPr lang="en-US" sz="2000" b="0" strike="noStrike" spc="-1">
                 <a:solidFill>
                   <a:srgbClr val="000000"/>
                 </a:solidFill>
                 <a:latin typeface="Times New Roman"/>
               </a:rPr>
-              <a:t> </a:t>
-            </a:r>
-            <a:r>
-              <a:rPr b="0" lang="en-US" sz="2000" spc="-1" strike="noStrike">
+              <a:t>   1)</a:t>
+            </a:r>
+            <a:r>
+              <a:rPr lang="en-US" sz="1800" b="0" strike="noStrike" spc="-1">
                 <a:solidFill>
                   <a:srgbClr val="000000"/>
                 </a:solidFill>
                 <a:latin typeface="Times New Roman"/>
               </a:rPr>
-              <a:t>  </a:t>
-            </a:r>
-            <a:r>
-              <a:rPr b="0" lang="en-US" sz="2000" spc="-1" strike="noStrike">
-                <a:solidFill>
-                  <a:srgbClr val="000000"/>
-                </a:solidFill>
-                <a:latin typeface="Times New Roman"/>
-              </a:rPr>
-              <a:t>1)</a:t>
-            </a:r>
-            <a:r>
-              <a:rPr b="0" lang="en-US" sz="1800" spc="-1" strike="noStrike">
-                <a:solidFill>
-                  <a:srgbClr val="000000"/>
-                </a:solidFill>
-                <a:latin typeface="Times New Roman"/>
-              </a:rPr>
               <a:t>https://www.kaggle.com/sergiovirahonda/depression-and-anxiety-comments</a:t>
             </a:r>
-            <a:endParaRPr b="0" lang="en-US" sz="1800" spc="-1" strike="noStrike">
+            <a:endParaRPr lang="en-US" sz="1800" b="0" strike="noStrike" spc="-1">
               <a:solidFill>
                 <a:srgbClr val="000000"/>
               </a:solidFill>
@@ -8431,7 +9556,7 @@
               </a:spcBef>
             </a:pPr>
             <a:r>
-              <a:rPr b="0" lang="en-US" sz="1800" spc="-1" strike="noStrike">
+              <a:rPr lang="en-US" sz="1800" b="0" strike="noStrike" spc="-1">
                 <a:solidFill>
                   <a:srgbClr val="000000"/>
                 </a:solidFill>
@@ -8440,16 +9565,16 @@
               <a:t>2)</a:t>
             </a:r>
             <a:r>
-              <a:rPr b="0" lang="en-US" sz="1800" spc="-1" strike="noStrike">
+              <a:rPr lang="en-US" sz="1800" b="0" strike="noStrike" spc="-1">
                 <a:solidFill>
                   <a:srgbClr val="000000"/>
                 </a:solidFill>
                 <a:latin typeface="Times New Roman"/>
-                <a:hlinkClick r:id="rId1"/>
+                <a:hlinkClick r:id="rId2"/>
               </a:rPr>
               <a:t>https://www.kaggle.com/sergiovirahonda/depression-anxiety-tweets</a:t>
             </a:r>
-            <a:endParaRPr b="1" lang="en-US" sz="1800" spc="-1" strike="noStrike" u="sng">
+            <a:endParaRPr lang="en-US" sz="1800" b="1" u="sng" strike="noStrike" spc="-1">
               <a:solidFill>
                 <a:srgbClr val="000000"/>
               </a:solidFill>
@@ -8467,7 +9592,7 @@
               </a:spcBef>
             </a:pPr>
             <a:r>
-              <a:rPr b="0" lang="en-US" sz="1800" spc="-1" strike="noStrike">
+              <a:rPr lang="en-US" sz="1800" b="0" strike="noStrike" spc="-1">
                 <a:solidFill>
                   <a:srgbClr val="000000"/>
                 </a:solidFill>
@@ -8475,7 +9600,7 @@
               </a:rPr>
               <a:t>3)https://link.springer.com/article/10.1007/s13755-018-0046-0</a:t>
             </a:r>
-            <a:endParaRPr b="1" lang="en-US" sz="1800" spc="-1" strike="noStrike" u="sng">
+            <a:endParaRPr lang="en-US" sz="1800" b="1" u="sng" strike="noStrike" spc="-1">
               <a:solidFill>
                 <a:srgbClr val="000000"/>
               </a:solidFill>
@@ -8493,7 +9618,7 @@
               </a:spcBef>
             </a:pPr>
             <a:r>
-              <a:rPr b="0" lang="en-US" sz="1800" spc="-1" strike="noStrike">
+              <a:rPr lang="en-US" sz="1800" b="0" strike="noStrike" spc="-1">
                 <a:solidFill>
                   <a:srgbClr val="000000"/>
                 </a:solidFill>
@@ -8501,7 +9626,7 @@
               </a:rPr>
               <a:t>4)https://en.wikipedia.org/wiki/Recurrent_neural_network</a:t>
             </a:r>
-            <a:endParaRPr b="1" lang="en-US" sz="1800" spc="-1" strike="noStrike" u="sng">
+            <a:endParaRPr lang="en-US" sz="1800" b="1" u="sng" strike="noStrike" spc="-1">
               <a:solidFill>
                 <a:srgbClr val="000000"/>
               </a:solidFill>
@@ -8519,7 +9644,7 @@
               </a:spcBef>
             </a:pPr>
             <a:r>
-              <a:rPr b="0" lang="en-US" sz="1800" spc="-1" strike="noStrike">
+              <a:rPr lang="en-US" sz="1800" b="0" strike="noStrike" spc="-1">
                 <a:solidFill>
                   <a:srgbClr val="000000"/>
                 </a:solidFill>
@@ -8528,16 +9653,16 @@
               <a:t>5)</a:t>
             </a:r>
             <a:r>
-              <a:rPr b="0" lang="en-US" sz="1800" spc="-1" strike="noStrike">
+              <a:rPr lang="en-US" sz="1800" b="0" strike="noStrike" spc="-1">
                 <a:solidFill>
                   <a:srgbClr val="000000"/>
                 </a:solidFill>
                 <a:latin typeface="Times New Roman"/>
-                <a:hlinkClick r:id="rId2"/>
+                <a:hlinkClick r:id="rId3"/>
               </a:rPr>
               <a:t>https://en.wikipedia.org/wiki/Long_short-term_memory</a:t>
             </a:r>
-            <a:endParaRPr b="1" lang="en-US" sz="1800" spc="-1" strike="noStrike" u="sng">
+            <a:endParaRPr lang="en-US" sz="1800" b="1" u="sng" strike="noStrike" spc="-1">
               <a:solidFill>
                 <a:srgbClr val="000000"/>
               </a:solidFill>
@@ -8555,7 +9680,7 @@
               </a:spcBef>
             </a:pPr>
             <a:r>
-              <a:rPr b="0" lang="en-US" sz="1800" spc="-1" strike="noStrike">
+              <a:rPr lang="en-US" sz="1800" b="0" strike="noStrike" spc="-1">
                 <a:solidFill>
                   <a:srgbClr val="000000"/>
                 </a:solidFill>
@@ -8563,7 +9688,7 @@
               </a:rPr>
               <a:t>Books:</a:t>
             </a:r>
-            <a:endParaRPr b="0" lang="en-US" sz="1800" spc="-1" strike="noStrike">
+            <a:endParaRPr lang="en-US" sz="1800" b="0" strike="noStrike" spc="-1">
               <a:solidFill>
                 <a:srgbClr val="000000"/>
               </a:solidFill>
@@ -8580,7 +9705,7 @@
               </a:spcBef>
             </a:pPr>
             <a:r>
-              <a:rPr b="0" lang="en-US" sz="1800" spc="-1" strike="noStrike">
+              <a:rPr lang="en-US" sz="1800" b="0" strike="noStrike" spc="-1">
                 <a:solidFill>
                   <a:srgbClr val="000000"/>
                 </a:solidFill>
@@ -8589,25 +9714,16 @@
               <a:t>   </a:t>
             </a:r>
             <a:r>
-              <a:rPr b="0" lang="en-US" sz="1500" spc="-1" strike="noStrike">
+              <a:rPr lang="en-US" sz="1500" b="0" strike="noStrike" spc="-1">
                 <a:solidFill>
                   <a:srgbClr val="000000"/>
                 </a:solidFill>
                 <a:latin typeface="Times New Roman"/>
               </a:rPr>
-              <a:t> </a:t>
-            </a:r>
-            <a:r>
-              <a:rPr b="0" lang="en-US" sz="1500" spc="-1" strike="noStrike">
-                <a:solidFill>
-                  <a:srgbClr val="000000"/>
-                </a:solidFill>
-                <a:latin typeface="Times New Roman"/>
-              </a:rPr>
-              <a:t>1)</a:t>
-            </a:r>
-            <a:r>
-              <a:rPr b="0" lang="en-US" sz="1500" spc="-1" strike="noStrike">
+              <a:t> 1)</a:t>
+            </a:r>
+            <a:r>
+              <a:rPr lang="en-US" sz="1500" b="0" strike="noStrike" spc="-1">
                 <a:solidFill>
                   <a:srgbClr val="000000"/>
                 </a:solidFill>
@@ -8616,7 +9732,7 @@
               </a:rPr>
               <a:t>Introduction to Machine Learning with Python: A Guide for Data Scientists, by Sarah Guido &amp; Andreas C. Mueller.</a:t>
             </a:r>
-            <a:endParaRPr b="0" lang="en-US" sz="1500" spc="-1" strike="noStrike">
+            <a:endParaRPr lang="en-US" sz="1500" b="0" strike="noStrike" spc="-1">
               <a:solidFill>
                 <a:srgbClr val="000000"/>
               </a:solidFill>
@@ -8633,26 +9749,16 @@
               </a:spcBef>
             </a:pPr>
             <a:r>
-              <a:rPr b="0" lang="en-US" sz="1500" spc="-1" strike="noStrike">
+              <a:rPr lang="en-US" sz="1500" b="0" strike="noStrike" spc="-1">
                 <a:solidFill>
                   <a:srgbClr val="000000"/>
                 </a:solidFill>
                 <a:latin typeface="Times New Roman"/>
                 <a:ea typeface="Times New Roman"/>
               </a:rPr>
-              <a:t>     </a:t>
-            </a:r>
-            <a:r>
-              <a:rPr b="0" lang="en-US" sz="1500" spc="-1" strike="noStrike">
-                <a:solidFill>
-                  <a:srgbClr val="000000"/>
-                </a:solidFill>
-                <a:latin typeface="Times New Roman"/>
-                <a:ea typeface="Times New Roman"/>
-              </a:rPr>
-              <a:t>2)Hands-on Machine Learning with Scikit-Learn, Keras, and TensorFlow: Concepts.</a:t>
-            </a:r>
-            <a:endParaRPr b="0" lang="en-US" sz="1500" spc="-1" strike="noStrike">
+              <a:t>     2)Hands-on Machine Learning with Scikit-Learn, Keras, and TensorFlow: Concepts.</a:t>
+            </a:r>
+            <a:endParaRPr lang="en-US" sz="1500" b="0" strike="noStrike" spc="-1">
               <a:solidFill>
                 <a:srgbClr val="000000"/>
               </a:solidFill>
@@ -8669,27 +9775,18 @@
               </a:spcBef>
             </a:pPr>
             <a:r>
-              <a:rPr b="0" lang="en-US" sz="1500" spc="-1" strike="noStrike">
+              <a:rPr lang="en-US" sz="1500" b="0" strike="noStrike" spc="-1">
                 <a:solidFill>
                   <a:srgbClr val="000000"/>
                 </a:solidFill>
                 <a:latin typeface="Times New Roman"/>
               </a:rPr>
-              <a:t>     </a:t>
-            </a:r>
-            <a:r>
-              <a:rPr b="0" lang="en-US" sz="1500" spc="-1" strike="noStrike">
-                <a:solidFill>
-                  <a:srgbClr val="000000"/>
-                </a:solidFill>
-                <a:latin typeface="Times New Roman"/>
-              </a:rPr>
-              <a:t>3)</a:t>
-            </a:r>
-            <a:r>
-              <a:rPr b="0" lang="en-US" sz="1400" spc="-1" strike="noStrike">
-                <a:solidFill>
-                  <a:srgbClr val="17171c"/>
+              <a:t>     3)</a:t>
+            </a:r>
+            <a:r>
+              <a:rPr lang="en-US" sz="1400" b="0" strike="noStrike" spc="-1">
+                <a:solidFill>
+                  <a:srgbClr val="17171C"/>
                 </a:solidFill>
                 <a:latin typeface="Times New Roman"/>
                 <a:ea typeface="Times New Roman"/>
@@ -8697,7 +9794,7 @@
               <a:t>Mathematics for Machine Learning</a:t>
             </a:r>
             <a:r>
-              <a:rPr b="1" lang="en-US" sz="1400" spc="-1" strike="noStrike">
+              <a:rPr lang="en-US" sz="1400" b="1" strike="noStrike" spc="-1">
                 <a:solidFill>
                   <a:srgbClr val="000000"/>
                 </a:solidFill>
@@ -8707,16 +9804,16 @@
               <a:t>, </a:t>
             </a:r>
             <a:r>
-              <a:rPr b="0" lang="en-US" sz="1400" spc="-1" strike="noStrike">
-                <a:solidFill>
-                  <a:srgbClr val="17171c"/>
+              <a:rPr lang="en-US" sz="1400" b="0" strike="noStrike" spc="-1">
+                <a:solidFill>
+                  <a:srgbClr val="17171C"/>
                 </a:solidFill>
                 <a:latin typeface="Times New Roman"/>
                 <a:ea typeface="Times New Roman"/>
               </a:rPr>
               <a:t>by Marc Peter Deisenroth.</a:t>
             </a:r>
-            <a:endParaRPr b="0" lang="en-US" sz="1400" spc="-1" strike="noStrike">
+            <a:endParaRPr lang="en-US" sz="1400" b="0" strike="noStrike" spc="-1">
               <a:solidFill>
                 <a:srgbClr val="000000"/>
               </a:solidFill>
@@ -8748,6 +9845,7 @@
           <a:bodyPr anchor="ctr">
             <a:noAutofit/>
           </a:bodyPr>
+          <a:lstStyle/>
           <a:p>
             <a:pPr>
               <a:lnSpc>
@@ -8755,15 +9853,15 @@
               </a:lnSpc>
             </a:pPr>
             <a:r>
-              <a:rPr b="1" lang="en-IN" sz="1200" spc="-1" strike="noStrike">
-                <a:solidFill>
-                  <a:srgbClr val="2b5ff3"/>
+              <a:rPr lang="en-IN" sz="1200" b="1" strike="noStrike" spc="-1">
+                <a:solidFill>
+                  <a:srgbClr val="2B5FF3"/>
                 </a:solidFill>
                 <a:latin typeface="Calibri"/>
               </a:rPr>
               <a:t>VIII Semester, Department of ISE, RNSIT</a:t>
             </a:r>
-            <a:endParaRPr b="0" lang="en-IN" sz="1200" spc="-1" strike="noStrike">
+            <a:endParaRPr lang="en-IN" sz="1200" b="0" strike="noStrike" spc="-1">
               <a:latin typeface="Times New Roman"/>
             </a:endParaRPr>
           </a:p>
@@ -8792,6 +9890,7 @@
           <a:bodyPr anchor="ctr">
             <a:noAutofit/>
           </a:bodyPr>
+          <a:lstStyle/>
           <a:p>
             <a:pPr algn="ctr">
               <a:lnSpc>
@@ -8799,15 +9898,15 @@
               </a:lnSpc>
             </a:pPr>
             <a:r>
-              <a:rPr b="1" lang="en-IN" sz="1200" spc="-1" strike="noStrike">
-                <a:solidFill>
-                  <a:srgbClr val="2b5ff3"/>
+              <a:rPr lang="en-IN" sz="1200" b="1" strike="noStrike" spc="-1">
+                <a:solidFill>
+                  <a:srgbClr val="2B5FF3"/>
                 </a:solidFill>
                 <a:latin typeface="Calibri"/>
               </a:rPr>
               <a:t>2021 - 2022</a:t>
             </a:r>
-            <a:endParaRPr b="0" lang="en-IN" sz="1200" spc="-1" strike="noStrike">
+            <a:endParaRPr lang="en-IN" sz="1200" b="0" strike="noStrike" spc="-1">
               <a:latin typeface="Times New Roman"/>
             </a:endParaRPr>
           </a:p>
@@ -8836,6 +9935,7 @@
           <a:bodyPr anchor="ctr">
             <a:noAutofit/>
           </a:bodyPr>
+          <a:lstStyle/>
           <a:p>
             <a:pPr algn="r">
               <a:lnSpc>
@@ -8843,15 +9943,15 @@
               </a:lnSpc>
             </a:pPr>
             <a:fld id="{E410F62A-C351-4794-8EC2-7E39B3443E86}" type="slidenum">
-              <a:rPr b="1" lang="en-IN" sz="1200" spc="-1" strike="noStrike">
-                <a:solidFill>
-                  <a:srgbClr val="2b5ff3"/>
+              <a:rPr lang="en-IN" sz="1200" b="1" strike="noStrike" spc="-1">
+                <a:solidFill>
+                  <a:srgbClr val="2B5FF3"/>
                 </a:solidFill>
                 <a:latin typeface="Calibri"/>
               </a:rPr>
               <a:t>16</a:t>
             </a:fld>
-            <a:endParaRPr b="0" lang="en-IN" sz="1200" spc="-1" strike="noStrike">
+            <a:endParaRPr lang="en-IN" sz="1200" b="0" strike="noStrike" spc="-1">
               <a:latin typeface="Times New Roman"/>
             </a:endParaRPr>
           </a:p>
@@ -8859,19 +9959,29 @@
       </p:sp>
     </p:spTree>
   </p:cSld>
-  <mc:AlternateContent>
+  <p:clrMapOvr>
+    <a:masterClrMapping/>
+  </p:clrMapOvr>
+  <mc:AlternateContent xmlns:mc="http://schemas.openxmlformats.org/markup-compatibility/2006" xmlns:p14="http://schemas.microsoft.com/office/powerpoint/2010/main">
     <mc:Choice Requires="p14">
       <p:transition spd="slow" p14:dur="2000"/>
     </mc:Choice>
-    <mc:Fallback>
+    <mc:Fallback xmlns:p15="http://schemas.microsoft.com/office/powerpoint/2012/main" xmlns="">
       <p:transition spd="slow"/>
     </mc:Fallback>
   </mc:AlternateContent>
+  <p:timing>
+    <p:tnLst>
+      <p:par>
+        <p:cTn id="1" dur="indefinite" restart="never" nodeType="tmRoot"/>
+      </p:par>
+    </p:tnLst>
+  </p:timing>
 </p:sld>
 </file>
 
 <file path=ppt/slides/slide17.xml><?xml version="1.0" encoding="utf-8"?>
-<p:sld xmlns:a="http://schemas.openxmlformats.org/drawingml/2006/main" xmlns:p="http://schemas.openxmlformats.org/presentationml/2006/main" xmlns:r="http://schemas.openxmlformats.org/officeDocument/2006/relationships" xmlns:p14="http://schemas.microsoft.com/office/powerpoint/2010/main" xmlns:p15="http://schemas.microsoft.com/office/powerpoint/2012/main" xmlns:mc="http://schemas.openxmlformats.org/markup-compatibility/2006">
+<p:sld xmlns:a="http://schemas.openxmlformats.org/drawingml/2006/main" xmlns:r="http://schemas.openxmlformats.org/officeDocument/2006/relationships" xmlns:p="http://schemas.openxmlformats.org/presentationml/2006/main">
   <p:cSld>
     <p:spTree>
       <p:nvGrpSpPr>
@@ -8910,6 +10020,7 @@
           <a:bodyPr>
             <a:normAutofit/>
           </a:bodyPr>
+          <a:lstStyle/>
           <a:p>
             <a:pPr algn="ctr">
               <a:lnSpc>
@@ -8917,7 +10028,7 @@
               </a:lnSpc>
             </a:pPr>
             <a:r>
-              <a:rPr b="1" lang="en-US" sz="4800" spc="-1" strike="noStrike">
+              <a:rPr lang="en-US" sz="4800" b="1" strike="noStrike" spc="-1">
                 <a:solidFill>
                   <a:srgbClr val="000060"/>
                 </a:solidFill>
@@ -8925,7 +10036,7 @@
               </a:rPr>
               <a:t>Question and Answer</a:t>
             </a:r>
-            <a:endParaRPr b="0" lang="en-US" sz="4800" spc="-1" strike="noStrike">
+            <a:endParaRPr lang="en-US" sz="4800" b="0" strike="noStrike" spc="-1">
               <a:solidFill>
                 <a:srgbClr val="000000"/>
               </a:solidFill>
@@ -8957,6 +10068,7 @@
           <a:bodyPr anchor="ctr">
             <a:noAutofit/>
           </a:bodyPr>
+          <a:lstStyle/>
           <a:p>
             <a:pPr>
               <a:lnSpc>
@@ -8964,15 +10076,15 @@
               </a:lnSpc>
             </a:pPr>
             <a:r>
-              <a:rPr b="1" lang="en-IN" sz="1200" spc="-1" strike="noStrike">
-                <a:solidFill>
-                  <a:srgbClr val="2b5ff3"/>
+              <a:rPr lang="en-IN" sz="1200" b="1" strike="noStrike" spc="-1">
+                <a:solidFill>
+                  <a:srgbClr val="2B5FF3"/>
                 </a:solidFill>
                 <a:latin typeface="Calibri"/>
               </a:rPr>
               <a:t>VIII Semester, Department of ISE, RNSIT</a:t>
             </a:r>
-            <a:endParaRPr b="0" lang="en-IN" sz="1200" spc="-1" strike="noStrike">
+            <a:endParaRPr lang="en-IN" sz="1200" b="0" strike="noStrike" spc="-1">
               <a:latin typeface="Times New Roman"/>
             </a:endParaRPr>
           </a:p>
@@ -9001,6 +10113,7 @@
           <a:bodyPr anchor="ctr">
             <a:noAutofit/>
           </a:bodyPr>
+          <a:lstStyle/>
           <a:p>
             <a:pPr algn="ctr">
               <a:lnSpc>
@@ -9008,15 +10121,15 @@
               </a:lnSpc>
             </a:pPr>
             <a:r>
-              <a:rPr b="1" lang="en-IN" sz="1200" spc="-1" strike="noStrike">
-                <a:solidFill>
-                  <a:srgbClr val="2b5ff3"/>
+              <a:rPr lang="en-IN" sz="1200" b="1" strike="noStrike" spc="-1">
+                <a:solidFill>
+                  <a:srgbClr val="2B5FF3"/>
                 </a:solidFill>
                 <a:latin typeface="Calibri"/>
               </a:rPr>
               <a:t>2021 - 2022</a:t>
             </a:r>
-            <a:endParaRPr b="0" lang="en-IN" sz="1200" spc="-1" strike="noStrike">
+            <a:endParaRPr lang="en-IN" sz="1200" b="0" strike="noStrike" spc="-1">
               <a:latin typeface="Times New Roman"/>
             </a:endParaRPr>
           </a:p>
@@ -9045,6 +10158,7 @@
           <a:bodyPr anchor="ctr">
             <a:noAutofit/>
           </a:bodyPr>
+          <a:lstStyle/>
           <a:p>
             <a:pPr algn="r">
               <a:lnSpc>
@@ -9052,15 +10166,15 @@
               </a:lnSpc>
             </a:pPr>
             <a:fld id="{A2964CBE-CDB8-4F7F-93F4-4D032657529D}" type="slidenum">
-              <a:rPr b="1" lang="en-IN" sz="1200" spc="-1" strike="noStrike">
-                <a:solidFill>
-                  <a:srgbClr val="2b5ff3"/>
+              <a:rPr lang="en-IN" sz="1200" b="1" strike="noStrike" spc="-1">
+                <a:solidFill>
+                  <a:srgbClr val="2B5FF3"/>
                 </a:solidFill>
                 <a:latin typeface="Calibri"/>
               </a:rPr>
               <a:t>17</a:t>
             </a:fld>
-            <a:endParaRPr b="0" lang="en-IN" sz="1200" spc="-1" strike="noStrike">
+            <a:endParaRPr lang="en-IN" sz="1200" b="0" strike="noStrike" spc="-1">
               <a:latin typeface="Times New Roman"/>
             </a:endParaRPr>
           </a:p>
@@ -9068,19 +10182,29 @@
       </p:sp>
     </p:spTree>
   </p:cSld>
-  <mc:AlternateContent>
+  <p:clrMapOvr>
+    <a:masterClrMapping/>
+  </p:clrMapOvr>
+  <mc:AlternateContent xmlns:mc="http://schemas.openxmlformats.org/markup-compatibility/2006" xmlns:p14="http://schemas.microsoft.com/office/powerpoint/2010/main">
     <mc:Choice Requires="p14">
       <p:transition spd="slow" p14:dur="2000"/>
     </mc:Choice>
-    <mc:Fallback>
+    <mc:Fallback xmlns:p15="http://schemas.microsoft.com/office/powerpoint/2012/main" xmlns="">
       <p:transition spd="slow"/>
     </mc:Fallback>
   </mc:AlternateContent>
+  <p:timing>
+    <p:tnLst>
+      <p:par>
+        <p:cTn id="1" dur="indefinite" restart="never" nodeType="tmRoot"/>
+      </p:par>
+    </p:tnLst>
+  </p:timing>
 </p:sld>
 </file>
 
 <file path=ppt/slides/slide18.xml><?xml version="1.0" encoding="utf-8"?>
-<p:sld xmlns:a="http://schemas.openxmlformats.org/drawingml/2006/main" xmlns:p="http://schemas.openxmlformats.org/presentationml/2006/main" xmlns:r="http://schemas.openxmlformats.org/officeDocument/2006/relationships" xmlns:p14="http://schemas.microsoft.com/office/powerpoint/2010/main" xmlns:p15="http://schemas.microsoft.com/office/powerpoint/2012/main" xmlns:mc="http://schemas.openxmlformats.org/markup-compatibility/2006">
+<p:sld xmlns:a="http://schemas.openxmlformats.org/drawingml/2006/main" xmlns:r="http://schemas.openxmlformats.org/officeDocument/2006/relationships" xmlns:p="http://schemas.openxmlformats.org/presentationml/2006/main">
   <p:cSld>
     <p:spTree>
       <p:nvGrpSpPr>
@@ -9119,6 +10243,7 @@
           <a:bodyPr>
             <a:normAutofit/>
           </a:bodyPr>
+          <a:lstStyle/>
           <a:p>
             <a:pPr algn="ctr">
               <a:lnSpc>
@@ -9126,7 +10251,7 @@
               </a:lnSpc>
             </a:pPr>
             <a:r>
-              <a:rPr b="1" lang="en-US" sz="4800" spc="-1" strike="noStrike">
+              <a:rPr lang="en-US" sz="4800" b="1" strike="noStrike" spc="-1">
                 <a:solidFill>
                   <a:srgbClr val="000060"/>
                 </a:solidFill>
@@ -9134,7 +10259,7 @@
               </a:rPr>
               <a:t>THANK YOU</a:t>
             </a:r>
-            <a:endParaRPr b="0" lang="en-US" sz="4800" spc="-1" strike="noStrike">
+            <a:endParaRPr lang="en-US" sz="4800" b="0" strike="noStrike" spc="-1">
               <a:solidFill>
                 <a:srgbClr val="000000"/>
               </a:solidFill>
@@ -9166,6 +10291,7 @@
           <a:bodyPr anchor="ctr">
             <a:noAutofit/>
           </a:bodyPr>
+          <a:lstStyle/>
           <a:p>
             <a:pPr>
               <a:lnSpc>
@@ -9173,15 +10299,15 @@
               </a:lnSpc>
             </a:pPr>
             <a:r>
-              <a:rPr b="1" lang="en-IN" sz="1200" spc="-1" strike="noStrike">
-                <a:solidFill>
-                  <a:srgbClr val="2b5ff3"/>
+              <a:rPr lang="en-IN" sz="1200" b="1" strike="noStrike" spc="-1">
+                <a:solidFill>
+                  <a:srgbClr val="2B5FF3"/>
                 </a:solidFill>
                 <a:latin typeface="Calibri"/>
               </a:rPr>
               <a:t>VIII Semester, Department of ISE, RNSIT</a:t>
             </a:r>
-            <a:endParaRPr b="0" lang="en-IN" sz="1200" spc="-1" strike="noStrike">
+            <a:endParaRPr lang="en-IN" sz="1200" b="0" strike="noStrike" spc="-1">
               <a:latin typeface="Times New Roman"/>
             </a:endParaRPr>
           </a:p>
@@ -9210,6 +10336,7 @@
           <a:bodyPr anchor="ctr">
             <a:noAutofit/>
           </a:bodyPr>
+          <a:lstStyle/>
           <a:p>
             <a:pPr algn="ctr">
               <a:lnSpc>
@@ -9217,15 +10344,15 @@
               </a:lnSpc>
             </a:pPr>
             <a:r>
-              <a:rPr b="1" lang="en-IN" sz="1200" spc="-1" strike="noStrike">
-                <a:solidFill>
-                  <a:srgbClr val="2b5ff3"/>
+              <a:rPr lang="en-IN" sz="1200" b="1" strike="noStrike" spc="-1">
+                <a:solidFill>
+                  <a:srgbClr val="2B5FF3"/>
                 </a:solidFill>
                 <a:latin typeface="Calibri"/>
               </a:rPr>
               <a:t>2021 - 2022</a:t>
             </a:r>
-            <a:endParaRPr b="0" lang="en-IN" sz="1200" spc="-1" strike="noStrike">
+            <a:endParaRPr lang="en-IN" sz="1200" b="0" strike="noStrike" spc="-1">
               <a:latin typeface="Times New Roman"/>
             </a:endParaRPr>
           </a:p>
@@ -9254,6 +10381,7 @@
           <a:bodyPr anchor="ctr">
             <a:noAutofit/>
           </a:bodyPr>
+          <a:lstStyle/>
           <a:p>
             <a:pPr algn="r">
               <a:lnSpc>
@@ -9261,15 +10389,15 @@
               </a:lnSpc>
             </a:pPr>
             <a:fld id="{1DCB071A-7B5B-4641-93D0-96FAE9C55F37}" type="slidenum">
-              <a:rPr b="1" lang="en-IN" sz="1200" spc="-1" strike="noStrike">
-                <a:solidFill>
-                  <a:srgbClr val="2b5ff3"/>
+              <a:rPr lang="en-IN" sz="1200" b="1" strike="noStrike" spc="-1">
+                <a:solidFill>
+                  <a:srgbClr val="2B5FF3"/>
                 </a:solidFill>
                 <a:latin typeface="Calibri"/>
               </a:rPr>
               <a:t>18</a:t>
             </a:fld>
-            <a:endParaRPr b="0" lang="en-IN" sz="1200" spc="-1" strike="noStrike">
+            <a:endParaRPr lang="en-IN" sz="1200" b="0" strike="noStrike" spc="-1">
               <a:latin typeface="Times New Roman"/>
             </a:endParaRPr>
           </a:p>
@@ -9277,19 +10405,29 @@
       </p:sp>
     </p:spTree>
   </p:cSld>
-  <mc:AlternateContent>
+  <p:clrMapOvr>
+    <a:masterClrMapping/>
+  </p:clrMapOvr>
+  <mc:AlternateContent xmlns:mc="http://schemas.openxmlformats.org/markup-compatibility/2006" xmlns:p14="http://schemas.microsoft.com/office/powerpoint/2010/main">
     <mc:Choice Requires="p14">
       <p:transition spd="slow" p14:dur="2000"/>
     </mc:Choice>
-    <mc:Fallback>
+    <mc:Fallback xmlns:p15="http://schemas.microsoft.com/office/powerpoint/2012/main" xmlns="">
       <p:transition spd="slow"/>
     </mc:Fallback>
   </mc:AlternateContent>
+  <p:timing>
+    <p:tnLst>
+      <p:par>
+        <p:cTn id="1" dur="indefinite" restart="never" nodeType="tmRoot"/>
+      </p:par>
+    </p:tnLst>
+  </p:timing>
 </p:sld>
 </file>
 
 <file path=ppt/slides/slide2.xml><?xml version="1.0" encoding="utf-8"?>
-<p:sld xmlns:a="http://schemas.openxmlformats.org/drawingml/2006/main" xmlns:p="http://schemas.openxmlformats.org/presentationml/2006/main" xmlns:r="http://schemas.openxmlformats.org/officeDocument/2006/relationships" xmlns:p14="http://schemas.microsoft.com/office/powerpoint/2010/main" xmlns:p15="http://schemas.microsoft.com/office/powerpoint/2012/main" xmlns:mc="http://schemas.openxmlformats.org/markup-compatibility/2006">
+<p:sld xmlns:a="http://schemas.openxmlformats.org/drawingml/2006/main" xmlns:r="http://schemas.openxmlformats.org/officeDocument/2006/relationships" xmlns:p="http://schemas.openxmlformats.org/presentationml/2006/main">
   <p:cSld>
     <p:spTree>
       <p:nvGrpSpPr>
@@ -9328,6 +10466,7 @@
           <a:bodyPr>
             <a:normAutofit/>
           </a:bodyPr>
+          <a:lstStyle/>
           <a:p>
             <a:pPr algn="ctr">
               <a:lnSpc>
@@ -9335,15 +10474,15 @@
               </a:lnSpc>
             </a:pPr>
             <a:r>
-              <a:rPr b="1" lang="en-US" sz="3200" spc="-1" strike="noStrike">
-                <a:solidFill>
-                  <a:srgbClr val="2f5597"/>
+              <a:rPr lang="en-US" sz="3200" b="1" strike="noStrike" spc="-1">
+                <a:solidFill>
+                  <a:srgbClr val="2F5597"/>
                 </a:solidFill>
                 <a:latin typeface="Times New Roman"/>
               </a:rPr>
               <a:t>AGENDA</a:t>
             </a:r>
-            <a:endParaRPr b="0" lang="en-US" sz="3200" spc="-1" strike="noStrike">
+            <a:endParaRPr lang="en-US" sz="3200" b="0" strike="noStrike" spc="-1">
               <a:solidFill>
                 <a:srgbClr val="000000"/>
               </a:solidFill>
@@ -9373,8 +10512,9 @@
         </p:spPr>
         <p:txBody>
           <a:bodyPr>
-            <a:normAutofit fontScale="73000"/>
-          </a:bodyPr>
+            <a:normAutofit fontScale="73000" lnSpcReduction="10000"/>
+          </a:bodyPr>
+          <a:lstStyle/>
           <a:p>
             <a:pPr marL="355680" indent="-355320">
               <a:lnSpc>
@@ -9390,7 +10530,7 @@
               <a:buChar char=""/>
             </a:pPr>
             <a:r>
-              <a:rPr b="0" lang="en-US" sz="2800" spc="-1" strike="noStrike">
+              <a:rPr lang="en-US" sz="2800" b="0" strike="noStrike" spc="-1">
                 <a:solidFill>
                   <a:srgbClr val="000000"/>
                 </a:solidFill>
@@ -9398,7 +10538,7 @@
               </a:rPr>
               <a:t>Abstract</a:t>
             </a:r>
-            <a:endParaRPr b="0" lang="en-US" sz="2800" spc="-1" strike="noStrike">
+            <a:endParaRPr lang="en-US" sz="2800" b="0" strike="noStrike" spc="-1">
               <a:solidFill>
                 <a:srgbClr val="000000"/>
               </a:solidFill>
@@ -9420,7 +10560,7 @@
               <a:buChar char=""/>
             </a:pPr>
             <a:r>
-              <a:rPr b="0" lang="en-US" sz="2800" spc="-1" strike="noStrike">
+              <a:rPr lang="en-US" sz="2800" b="0" strike="noStrike" spc="-1">
                 <a:solidFill>
                   <a:srgbClr val="000000"/>
                 </a:solidFill>
@@ -9428,7 +10568,7 @@
               </a:rPr>
               <a:t>About the Company</a:t>
             </a:r>
-            <a:endParaRPr b="0" lang="en-US" sz="2800" spc="-1" strike="noStrike">
+            <a:endParaRPr lang="en-US" sz="2800" b="0" strike="noStrike" spc="-1">
               <a:solidFill>
                 <a:srgbClr val="000000"/>
               </a:solidFill>
@@ -9450,7 +10590,7 @@
               <a:buChar char=""/>
             </a:pPr>
             <a:r>
-              <a:rPr b="0" lang="en-US" sz="2800" spc="-1" strike="noStrike">
+              <a:rPr lang="en-US" sz="2800" b="0" strike="noStrike" spc="-1">
                 <a:solidFill>
                   <a:srgbClr val="000000"/>
                 </a:solidFill>
@@ -9458,7 +10598,7 @@
               </a:rPr>
               <a:t>Introduction</a:t>
             </a:r>
-            <a:endParaRPr b="0" lang="en-US" sz="2800" spc="-1" strike="noStrike">
+            <a:endParaRPr lang="en-US" sz="2800" b="0" strike="noStrike" spc="-1">
               <a:solidFill>
                 <a:srgbClr val="000000"/>
               </a:solidFill>
@@ -9480,7 +10620,7 @@
               <a:buChar char=""/>
             </a:pPr>
             <a:r>
-              <a:rPr b="0" lang="en-US" sz="2800" spc="-1" strike="noStrike">
+              <a:rPr lang="en-US" sz="2800" b="0" strike="noStrike" spc="-1">
                 <a:solidFill>
                   <a:srgbClr val="000000"/>
                 </a:solidFill>
@@ -9488,7 +10628,7 @@
               </a:rPr>
               <a:t>Literature Survey</a:t>
             </a:r>
-            <a:endParaRPr b="0" lang="en-US" sz="2800" spc="-1" strike="noStrike">
+            <a:endParaRPr lang="en-US" sz="2800" b="0" strike="noStrike" spc="-1">
               <a:solidFill>
                 <a:srgbClr val="000000"/>
               </a:solidFill>
@@ -9510,7 +10650,7 @@
               <a:buChar char=""/>
             </a:pPr>
             <a:r>
-              <a:rPr b="0" lang="en-US" sz="2800" spc="-1" strike="noStrike">
+              <a:rPr lang="en-US" sz="2800" b="0" strike="noStrike" spc="-1">
                 <a:solidFill>
                   <a:srgbClr val="000000"/>
                 </a:solidFill>
@@ -9518,7 +10658,7 @@
               </a:rPr>
               <a:t>Requirements</a:t>
             </a:r>
-            <a:endParaRPr b="0" lang="en-US" sz="2800" spc="-1" strike="noStrike">
+            <a:endParaRPr lang="en-US" sz="2800" b="0" strike="noStrike" spc="-1">
               <a:solidFill>
                 <a:srgbClr val="000000"/>
               </a:solidFill>
@@ -9540,7 +10680,7 @@
               <a:buChar char=""/>
             </a:pPr>
             <a:r>
-              <a:rPr b="0" lang="en-US" sz="2800" spc="-1" strike="noStrike">
+              <a:rPr lang="en-US" sz="2800" b="0" strike="noStrike" spc="-1">
                 <a:solidFill>
                   <a:srgbClr val="000000"/>
                 </a:solidFill>
@@ -9548,7 +10688,7 @@
               </a:rPr>
               <a:t>System Design</a:t>
             </a:r>
-            <a:endParaRPr b="0" lang="en-US" sz="2800" spc="-1" strike="noStrike">
+            <a:endParaRPr lang="en-US" sz="2800" b="0" strike="noStrike" spc="-1">
               <a:solidFill>
                 <a:srgbClr val="000000"/>
               </a:solidFill>
@@ -9570,7 +10710,7 @@
               <a:buChar char=""/>
             </a:pPr>
             <a:r>
-              <a:rPr b="0" lang="en-US" sz="2800" spc="-1" strike="noStrike">
+              <a:rPr lang="en-US" sz="2800" b="0" strike="noStrike" spc="-1">
                 <a:solidFill>
                   <a:srgbClr val="000000"/>
                 </a:solidFill>
@@ -9578,7 +10718,7 @@
               </a:rPr>
               <a:t>Detailed Design</a:t>
             </a:r>
-            <a:endParaRPr b="0" lang="en-US" sz="2800" spc="-1" strike="noStrike">
+            <a:endParaRPr lang="en-US" sz="2800" b="0" strike="noStrike" spc="-1">
               <a:solidFill>
                 <a:srgbClr val="000000"/>
               </a:solidFill>
@@ -9600,7 +10740,7 @@
               <a:buChar char=""/>
             </a:pPr>
             <a:r>
-              <a:rPr b="0" lang="en-US" sz="2800" spc="-1" strike="noStrike">
+              <a:rPr lang="en-US" sz="2800" b="0" strike="noStrike" spc="-1">
                 <a:solidFill>
                   <a:srgbClr val="000000"/>
                 </a:solidFill>
@@ -9608,7 +10748,7 @@
               </a:rPr>
               <a:t>Implementation</a:t>
             </a:r>
-            <a:endParaRPr b="0" lang="en-US" sz="2800" spc="-1" strike="noStrike">
+            <a:endParaRPr lang="en-US" sz="2800" b="0" strike="noStrike" spc="-1">
               <a:solidFill>
                 <a:srgbClr val="000000"/>
               </a:solidFill>
@@ -9630,7 +10770,7 @@
               <a:buChar char=""/>
             </a:pPr>
             <a:r>
-              <a:rPr b="0" lang="en-US" sz="2800" spc="-1" strike="noStrike">
+              <a:rPr lang="en-US" sz="2800" b="0" strike="noStrike" spc="-1">
                 <a:solidFill>
                   <a:srgbClr val="000000"/>
                 </a:solidFill>
@@ -9638,7 +10778,7 @@
               </a:rPr>
               <a:t>Testing</a:t>
             </a:r>
-            <a:endParaRPr b="0" lang="en-US" sz="2800" spc="-1" strike="noStrike">
+            <a:endParaRPr lang="en-US" sz="2800" b="0" strike="noStrike" spc="-1">
               <a:solidFill>
                 <a:srgbClr val="000000"/>
               </a:solidFill>
@@ -9660,7 +10800,7 @@
               <a:buChar char=""/>
             </a:pPr>
             <a:r>
-              <a:rPr b="0" lang="en-US" sz="2800" spc="-1" strike="noStrike">
+              <a:rPr lang="en-US" sz="2800" b="0" strike="noStrike" spc="-1">
                 <a:solidFill>
                   <a:srgbClr val="000000"/>
                 </a:solidFill>
@@ -9668,7 +10808,7 @@
               </a:rPr>
               <a:t>Conclusion and Future Enhancements</a:t>
             </a:r>
-            <a:endParaRPr b="0" lang="en-US" sz="2800" spc="-1" strike="noStrike">
+            <a:endParaRPr lang="en-US" sz="2800" b="0" strike="noStrike" spc="-1">
               <a:solidFill>
                 <a:srgbClr val="000000"/>
               </a:solidFill>
@@ -9690,7 +10830,7 @@
               <a:buChar char=""/>
             </a:pPr>
             <a:r>
-              <a:rPr b="0" lang="en-US" sz="2800" spc="-1" strike="noStrike">
+              <a:rPr lang="en-US" sz="2800" b="0" strike="noStrike" spc="-1">
                 <a:solidFill>
                   <a:srgbClr val="000000"/>
                 </a:solidFill>
@@ -9698,7 +10838,7 @@
               </a:rPr>
               <a:t>References</a:t>
             </a:r>
-            <a:endParaRPr b="0" lang="en-US" sz="2800" spc="-1" strike="noStrike">
+            <a:endParaRPr lang="en-US" sz="2800" b="0" strike="noStrike" spc="-1">
               <a:solidFill>
                 <a:srgbClr val="000000"/>
               </a:solidFill>
@@ -9720,7 +10860,7 @@
               <a:buChar char=""/>
             </a:pPr>
             <a:r>
-              <a:rPr b="0" lang="en-US" sz="2800" spc="-1" strike="noStrike">
+              <a:rPr lang="en-US" sz="2800" b="0" strike="noStrike" spc="-1">
                 <a:solidFill>
                   <a:srgbClr val="000000"/>
                 </a:solidFill>
@@ -9728,7 +10868,7 @@
               </a:rPr>
               <a:t>Q &amp; A</a:t>
             </a:r>
-            <a:endParaRPr b="0" lang="en-US" sz="2800" spc="-1" strike="noStrike">
+            <a:endParaRPr lang="en-US" sz="2800" b="0" strike="noStrike" spc="-1">
               <a:solidFill>
                 <a:srgbClr val="000000"/>
               </a:solidFill>
@@ -9744,7 +10884,7 @@
                 <a:spcPts val="1001"/>
               </a:spcBef>
             </a:pPr>
-            <a:endParaRPr b="0" lang="en-US" sz="2800" spc="-1" strike="noStrike">
+            <a:endParaRPr lang="en-US" sz="2800" b="0" strike="noStrike" spc="-1">
               <a:solidFill>
                 <a:srgbClr val="000000"/>
               </a:solidFill>
@@ -9776,6 +10916,7 @@
           <a:bodyPr anchor="ctr">
             <a:noAutofit/>
           </a:bodyPr>
+          <a:lstStyle/>
           <a:p>
             <a:pPr>
               <a:lnSpc>
@@ -9783,15 +10924,15 @@
               </a:lnSpc>
             </a:pPr>
             <a:r>
-              <a:rPr b="1" lang="en-IN" sz="1200" spc="-1" strike="noStrike">
-                <a:solidFill>
-                  <a:srgbClr val="2b5ff3"/>
+              <a:rPr lang="en-IN" sz="1200" b="1" strike="noStrike" spc="-1">
+                <a:solidFill>
+                  <a:srgbClr val="2B5FF3"/>
                 </a:solidFill>
                 <a:latin typeface="Calibri"/>
               </a:rPr>
               <a:t>VIII Semester, Department of ISE, RNSIT</a:t>
             </a:r>
-            <a:endParaRPr b="0" lang="en-IN" sz="1200" spc="-1" strike="noStrike">
+            <a:endParaRPr lang="en-IN" sz="1200" b="0" strike="noStrike" spc="-1">
               <a:latin typeface="Times New Roman"/>
             </a:endParaRPr>
           </a:p>
@@ -9820,6 +10961,7 @@
           <a:bodyPr anchor="ctr">
             <a:noAutofit/>
           </a:bodyPr>
+          <a:lstStyle/>
           <a:p>
             <a:pPr algn="ctr">
               <a:lnSpc>
@@ -9827,15 +10969,15 @@
               </a:lnSpc>
             </a:pPr>
             <a:r>
-              <a:rPr b="1" lang="en-IN" sz="1200" spc="-1" strike="noStrike">
-                <a:solidFill>
-                  <a:srgbClr val="2b5ff3"/>
+              <a:rPr lang="en-IN" sz="1200" b="1" strike="noStrike" spc="-1">
+                <a:solidFill>
+                  <a:srgbClr val="2B5FF3"/>
                 </a:solidFill>
                 <a:latin typeface="Calibri"/>
               </a:rPr>
               <a:t>2021 - 2022</a:t>
             </a:r>
-            <a:endParaRPr b="0" lang="en-IN" sz="1200" spc="-1" strike="noStrike">
+            <a:endParaRPr lang="en-IN" sz="1200" b="0" strike="noStrike" spc="-1">
               <a:latin typeface="Times New Roman"/>
             </a:endParaRPr>
           </a:p>
@@ -9864,6 +11006,7 @@
           <a:bodyPr anchor="ctr">
             <a:noAutofit/>
           </a:bodyPr>
+          <a:lstStyle/>
           <a:p>
             <a:pPr algn="r">
               <a:lnSpc>
@@ -9871,15 +11014,15 @@
               </a:lnSpc>
             </a:pPr>
             <a:fld id="{97414FB3-A08E-4D0A-9912-26D3F09A44C4}" type="slidenum">
-              <a:rPr b="1" lang="en-IN" sz="1200" spc="-1" strike="noStrike">
-                <a:solidFill>
-                  <a:srgbClr val="2b5ff3"/>
+              <a:rPr lang="en-IN" sz="1200" b="1" strike="noStrike" spc="-1">
+                <a:solidFill>
+                  <a:srgbClr val="2B5FF3"/>
                 </a:solidFill>
                 <a:latin typeface="Calibri"/>
               </a:rPr>
               <a:t>2</a:t>
             </a:fld>
-            <a:endParaRPr b="0" lang="en-IN" sz="1200" spc="-1" strike="noStrike">
+            <a:endParaRPr lang="en-IN" sz="1200" b="0" strike="noStrike" spc="-1">
               <a:latin typeface="Times New Roman"/>
             </a:endParaRPr>
           </a:p>
@@ -9887,19 +11030,29 @@
       </p:sp>
     </p:spTree>
   </p:cSld>
-  <mc:AlternateContent>
+  <p:clrMapOvr>
+    <a:masterClrMapping/>
+  </p:clrMapOvr>
+  <mc:AlternateContent xmlns:mc="http://schemas.openxmlformats.org/markup-compatibility/2006" xmlns:p14="http://schemas.microsoft.com/office/powerpoint/2010/main">
     <mc:Choice Requires="p14">
       <p:transition spd="slow" p14:dur="2000"/>
     </mc:Choice>
-    <mc:Fallback>
+    <mc:Fallback xmlns:p15="http://schemas.microsoft.com/office/powerpoint/2012/main" xmlns="">
       <p:transition spd="slow"/>
     </mc:Fallback>
   </mc:AlternateContent>
+  <p:timing>
+    <p:tnLst>
+      <p:par>
+        <p:cTn id="1" dur="indefinite" restart="never" nodeType="tmRoot"/>
+      </p:par>
+    </p:tnLst>
+  </p:timing>
 </p:sld>
 </file>
 
 <file path=ppt/slides/slide3.xml><?xml version="1.0" encoding="utf-8"?>
-<p:sld xmlns:a="http://schemas.openxmlformats.org/drawingml/2006/main" xmlns:p="http://schemas.openxmlformats.org/presentationml/2006/main" xmlns:r="http://schemas.openxmlformats.org/officeDocument/2006/relationships" xmlns:p14="http://schemas.microsoft.com/office/powerpoint/2010/main" xmlns:p15="http://schemas.microsoft.com/office/powerpoint/2012/main" xmlns:mc="http://schemas.openxmlformats.org/markup-compatibility/2006">
+<p:sld xmlns:a="http://schemas.openxmlformats.org/drawingml/2006/main" xmlns:r="http://schemas.openxmlformats.org/officeDocument/2006/relationships" xmlns:p="http://schemas.openxmlformats.org/presentationml/2006/main">
   <p:cSld>
     <p:spTree>
       <p:nvGrpSpPr>
@@ -9938,6 +11091,7 @@
           <a:bodyPr>
             <a:noAutofit/>
           </a:bodyPr>
+          <a:lstStyle/>
           <a:p>
             <a:pPr algn="ctr">
               <a:lnSpc>
@@ -9945,16 +11099,19 @@
               </a:lnSpc>
             </a:pPr>
             <a:r>
-              <a:rPr b="1" lang="en-US" sz="3200" spc="-1" strike="noStrike">
-                <a:solidFill>
-                  <a:srgbClr val="2f5597"/>
+              <a:rPr lang="en-US" sz="3200" b="1" strike="noStrike" spc="-1">
+                <a:solidFill>
+                  <a:srgbClr val="2F5597"/>
                 </a:solidFill>
                 <a:latin typeface="Times New Roman"/>
               </a:rPr>
               <a:t>ABSTRACT</a:t>
             </a:r>
+            <a:r>
+              <a:t/>
+            </a:r>
             <a:br/>
-            <a:endParaRPr b="0" lang="en-US" sz="3200" spc="-1" strike="noStrike">
+            <a:endParaRPr lang="en-US" sz="3200" b="0" strike="noStrike" spc="-1">
               <a:solidFill>
                 <a:srgbClr val="000000"/>
               </a:solidFill>
@@ -9971,7 +11128,7 @@
         </p:nvSpPr>
         <p:spPr>
           <a:xfrm>
-            <a:off x="1738440" y="1357200"/>
+            <a:off x="1701495" y="1357200"/>
             <a:ext cx="8572320" cy="4591800"/>
           </a:xfrm>
           <a:prstGeom prst="rect">
@@ -9986,6 +11143,7 @@
           <a:bodyPr>
             <a:normAutofit/>
           </a:bodyPr>
+          <a:lstStyle/>
           <a:p>
             <a:pPr marL="355680" indent="-355320" algn="just">
               <a:lnSpc>
@@ -10001,7 +11159,7 @@
               <a:buChar char=""/>
             </a:pPr>
             <a:r>
-              <a:rPr b="1" lang="en-US" sz="2000" spc="-1" strike="noStrike">
+              <a:rPr lang="en-US" sz="2000" b="1" strike="noStrike" spc="-1" dirty="0">
                 <a:solidFill>
                   <a:srgbClr val="000000"/>
                 </a:solidFill>
@@ -10010,7 +11168,7 @@
               <a:t>Detection of </a:t>
             </a:r>
             <a:r>
-              <a:rPr b="1" i="1" lang="en-US" sz="2000" spc="-1" strike="noStrike">
+              <a:rPr lang="en-US" sz="2000" b="1" i="1" strike="noStrike" spc="-1" dirty="0">
                 <a:solidFill>
                   <a:srgbClr val="000000"/>
                 </a:solidFill>
@@ -10019,7 +11177,7 @@
               <a:t>Depression </a:t>
             </a:r>
             <a:r>
-              <a:rPr b="1" lang="en-US" sz="2000" spc="-1" strike="noStrike">
+              <a:rPr lang="en-US" sz="2000" b="1" strike="noStrike" spc="-1" dirty="0">
                 <a:solidFill>
                   <a:srgbClr val="000000"/>
                 </a:solidFill>
@@ -10027,66 +11185,79 @@
               </a:rPr>
               <a:t>from Twitter</a:t>
             </a:r>
-            <a:endParaRPr b="0" lang="en-US" sz="2000" spc="-1" strike="noStrike">
-              <a:solidFill>
-                <a:srgbClr val="000000"/>
-              </a:solidFill>
-              <a:latin typeface="Calibri"/>
-            </a:endParaRPr>
-          </a:p>
-          <a:p>
-            <a:pPr algn="just">
+            <a:endParaRPr lang="en-US" sz="2000" b="0" strike="noStrike" spc="-1" dirty="0">
+              <a:solidFill>
+                <a:srgbClr val="000000"/>
+              </a:solidFill>
+              <a:latin typeface="Calibri"/>
+            </a:endParaRPr>
+          </a:p>
+          <a:p>
+            <a:pPr marL="285750" indent="-285750" algn="just">
               <a:lnSpc>
                 <a:spcPct val="170000"/>
               </a:lnSpc>
               <a:spcBef>
                 <a:spcPts val="1001"/>
               </a:spcBef>
-            </a:pPr>
-            <a:r>
-              <a:rPr b="0" lang="en-US" sz="1500" spc="-1" strike="noStrike">
+              <a:buFont typeface="Arial" panose="020B0604020202020204" pitchFamily="34" charset="0"/>
+              <a:buChar char="•"/>
+            </a:pPr>
+            <a:r>
+              <a:rPr lang="en-US" sz="1500" b="0" strike="noStrike" spc="-1" dirty="0">
                 <a:solidFill>
                   <a:srgbClr val="000000"/>
                 </a:solidFill>
                 <a:latin typeface="Times New Roman"/>
               </a:rPr>
-              <a:t>Social networks have been developed as a great point for its users to communicate with their interested friends and share their opinions, photos, and videos reflecting their moods, feelings and sentiments. This creates an opportunity to analyze social network data for user’s feelings and sentiments to investigate their moods and attitudes when they are communicating via these online tools.</a:t>
-            </a:r>
-            <a:endParaRPr b="0" lang="en-US" sz="1500" spc="-1" strike="noStrike">
-              <a:solidFill>
-                <a:srgbClr val="000000"/>
-              </a:solidFill>
-              <a:latin typeface="Calibri"/>
-            </a:endParaRPr>
-          </a:p>
-          <a:p>
-            <a:pPr algn="just">
+              <a:t>Social networks have been developed as a great point for its users to communicate with their interested friends and share their opinions, photos, and videos reflecting their moods, feelings and sentiments. This creates an opportunity to analyze social network data for user’s feelings and sentiments to investigate their moods and attitudes when they are communicating via these online </a:t>
+            </a:r>
+            <a:r>
+              <a:rPr lang="en-US" sz="1500" b="0" strike="noStrike" spc="-1" dirty="0" smtClean="0">
+                <a:solidFill>
+                  <a:srgbClr val="000000"/>
+                </a:solidFill>
+                <a:latin typeface="Times New Roman"/>
+              </a:rPr>
+              <a:t>tools.</a:t>
+            </a:r>
+            <a:endParaRPr lang="en-US" sz="1500" spc="-1" dirty="0">
+              <a:solidFill>
+                <a:srgbClr val="000000"/>
+              </a:solidFill>
+              <a:latin typeface="Calibri"/>
+            </a:endParaRPr>
+          </a:p>
+          <a:p>
+            <a:pPr marL="285750" indent="-285750" algn="just">
               <a:lnSpc>
                 <a:spcPct val="170000"/>
               </a:lnSpc>
               <a:spcBef>
                 <a:spcPts val="1001"/>
               </a:spcBef>
-            </a:pPr>
-            <a:r>
-              <a:rPr b="0" lang="en-US" sz="1500" spc="-1" strike="noStrike">
+              <a:buFont typeface="Arial" panose="020B0604020202020204" pitchFamily="34" charset="0"/>
+              <a:buChar char="•"/>
+            </a:pPr>
+            <a:r>
+              <a:rPr lang="en-US" sz="1500" b="0" strike="noStrike" spc="-1" dirty="0" smtClean="0">
                 <a:solidFill>
                   <a:srgbClr val="000000"/>
                 </a:solidFill>
                 <a:latin typeface="Times New Roman"/>
               </a:rPr>
-              <a:t>          </a:t>
-            </a:r>
-            <a:r>
-              <a:rPr b="0" lang="en-US" sz="1500" spc="-1" strike="noStrike">
+              <a:t>Although </a:t>
+            </a:r>
+            <a:r>
+              <a:rPr lang="en-US" sz="1500" b="0" strike="noStrike" spc="-1" dirty="0">
                 <a:solidFill>
                   <a:srgbClr val="000000"/>
                 </a:solidFill>
                 <a:latin typeface="Times New Roman"/>
               </a:rPr>
-              <a:t>Although diagnosis of depression using social networks data has picked an established position globally, there are several dimensions that are yet to be detected. In this study, we aim to perform depression analysis on Twitter data collected from an online public source. To investigate the effect of depression detection, we propose machine learning technique as an efficient and scalable method.</a:t>
-            </a:r>
-            <a:endParaRPr b="0" lang="en-US" sz="1500" spc="-1" strike="noStrike">
+              <a:t>diagnosis of depression using social networks data has picked an established position globally, there are several dimensions that are yet to be detected. In this study, we aim to perform depression analysis on Twitter data collected from an online public source. To investigate the effect of depression detection, we propose machine learning technique as an efficient and scalable method.</a:t>
+            </a:r>
+            <a:endParaRPr lang="en-US" sz="1500" b="0" strike="noStrike" spc="-1" dirty="0">
               <a:solidFill>
                 <a:srgbClr val="000000"/>
               </a:solidFill>
@@ -10102,7 +11273,7 @@
                 <a:spcPts val="1001"/>
               </a:spcBef>
             </a:pPr>
-            <a:endParaRPr b="0" lang="en-US" sz="1500" spc="-1" strike="noStrike">
+            <a:endParaRPr lang="en-US" sz="1500" b="0" strike="noStrike" spc="-1" dirty="0">
               <a:solidFill>
                 <a:srgbClr val="000000"/>
               </a:solidFill>
@@ -10118,7 +11289,7 @@
                 <a:spcPts val="1001"/>
               </a:spcBef>
             </a:pPr>
-            <a:endParaRPr b="0" lang="en-US" sz="1500" spc="-1" strike="noStrike">
+            <a:endParaRPr lang="en-US" sz="1500" b="0" strike="noStrike" spc="-1" dirty="0">
               <a:solidFill>
                 <a:srgbClr val="000000"/>
               </a:solidFill>
@@ -10134,7 +11305,7 @@
                 <a:spcPts val="1001"/>
               </a:spcBef>
             </a:pPr>
-            <a:endParaRPr b="0" lang="en-US" sz="1500" spc="-1" strike="noStrike">
+            <a:endParaRPr lang="en-US" sz="1500" b="0" strike="noStrike" spc="-1" dirty="0">
               <a:solidFill>
                 <a:srgbClr val="000000"/>
               </a:solidFill>
@@ -10150,7 +11321,7 @@
                 <a:spcPts val="1001"/>
               </a:spcBef>
             </a:pPr>
-            <a:endParaRPr b="0" lang="en-US" sz="1500" spc="-1" strike="noStrike">
+            <a:endParaRPr lang="en-US" sz="1500" b="0" strike="noStrike" spc="-1" dirty="0">
               <a:solidFill>
                 <a:srgbClr val="000000"/>
               </a:solidFill>
@@ -10166,7 +11337,7 @@
                 <a:spcPts val="1001"/>
               </a:spcBef>
             </a:pPr>
-            <a:endParaRPr b="0" lang="en-US" sz="1500" spc="-1" strike="noStrike">
+            <a:endParaRPr lang="en-US" sz="1500" b="0" strike="noStrike" spc="-1" dirty="0">
               <a:solidFill>
                 <a:srgbClr val="000000"/>
               </a:solidFill>
@@ -10198,6 +11369,7 @@
           <a:bodyPr anchor="ctr">
             <a:noAutofit/>
           </a:bodyPr>
+          <a:lstStyle/>
           <a:p>
             <a:pPr>
               <a:lnSpc>
@@ -10205,15 +11377,15 @@
               </a:lnSpc>
             </a:pPr>
             <a:r>
-              <a:rPr b="1" lang="en-IN" sz="1200" spc="-1" strike="noStrike">
-                <a:solidFill>
-                  <a:srgbClr val="2b5ff3"/>
+              <a:rPr lang="en-IN" sz="1200" b="1" strike="noStrike" spc="-1">
+                <a:solidFill>
+                  <a:srgbClr val="2B5FF3"/>
                 </a:solidFill>
                 <a:latin typeface="Calibri"/>
               </a:rPr>
               <a:t>VIII Semester, Department of ISE, RNSIT</a:t>
             </a:r>
-            <a:endParaRPr b="0" lang="en-IN" sz="1200" spc="-1" strike="noStrike">
+            <a:endParaRPr lang="en-IN" sz="1200" b="0" strike="noStrike" spc="-1">
               <a:latin typeface="Times New Roman"/>
             </a:endParaRPr>
           </a:p>
@@ -10242,6 +11414,7 @@
           <a:bodyPr anchor="ctr">
             <a:noAutofit/>
           </a:bodyPr>
+          <a:lstStyle/>
           <a:p>
             <a:pPr algn="ctr">
               <a:lnSpc>
@@ -10249,15 +11422,15 @@
               </a:lnSpc>
             </a:pPr>
             <a:r>
-              <a:rPr b="1" lang="en-IN" sz="1200" spc="-1" strike="noStrike">
-                <a:solidFill>
-                  <a:srgbClr val="2b5ff3"/>
+              <a:rPr lang="en-IN" sz="1200" b="1" strike="noStrike" spc="-1">
+                <a:solidFill>
+                  <a:srgbClr val="2B5FF3"/>
                 </a:solidFill>
                 <a:latin typeface="Calibri"/>
               </a:rPr>
               <a:t>2021 - 2022</a:t>
             </a:r>
-            <a:endParaRPr b="0" lang="en-IN" sz="1200" spc="-1" strike="noStrike">
+            <a:endParaRPr lang="en-IN" sz="1200" b="0" strike="noStrike" spc="-1">
               <a:latin typeface="Times New Roman"/>
             </a:endParaRPr>
           </a:p>
@@ -10286,6 +11459,7 @@
           <a:bodyPr anchor="ctr">
             <a:noAutofit/>
           </a:bodyPr>
+          <a:lstStyle/>
           <a:p>
             <a:pPr algn="r">
               <a:lnSpc>
@@ -10293,15 +11467,15 @@
               </a:lnSpc>
             </a:pPr>
             <a:fld id="{B9A6FDE6-D170-4D54-9067-75DA6421F028}" type="slidenum">
-              <a:rPr b="1" lang="en-IN" sz="1200" spc="-1" strike="noStrike">
-                <a:solidFill>
-                  <a:srgbClr val="2b5ff3"/>
+              <a:rPr lang="en-IN" sz="1200" b="1" strike="noStrike" spc="-1">
+                <a:solidFill>
+                  <a:srgbClr val="2B5FF3"/>
                 </a:solidFill>
                 <a:latin typeface="Calibri"/>
               </a:rPr>
               <a:t>3</a:t>
             </a:fld>
-            <a:endParaRPr b="0" lang="en-IN" sz="1200" spc="-1" strike="noStrike">
+            <a:endParaRPr lang="en-IN" sz="1200" b="0" strike="noStrike" spc="-1">
               <a:latin typeface="Times New Roman"/>
             </a:endParaRPr>
           </a:p>
@@ -10309,19 +11483,29 @@
       </p:sp>
     </p:spTree>
   </p:cSld>
-  <mc:AlternateContent>
+  <p:clrMapOvr>
+    <a:masterClrMapping/>
+  </p:clrMapOvr>
+  <mc:AlternateContent xmlns:mc="http://schemas.openxmlformats.org/markup-compatibility/2006" xmlns:p14="http://schemas.microsoft.com/office/powerpoint/2010/main">
     <mc:Choice Requires="p14">
       <p:transition spd="slow" p14:dur="2000"/>
     </mc:Choice>
-    <mc:Fallback>
+    <mc:Fallback xmlns:p15="http://schemas.microsoft.com/office/powerpoint/2012/main" xmlns="">
       <p:transition spd="slow"/>
     </mc:Fallback>
   </mc:AlternateContent>
+  <p:timing>
+    <p:tnLst>
+      <p:par>
+        <p:cTn id="1" dur="indefinite" restart="never" nodeType="tmRoot"/>
+      </p:par>
+    </p:tnLst>
+  </p:timing>
 </p:sld>
 </file>
 
 <file path=ppt/slides/slide4.xml><?xml version="1.0" encoding="utf-8"?>
-<p:sld xmlns:a="http://schemas.openxmlformats.org/drawingml/2006/main" xmlns:p="http://schemas.openxmlformats.org/presentationml/2006/main" xmlns:r="http://schemas.openxmlformats.org/officeDocument/2006/relationships" xmlns:p14="http://schemas.microsoft.com/office/powerpoint/2010/main" xmlns:p15="http://schemas.microsoft.com/office/powerpoint/2012/main" xmlns:mc="http://schemas.openxmlformats.org/markup-compatibility/2006">
+<p:sld xmlns:a="http://schemas.openxmlformats.org/drawingml/2006/main" xmlns:r="http://schemas.openxmlformats.org/officeDocument/2006/relationships" xmlns:p="http://schemas.openxmlformats.org/presentationml/2006/main">
   <p:cSld>
     <p:spTree>
       <p:nvGrpSpPr>
@@ -10360,6 +11544,7 @@
           <a:bodyPr>
             <a:normAutofit/>
           </a:bodyPr>
+          <a:lstStyle/>
           <a:p>
             <a:pPr algn="ctr">
               <a:lnSpc>
@@ -10367,15 +11552,15 @@
               </a:lnSpc>
             </a:pPr>
             <a:r>
-              <a:rPr b="1" lang="en-US" sz="3200" spc="-1" strike="noStrike">
-                <a:solidFill>
-                  <a:srgbClr val="2f5597"/>
+              <a:rPr lang="en-US" sz="3200" b="1" strike="noStrike" spc="-1">
+                <a:solidFill>
+                  <a:srgbClr val="2F5597"/>
                 </a:solidFill>
                 <a:latin typeface="Times New Roman"/>
               </a:rPr>
               <a:t>About the Company</a:t>
             </a:r>
-            <a:endParaRPr b="0" lang="en-US" sz="3200" spc="-1" strike="noStrike">
+            <a:endParaRPr lang="en-US" sz="3200" b="0" strike="noStrike" spc="-1">
               <a:solidFill>
                 <a:srgbClr val="000000"/>
               </a:solidFill>
@@ -10407,6 +11592,7 @@
           <a:bodyPr>
             <a:normAutofit/>
           </a:bodyPr>
+          <a:lstStyle/>
           <a:p>
             <a:pPr algn="just">
               <a:lnSpc>
@@ -10416,57 +11602,127 @@
                 <a:spcPts val="1001"/>
               </a:spcBef>
             </a:pPr>
-            <a:endParaRPr b="0" lang="en-US" sz="2400" spc="-1" strike="noStrike">
-              <a:solidFill>
-                <a:srgbClr val="000000"/>
-              </a:solidFill>
-              <a:latin typeface="Calibri"/>
-            </a:endParaRPr>
-          </a:p>
-          <a:p>
-            <a:pPr algn="just">
+            <a:endParaRPr lang="en-US" sz="2400" b="0" strike="noStrike" spc="-1" dirty="0">
+              <a:solidFill>
+                <a:srgbClr val="000000"/>
+              </a:solidFill>
+              <a:latin typeface="Calibri"/>
+            </a:endParaRPr>
+          </a:p>
+          <a:p>
+            <a:pPr marL="342900" indent="-342900" algn="just">
               <a:lnSpc>
                 <a:spcPct val="120000"/>
               </a:lnSpc>
               <a:spcBef>
                 <a:spcPts val="1001"/>
               </a:spcBef>
-            </a:pPr>
-            <a:r>
-              <a:rPr b="0" lang="en-US" sz="2400" spc="-1" strike="noStrike">
+              <a:buFont typeface="Arial" panose="020B0604020202020204" pitchFamily="34" charset="0"/>
+              <a:buChar char="•"/>
+            </a:pPr>
+            <a:r>
+              <a:rPr lang="en-US" sz="2400" b="0" strike="noStrike" spc="-1" dirty="0">
                 <a:solidFill>
                   <a:srgbClr val="000000"/>
                 </a:solidFill>
                 <a:latin typeface="Times New Roman"/>
               </a:rPr>
-              <a:t>NASTECH is formed with the purpose of bridging the gap between Academia and Industry. </a:t>
-            </a:r>
-            <a:endParaRPr b="0" lang="en-US" sz="2400" spc="-1" strike="noStrike">
-              <a:solidFill>
-                <a:srgbClr val="000000"/>
-              </a:solidFill>
-              <a:latin typeface="Calibri"/>
-            </a:endParaRPr>
-          </a:p>
-          <a:p>
-            <a:pPr algn="just">
+              <a:t>NASTECH is formed with the purpose of bridging the gap between Academia and Industry</a:t>
+            </a:r>
+            <a:r>
+              <a:rPr lang="en-US" sz="2400" b="0" strike="noStrike" spc="-1" dirty="0" smtClean="0">
+                <a:solidFill>
+                  <a:srgbClr val="000000"/>
+                </a:solidFill>
+                <a:latin typeface="Times New Roman"/>
+              </a:rPr>
+              <a:t>.</a:t>
+            </a:r>
+          </a:p>
+          <a:p>
+            <a:pPr marL="342900" indent="-342900" algn="just">
               <a:lnSpc>
                 <a:spcPct val="120000"/>
               </a:lnSpc>
               <a:spcBef>
                 <a:spcPts val="1001"/>
               </a:spcBef>
-            </a:pPr>
-            <a:r>
-              <a:rPr b="0" lang="en-US" sz="2400" spc="-1" strike="noStrike">
+              <a:buFont typeface="Arial" panose="020B0604020202020204" pitchFamily="34" charset="0"/>
+              <a:buChar char="•"/>
+            </a:pPr>
+            <a:r>
+              <a:rPr lang="en-US" sz="2400" b="0" strike="noStrike" spc="-1" dirty="0" smtClean="0">
                 <a:solidFill>
                   <a:srgbClr val="000000"/>
                 </a:solidFill>
                 <a:latin typeface="Times New Roman"/>
               </a:rPr>
-              <a:t>Nastech is one of the leading Global Certification and Training service providers for technical and management programs for educational institutions. We collaborate with educational institutes to understand their requirements and form a strategy in consultation with all stakeholders to fulfill those by skilling , reskilling and upskilling the students and faculties on new age skills and technologies. </a:t>
-            </a:r>
-            <a:endParaRPr b="0" lang="en-US" sz="2400" spc="-1" strike="noStrike">
+              <a:t> </a:t>
+            </a:r>
+            <a:r>
+              <a:rPr lang="en-US" sz="2400" b="0" strike="noStrike" spc="-1" dirty="0" err="1" smtClean="0">
+                <a:solidFill>
+                  <a:srgbClr val="000000"/>
+                </a:solidFill>
+                <a:latin typeface="Times New Roman"/>
+              </a:rPr>
+              <a:t>Nastech</a:t>
+            </a:r>
+            <a:r>
+              <a:rPr lang="en-US" sz="2400" b="0" strike="noStrike" spc="-1" dirty="0" smtClean="0">
+                <a:solidFill>
+                  <a:srgbClr val="000000"/>
+                </a:solidFill>
+                <a:latin typeface="Times New Roman"/>
+              </a:rPr>
+              <a:t> </a:t>
+            </a:r>
+            <a:r>
+              <a:rPr lang="en-US" sz="2400" b="0" strike="noStrike" spc="-1" dirty="0">
+                <a:solidFill>
+                  <a:srgbClr val="000000"/>
+                </a:solidFill>
+                <a:latin typeface="Times New Roman"/>
+              </a:rPr>
+              <a:t>is one of the leading Global Certification and Training service providers for technical and management programs for educational institutions. </a:t>
+            </a:r>
+            <a:endParaRPr lang="en-US" sz="2400" b="0" strike="noStrike" spc="-1" dirty="0" smtClean="0">
+              <a:solidFill>
+                <a:srgbClr val="000000"/>
+              </a:solidFill>
+              <a:latin typeface="Times New Roman"/>
+            </a:endParaRPr>
+          </a:p>
+          <a:p>
+            <a:pPr marL="342900" indent="-342900" algn="just">
+              <a:lnSpc>
+                <a:spcPct val="120000"/>
+              </a:lnSpc>
+              <a:spcBef>
+                <a:spcPts val="1001"/>
+              </a:spcBef>
+              <a:buFont typeface="Arial" panose="020B0604020202020204" pitchFamily="34" charset="0"/>
+              <a:buChar char="•"/>
+            </a:pPr>
+            <a:r>
+              <a:rPr lang="en-US" sz="2400" b="0" strike="noStrike" spc="-1" dirty="0" smtClean="0">
+                <a:solidFill>
+                  <a:srgbClr val="000000"/>
+                </a:solidFill>
+                <a:latin typeface="Times New Roman"/>
+              </a:rPr>
+              <a:t>We </a:t>
+            </a:r>
+            <a:r>
+              <a:rPr lang="en-US" sz="2400" b="0" strike="noStrike" spc="-1" dirty="0">
+                <a:solidFill>
+                  <a:srgbClr val="000000"/>
+                </a:solidFill>
+                <a:latin typeface="Times New Roman"/>
+              </a:rPr>
+              <a:t>collaborate with educational institutes to understand their requirements and form a strategy in consultation with all stakeholders to fulfill those by skilling , reskilling and upskilling the students and faculties on new age skills and technologies. </a:t>
+            </a:r>
+            <a:endParaRPr lang="en-US" sz="2400" b="0" strike="noStrike" spc="-1" dirty="0">
               <a:solidFill>
                 <a:srgbClr val="000000"/>
               </a:solidFill>
@@ -10498,6 +11754,7 @@
           <a:bodyPr anchor="ctr">
             <a:noAutofit/>
           </a:bodyPr>
+          <a:lstStyle/>
           <a:p>
             <a:pPr>
               <a:lnSpc>
@@ -10505,15 +11762,15 @@
               </a:lnSpc>
             </a:pPr>
             <a:r>
-              <a:rPr b="1" lang="en-IN" sz="1200" spc="-1" strike="noStrike">
-                <a:solidFill>
-                  <a:srgbClr val="2b5ff3"/>
+              <a:rPr lang="en-IN" sz="1200" b="1" strike="noStrike" spc="-1">
+                <a:solidFill>
+                  <a:srgbClr val="2B5FF3"/>
                 </a:solidFill>
                 <a:latin typeface="Calibri"/>
               </a:rPr>
               <a:t>VIII Semester, Department of ISE, RNSIT</a:t>
             </a:r>
-            <a:endParaRPr b="0" lang="en-IN" sz="1200" spc="-1" strike="noStrike">
+            <a:endParaRPr lang="en-IN" sz="1200" b="0" strike="noStrike" spc="-1">
               <a:latin typeface="Times New Roman"/>
             </a:endParaRPr>
           </a:p>
@@ -10542,6 +11799,7 @@
           <a:bodyPr anchor="ctr">
             <a:noAutofit/>
           </a:bodyPr>
+          <a:lstStyle/>
           <a:p>
             <a:pPr algn="ctr">
               <a:lnSpc>
@@ -10549,15 +11807,15 @@
               </a:lnSpc>
             </a:pPr>
             <a:r>
-              <a:rPr b="1" lang="en-IN" sz="1200" spc="-1" strike="noStrike">
-                <a:solidFill>
-                  <a:srgbClr val="2b5ff3"/>
+              <a:rPr lang="en-IN" sz="1200" b="1" strike="noStrike" spc="-1">
+                <a:solidFill>
+                  <a:srgbClr val="2B5FF3"/>
                 </a:solidFill>
                 <a:latin typeface="Calibri"/>
               </a:rPr>
               <a:t>2021 - 2022</a:t>
             </a:r>
-            <a:endParaRPr b="0" lang="en-IN" sz="1200" spc="-1" strike="noStrike">
+            <a:endParaRPr lang="en-IN" sz="1200" b="0" strike="noStrike" spc="-1">
               <a:latin typeface="Times New Roman"/>
             </a:endParaRPr>
           </a:p>
@@ -10586,6 +11844,7 @@
           <a:bodyPr anchor="ctr">
             <a:noAutofit/>
           </a:bodyPr>
+          <a:lstStyle/>
           <a:p>
             <a:pPr algn="r">
               <a:lnSpc>
@@ -10593,15 +11852,15 @@
               </a:lnSpc>
             </a:pPr>
             <a:fld id="{8BD8D54D-FE7A-4848-9E59-C6CCBAC5B292}" type="slidenum">
-              <a:rPr b="1" lang="en-IN" sz="1200" spc="-1" strike="noStrike">
-                <a:solidFill>
-                  <a:srgbClr val="2b5ff3"/>
+              <a:rPr lang="en-IN" sz="1200" b="1" strike="noStrike" spc="-1">
+                <a:solidFill>
+                  <a:srgbClr val="2B5FF3"/>
                 </a:solidFill>
                 <a:latin typeface="Calibri"/>
               </a:rPr>
               <a:t>4</a:t>
             </a:fld>
-            <a:endParaRPr b="0" lang="en-IN" sz="1200" spc="-1" strike="noStrike">
+            <a:endParaRPr lang="en-IN" sz="1200" b="0" strike="noStrike" spc="-1">
               <a:latin typeface="Times New Roman"/>
             </a:endParaRPr>
           </a:p>
@@ -10609,19 +11868,29 @@
       </p:sp>
     </p:spTree>
   </p:cSld>
-  <mc:AlternateContent>
+  <p:clrMapOvr>
+    <a:masterClrMapping/>
+  </p:clrMapOvr>
+  <mc:AlternateContent xmlns:mc="http://schemas.openxmlformats.org/markup-compatibility/2006" xmlns:p14="http://schemas.microsoft.com/office/powerpoint/2010/main">
     <mc:Choice Requires="p14">
       <p:transition spd="slow" p14:dur="2000"/>
     </mc:Choice>
-    <mc:Fallback>
+    <mc:Fallback xmlns:p15="http://schemas.microsoft.com/office/powerpoint/2012/main" xmlns="">
       <p:transition spd="slow"/>
     </mc:Fallback>
   </mc:AlternateContent>
+  <p:timing>
+    <p:tnLst>
+      <p:par>
+        <p:cTn id="1" dur="indefinite" restart="never" nodeType="tmRoot"/>
+      </p:par>
+    </p:tnLst>
+  </p:timing>
 </p:sld>
 </file>
 
 <file path=ppt/slides/slide5.xml><?xml version="1.0" encoding="utf-8"?>
-<p:sld xmlns:a="http://schemas.openxmlformats.org/drawingml/2006/main" xmlns:p="http://schemas.openxmlformats.org/presentationml/2006/main" xmlns:r="http://schemas.openxmlformats.org/officeDocument/2006/relationships" xmlns:p14="http://schemas.microsoft.com/office/powerpoint/2010/main" xmlns:p15="http://schemas.microsoft.com/office/powerpoint/2012/main" xmlns:mc="http://schemas.openxmlformats.org/markup-compatibility/2006">
+<p:sld xmlns:a="http://schemas.openxmlformats.org/drawingml/2006/main" xmlns:r="http://schemas.openxmlformats.org/officeDocument/2006/relationships" xmlns:p="http://schemas.openxmlformats.org/presentationml/2006/main">
   <p:cSld>
     <p:spTree>
       <p:nvGrpSpPr>
@@ -10660,6 +11929,7 @@
           <a:bodyPr>
             <a:normAutofit/>
           </a:bodyPr>
+          <a:lstStyle/>
           <a:p>
             <a:pPr algn="ctr">
               <a:lnSpc>
@@ -10667,16 +11937,19 @@
               </a:lnSpc>
             </a:pPr>
             <a:r>
-              <a:rPr b="1" lang="en-US" sz="3200" spc="-1" strike="noStrike">
-                <a:solidFill>
-                  <a:srgbClr val="2f5597"/>
+              <a:rPr lang="en-US" sz="3200" b="1" strike="noStrike" spc="-1">
+                <a:solidFill>
+                  <a:srgbClr val="2F5597"/>
                 </a:solidFill>
                 <a:latin typeface="Times New Roman"/>
               </a:rPr>
               <a:t>INTRODUCTION</a:t>
             </a:r>
+            <a:r>
+              <a:t/>
+            </a:r>
             <a:br/>
-            <a:endParaRPr b="0" lang="en-US" sz="3200" spc="-1" strike="noStrike">
+            <a:endParaRPr lang="en-US" sz="3200" b="0" strike="noStrike" spc="-1">
               <a:solidFill>
                 <a:srgbClr val="000000"/>
               </a:solidFill>
@@ -10708,25 +11981,100 @@
           <a:bodyPr>
             <a:normAutofit/>
           </a:bodyPr>
-          <a:p>
-            <a:pPr algn="just">
+          <a:lstStyle/>
+          <a:p>
+            <a:pPr marL="342900" indent="-342900" algn="just">
               <a:lnSpc>
                 <a:spcPct val="120000"/>
               </a:lnSpc>
               <a:spcBef>
                 <a:spcPts val="1001"/>
               </a:spcBef>
-            </a:pPr>
-            <a:r>
-              <a:rPr b="0" lang="en-US" sz="2400" spc="-1" strike="noStrike">
+              <a:buFont typeface="Arial" panose="020B0604020202020204" pitchFamily="34" charset="0"/>
+              <a:buChar char="•"/>
+            </a:pPr>
+            <a:r>
+              <a:rPr lang="en-US" sz="2400" b="0" strike="noStrike" spc="-1" dirty="0">
                 <a:solidFill>
                   <a:srgbClr val="000000"/>
                 </a:solidFill>
                 <a:latin typeface="Times New Roman"/>
               </a:rPr>
-              <a:t>The proliferations of internet and communication technologies, especially the online social networks have rejuvenated how people interact and communicate with each other electronically. The applications such as Facebook, Twitter, Instagram and alike not only host the written and multimedia contents but also offer their users to express their feelings, emotions and sentiments about a topic, subject or an issue online. On one hand, this is great for users of social networking site to openly and freely contribute and respond to any topic online; on the other hand, it creates opportunities for people working in the health sector to get insight of what might be happening at mental state of someone who reacted to a topic in a specific manner.</a:t>
-            </a:r>
-            <a:endParaRPr b="0" lang="en-US" sz="2400" spc="-1" strike="noStrike">
+              <a:t>The proliferations of internet and communication technologies, especially the online social networks have rejuvenated how people interact and communicate with each other electronically. </a:t>
+            </a:r>
+            <a:endParaRPr lang="en-US" sz="2400" b="0" strike="noStrike" spc="-1" dirty="0" smtClean="0">
+              <a:solidFill>
+                <a:srgbClr val="000000"/>
+              </a:solidFill>
+              <a:latin typeface="Times New Roman"/>
+            </a:endParaRPr>
+          </a:p>
+          <a:p>
+            <a:pPr marL="342900" indent="-342900" algn="just">
+              <a:lnSpc>
+                <a:spcPct val="120000"/>
+              </a:lnSpc>
+              <a:spcBef>
+                <a:spcPts val="1001"/>
+              </a:spcBef>
+              <a:buFont typeface="Arial" panose="020B0604020202020204" pitchFamily="34" charset="0"/>
+              <a:buChar char="•"/>
+            </a:pPr>
+            <a:r>
+              <a:rPr lang="en-US" sz="2400" b="0" strike="noStrike" spc="-1" dirty="0" smtClean="0">
+                <a:solidFill>
+                  <a:srgbClr val="000000"/>
+                </a:solidFill>
+                <a:latin typeface="Times New Roman"/>
+              </a:rPr>
+              <a:t>The </a:t>
+            </a:r>
+            <a:r>
+              <a:rPr lang="en-US" sz="2400" b="0" strike="noStrike" spc="-1" dirty="0">
+                <a:solidFill>
+                  <a:srgbClr val="000000"/>
+                </a:solidFill>
+                <a:latin typeface="Times New Roman"/>
+              </a:rPr>
+              <a:t>applications such as Facebook, Twitter, Instagram and alike not only host the written and multimedia contents but also offer their users to express their feelings, emotions and sentiments about a topic, subject or an issue online. </a:t>
+            </a:r>
+            <a:endParaRPr lang="en-US" sz="2400" b="0" strike="noStrike" spc="-1" dirty="0" smtClean="0">
+              <a:solidFill>
+                <a:srgbClr val="000000"/>
+              </a:solidFill>
+              <a:latin typeface="Times New Roman"/>
+            </a:endParaRPr>
+          </a:p>
+          <a:p>
+            <a:pPr marL="342900" indent="-342900" algn="just">
+              <a:lnSpc>
+                <a:spcPct val="120000"/>
+              </a:lnSpc>
+              <a:spcBef>
+                <a:spcPts val="1001"/>
+              </a:spcBef>
+              <a:buFont typeface="Arial" panose="020B0604020202020204" pitchFamily="34" charset="0"/>
+              <a:buChar char="•"/>
+            </a:pPr>
+            <a:r>
+              <a:rPr lang="en-US" sz="2400" b="0" strike="noStrike" spc="-1" dirty="0" smtClean="0">
+                <a:solidFill>
+                  <a:srgbClr val="000000"/>
+                </a:solidFill>
+                <a:latin typeface="Times New Roman"/>
+              </a:rPr>
+              <a:t>On </a:t>
+            </a:r>
+            <a:r>
+              <a:rPr lang="en-US" sz="2400" b="0" strike="noStrike" spc="-1" dirty="0">
+                <a:solidFill>
+                  <a:srgbClr val="000000"/>
+                </a:solidFill>
+                <a:latin typeface="Times New Roman"/>
+              </a:rPr>
+              <a:t>one hand, this is great for users of social networking site to openly and freely contribute and respond to any topic online; on the other hand, it creates opportunities for people working in the health sector to get insight of what might be happening at mental state of someone who reacted to a topic in a specific manner.</a:t>
+            </a:r>
+            <a:endParaRPr lang="en-US" sz="2400" b="0" strike="noStrike" spc="-1" dirty="0">
               <a:solidFill>
                 <a:srgbClr val="000000"/>
               </a:solidFill>
@@ -10758,6 +12106,7 @@
           <a:bodyPr anchor="ctr">
             <a:noAutofit/>
           </a:bodyPr>
+          <a:lstStyle/>
           <a:p>
             <a:pPr>
               <a:lnSpc>
@@ -10765,15 +12114,15 @@
               </a:lnSpc>
             </a:pPr>
             <a:r>
-              <a:rPr b="1" lang="en-IN" sz="1200" spc="-1" strike="noStrike">
-                <a:solidFill>
-                  <a:srgbClr val="2b5ff3"/>
+              <a:rPr lang="en-IN" sz="1200" b="1" strike="noStrike" spc="-1">
+                <a:solidFill>
+                  <a:srgbClr val="2B5FF3"/>
                 </a:solidFill>
                 <a:latin typeface="Calibri"/>
               </a:rPr>
               <a:t>VIII Semester, Department of ISE, RNSIT</a:t>
             </a:r>
-            <a:endParaRPr b="0" lang="en-IN" sz="1200" spc="-1" strike="noStrike">
+            <a:endParaRPr lang="en-IN" sz="1200" b="0" strike="noStrike" spc="-1">
               <a:latin typeface="Times New Roman"/>
             </a:endParaRPr>
           </a:p>
@@ -10802,6 +12151,7 @@
           <a:bodyPr anchor="ctr">
             <a:noAutofit/>
           </a:bodyPr>
+          <a:lstStyle/>
           <a:p>
             <a:pPr algn="ctr">
               <a:lnSpc>
@@ -10809,15 +12159,15 @@
               </a:lnSpc>
             </a:pPr>
             <a:r>
-              <a:rPr b="1" lang="en-IN" sz="1200" spc="-1" strike="noStrike">
-                <a:solidFill>
-                  <a:srgbClr val="2b5ff3"/>
+              <a:rPr lang="en-IN" sz="1200" b="1" strike="noStrike" spc="-1">
+                <a:solidFill>
+                  <a:srgbClr val="2B5FF3"/>
                 </a:solidFill>
                 <a:latin typeface="Calibri"/>
               </a:rPr>
               <a:t>2021 - 2022</a:t>
             </a:r>
-            <a:endParaRPr b="0" lang="en-IN" sz="1200" spc="-1" strike="noStrike">
+            <a:endParaRPr lang="en-IN" sz="1200" b="0" strike="noStrike" spc="-1">
               <a:latin typeface="Times New Roman"/>
             </a:endParaRPr>
           </a:p>
@@ -10846,6 +12196,7 @@
           <a:bodyPr anchor="ctr">
             <a:noAutofit/>
           </a:bodyPr>
+          <a:lstStyle/>
           <a:p>
             <a:pPr algn="r">
               <a:lnSpc>
@@ -10853,15 +12204,15 @@
               </a:lnSpc>
             </a:pPr>
             <a:fld id="{55C9B34E-37BD-4DEF-9E37-E38754ED8761}" type="slidenum">
-              <a:rPr b="1" lang="en-IN" sz="1200" spc="-1" strike="noStrike">
-                <a:solidFill>
-                  <a:srgbClr val="2b5ff3"/>
+              <a:rPr lang="en-IN" sz="1200" b="1" strike="noStrike" spc="-1">
+                <a:solidFill>
+                  <a:srgbClr val="2B5FF3"/>
                 </a:solidFill>
                 <a:latin typeface="Calibri"/>
               </a:rPr>
               <a:t>5</a:t>
             </a:fld>
-            <a:endParaRPr b="0" lang="en-IN" sz="1200" spc="-1" strike="noStrike">
+            <a:endParaRPr lang="en-IN" sz="1200" b="0" strike="noStrike" spc="-1">
               <a:latin typeface="Times New Roman"/>
             </a:endParaRPr>
           </a:p>
@@ -10869,19 +12220,29 @@
       </p:sp>
     </p:spTree>
   </p:cSld>
-  <mc:AlternateContent>
+  <p:clrMapOvr>
+    <a:masterClrMapping/>
+  </p:clrMapOvr>
+  <mc:AlternateContent xmlns:mc="http://schemas.openxmlformats.org/markup-compatibility/2006" xmlns:p14="http://schemas.microsoft.com/office/powerpoint/2010/main">
     <mc:Choice Requires="p14">
       <p:transition spd="slow" p14:dur="2000"/>
     </mc:Choice>
-    <mc:Fallback>
+    <mc:Fallback xmlns:p15="http://schemas.microsoft.com/office/powerpoint/2012/main" xmlns="">
       <p:transition spd="slow"/>
     </mc:Fallback>
   </mc:AlternateContent>
+  <p:timing>
+    <p:tnLst>
+      <p:par>
+        <p:cTn id="1" dur="indefinite" restart="never" nodeType="tmRoot"/>
+      </p:par>
+    </p:tnLst>
+  </p:timing>
 </p:sld>
 </file>
 
 <file path=ppt/slides/slide6.xml><?xml version="1.0" encoding="utf-8"?>
-<p:sld xmlns:a="http://schemas.openxmlformats.org/drawingml/2006/main" xmlns:p="http://schemas.openxmlformats.org/presentationml/2006/main" xmlns:r="http://schemas.openxmlformats.org/officeDocument/2006/relationships" xmlns:p14="http://schemas.microsoft.com/office/powerpoint/2010/main" xmlns:p15="http://schemas.microsoft.com/office/powerpoint/2012/main" xmlns:mc="http://schemas.openxmlformats.org/markup-compatibility/2006">
+<p:sld xmlns:a="http://schemas.openxmlformats.org/drawingml/2006/main" xmlns:r="http://schemas.openxmlformats.org/officeDocument/2006/relationships" xmlns:p="http://schemas.openxmlformats.org/presentationml/2006/main">
   <p:cSld>
     <p:spTree>
       <p:nvGrpSpPr>
@@ -10920,6 +12281,7 @@
           <a:bodyPr>
             <a:normAutofit/>
           </a:bodyPr>
+          <a:lstStyle/>
           <a:p>
             <a:pPr algn="ctr">
               <a:lnSpc>
@@ -10927,15 +12289,15 @@
               </a:lnSpc>
             </a:pPr>
             <a:r>
-              <a:rPr b="1" lang="en-US" sz="3200" spc="-1" strike="noStrike">
-                <a:solidFill>
-                  <a:srgbClr val="2f5597"/>
+              <a:rPr lang="en-US" sz="3200" b="1" strike="noStrike" spc="-1">
+                <a:solidFill>
+                  <a:srgbClr val="2F5597"/>
                 </a:solidFill>
                 <a:latin typeface="Times New Roman"/>
               </a:rPr>
               <a:t>Requirements</a:t>
             </a:r>
-            <a:endParaRPr b="0" lang="en-US" sz="3200" spc="-1" strike="noStrike">
+            <a:endParaRPr lang="en-US" sz="3200" b="0" strike="noStrike" spc="-1">
               <a:solidFill>
                 <a:srgbClr val="000000"/>
               </a:solidFill>
@@ -10967,6 +12329,7 @@
           <a:bodyPr>
             <a:normAutofit/>
           </a:bodyPr>
+          <a:lstStyle/>
           <a:p>
             <a:pPr marL="355680" indent="-355320">
               <a:lnSpc>
@@ -10982,7 +12345,7 @@
               <a:buChar char=""/>
             </a:pPr>
             <a:r>
-              <a:rPr b="1" lang="en-US" sz="2800" spc="-1" strike="noStrike">
+              <a:rPr lang="en-US" sz="2800" b="1" strike="noStrike" spc="-1">
                 <a:solidFill>
                   <a:srgbClr val="000000"/>
                 </a:solidFill>
@@ -10990,7 +12353,7 @@
               </a:rPr>
               <a:t>HARDWARE REQUIREMENTS:</a:t>
             </a:r>
-            <a:endParaRPr b="0" lang="en-US" sz="2800" spc="-1" strike="noStrike">
+            <a:endParaRPr lang="en-US" sz="2800" b="0" strike="noStrike" spc="-1">
               <a:solidFill>
                 <a:srgbClr val="000000"/>
               </a:solidFill>
@@ -11012,42 +12375,15 @@
               <a:buChar char=""/>
             </a:pPr>
             <a:r>
-              <a:rPr b="1" lang="en-US" sz="1400" spc="-1" strike="noStrike">
+              <a:rPr lang="en-US" sz="1400" b="1" strike="noStrike" spc="-1">
                 <a:solidFill>
                   <a:srgbClr val="000000"/>
                 </a:solidFill>
                 <a:latin typeface="Times New Roman"/>
               </a:rPr>
-              <a:t>Processor</a:t>
-            </a:r>
-            <a:r>
-              <a:rPr b="1" lang="en-US" sz="1400" spc="-1" strike="noStrike">
-                <a:solidFill>
-                  <a:srgbClr val="000000"/>
-                </a:solidFill>
-                <a:latin typeface="Times New Roman"/>
-              </a:rPr>
-              <a:t>	</a:t>
-            </a:r>
-            <a:r>
-              <a:rPr b="1" lang="en-US" sz="1400" spc="-1" strike="noStrike">
-                <a:solidFill>
-                  <a:srgbClr val="000000"/>
-                </a:solidFill>
-                <a:latin typeface="Times New Roman"/>
-              </a:rPr>
-              <a:t>	</a:t>
-            </a:r>
-            <a:r>
-              <a:rPr b="1" lang="en-US" sz="1400" spc="-1" strike="noStrike">
-                <a:solidFill>
-                  <a:srgbClr val="000000"/>
-                </a:solidFill>
-                <a:latin typeface="Times New Roman"/>
-              </a:rPr>
-              <a:t>   :     Pentium 4 and above</a:t>
-            </a:r>
-            <a:endParaRPr b="0" lang="en-US" sz="1400" spc="-1" strike="noStrike">
+              <a:t>Processor		   :     Pentium 4 and above</a:t>
+            </a:r>
+            <a:endParaRPr lang="en-US" sz="1400" b="0" strike="noStrike" spc="-1">
               <a:solidFill>
                 <a:srgbClr val="000000"/>
               </a:solidFill>
@@ -11064,24 +12400,15 @@
               </a:spcBef>
             </a:pPr>
             <a:r>
-              <a:rPr b="1" lang="en-US" sz="1400" spc="-1" strike="noStrike">
+              <a:rPr lang="en-US" sz="1400" b="1" strike="noStrike" spc="-1">
                 <a:solidFill>
                   <a:srgbClr val="000000"/>
                 </a:solidFill>
                 <a:latin typeface="Times New Roman"/>
               </a:rPr>
-              <a:t>  </a:t>
-            </a:r>
-            <a:r>
-              <a:rPr b="1" lang="en-US" sz="1400" spc="-1" strike="noStrike">
-                <a:solidFill>
-                  <a:srgbClr val="000000"/>
-                </a:solidFill>
-                <a:latin typeface="Times New Roman"/>
-              </a:rPr>
-              <a:t>Processor Speed     :     2.4 GHz</a:t>
-            </a:r>
-            <a:endParaRPr b="0" lang="en-US" sz="1400" spc="-1" strike="noStrike">
+              <a:t>  Processor Speed     :     2.4 GHz</a:t>
+            </a:r>
+            <a:endParaRPr lang="en-US" sz="1400" b="0" strike="noStrike" spc="-1">
               <a:solidFill>
                 <a:srgbClr val="000000"/>
               </a:solidFill>
@@ -11099,24 +12426,15 @@
               </a:spcBef>
             </a:pPr>
             <a:r>
-              <a:rPr b="1" lang="en-US" sz="1400" spc="-1" strike="noStrike">
+              <a:rPr lang="en-US" sz="1400" b="1" strike="noStrike" spc="-1">
                 <a:solidFill>
                   <a:srgbClr val="000000"/>
                 </a:solidFill>
                 <a:latin typeface="Times New Roman"/>
               </a:rPr>
-              <a:t>  </a:t>
-            </a:r>
-            <a:r>
-              <a:rPr b="1" lang="en-US" sz="1400" spc="-1" strike="noStrike">
-                <a:solidFill>
-                  <a:srgbClr val="000000"/>
-                </a:solidFill>
-                <a:latin typeface="Times New Roman"/>
-              </a:rPr>
-              <a:t>RAM                       :      1GB</a:t>
-            </a:r>
-            <a:endParaRPr b="0" lang="en-US" sz="1400" spc="-1" strike="noStrike">
+              <a:t>  RAM                       :      1GB</a:t>
+            </a:r>
+            <a:endParaRPr lang="en-US" sz="1400" b="0" strike="noStrike" spc="-1">
               <a:solidFill>
                 <a:srgbClr val="000000"/>
               </a:solidFill>
@@ -11134,24 +12452,15 @@
               </a:spcBef>
             </a:pPr>
             <a:r>
-              <a:rPr b="1" lang="en-US" sz="1400" spc="-1" strike="noStrike">
+              <a:rPr lang="en-US" sz="1400" b="1" strike="noStrike" spc="-1">
                 <a:solidFill>
                   <a:srgbClr val="000000"/>
                 </a:solidFill>
                 <a:latin typeface="Times New Roman"/>
               </a:rPr>
-              <a:t>  </a:t>
-            </a:r>
-            <a:r>
-              <a:rPr b="1" lang="en-US" sz="1400" spc="-1" strike="noStrike">
-                <a:solidFill>
-                  <a:srgbClr val="000000"/>
-                </a:solidFill>
-                <a:latin typeface="Times New Roman"/>
-              </a:rPr>
-              <a:t>Storage Space        :      40GB</a:t>
-            </a:r>
-            <a:endParaRPr b="0" lang="en-US" sz="1400" spc="-1" strike="noStrike">
+              <a:t>  Storage Space        :      40GB</a:t>
+            </a:r>
+            <a:endParaRPr lang="en-US" sz="1400" b="0" strike="noStrike" spc="-1">
               <a:solidFill>
                 <a:srgbClr val="000000"/>
               </a:solidFill>
@@ -11169,24 +12478,15 @@
               </a:spcBef>
             </a:pPr>
             <a:r>
-              <a:rPr b="1" lang="en-US" sz="1400" spc="-1" strike="noStrike">
+              <a:rPr lang="en-US" sz="1400" b="1" strike="noStrike" spc="-1">
                 <a:solidFill>
                   <a:srgbClr val="000000"/>
                 </a:solidFill>
                 <a:latin typeface="Times New Roman"/>
               </a:rPr>
-              <a:t>  </a:t>
-            </a:r>
-            <a:r>
-              <a:rPr b="1" lang="en-US" sz="1400" spc="-1" strike="noStrike">
-                <a:solidFill>
-                  <a:srgbClr val="000000"/>
-                </a:solidFill>
-                <a:latin typeface="Times New Roman"/>
-              </a:rPr>
-              <a:t>Monitor                  :      1024x768 or 1280x1024</a:t>
-            </a:r>
-            <a:endParaRPr b="0" lang="en-US" sz="1400" spc="-1" strike="noStrike">
+              <a:t>  Monitor                  :      1024x768 or 1280x1024</a:t>
+            </a:r>
+            <a:endParaRPr lang="en-US" sz="1400" b="0" strike="noStrike" spc="-1">
               <a:solidFill>
                 <a:srgbClr val="000000"/>
               </a:solidFill>
@@ -11209,7 +12509,7 @@
               <a:buChar char=""/>
             </a:pPr>
             <a:r>
-              <a:rPr b="1" lang="en-US" sz="2800" spc="-1" strike="noStrike">
+              <a:rPr lang="en-US" sz="2800" b="1" strike="noStrike" spc="-1">
                 <a:solidFill>
                   <a:srgbClr val="000000"/>
                 </a:solidFill>
@@ -11217,7 +12517,7 @@
               </a:rPr>
               <a:t>SOFTWARE REQUIREMENTS:</a:t>
             </a:r>
-            <a:endParaRPr b="0" lang="en-US" sz="2800" spc="-1" strike="noStrike">
+            <a:endParaRPr lang="en-US" sz="2800" b="0" strike="noStrike" spc="-1">
               <a:solidFill>
                 <a:srgbClr val="000000"/>
               </a:solidFill>
@@ -11234,7 +12534,7 @@
               </a:spcBef>
             </a:pPr>
             <a:r>
-              <a:rPr b="1" lang="en-US" sz="1400" spc="-1" strike="noStrike">
+              <a:rPr lang="en-US" sz="1400" b="1" strike="noStrike" spc="-1">
                 <a:solidFill>
                   <a:srgbClr val="000000"/>
                 </a:solidFill>
@@ -11242,7 +12542,7 @@
               </a:rPr>
               <a:t>IDE                            :      Jupyter Notebook/Google Colab</a:t>
             </a:r>
-            <a:endParaRPr b="0" lang="en-US" sz="1400" spc="-1" strike="noStrike">
+            <a:endParaRPr lang="en-US" sz="1400" b="0" strike="noStrike" spc="-1">
               <a:solidFill>
                 <a:srgbClr val="000000"/>
               </a:solidFill>
@@ -11260,7 +12560,7 @@
               </a:spcBef>
             </a:pPr>
             <a:r>
-              <a:rPr b="1" lang="en-US" sz="1400" spc="-1" strike="noStrike">
+              <a:rPr lang="en-US" sz="1400" b="1" strike="noStrike" spc="-1">
                 <a:solidFill>
                   <a:srgbClr val="000000"/>
                 </a:solidFill>
@@ -11268,7 +12568,7 @@
               </a:rPr>
               <a:t>Interpreter                :      Python 3</a:t>
             </a:r>
-            <a:endParaRPr b="0" lang="en-US" sz="1400" spc="-1" strike="noStrike">
+            <a:endParaRPr lang="en-US" sz="1400" b="0" strike="noStrike" spc="-1">
               <a:solidFill>
                 <a:srgbClr val="000000"/>
               </a:solidFill>
@@ -11301,6 +12601,7 @@
           <a:bodyPr anchor="ctr">
             <a:noAutofit/>
           </a:bodyPr>
+          <a:lstStyle/>
           <a:p>
             <a:pPr>
               <a:lnSpc>
@@ -11308,15 +12609,15 @@
               </a:lnSpc>
             </a:pPr>
             <a:r>
-              <a:rPr b="1" lang="en-IN" sz="1200" spc="-1" strike="noStrike">
-                <a:solidFill>
-                  <a:srgbClr val="2b5ff3"/>
+              <a:rPr lang="en-IN" sz="1200" b="1" strike="noStrike" spc="-1">
+                <a:solidFill>
+                  <a:srgbClr val="2B5FF3"/>
                 </a:solidFill>
                 <a:latin typeface="Calibri"/>
               </a:rPr>
               <a:t>VIII Semester, Department of ISE, RNSIT</a:t>
             </a:r>
-            <a:endParaRPr b="0" lang="en-IN" sz="1200" spc="-1" strike="noStrike">
+            <a:endParaRPr lang="en-IN" sz="1200" b="0" strike="noStrike" spc="-1">
               <a:latin typeface="Times New Roman"/>
             </a:endParaRPr>
           </a:p>
@@ -11345,6 +12646,7 @@
           <a:bodyPr anchor="ctr">
             <a:noAutofit/>
           </a:bodyPr>
+          <a:lstStyle/>
           <a:p>
             <a:pPr algn="ctr">
               <a:lnSpc>
@@ -11352,15 +12654,15 @@
               </a:lnSpc>
             </a:pPr>
             <a:r>
-              <a:rPr b="1" lang="en-IN" sz="1200" spc="-1" strike="noStrike">
-                <a:solidFill>
-                  <a:srgbClr val="2b5ff3"/>
+              <a:rPr lang="en-IN" sz="1200" b="1" strike="noStrike" spc="-1">
+                <a:solidFill>
+                  <a:srgbClr val="2B5FF3"/>
                 </a:solidFill>
                 <a:latin typeface="Calibri"/>
               </a:rPr>
               <a:t>2021 - 2022</a:t>
             </a:r>
-            <a:endParaRPr b="0" lang="en-IN" sz="1200" spc="-1" strike="noStrike">
+            <a:endParaRPr lang="en-IN" sz="1200" b="0" strike="noStrike" spc="-1">
               <a:latin typeface="Times New Roman"/>
             </a:endParaRPr>
           </a:p>
@@ -11389,6 +12691,7 @@
           <a:bodyPr anchor="ctr">
             <a:noAutofit/>
           </a:bodyPr>
+          <a:lstStyle/>
           <a:p>
             <a:pPr algn="r">
               <a:lnSpc>
@@ -11396,15 +12699,15 @@
               </a:lnSpc>
             </a:pPr>
             <a:fld id="{F23E4000-4E42-435F-9BAB-B47DFEB23505}" type="slidenum">
-              <a:rPr b="1" lang="en-IN" sz="1200" spc="-1" strike="noStrike">
-                <a:solidFill>
-                  <a:srgbClr val="2b5ff3"/>
+              <a:rPr lang="en-IN" sz="1200" b="1" strike="noStrike" spc="-1">
+                <a:solidFill>
+                  <a:srgbClr val="2B5FF3"/>
                 </a:solidFill>
                 <a:latin typeface="Calibri"/>
               </a:rPr>
               <a:t>6</a:t>
             </a:fld>
-            <a:endParaRPr b="0" lang="en-IN" sz="1200" spc="-1" strike="noStrike">
+            <a:endParaRPr lang="en-IN" sz="1200" b="0" strike="noStrike" spc="-1">
               <a:latin typeface="Times New Roman"/>
             </a:endParaRPr>
           </a:p>
@@ -11412,19 +12715,29 @@
       </p:sp>
     </p:spTree>
   </p:cSld>
-  <mc:AlternateContent>
+  <p:clrMapOvr>
+    <a:masterClrMapping/>
+  </p:clrMapOvr>
+  <mc:AlternateContent xmlns:mc="http://schemas.openxmlformats.org/markup-compatibility/2006" xmlns:p14="http://schemas.microsoft.com/office/powerpoint/2010/main">
     <mc:Choice Requires="p14">
       <p:transition spd="slow" p14:dur="2000"/>
     </mc:Choice>
-    <mc:Fallback>
+    <mc:Fallback xmlns:p15="http://schemas.microsoft.com/office/powerpoint/2012/main" xmlns="">
       <p:transition spd="slow"/>
     </mc:Fallback>
   </mc:AlternateContent>
+  <p:timing>
+    <p:tnLst>
+      <p:par>
+        <p:cTn id="1" dur="indefinite" restart="never" nodeType="tmRoot"/>
+      </p:par>
+    </p:tnLst>
+  </p:timing>
 </p:sld>
 </file>
 
 <file path=ppt/slides/slide7.xml><?xml version="1.0" encoding="utf-8"?>
-<p:sld xmlns:a="http://schemas.openxmlformats.org/drawingml/2006/main" xmlns:p="http://schemas.openxmlformats.org/presentationml/2006/main" xmlns:r="http://schemas.openxmlformats.org/officeDocument/2006/relationships" xmlns:p14="http://schemas.microsoft.com/office/powerpoint/2010/main" xmlns:p15="http://schemas.microsoft.com/office/powerpoint/2012/main" xmlns:mc="http://schemas.openxmlformats.org/markup-compatibility/2006">
+<p:sld xmlns:a="http://schemas.openxmlformats.org/drawingml/2006/main" xmlns:r="http://schemas.openxmlformats.org/officeDocument/2006/relationships" xmlns:p="http://schemas.openxmlformats.org/presentationml/2006/main">
   <p:cSld>
     <p:spTree>
       <p:nvGrpSpPr>
@@ -11463,6 +12776,7 @@
           <a:bodyPr>
             <a:noAutofit/>
           </a:bodyPr>
+          <a:lstStyle/>
           <a:p>
             <a:pPr algn="ctr">
               <a:lnSpc>
@@ -11470,16 +12784,19 @@
               </a:lnSpc>
             </a:pPr>
             <a:r>
-              <a:rPr b="1" lang="en-US" sz="3200" spc="-1" strike="noStrike">
-                <a:solidFill>
-                  <a:srgbClr val="2f5597"/>
+              <a:rPr lang="en-US" sz="3200" b="1" strike="noStrike" spc="-1">
+                <a:solidFill>
+                  <a:srgbClr val="2F5597"/>
                 </a:solidFill>
                 <a:latin typeface="Times New Roman"/>
               </a:rPr>
               <a:t>System Design</a:t>
             </a:r>
+            <a:r>
+              <a:t/>
+            </a:r>
             <a:br/>
-            <a:endParaRPr b="0" lang="en-US" sz="3200" spc="-1" strike="noStrike">
+            <a:endParaRPr lang="en-US" sz="3200" b="0" strike="noStrike" spc="-1">
               <a:solidFill>
                 <a:srgbClr val="000000"/>
               </a:solidFill>
@@ -11511,6 +12828,7 @@
           <a:bodyPr anchor="ctr">
             <a:noAutofit/>
           </a:bodyPr>
+          <a:lstStyle/>
           <a:p>
             <a:pPr>
               <a:lnSpc>
@@ -11518,15 +12836,15 @@
               </a:lnSpc>
             </a:pPr>
             <a:r>
-              <a:rPr b="1" lang="en-IN" sz="1200" spc="-1" strike="noStrike">
-                <a:solidFill>
-                  <a:srgbClr val="2b5ff3"/>
+              <a:rPr lang="en-IN" sz="1200" b="1" strike="noStrike" spc="-1">
+                <a:solidFill>
+                  <a:srgbClr val="2B5FF3"/>
                 </a:solidFill>
                 <a:latin typeface="Calibri"/>
               </a:rPr>
               <a:t>VIII Semester, Department of ISE, RNSIT</a:t>
             </a:r>
-            <a:endParaRPr b="0" lang="en-IN" sz="1200" spc="-1" strike="noStrike">
+            <a:endParaRPr lang="en-IN" sz="1200" b="0" strike="noStrike" spc="-1">
               <a:latin typeface="Times New Roman"/>
             </a:endParaRPr>
           </a:p>
@@ -11555,6 +12873,7 @@
           <a:bodyPr anchor="ctr">
             <a:noAutofit/>
           </a:bodyPr>
+          <a:lstStyle/>
           <a:p>
             <a:pPr algn="ctr">
               <a:lnSpc>
@@ -11562,15 +12881,15 @@
               </a:lnSpc>
             </a:pPr>
             <a:r>
-              <a:rPr b="1" lang="en-IN" sz="1200" spc="-1" strike="noStrike">
-                <a:solidFill>
-                  <a:srgbClr val="2b5ff3"/>
+              <a:rPr lang="en-IN" sz="1200" b="1" strike="noStrike" spc="-1">
+                <a:solidFill>
+                  <a:srgbClr val="2B5FF3"/>
                 </a:solidFill>
                 <a:latin typeface="Calibri"/>
               </a:rPr>
               <a:t>2021 - 2022</a:t>
             </a:r>
-            <a:endParaRPr b="0" lang="en-IN" sz="1200" spc="-1" strike="noStrike">
+            <a:endParaRPr lang="en-IN" sz="1200" b="0" strike="noStrike" spc="-1">
               <a:latin typeface="Times New Roman"/>
             </a:endParaRPr>
           </a:p>
@@ -11596,9 +12915,15 @@
           </a:ln>
         </p:spPr>
         <p:style>
-          <a:lnRef idx="0"/>
-          <a:fillRef idx="0"/>
-          <a:effectRef idx="0"/>
+          <a:lnRef idx="0">
+            <a:scrgbClr r="0" g="0" b="0"/>
+          </a:lnRef>
+          <a:fillRef idx="0">
+            <a:scrgbClr r="0" g="0" b="0"/>
+          </a:fillRef>
+          <a:effectRef idx="0">
+            <a:scrgbClr r="0" g="0" b="0"/>
+          </a:effectRef>
           <a:fontRef idx="minor"/>
         </p:style>
       </p:sp>
@@ -11625,6 +12950,7 @@
           <a:bodyPr anchor="ctr">
             <a:noAutofit/>
           </a:bodyPr>
+          <a:lstStyle/>
           <a:p>
             <a:pPr algn="r">
               <a:lnSpc>
@@ -11632,15 +12958,15 @@
               </a:lnSpc>
             </a:pPr>
             <a:fld id="{F50934C3-24C6-467C-B851-5FFF6253B543}" type="slidenum">
-              <a:rPr b="1" lang="en-IN" sz="1200" spc="-1" strike="noStrike">
-                <a:solidFill>
-                  <a:srgbClr val="2b5ff3"/>
+              <a:rPr lang="en-IN" sz="1200" b="1" strike="noStrike" spc="-1">
+                <a:solidFill>
+                  <a:srgbClr val="2B5FF3"/>
                 </a:solidFill>
                 <a:latin typeface="Calibri"/>
               </a:rPr>
-              <a:t>6</a:t>
+              <a:t>7</a:t>
             </a:fld>
-            <a:endParaRPr b="0" lang="en-IN" sz="1200" spc="-1" strike="noStrike">
+            <a:endParaRPr lang="en-IN" sz="1200" b="0" strike="noStrike" spc="-1">
               <a:latin typeface="Times New Roman"/>
             </a:endParaRPr>
           </a:p>
@@ -11648,12 +12974,12 @@
       </p:sp>
       <p:pic>
         <p:nvPicPr>
-          <p:cNvPr id="131" name="" descr=""/>
+          <p:cNvPr id="131" name="Picture 130"/>
           <p:cNvPicPr/>
           <p:nvPr/>
         </p:nvPicPr>
         <p:blipFill>
-          <a:blip r:embed="rId1"/>
+          <a:blip r:embed="rId3"/>
           <a:stretch/>
         </p:blipFill>
         <p:spPr>
@@ -11671,19 +12997,29 @@
       </p:pic>
     </p:spTree>
   </p:cSld>
-  <mc:AlternateContent>
+  <p:clrMapOvr>
+    <a:masterClrMapping/>
+  </p:clrMapOvr>
+  <mc:AlternateContent xmlns:mc="http://schemas.openxmlformats.org/markup-compatibility/2006" xmlns:p14="http://schemas.microsoft.com/office/powerpoint/2010/main">
     <mc:Choice Requires="p14">
       <p:transition spd="slow" p14:dur="2000"/>
     </mc:Choice>
-    <mc:Fallback>
+    <mc:Fallback xmlns:p15="http://schemas.microsoft.com/office/powerpoint/2012/main" xmlns="">
       <p:transition spd="slow"/>
     </mc:Fallback>
   </mc:AlternateContent>
+  <p:timing>
+    <p:tnLst>
+      <p:par>
+        <p:cTn id="1" dur="indefinite" restart="never" nodeType="tmRoot"/>
+      </p:par>
+    </p:tnLst>
+  </p:timing>
 </p:sld>
 </file>
 
 <file path=ppt/slides/slide8.xml><?xml version="1.0" encoding="utf-8"?>
-<p:sld xmlns:a="http://schemas.openxmlformats.org/drawingml/2006/main" xmlns:p="http://schemas.openxmlformats.org/presentationml/2006/main" xmlns:r="http://schemas.openxmlformats.org/officeDocument/2006/relationships" xmlns:p14="http://schemas.microsoft.com/office/powerpoint/2010/main" xmlns:p15="http://schemas.microsoft.com/office/powerpoint/2012/main" xmlns:mc="http://schemas.openxmlformats.org/markup-compatibility/2006">
+<p:sld xmlns:a="http://schemas.openxmlformats.org/drawingml/2006/main" xmlns:r="http://schemas.openxmlformats.org/officeDocument/2006/relationships" xmlns:p="http://schemas.openxmlformats.org/presentationml/2006/main">
   <p:cSld>
     <p:spTree>
       <p:nvGrpSpPr>
@@ -11722,6 +13058,7 @@
           <a:bodyPr>
             <a:noAutofit/>
           </a:bodyPr>
+          <a:lstStyle/>
           <a:p>
             <a:pPr algn="ctr">
               <a:lnSpc>
@@ -11729,15 +13066,15 @@
               </a:lnSpc>
             </a:pPr>
             <a:r>
-              <a:rPr b="1" lang="en-US" sz="3200" spc="-1" strike="noStrike">
-                <a:solidFill>
-                  <a:srgbClr val="2f5597"/>
+              <a:rPr lang="en-US" sz="3200" b="1" strike="noStrike" spc="-1">
+                <a:solidFill>
+                  <a:srgbClr val="2F5597"/>
                 </a:solidFill>
                 <a:latin typeface="Times New Roman"/>
               </a:rPr>
               <a:t>Implementation / Coding</a:t>
             </a:r>
-            <a:endParaRPr b="0" lang="en-US" sz="3200" spc="-1" strike="noStrike">
+            <a:endParaRPr lang="en-US" sz="3200" b="0" strike="noStrike" spc="-1">
               <a:solidFill>
                 <a:srgbClr val="000000"/>
               </a:solidFill>
@@ -11769,6 +13106,7 @@
           <a:bodyPr anchor="ctr">
             <a:noAutofit/>
           </a:bodyPr>
+          <a:lstStyle/>
           <a:p>
             <a:pPr>
               <a:lnSpc>
@@ -11776,15 +13114,15 @@
               </a:lnSpc>
             </a:pPr>
             <a:r>
-              <a:rPr b="1" lang="en-IN" sz="1200" spc="-1" strike="noStrike">
-                <a:solidFill>
-                  <a:srgbClr val="2b5ff3"/>
+              <a:rPr lang="en-IN" sz="1200" b="1" strike="noStrike" spc="-1">
+                <a:solidFill>
+                  <a:srgbClr val="2B5FF3"/>
                 </a:solidFill>
                 <a:latin typeface="Calibri"/>
               </a:rPr>
               <a:t>VIII Semester, Department of ISE, RNSIT</a:t>
             </a:r>
-            <a:endParaRPr b="0" lang="en-IN" sz="1200" spc="-1" strike="noStrike">
+            <a:endParaRPr lang="en-IN" sz="1200" b="0" strike="noStrike" spc="-1">
               <a:latin typeface="Times New Roman"/>
             </a:endParaRPr>
           </a:p>
@@ -11813,6 +13151,7 @@
           <a:bodyPr anchor="ctr">
             <a:noAutofit/>
           </a:bodyPr>
+          <a:lstStyle/>
           <a:p>
             <a:pPr algn="ctr">
               <a:lnSpc>
@@ -11820,15 +13159,15 @@
               </a:lnSpc>
             </a:pPr>
             <a:r>
-              <a:rPr b="1" lang="en-IN" sz="1200" spc="-1" strike="noStrike">
-                <a:solidFill>
-                  <a:srgbClr val="2b5ff3"/>
+              <a:rPr lang="en-IN" sz="1200" b="1" strike="noStrike" spc="-1">
+                <a:solidFill>
+                  <a:srgbClr val="2B5FF3"/>
                 </a:solidFill>
                 <a:latin typeface="Calibri"/>
               </a:rPr>
               <a:t>2021 - 2022</a:t>
             </a:r>
-            <a:endParaRPr b="0" lang="en-IN" sz="1200" spc="-1" strike="noStrike">
+            <a:endParaRPr lang="en-IN" sz="1200" b="0" strike="noStrike" spc="-1">
               <a:latin typeface="Times New Roman"/>
             </a:endParaRPr>
           </a:p>
@@ -11854,9 +13193,15 @@
           </a:ln>
         </p:spPr>
         <p:style>
-          <a:lnRef idx="0"/>
-          <a:fillRef idx="0"/>
-          <a:effectRef idx="0"/>
+          <a:lnRef idx="0">
+            <a:scrgbClr r="0" g="0" b="0"/>
+          </a:lnRef>
+          <a:fillRef idx="0">
+            <a:scrgbClr r="0" g="0" b="0"/>
+          </a:fillRef>
+          <a:effectRef idx="0">
+            <a:scrgbClr r="0" g="0" b="0"/>
+          </a:effectRef>
           <a:fontRef idx="minor"/>
         </p:style>
       </p:sp>
@@ -11883,6 +13228,7 @@
           <a:bodyPr anchor="ctr">
             <a:noAutofit/>
           </a:bodyPr>
+          <a:lstStyle/>
           <a:p>
             <a:pPr algn="r">
               <a:lnSpc>
@@ -11890,15 +13236,15 @@
               </a:lnSpc>
             </a:pPr>
             <a:fld id="{483DC211-BF2A-4C95-B4A6-A96A9083B2D3}" type="slidenum">
-              <a:rPr b="1" lang="en-IN" sz="1200" spc="-1" strike="noStrike">
-                <a:solidFill>
-                  <a:srgbClr val="2b5ff3"/>
+              <a:rPr lang="en-IN" sz="1200" b="1" strike="noStrike" spc="-1">
+                <a:solidFill>
+                  <a:srgbClr val="2B5FF3"/>
                 </a:solidFill>
                 <a:latin typeface="Calibri"/>
               </a:rPr>
-              <a:t>6</a:t>
+              <a:t>8</a:t>
             </a:fld>
-            <a:endParaRPr b="0" lang="en-IN" sz="1200" spc="-1" strike="noStrike">
+            <a:endParaRPr lang="en-IN" sz="1200" b="0" strike="noStrike" spc="-1">
               <a:latin typeface="Times New Roman"/>
             </a:endParaRPr>
           </a:p>
@@ -11906,12 +13252,12 @@
       </p:sp>
       <p:pic>
         <p:nvPicPr>
-          <p:cNvPr id="137" name="" descr=""/>
+          <p:cNvPr id="137" name="Picture 136"/>
           <p:cNvPicPr/>
           <p:nvPr/>
         </p:nvPicPr>
         <p:blipFill>
-          <a:blip r:embed="rId1"/>
+          <a:blip r:embed="rId3"/>
           <a:stretch/>
         </p:blipFill>
         <p:spPr>
@@ -11929,12 +13275,12 @@
       </p:pic>
       <p:pic>
         <p:nvPicPr>
-          <p:cNvPr id="138" name="" descr=""/>
+          <p:cNvPr id="138" name="Picture 137"/>
           <p:cNvPicPr/>
           <p:nvPr/>
         </p:nvPicPr>
         <p:blipFill>
-          <a:blip r:embed="rId2"/>
+          <a:blip r:embed="rId4"/>
           <a:stretch/>
         </p:blipFill>
         <p:spPr>
@@ -11952,19 +13298,29 @@
       </p:pic>
     </p:spTree>
   </p:cSld>
-  <mc:AlternateContent>
+  <p:clrMapOvr>
+    <a:masterClrMapping/>
+  </p:clrMapOvr>
+  <mc:AlternateContent xmlns:mc="http://schemas.openxmlformats.org/markup-compatibility/2006" xmlns:p14="http://schemas.microsoft.com/office/powerpoint/2010/main">
     <mc:Choice Requires="p14">
       <p:transition spd="slow" p14:dur="2000"/>
     </mc:Choice>
-    <mc:Fallback>
+    <mc:Fallback xmlns:p15="http://schemas.microsoft.com/office/powerpoint/2012/main" xmlns="">
       <p:transition spd="slow"/>
     </mc:Fallback>
   </mc:AlternateContent>
+  <p:timing>
+    <p:tnLst>
+      <p:par>
+        <p:cTn id="1" dur="indefinite" restart="never" nodeType="tmRoot"/>
+      </p:par>
+    </p:tnLst>
+  </p:timing>
 </p:sld>
 </file>
 
 <file path=ppt/slides/slide9.xml><?xml version="1.0" encoding="utf-8"?>
-<p:sld xmlns:a="http://schemas.openxmlformats.org/drawingml/2006/main" xmlns:p="http://schemas.openxmlformats.org/presentationml/2006/main" xmlns:r="http://schemas.openxmlformats.org/officeDocument/2006/relationships" xmlns:p14="http://schemas.microsoft.com/office/powerpoint/2010/main" xmlns:p15="http://schemas.microsoft.com/office/powerpoint/2012/main" xmlns:mc="http://schemas.openxmlformats.org/markup-compatibility/2006">
+<p:sld xmlns:a="http://schemas.openxmlformats.org/drawingml/2006/main" xmlns:r="http://schemas.openxmlformats.org/officeDocument/2006/relationships" xmlns:p="http://schemas.openxmlformats.org/presentationml/2006/main">
   <p:cSld>
     <p:spTree>
       <p:nvGrpSpPr>
@@ -12003,6 +13359,7 @@
           <a:bodyPr>
             <a:noAutofit/>
           </a:bodyPr>
+          <a:lstStyle/>
           <a:p>
             <a:pPr algn="ctr">
               <a:lnSpc>
@@ -12010,15 +13367,15 @@
               </a:lnSpc>
             </a:pPr>
             <a:r>
-              <a:rPr b="1" lang="en-US" sz="3200" spc="-1" strike="noStrike">
-                <a:solidFill>
-                  <a:srgbClr val="2f5597"/>
+              <a:rPr lang="en-US" sz="3200" b="1" strike="noStrike" spc="-1">
+                <a:solidFill>
+                  <a:srgbClr val="2F5597"/>
                 </a:solidFill>
                 <a:latin typeface="Times New Roman"/>
               </a:rPr>
               <a:t>Implementation / Coding</a:t>
             </a:r>
-            <a:endParaRPr b="0" lang="en-US" sz="3200" spc="-1" strike="noStrike">
+            <a:endParaRPr lang="en-US" sz="3200" b="0" strike="noStrike" spc="-1">
               <a:solidFill>
                 <a:srgbClr val="000000"/>
               </a:solidFill>
@@ -12050,6 +13407,7 @@
           <a:bodyPr anchor="ctr">
             <a:noAutofit/>
           </a:bodyPr>
+          <a:lstStyle/>
           <a:p>
             <a:pPr>
               <a:lnSpc>
@@ -12057,15 +13415,15 @@
               </a:lnSpc>
             </a:pPr>
             <a:r>
-              <a:rPr b="1" lang="en-IN" sz="1200" spc="-1" strike="noStrike">
-                <a:solidFill>
-                  <a:srgbClr val="2b5ff3"/>
+              <a:rPr lang="en-IN" sz="1200" b="1" strike="noStrike" spc="-1">
+                <a:solidFill>
+                  <a:srgbClr val="2B5FF3"/>
                 </a:solidFill>
                 <a:latin typeface="Calibri"/>
               </a:rPr>
               <a:t>VIII Semester, Department of ISE, RNSIT</a:t>
             </a:r>
-            <a:endParaRPr b="0" lang="en-IN" sz="1200" spc="-1" strike="noStrike">
+            <a:endParaRPr lang="en-IN" sz="1200" b="0" strike="noStrike" spc="-1">
               <a:latin typeface="Times New Roman"/>
             </a:endParaRPr>
           </a:p>
@@ -12094,6 +13452,7 @@
           <a:bodyPr anchor="ctr">
             <a:noAutofit/>
           </a:bodyPr>
+          <a:lstStyle/>
           <a:p>
             <a:pPr algn="ctr">
               <a:lnSpc>
@@ -12101,15 +13460,15 @@
               </a:lnSpc>
             </a:pPr>
             <a:r>
-              <a:rPr b="1" lang="en-IN" sz="1200" spc="-1" strike="noStrike">
-                <a:solidFill>
-                  <a:srgbClr val="2b5ff3"/>
+              <a:rPr lang="en-IN" sz="1200" b="1" strike="noStrike" spc="-1">
+                <a:solidFill>
+                  <a:srgbClr val="2B5FF3"/>
                 </a:solidFill>
                 <a:latin typeface="Calibri"/>
               </a:rPr>
               <a:t>2021 - 2022</a:t>
             </a:r>
-            <a:endParaRPr b="0" lang="en-IN" sz="1200" spc="-1" strike="noStrike">
+            <a:endParaRPr lang="en-IN" sz="1200" b="0" strike="noStrike" spc="-1">
               <a:latin typeface="Times New Roman"/>
             </a:endParaRPr>
           </a:p>
@@ -12135,9 +13494,15 @@
           </a:ln>
         </p:spPr>
         <p:style>
-          <a:lnRef idx="0"/>
-          <a:fillRef idx="0"/>
-          <a:effectRef idx="0"/>
+          <a:lnRef idx="0">
+            <a:scrgbClr r="0" g="0" b="0"/>
+          </a:lnRef>
+          <a:fillRef idx="0">
+            <a:scrgbClr r="0" g="0" b="0"/>
+          </a:fillRef>
+          <a:effectRef idx="0">
+            <a:scrgbClr r="0" g="0" b="0"/>
+          </a:effectRef>
           <a:fontRef idx="minor"/>
         </p:style>
       </p:sp>
@@ -12164,6 +13529,7 @@
           <a:bodyPr anchor="ctr">
             <a:noAutofit/>
           </a:bodyPr>
+          <a:lstStyle/>
           <a:p>
             <a:pPr algn="r">
               <a:lnSpc>
@@ -12171,15 +13537,15 @@
               </a:lnSpc>
             </a:pPr>
             <a:fld id="{FDB237EE-5418-4570-9BFD-91C47F5AC0A0}" type="slidenum">
-              <a:rPr b="1" lang="en-IN" sz="1200" spc="-1" strike="noStrike">
-                <a:solidFill>
-                  <a:srgbClr val="2b5ff3"/>
+              <a:rPr lang="en-IN" sz="1200" b="1" strike="noStrike" spc="-1">
+                <a:solidFill>
+                  <a:srgbClr val="2B5FF3"/>
                 </a:solidFill>
                 <a:latin typeface="Calibri"/>
               </a:rPr>
-              <a:t>6</a:t>
+              <a:t>9</a:t>
             </a:fld>
-            <a:endParaRPr b="0" lang="en-IN" sz="1200" spc="-1" strike="noStrike">
+            <a:endParaRPr lang="en-IN" sz="1200" b="0" strike="noStrike" spc="-1">
               <a:latin typeface="Times New Roman"/>
             </a:endParaRPr>
           </a:p>
@@ -12187,12 +13553,12 @@
       </p:sp>
       <p:pic>
         <p:nvPicPr>
-          <p:cNvPr id="144" name="" descr=""/>
+          <p:cNvPr id="144" name="Picture 143"/>
           <p:cNvPicPr/>
           <p:nvPr/>
         </p:nvPicPr>
         <p:blipFill>
-          <a:blip r:embed="rId1"/>
+          <a:blip r:embed="rId3"/>
           <a:stretch/>
         </p:blipFill>
         <p:spPr>
@@ -12210,14 +13576,24 @@
       </p:pic>
     </p:spTree>
   </p:cSld>
-  <mc:AlternateContent>
+  <p:clrMapOvr>
+    <a:masterClrMapping/>
+  </p:clrMapOvr>
+  <mc:AlternateContent xmlns:mc="http://schemas.openxmlformats.org/markup-compatibility/2006" xmlns:p14="http://schemas.microsoft.com/office/powerpoint/2010/main">
     <mc:Choice Requires="p14">
       <p:transition spd="slow" p14:dur="2000"/>
     </mc:Choice>
-    <mc:Fallback>
+    <mc:Fallback xmlns:p15="http://schemas.microsoft.com/office/powerpoint/2012/main" xmlns="">
       <p:transition spd="slow"/>
     </mc:Fallback>
   </mc:AlternateContent>
+  <p:timing>
+    <p:tnLst>
+      <p:par>
+        <p:cTn id="1" dur="indefinite" restart="never" nodeType="tmRoot"/>
+      </p:par>
+    </p:tnLst>
+  </p:timing>
 </p:sld>
 </file>
 
@@ -12232,34 +13608,34 @@
         <a:sysClr val="window" lastClr="FFFFFF"/>
       </a:lt1>
       <a:dk2>
-        <a:srgbClr val="44546a"/>
+        <a:srgbClr val="44546A"/>
       </a:dk2>
       <a:lt2>
-        <a:srgbClr val="e7e6e6"/>
+        <a:srgbClr val="E7E6E6"/>
       </a:lt2>
       <a:accent1>
-        <a:srgbClr val="4472c4"/>
+        <a:srgbClr val="4472C4"/>
       </a:accent1>
       <a:accent2>
-        <a:srgbClr val="ed7d31"/>
+        <a:srgbClr val="ED7D31"/>
       </a:accent2>
       <a:accent3>
-        <a:srgbClr val="a5a5a5"/>
+        <a:srgbClr val="A5A5A5"/>
       </a:accent3>
       <a:accent4>
-        <a:srgbClr val="ffc000"/>
+        <a:srgbClr val="FFC000"/>
       </a:accent4>
       <a:accent5>
-        <a:srgbClr val="5b9bd5"/>
+        <a:srgbClr val="5B9BD5"/>
       </a:accent5>
       <a:accent6>
-        <a:srgbClr val="70ad47"/>
+        <a:srgbClr val="70AD47"/>
       </a:accent6>
       <a:hlink>
-        <a:srgbClr val="0563c1"/>
+        <a:srgbClr val="0563C1"/>
       </a:hlink>
       <a:folHlink>
-        <a:srgbClr val="954f72"/>
+        <a:srgbClr val="954F72"/>
       </a:folHlink>
     </a:clrScheme>
     <a:fontScheme name="Office">
@@ -12441,6 +13817,8 @@
       </a:bgFillStyleLst>
     </a:fmtScheme>
   </a:themeElements>
+  <a:objectDefaults/>
+  <a:extraClrSchemeLst/>
 </a:theme>
 </file>
 
@@ -12455,34 +13833,34 @@
         <a:sysClr val="window" lastClr="FFFFFF"/>
       </a:lt1>
       <a:dk2>
-        <a:srgbClr val="44546a"/>
+        <a:srgbClr val="44546A"/>
       </a:dk2>
       <a:lt2>
-        <a:srgbClr val="e7e6e6"/>
+        <a:srgbClr val="E7E6E6"/>
       </a:lt2>
       <a:accent1>
-        <a:srgbClr val="4472c4"/>
+        <a:srgbClr val="4472C4"/>
       </a:accent1>
       <a:accent2>
-        <a:srgbClr val="ed7d31"/>
+        <a:srgbClr val="ED7D31"/>
       </a:accent2>
       <a:accent3>
-        <a:srgbClr val="a5a5a5"/>
+        <a:srgbClr val="A5A5A5"/>
       </a:accent3>
       <a:accent4>
-        <a:srgbClr val="ffc000"/>
+        <a:srgbClr val="FFC000"/>
       </a:accent4>
       <a:accent5>
-        <a:srgbClr val="5b9bd5"/>
+        <a:srgbClr val="5B9BD5"/>
       </a:accent5>
       <a:accent6>
-        <a:srgbClr val="70ad47"/>
+        <a:srgbClr val="70AD47"/>
       </a:accent6>
       <a:hlink>
-        <a:srgbClr val="0563c1"/>
+        <a:srgbClr val="0563C1"/>
       </a:hlink>
       <a:folHlink>
-        <a:srgbClr val="954f72"/>
+        <a:srgbClr val="954F72"/>
       </a:folHlink>
     </a:clrScheme>
     <a:fontScheme name="Office">
@@ -12664,6 +14042,8 @@
       </a:bgFillStyleLst>
     </a:fmtScheme>
   </a:themeElements>
+  <a:objectDefaults/>
+  <a:extraClrSchemeLst/>
 </a:theme>
 </file>
 
@@ -12678,34 +14058,34 @@
         <a:sysClr val="window" lastClr="FFFFFF"/>
       </a:lt1>
       <a:dk2>
-        <a:srgbClr val="44546a"/>
+        <a:srgbClr val="44546A"/>
       </a:dk2>
       <a:lt2>
-        <a:srgbClr val="e7e6e6"/>
+        <a:srgbClr val="E7E6E6"/>
       </a:lt2>
       <a:accent1>
-        <a:srgbClr val="4472c4"/>
+        <a:srgbClr val="4472C4"/>
       </a:accent1>
       <a:accent2>
-        <a:srgbClr val="ed7d31"/>
+        <a:srgbClr val="ED7D31"/>
       </a:accent2>
       <a:accent3>
-        <a:srgbClr val="a5a5a5"/>
+        <a:srgbClr val="A5A5A5"/>
       </a:accent3>
       <a:accent4>
-        <a:srgbClr val="ffc000"/>
+        <a:srgbClr val="FFC000"/>
       </a:accent4>
       <a:accent5>
-        <a:srgbClr val="5b9bd5"/>
+        <a:srgbClr val="5B9BD5"/>
       </a:accent5>
       <a:accent6>
-        <a:srgbClr val="70ad47"/>
+        <a:srgbClr val="70AD47"/>
       </a:accent6>
       <a:hlink>
-        <a:srgbClr val="0563c1"/>
+        <a:srgbClr val="0563C1"/>
       </a:hlink>
       <a:folHlink>
-        <a:srgbClr val="954f72"/>
+        <a:srgbClr val="954F72"/>
       </a:folHlink>
     </a:clrScheme>
     <a:fontScheme name="Office">
@@ -12887,5 +14267,7 @@
       </a:bgFillStyleLst>
     </a:fmtScheme>
   </a:themeElements>
+  <a:objectDefaults/>
+  <a:extraClrSchemeLst/>
 </a:theme>
 </file>